--- a/Presentation/Isolated_presentation.pptx
+++ b/Presentation/Isolated_presentation.pptx
@@ -5,10 +5,10 @@
     <p:sldMasterId id="2147483886" r:id="rId1"/>
   </p:sldMasterIdLst>
   <p:notesMasterIdLst>
-    <p:notesMasterId r:id="rId8"/>
+    <p:notesMasterId r:id="rId18"/>
   </p:notesMasterIdLst>
   <p:handoutMasterIdLst>
-    <p:handoutMasterId r:id="rId9"/>
+    <p:handoutMasterId r:id="rId19"/>
   </p:handoutMasterIdLst>
   <p:sldIdLst>
     <p:sldId id="299" r:id="rId2"/>
@@ -17,6 +17,16 @@
     <p:sldId id="302" r:id="rId5"/>
     <p:sldId id="304" r:id="rId6"/>
     <p:sldId id="303" r:id="rId7"/>
+    <p:sldId id="305" r:id="rId8"/>
+    <p:sldId id="306" r:id="rId9"/>
+    <p:sldId id="307" r:id="rId10"/>
+    <p:sldId id="308" r:id="rId11"/>
+    <p:sldId id="309" r:id="rId12"/>
+    <p:sldId id="310" r:id="rId13"/>
+    <p:sldId id="311" r:id="rId14"/>
+    <p:sldId id="312" r:id="rId15"/>
+    <p:sldId id="313" r:id="rId16"/>
+    <p:sldId id="314" r:id="rId17"/>
   </p:sldIdLst>
   <p:sldSz cx="9144000" cy="6858000" type="screen4x3"/>
   <p:notesSz cx="6858000" cy="9144000"/>
@@ -162,6 +172,4060 @@
     </p:ext>
   </p:extLst>
 </p:presentation>
+</file>
+
+<file path=ppt/diagrams/colors1.xml><?xml version="1.0" encoding="utf-8"?>
+<dgm:colorsDef xmlns:dgm="http://schemas.openxmlformats.org/drawingml/2006/diagram" xmlns:a="http://schemas.openxmlformats.org/drawingml/2006/main" uniqueId="urn:microsoft.com/office/officeart/2005/8/colors/accent0_1">
+  <dgm:title val=""/>
+  <dgm:desc val=""/>
+  <dgm:catLst>
+    <dgm:cat type="mainScheme" pri="10100"/>
+  </dgm:catLst>
+  <dgm:styleLbl name="node0">
+    <dgm:fillClrLst meth="repeat">
+      <a:schemeClr val="lt1"/>
+    </dgm:fillClrLst>
+    <dgm:linClrLst meth="repeat">
+      <a:schemeClr val="dk1">
+        <a:shade val="80000"/>
+      </a:schemeClr>
+    </dgm:linClrLst>
+    <dgm:effectClrLst/>
+    <dgm:txLinClrLst/>
+    <dgm:txFillClrLst meth="repeat">
+      <a:schemeClr val="dk1"/>
+    </dgm:txFillClrLst>
+    <dgm:txEffectClrLst/>
+  </dgm:styleLbl>
+  <dgm:styleLbl name="node1">
+    <dgm:fillClrLst meth="repeat">
+      <a:schemeClr val="lt1"/>
+    </dgm:fillClrLst>
+    <dgm:linClrLst meth="repeat">
+      <a:schemeClr val="dk1">
+        <a:shade val="80000"/>
+      </a:schemeClr>
+    </dgm:linClrLst>
+    <dgm:effectClrLst/>
+    <dgm:txLinClrLst/>
+    <dgm:txFillClrLst meth="repeat">
+      <a:schemeClr val="dk1"/>
+    </dgm:txFillClrLst>
+    <dgm:txEffectClrLst/>
+  </dgm:styleLbl>
+  <dgm:styleLbl name="alignNode1">
+    <dgm:fillClrLst meth="repeat">
+      <a:schemeClr val="lt1"/>
+    </dgm:fillClrLst>
+    <dgm:linClrLst meth="repeat">
+      <a:schemeClr val="dk1">
+        <a:shade val="80000"/>
+      </a:schemeClr>
+    </dgm:linClrLst>
+    <dgm:effectClrLst/>
+    <dgm:txLinClrLst/>
+    <dgm:txFillClrLst meth="repeat">
+      <a:schemeClr val="dk1"/>
+    </dgm:txFillClrLst>
+    <dgm:txEffectClrLst/>
+  </dgm:styleLbl>
+  <dgm:styleLbl name="lnNode1">
+    <dgm:fillClrLst meth="repeat">
+      <a:schemeClr val="lt1"/>
+    </dgm:fillClrLst>
+    <dgm:linClrLst meth="repeat">
+      <a:schemeClr val="dk1">
+        <a:shade val="80000"/>
+      </a:schemeClr>
+    </dgm:linClrLst>
+    <dgm:effectClrLst/>
+    <dgm:txLinClrLst/>
+    <dgm:txFillClrLst meth="repeat">
+      <a:schemeClr val="dk1"/>
+    </dgm:txFillClrLst>
+    <dgm:txEffectClrLst/>
+  </dgm:styleLbl>
+  <dgm:styleLbl name="vennNode1">
+    <dgm:fillClrLst meth="repeat">
+      <a:schemeClr val="lt1">
+        <a:alpha val="50000"/>
+      </a:schemeClr>
+    </dgm:fillClrLst>
+    <dgm:linClrLst meth="repeat">
+      <a:schemeClr val="dk1">
+        <a:shade val="80000"/>
+      </a:schemeClr>
+    </dgm:linClrLst>
+    <dgm:effectClrLst/>
+    <dgm:txLinClrLst/>
+    <dgm:txFillClrLst/>
+    <dgm:txEffectClrLst/>
+  </dgm:styleLbl>
+  <dgm:styleLbl name="node2">
+    <dgm:fillClrLst meth="repeat">
+      <a:schemeClr val="lt1"/>
+    </dgm:fillClrLst>
+    <dgm:linClrLst meth="repeat">
+      <a:schemeClr val="dk1">
+        <a:shade val="80000"/>
+      </a:schemeClr>
+    </dgm:linClrLst>
+    <dgm:effectClrLst/>
+    <dgm:txLinClrLst/>
+    <dgm:txFillClrLst meth="repeat">
+      <a:schemeClr val="dk1"/>
+    </dgm:txFillClrLst>
+    <dgm:txEffectClrLst/>
+  </dgm:styleLbl>
+  <dgm:styleLbl name="node3">
+    <dgm:fillClrLst meth="repeat">
+      <a:schemeClr val="lt1"/>
+    </dgm:fillClrLst>
+    <dgm:linClrLst meth="repeat">
+      <a:schemeClr val="dk1">
+        <a:shade val="80000"/>
+      </a:schemeClr>
+    </dgm:linClrLst>
+    <dgm:effectClrLst/>
+    <dgm:txLinClrLst/>
+    <dgm:txFillClrLst meth="repeat">
+      <a:schemeClr val="dk1"/>
+    </dgm:txFillClrLst>
+    <dgm:txEffectClrLst/>
+  </dgm:styleLbl>
+  <dgm:styleLbl name="node4">
+    <dgm:fillClrLst meth="repeat">
+      <a:schemeClr val="lt1"/>
+    </dgm:fillClrLst>
+    <dgm:linClrLst meth="repeat">
+      <a:schemeClr val="dk1">
+        <a:shade val="80000"/>
+      </a:schemeClr>
+    </dgm:linClrLst>
+    <dgm:effectClrLst/>
+    <dgm:txLinClrLst/>
+    <dgm:txFillClrLst meth="repeat">
+      <a:schemeClr val="dk1"/>
+    </dgm:txFillClrLst>
+    <dgm:txEffectClrLst/>
+  </dgm:styleLbl>
+  <dgm:styleLbl name="fgImgPlace1">
+    <dgm:fillClrLst meth="repeat">
+      <a:schemeClr val="dk1">
+        <a:tint val="40000"/>
+      </a:schemeClr>
+    </dgm:fillClrLst>
+    <dgm:linClrLst meth="repeat">
+      <a:schemeClr val="dk1">
+        <a:shade val="80000"/>
+      </a:schemeClr>
+    </dgm:linClrLst>
+    <dgm:effectClrLst/>
+    <dgm:txLinClrLst/>
+    <dgm:txFillClrLst meth="repeat">
+      <a:schemeClr val="lt1"/>
+    </dgm:txFillClrLst>
+    <dgm:txEffectClrLst/>
+  </dgm:styleLbl>
+  <dgm:styleLbl name="alignImgPlace1">
+    <dgm:fillClrLst meth="repeat">
+      <a:schemeClr val="dk1">
+        <a:tint val="40000"/>
+      </a:schemeClr>
+    </dgm:fillClrLst>
+    <dgm:linClrLst meth="repeat">
+      <a:schemeClr val="dk1">
+        <a:shade val="80000"/>
+      </a:schemeClr>
+    </dgm:linClrLst>
+    <dgm:effectClrLst/>
+    <dgm:txLinClrLst/>
+    <dgm:txFillClrLst meth="repeat">
+      <a:schemeClr val="lt1"/>
+    </dgm:txFillClrLst>
+    <dgm:txEffectClrLst/>
+  </dgm:styleLbl>
+  <dgm:styleLbl name="bgImgPlace1">
+    <dgm:fillClrLst meth="repeat">
+      <a:schemeClr val="dk1">
+        <a:tint val="40000"/>
+      </a:schemeClr>
+    </dgm:fillClrLst>
+    <dgm:linClrLst meth="repeat">
+      <a:schemeClr val="dk1">
+        <a:shade val="80000"/>
+      </a:schemeClr>
+    </dgm:linClrLst>
+    <dgm:effectClrLst/>
+    <dgm:txLinClrLst/>
+    <dgm:txFillClrLst meth="repeat">
+      <a:schemeClr val="lt1"/>
+    </dgm:txFillClrLst>
+    <dgm:txEffectClrLst/>
+  </dgm:styleLbl>
+  <dgm:styleLbl name="sibTrans2D1">
+    <dgm:fillClrLst meth="repeat">
+      <a:schemeClr val="dk1">
+        <a:tint val="60000"/>
+      </a:schemeClr>
+    </dgm:fillClrLst>
+    <dgm:linClrLst meth="repeat">
+      <a:schemeClr val="dk1">
+        <a:tint val="60000"/>
+      </a:schemeClr>
+    </dgm:linClrLst>
+    <dgm:effectClrLst/>
+    <dgm:txLinClrLst/>
+    <dgm:txFillClrLst meth="repeat">
+      <a:schemeClr val="dk1"/>
+    </dgm:txFillClrLst>
+    <dgm:txEffectClrLst/>
+  </dgm:styleLbl>
+  <dgm:styleLbl name="fgSibTrans2D1">
+    <dgm:fillClrLst meth="repeat">
+      <a:schemeClr val="dk1">
+        <a:tint val="60000"/>
+      </a:schemeClr>
+    </dgm:fillClrLst>
+    <dgm:linClrLst meth="repeat">
+      <a:schemeClr val="dk1">
+        <a:tint val="60000"/>
+      </a:schemeClr>
+    </dgm:linClrLst>
+    <dgm:effectClrLst/>
+    <dgm:txLinClrLst/>
+    <dgm:txFillClrLst meth="repeat">
+      <a:schemeClr val="dk1"/>
+    </dgm:txFillClrLst>
+    <dgm:txEffectClrLst/>
+  </dgm:styleLbl>
+  <dgm:styleLbl name="bgSibTrans2D1">
+    <dgm:fillClrLst meth="repeat">
+      <a:schemeClr val="dk1">
+        <a:tint val="60000"/>
+      </a:schemeClr>
+    </dgm:fillClrLst>
+    <dgm:linClrLst meth="repeat">
+      <a:schemeClr val="dk1">
+        <a:tint val="60000"/>
+      </a:schemeClr>
+    </dgm:linClrLst>
+    <dgm:effectClrLst/>
+    <dgm:txLinClrLst/>
+    <dgm:txFillClrLst meth="repeat">
+      <a:schemeClr val="dk1"/>
+    </dgm:txFillClrLst>
+    <dgm:txEffectClrLst/>
+  </dgm:styleLbl>
+  <dgm:styleLbl name="sibTrans1D1">
+    <dgm:fillClrLst meth="repeat">
+      <a:schemeClr val="dk1"/>
+    </dgm:fillClrLst>
+    <dgm:linClrLst meth="repeat">
+      <a:schemeClr val="dk1"/>
+    </dgm:linClrLst>
+    <dgm:effectClrLst/>
+    <dgm:txLinClrLst/>
+    <dgm:txFillClrLst meth="repeat">
+      <a:schemeClr val="tx1"/>
+    </dgm:txFillClrLst>
+    <dgm:txEffectClrLst/>
+  </dgm:styleLbl>
+  <dgm:styleLbl name="callout">
+    <dgm:fillClrLst meth="repeat">
+      <a:schemeClr val="dk1"/>
+    </dgm:fillClrLst>
+    <dgm:linClrLst meth="repeat">
+      <a:schemeClr val="dk1"/>
+    </dgm:linClrLst>
+    <dgm:effectClrLst/>
+    <dgm:txLinClrLst/>
+    <dgm:txFillClrLst meth="repeat">
+      <a:schemeClr val="tx1"/>
+    </dgm:txFillClrLst>
+    <dgm:txEffectClrLst/>
+  </dgm:styleLbl>
+  <dgm:styleLbl name="asst0">
+    <dgm:fillClrLst meth="repeat">
+      <a:schemeClr val="lt1"/>
+    </dgm:fillClrLst>
+    <dgm:linClrLst meth="repeat">
+      <a:schemeClr val="dk1">
+        <a:shade val="80000"/>
+      </a:schemeClr>
+    </dgm:linClrLst>
+    <dgm:effectClrLst/>
+    <dgm:txLinClrLst/>
+    <dgm:txFillClrLst meth="repeat">
+      <a:schemeClr val="dk1"/>
+    </dgm:txFillClrLst>
+    <dgm:txEffectClrLst/>
+  </dgm:styleLbl>
+  <dgm:styleLbl name="asst1">
+    <dgm:fillClrLst meth="repeat">
+      <a:schemeClr val="lt1"/>
+    </dgm:fillClrLst>
+    <dgm:linClrLst meth="repeat">
+      <a:schemeClr val="dk1">
+        <a:shade val="80000"/>
+      </a:schemeClr>
+    </dgm:linClrLst>
+    <dgm:effectClrLst/>
+    <dgm:txLinClrLst/>
+    <dgm:txFillClrLst meth="repeat">
+      <a:schemeClr val="dk1"/>
+    </dgm:txFillClrLst>
+    <dgm:txEffectClrLst/>
+  </dgm:styleLbl>
+  <dgm:styleLbl name="asst2">
+    <dgm:fillClrLst meth="repeat">
+      <a:schemeClr val="lt1"/>
+    </dgm:fillClrLst>
+    <dgm:linClrLst meth="repeat">
+      <a:schemeClr val="dk1">
+        <a:shade val="80000"/>
+      </a:schemeClr>
+    </dgm:linClrLst>
+    <dgm:effectClrLst/>
+    <dgm:txLinClrLst/>
+    <dgm:txFillClrLst meth="repeat">
+      <a:schemeClr val="dk1"/>
+    </dgm:txFillClrLst>
+    <dgm:txEffectClrLst/>
+  </dgm:styleLbl>
+  <dgm:styleLbl name="asst3">
+    <dgm:fillClrLst meth="repeat">
+      <a:schemeClr val="lt1"/>
+    </dgm:fillClrLst>
+    <dgm:linClrLst meth="repeat">
+      <a:schemeClr val="dk1">
+        <a:shade val="80000"/>
+      </a:schemeClr>
+    </dgm:linClrLst>
+    <dgm:effectClrLst/>
+    <dgm:txLinClrLst/>
+    <dgm:txFillClrLst meth="repeat">
+      <a:schemeClr val="dk1"/>
+    </dgm:txFillClrLst>
+    <dgm:txEffectClrLst/>
+  </dgm:styleLbl>
+  <dgm:styleLbl name="asst4">
+    <dgm:fillClrLst meth="repeat">
+      <a:schemeClr val="lt1"/>
+    </dgm:fillClrLst>
+    <dgm:linClrLst meth="repeat">
+      <a:schemeClr val="dk1">
+        <a:shade val="80000"/>
+      </a:schemeClr>
+    </dgm:linClrLst>
+    <dgm:effectClrLst/>
+    <dgm:txLinClrLst/>
+    <dgm:txFillClrLst meth="repeat">
+      <a:schemeClr val="dk1"/>
+    </dgm:txFillClrLst>
+    <dgm:txEffectClrLst/>
+  </dgm:styleLbl>
+  <dgm:styleLbl name="parChTrans2D1">
+    <dgm:fillClrLst meth="repeat">
+      <a:schemeClr val="dk1">
+        <a:tint val="60000"/>
+      </a:schemeClr>
+    </dgm:fillClrLst>
+    <dgm:linClrLst meth="repeat">
+      <a:schemeClr val="dk1">
+        <a:tint val="60000"/>
+      </a:schemeClr>
+    </dgm:linClrLst>
+    <dgm:effectClrLst/>
+    <dgm:txLinClrLst/>
+    <dgm:txFillClrLst/>
+    <dgm:txEffectClrLst/>
+  </dgm:styleLbl>
+  <dgm:styleLbl name="parChTrans2D2">
+    <dgm:fillClrLst meth="repeat">
+      <a:schemeClr val="dk1"/>
+    </dgm:fillClrLst>
+    <dgm:linClrLst meth="repeat">
+      <a:schemeClr val="dk1"/>
+    </dgm:linClrLst>
+    <dgm:effectClrLst/>
+    <dgm:txLinClrLst/>
+    <dgm:txFillClrLst/>
+    <dgm:txEffectClrLst/>
+  </dgm:styleLbl>
+  <dgm:styleLbl name="parChTrans2D3">
+    <dgm:fillClrLst meth="repeat">
+      <a:schemeClr val="dk1"/>
+    </dgm:fillClrLst>
+    <dgm:linClrLst meth="repeat">
+      <a:schemeClr val="dk1"/>
+    </dgm:linClrLst>
+    <dgm:effectClrLst/>
+    <dgm:txLinClrLst/>
+    <dgm:txFillClrLst/>
+    <dgm:txEffectClrLst/>
+  </dgm:styleLbl>
+  <dgm:styleLbl name="parChTrans2D4">
+    <dgm:fillClrLst meth="repeat">
+      <a:schemeClr val="dk1"/>
+    </dgm:fillClrLst>
+    <dgm:linClrLst meth="repeat">
+      <a:schemeClr val="dk1"/>
+    </dgm:linClrLst>
+    <dgm:effectClrLst/>
+    <dgm:txLinClrLst/>
+    <dgm:txFillClrLst meth="repeat">
+      <a:schemeClr val="lt1"/>
+    </dgm:txFillClrLst>
+    <dgm:txEffectClrLst/>
+  </dgm:styleLbl>
+  <dgm:styleLbl name="parChTrans1D1">
+    <dgm:fillClrLst meth="repeat">
+      <a:schemeClr val="dk1"/>
+    </dgm:fillClrLst>
+    <dgm:linClrLst meth="repeat">
+      <a:schemeClr val="dk1">
+        <a:shade val="60000"/>
+      </a:schemeClr>
+    </dgm:linClrLst>
+    <dgm:effectClrLst/>
+    <dgm:txLinClrLst/>
+    <dgm:txFillClrLst meth="repeat">
+      <a:schemeClr val="tx1"/>
+    </dgm:txFillClrLst>
+    <dgm:txEffectClrLst/>
+  </dgm:styleLbl>
+  <dgm:styleLbl name="parChTrans1D2">
+    <dgm:fillClrLst meth="repeat">
+      <a:schemeClr val="dk1"/>
+    </dgm:fillClrLst>
+    <dgm:linClrLst meth="repeat">
+      <a:schemeClr val="dk1">
+        <a:shade val="60000"/>
+      </a:schemeClr>
+    </dgm:linClrLst>
+    <dgm:effectClrLst/>
+    <dgm:txLinClrLst/>
+    <dgm:txFillClrLst meth="repeat">
+      <a:schemeClr val="tx1"/>
+    </dgm:txFillClrLst>
+    <dgm:txEffectClrLst/>
+  </dgm:styleLbl>
+  <dgm:styleLbl name="parChTrans1D3">
+    <dgm:fillClrLst meth="repeat">
+      <a:schemeClr val="dk1"/>
+    </dgm:fillClrLst>
+    <dgm:linClrLst meth="repeat">
+      <a:schemeClr val="dk1">
+        <a:shade val="80000"/>
+      </a:schemeClr>
+    </dgm:linClrLst>
+    <dgm:effectClrLst/>
+    <dgm:txLinClrLst/>
+    <dgm:txFillClrLst meth="repeat">
+      <a:schemeClr val="tx1"/>
+    </dgm:txFillClrLst>
+    <dgm:txEffectClrLst/>
+  </dgm:styleLbl>
+  <dgm:styleLbl name="parChTrans1D4">
+    <dgm:fillClrLst meth="repeat">
+      <a:schemeClr val="dk1"/>
+    </dgm:fillClrLst>
+    <dgm:linClrLst meth="repeat">
+      <a:schemeClr val="dk1">
+        <a:shade val="80000"/>
+      </a:schemeClr>
+    </dgm:linClrLst>
+    <dgm:effectClrLst/>
+    <dgm:txLinClrLst/>
+    <dgm:txFillClrLst meth="repeat">
+      <a:schemeClr val="tx1"/>
+    </dgm:txFillClrLst>
+    <dgm:txEffectClrLst/>
+  </dgm:styleLbl>
+  <dgm:styleLbl name="fgAcc1">
+    <dgm:fillClrLst meth="repeat">
+      <a:schemeClr val="dk1">
+        <a:alpha val="90000"/>
+        <a:tint val="40000"/>
+      </a:schemeClr>
+    </dgm:fillClrLst>
+    <dgm:linClrLst meth="repeat">
+      <a:schemeClr val="dk1"/>
+    </dgm:linClrLst>
+    <dgm:effectClrLst/>
+    <dgm:txLinClrLst/>
+    <dgm:txFillClrLst meth="repeat">
+      <a:schemeClr val="dk1"/>
+    </dgm:txFillClrLst>
+    <dgm:txEffectClrLst/>
+  </dgm:styleLbl>
+  <dgm:styleLbl name="conFgAcc1">
+    <dgm:fillClrLst meth="repeat">
+      <a:schemeClr val="dk1">
+        <a:alpha val="90000"/>
+        <a:tint val="40000"/>
+      </a:schemeClr>
+    </dgm:fillClrLst>
+    <dgm:linClrLst meth="repeat">
+      <a:schemeClr val="dk1"/>
+    </dgm:linClrLst>
+    <dgm:effectClrLst/>
+    <dgm:txLinClrLst/>
+    <dgm:txFillClrLst meth="repeat">
+      <a:schemeClr val="dk1"/>
+    </dgm:txFillClrLst>
+    <dgm:txEffectClrLst/>
+  </dgm:styleLbl>
+  <dgm:styleLbl name="alignAcc1">
+    <dgm:fillClrLst meth="repeat">
+      <a:schemeClr val="dk1">
+        <a:alpha val="90000"/>
+        <a:tint val="40000"/>
+      </a:schemeClr>
+    </dgm:fillClrLst>
+    <dgm:linClrLst meth="repeat">
+      <a:schemeClr val="dk1"/>
+    </dgm:linClrLst>
+    <dgm:effectClrLst/>
+    <dgm:txLinClrLst/>
+    <dgm:txFillClrLst meth="repeat">
+      <a:schemeClr val="dk1"/>
+    </dgm:txFillClrLst>
+    <dgm:txEffectClrLst/>
+  </dgm:styleLbl>
+  <dgm:styleLbl name="trAlignAcc1">
+    <dgm:fillClrLst meth="repeat">
+      <a:schemeClr val="dk1">
+        <a:alpha val="40000"/>
+        <a:tint val="40000"/>
+      </a:schemeClr>
+    </dgm:fillClrLst>
+    <dgm:linClrLst meth="repeat">
+      <a:schemeClr val="dk1"/>
+    </dgm:linClrLst>
+    <dgm:effectClrLst/>
+    <dgm:txLinClrLst/>
+    <dgm:txFillClrLst meth="repeat">
+      <a:schemeClr val="dk1"/>
+    </dgm:txFillClrLst>
+    <dgm:txEffectClrLst/>
+  </dgm:styleLbl>
+  <dgm:styleLbl name="bgAcc1">
+    <dgm:fillClrLst meth="repeat">
+      <a:schemeClr val="dk1">
+        <a:alpha val="90000"/>
+        <a:tint val="40000"/>
+      </a:schemeClr>
+    </dgm:fillClrLst>
+    <dgm:linClrLst meth="repeat">
+      <a:schemeClr val="dk1"/>
+    </dgm:linClrLst>
+    <dgm:effectClrLst/>
+    <dgm:txLinClrLst/>
+    <dgm:txFillClrLst meth="repeat">
+      <a:schemeClr val="dk1"/>
+    </dgm:txFillClrLst>
+    <dgm:txEffectClrLst/>
+  </dgm:styleLbl>
+  <dgm:styleLbl name="solidFgAcc1">
+    <dgm:fillClrLst meth="repeat">
+      <a:schemeClr val="lt1"/>
+    </dgm:fillClrLst>
+    <dgm:linClrLst meth="repeat">
+      <a:schemeClr val="dk1"/>
+    </dgm:linClrLst>
+    <dgm:effectClrLst/>
+    <dgm:txLinClrLst/>
+    <dgm:txFillClrLst meth="repeat">
+      <a:schemeClr val="dk1"/>
+    </dgm:txFillClrLst>
+    <dgm:txEffectClrLst/>
+  </dgm:styleLbl>
+  <dgm:styleLbl name="solidAlignAcc1">
+    <dgm:fillClrLst meth="repeat">
+      <a:schemeClr val="lt1"/>
+    </dgm:fillClrLst>
+    <dgm:linClrLst meth="repeat">
+      <a:schemeClr val="dk1"/>
+    </dgm:linClrLst>
+    <dgm:effectClrLst/>
+    <dgm:txLinClrLst/>
+    <dgm:txFillClrLst meth="repeat">
+      <a:schemeClr val="dk1"/>
+    </dgm:txFillClrLst>
+    <dgm:txEffectClrLst/>
+  </dgm:styleLbl>
+  <dgm:styleLbl name="solidBgAcc1">
+    <dgm:fillClrLst meth="repeat">
+      <a:schemeClr val="lt1"/>
+    </dgm:fillClrLst>
+    <dgm:linClrLst meth="repeat">
+      <a:schemeClr val="dk1"/>
+    </dgm:linClrLst>
+    <dgm:effectClrLst/>
+    <dgm:txLinClrLst/>
+    <dgm:txFillClrLst meth="repeat">
+      <a:schemeClr val="dk1"/>
+    </dgm:txFillClrLst>
+    <dgm:txEffectClrLst/>
+  </dgm:styleLbl>
+  <dgm:styleLbl name="fgAccFollowNode1">
+    <dgm:fillClrLst meth="repeat">
+      <a:schemeClr val="lt1">
+        <a:alpha val="90000"/>
+        <a:tint val="40000"/>
+      </a:schemeClr>
+    </dgm:fillClrLst>
+    <dgm:linClrLst meth="repeat">
+      <a:schemeClr val="dk1">
+        <a:alpha val="90000"/>
+      </a:schemeClr>
+    </dgm:linClrLst>
+    <dgm:effectClrLst/>
+    <dgm:txLinClrLst/>
+    <dgm:txFillClrLst meth="repeat">
+      <a:schemeClr val="dk1"/>
+    </dgm:txFillClrLst>
+    <dgm:txEffectClrLst/>
+  </dgm:styleLbl>
+  <dgm:styleLbl name="alignAccFollowNode1">
+    <dgm:fillClrLst meth="repeat">
+      <a:schemeClr val="lt1">
+        <a:alpha val="90000"/>
+        <a:tint val="40000"/>
+      </a:schemeClr>
+    </dgm:fillClrLst>
+    <dgm:linClrLst meth="repeat">
+      <a:schemeClr val="dk1">
+        <a:alpha val="90000"/>
+      </a:schemeClr>
+    </dgm:linClrLst>
+    <dgm:effectClrLst/>
+    <dgm:txLinClrLst/>
+    <dgm:txFillClrLst meth="repeat">
+      <a:schemeClr val="dk1"/>
+    </dgm:txFillClrLst>
+    <dgm:txEffectClrLst/>
+  </dgm:styleLbl>
+  <dgm:styleLbl name="bgAccFollowNode1">
+    <dgm:fillClrLst meth="repeat">
+      <a:schemeClr val="lt1">
+        <a:alpha val="90000"/>
+        <a:tint val="40000"/>
+      </a:schemeClr>
+    </dgm:fillClrLst>
+    <dgm:linClrLst meth="repeat">
+      <a:schemeClr val="dk1">
+        <a:alpha val="90000"/>
+      </a:schemeClr>
+    </dgm:linClrLst>
+    <dgm:effectClrLst/>
+    <dgm:txLinClrLst/>
+    <dgm:txFillClrLst meth="repeat">
+      <a:schemeClr val="dk1"/>
+    </dgm:txFillClrLst>
+    <dgm:txEffectClrLst/>
+  </dgm:styleLbl>
+  <dgm:styleLbl name="fgAcc0">
+    <dgm:fillClrLst meth="repeat">
+      <a:schemeClr val="dk1">
+        <a:alpha val="90000"/>
+        <a:tint val="40000"/>
+      </a:schemeClr>
+    </dgm:fillClrLst>
+    <dgm:linClrLst meth="repeat">
+      <a:schemeClr val="dk1"/>
+    </dgm:linClrLst>
+    <dgm:effectClrLst/>
+    <dgm:txLinClrLst/>
+    <dgm:txFillClrLst meth="repeat">
+      <a:schemeClr val="dk1"/>
+    </dgm:txFillClrLst>
+    <dgm:txEffectClrLst/>
+  </dgm:styleLbl>
+  <dgm:styleLbl name="fgAcc2">
+    <dgm:fillClrLst meth="repeat">
+      <a:schemeClr val="dk1">
+        <a:alpha val="90000"/>
+        <a:tint val="40000"/>
+      </a:schemeClr>
+    </dgm:fillClrLst>
+    <dgm:linClrLst meth="repeat">
+      <a:schemeClr val="dk1"/>
+    </dgm:linClrLst>
+    <dgm:effectClrLst/>
+    <dgm:txLinClrLst/>
+    <dgm:txFillClrLst meth="repeat">
+      <a:schemeClr val="dk1"/>
+    </dgm:txFillClrLst>
+    <dgm:txEffectClrLst/>
+  </dgm:styleLbl>
+  <dgm:styleLbl name="fgAcc3">
+    <dgm:fillClrLst meth="repeat">
+      <a:schemeClr val="dk1">
+        <a:alpha val="90000"/>
+        <a:tint val="40000"/>
+      </a:schemeClr>
+    </dgm:fillClrLst>
+    <dgm:linClrLst meth="repeat">
+      <a:schemeClr val="dk1"/>
+    </dgm:linClrLst>
+    <dgm:effectClrLst/>
+    <dgm:txLinClrLst/>
+    <dgm:txFillClrLst meth="repeat">
+      <a:schemeClr val="dk1"/>
+    </dgm:txFillClrLst>
+    <dgm:txEffectClrLst/>
+  </dgm:styleLbl>
+  <dgm:styleLbl name="fgAcc4">
+    <dgm:fillClrLst meth="repeat">
+      <a:schemeClr val="dk1">
+        <a:alpha val="90000"/>
+        <a:tint val="40000"/>
+      </a:schemeClr>
+    </dgm:fillClrLst>
+    <dgm:linClrLst meth="repeat">
+      <a:schemeClr val="dk1"/>
+    </dgm:linClrLst>
+    <dgm:effectClrLst/>
+    <dgm:txLinClrLst/>
+    <dgm:txFillClrLst meth="repeat">
+      <a:schemeClr val="dk1"/>
+    </dgm:txFillClrLst>
+    <dgm:txEffectClrLst/>
+  </dgm:styleLbl>
+  <dgm:styleLbl name="bgShp">
+    <dgm:fillClrLst meth="repeat">
+      <a:schemeClr val="dk1">
+        <a:tint val="40000"/>
+      </a:schemeClr>
+    </dgm:fillClrLst>
+    <dgm:linClrLst meth="repeat">
+      <a:schemeClr val="dk1"/>
+    </dgm:linClrLst>
+    <dgm:effectClrLst/>
+    <dgm:txLinClrLst/>
+    <dgm:txFillClrLst meth="repeat">
+      <a:schemeClr val="dk1"/>
+    </dgm:txFillClrLst>
+    <dgm:txEffectClrLst/>
+  </dgm:styleLbl>
+  <dgm:styleLbl name="dkBgShp">
+    <dgm:fillClrLst meth="repeat">
+      <a:schemeClr val="dk1">
+        <a:shade val="80000"/>
+      </a:schemeClr>
+    </dgm:fillClrLst>
+    <dgm:linClrLst meth="repeat">
+      <a:schemeClr val="dk1"/>
+    </dgm:linClrLst>
+    <dgm:effectClrLst/>
+    <dgm:txLinClrLst/>
+    <dgm:txFillClrLst meth="repeat">
+      <a:schemeClr val="lt1"/>
+    </dgm:txFillClrLst>
+    <dgm:txEffectClrLst/>
+  </dgm:styleLbl>
+  <dgm:styleLbl name="trBgShp">
+    <dgm:fillClrLst meth="repeat">
+      <a:schemeClr val="dk1">
+        <a:tint val="50000"/>
+        <a:alpha val="40000"/>
+      </a:schemeClr>
+    </dgm:fillClrLst>
+    <dgm:linClrLst meth="repeat">
+      <a:schemeClr val="dk1"/>
+    </dgm:linClrLst>
+    <dgm:effectClrLst/>
+    <dgm:txLinClrLst/>
+    <dgm:txFillClrLst meth="repeat">
+      <a:schemeClr val="lt1"/>
+    </dgm:txFillClrLst>
+    <dgm:txEffectClrLst/>
+  </dgm:styleLbl>
+  <dgm:styleLbl name="fgShp">
+    <dgm:fillClrLst meth="repeat">
+      <a:schemeClr val="dk1">
+        <a:tint val="60000"/>
+      </a:schemeClr>
+    </dgm:fillClrLst>
+    <dgm:linClrLst meth="repeat">
+      <a:schemeClr val="lt1"/>
+    </dgm:linClrLst>
+    <dgm:effectClrLst/>
+    <dgm:txLinClrLst/>
+    <dgm:txFillClrLst meth="repeat">
+      <a:schemeClr val="dk1"/>
+    </dgm:txFillClrLst>
+    <dgm:txEffectClrLst/>
+  </dgm:styleLbl>
+  <dgm:styleLbl name="revTx">
+    <dgm:fillClrLst meth="repeat">
+      <a:schemeClr val="lt1">
+        <a:alpha val="0"/>
+      </a:schemeClr>
+    </dgm:fillClrLst>
+    <dgm:linClrLst meth="repeat">
+      <a:schemeClr val="dk1">
+        <a:alpha val="0"/>
+      </a:schemeClr>
+    </dgm:linClrLst>
+    <dgm:effectClrLst/>
+    <dgm:txLinClrLst/>
+    <dgm:txFillClrLst meth="repeat">
+      <a:schemeClr val="tx1"/>
+    </dgm:txFillClrLst>
+    <dgm:txEffectClrLst/>
+  </dgm:styleLbl>
+</dgm:colorsDef>
+</file>
+
+<file path=ppt/diagrams/data1.xml><?xml version="1.0" encoding="utf-8"?>
+<dgm:dataModel xmlns:dgm="http://schemas.openxmlformats.org/drawingml/2006/diagram" xmlns:a="http://schemas.openxmlformats.org/drawingml/2006/main">
+  <dgm:ptLst>
+    <dgm:pt modelId="{A87CBE85-FA28-4ACF-874C-4D0A0CBA159E}" type="doc">
+      <dgm:prSet loTypeId="urn:microsoft.com/office/officeart/2005/8/layout/chevron2" loCatId="list" qsTypeId="urn:microsoft.com/office/officeart/2005/8/quickstyle/3d2" qsCatId="3D" csTypeId="urn:microsoft.com/office/officeart/2005/8/colors/accent0_1" csCatId="mainScheme" phldr="1"/>
+      <dgm:spPr/>
+      <dgm:t>
+        <a:bodyPr/>
+        <a:lstStyle/>
+        <a:p>
+          <a:endParaRPr lang="en-US"/>
+        </a:p>
+      </dgm:t>
+    </dgm:pt>
+    <dgm:pt modelId="{10354C56-A454-4AED-8DC4-6C813E183F1D}">
+      <dgm:prSet phldrT="[Metin]" phldr="1"/>
+      <dgm:spPr/>
+      <dgm:t>
+        <a:bodyPr/>
+        <a:lstStyle/>
+        <a:p>
+          <a:endParaRPr lang="en-US" dirty="0"/>
+        </a:p>
+      </dgm:t>
+    </dgm:pt>
+    <dgm:pt modelId="{DCB7CD81-25D1-40C1-A717-0E9204587CE6}" type="parTrans" cxnId="{79FED77C-8F63-4523-B3F6-DDB1D15C5CD7}">
+      <dgm:prSet/>
+      <dgm:spPr/>
+      <dgm:t>
+        <a:bodyPr/>
+        <a:lstStyle/>
+        <a:p>
+          <a:endParaRPr lang="en-US"/>
+        </a:p>
+      </dgm:t>
+    </dgm:pt>
+    <dgm:pt modelId="{D1765F39-A83A-4F77-B287-2A1BC20D1391}" type="sibTrans" cxnId="{79FED77C-8F63-4523-B3F6-DDB1D15C5CD7}">
+      <dgm:prSet/>
+      <dgm:spPr/>
+      <dgm:t>
+        <a:bodyPr/>
+        <a:lstStyle/>
+        <a:p>
+          <a:endParaRPr lang="en-US"/>
+        </a:p>
+      </dgm:t>
+    </dgm:pt>
+    <dgm:pt modelId="{4B431CEC-A35C-404F-B332-C759E77B707D}">
+      <dgm:prSet phldrT="[Metin]"/>
+      <dgm:spPr/>
+      <dgm:t>
+        <a:bodyPr/>
+        <a:lstStyle/>
+        <a:p>
+          <a:r>
+            <a:rPr lang="tr-TR" dirty="0" err="1"/>
+            <a:t>Topology</a:t>
+          </a:r>
+          <a:r>
+            <a:rPr lang="tr-TR" dirty="0"/>
+            <a:t> </a:t>
+          </a:r>
+          <a:r>
+            <a:rPr lang="tr-TR" dirty="0" err="1"/>
+            <a:t>selection</a:t>
+          </a:r>
+          <a:endParaRPr lang="en-US" dirty="0"/>
+        </a:p>
+      </dgm:t>
+    </dgm:pt>
+    <dgm:pt modelId="{C4125A80-7AA0-4337-9843-DC8866E67080}" type="parTrans" cxnId="{C608A2EC-4C31-49FB-A6AB-77D15279BD5E}">
+      <dgm:prSet/>
+      <dgm:spPr/>
+      <dgm:t>
+        <a:bodyPr/>
+        <a:lstStyle/>
+        <a:p>
+          <a:endParaRPr lang="en-US"/>
+        </a:p>
+      </dgm:t>
+    </dgm:pt>
+    <dgm:pt modelId="{12C9A4B8-A235-4ACC-AAD5-AF92FB6A1F8B}" type="sibTrans" cxnId="{C608A2EC-4C31-49FB-A6AB-77D15279BD5E}">
+      <dgm:prSet/>
+      <dgm:spPr/>
+      <dgm:t>
+        <a:bodyPr/>
+        <a:lstStyle/>
+        <a:p>
+          <a:endParaRPr lang="en-US"/>
+        </a:p>
+      </dgm:t>
+    </dgm:pt>
+    <dgm:pt modelId="{53638A30-4519-4465-9129-12ED44CE7A15}">
+      <dgm:prSet phldrT="[Metin]" phldr="1"/>
+      <dgm:spPr/>
+      <dgm:t>
+        <a:bodyPr/>
+        <a:lstStyle/>
+        <a:p>
+          <a:endParaRPr lang="en-US" dirty="0"/>
+        </a:p>
+      </dgm:t>
+    </dgm:pt>
+    <dgm:pt modelId="{FA2CED3E-7D56-4457-B1CD-7E24D00E2F58}" type="parTrans" cxnId="{4AB47B1A-5F48-4460-B72F-A600D53B302C}">
+      <dgm:prSet/>
+      <dgm:spPr/>
+      <dgm:t>
+        <a:bodyPr/>
+        <a:lstStyle/>
+        <a:p>
+          <a:endParaRPr lang="en-US"/>
+        </a:p>
+      </dgm:t>
+    </dgm:pt>
+    <dgm:pt modelId="{A3EA595B-0A80-480B-AD63-A37C9EA0ECFD}" type="sibTrans" cxnId="{4AB47B1A-5F48-4460-B72F-A600D53B302C}">
+      <dgm:prSet/>
+      <dgm:spPr/>
+      <dgm:t>
+        <a:bodyPr/>
+        <a:lstStyle/>
+        <a:p>
+          <a:endParaRPr lang="en-US"/>
+        </a:p>
+      </dgm:t>
+    </dgm:pt>
+    <dgm:pt modelId="{5B709980-D857-42E4-BA98-1BEB0900B08B}">
+      <dgm:prSet phldrT="[Metin]" phldr="1"/>
+      <dgm:spPr/>
+      <dgm:t>
+        <a:bodyPr/>
+        <a:lstStyle/>
+        <a:p>
+          <a:endParaRPr lang="en-US"/>
+        </a:p>
+      </dgm:t>
+    </dgm:pt>
+    <dgm:pt modelId="{7A5F0A0E-F65C-434C-973F-275EF90A039F}" type="parTrans" cxnId="{388C54C3-1AE3-4BCC-BA3E-95C344F2D914}">
+      <dgm:prSet/>
+      <dgm:spPr/>
+      <dgm:t>
+        <a:bodyPr/>
+        <a:lstStyle/>
+        <a:p>
+          <a:endParaRPr lang="en-US"/>
+        </a:p>
+      </dgm:t>
+    </dgm:pt>
+    <dgm:pt modelId="{2A016D60-0CA2-4915-BAF0-C66ACD255938}" type="sibTrans" cxnId="{388C54C3-1AE3-4BCC-BA3E-95C344F2D914}">
+      <dgm:prSet/>
+      <dgm:spPr/>
+      <dgm:t>
+        <a:bodyPr/>
+        <a:lstStyle/>
+        <a:p>
+          <a:endParaRPr lang="en-US"/>
+        </a:p>
+      </dgm:t>
+    </dgm:pt>
+    <dgm:pt modelId="{FAC7B528-8CED-4A9F-9DA0-506EDD4C4B75}">
+      <dgm:prSet phldrT="[Metin]"/>
+      <dgm:spPr/>
+      <dgm:t>
+        <a:bodyPr/>
+        <a:lstStyle/>
+        <a:p>
+          <a:r>
+            <a:rPr lang="tr-TR" dirty="0"/>
+            <a:t>Component </a:t>
+          </a:r>
+          <a:r>
+            <a:rPr lang="tr-TR" dirty="0" err="1"/>
+            <a:t>selection</a:t>
+          </a:r>
+          <a:endParaRPr lang="en-US" dirty="0"/>
+        </a:p>
+      </dgm:t>
+    </dgm:pt>
+    <dgm:pt modelId="{B83ACA24-32E3-4725-B68C-AA0A48667C8F}" type="parTrans" cxnId="{43A2E68A-C6FB-490D-B60F-CCDB900ACFA8}">
+      <dgm:prSet/>
+      <dgm:spPr/>
+      <dgm:t>
+        <a:bodyPr/>
+        <a:lstStyle/>
+        <a:p>
+          <a:endParaRPr lang="en-US"/>
+        </a:p>
+      </dgm:t>
+    </dgm:pt>
+    <dgm:pt modelId="{DCC87278-258A-4B01-98D3-60865A540204}" type="sibTrans" cxnId="{43A2E68A-C6FB-490D-B60F-CCDB900ACFA8}">
+      <dgm:prSet/>
+      <dgm:spPr/>
+      <dgm:t>
+        <a:bodyPr/>
+        <a:lstStyle/>
+        <a:p>
+          <a:endParaRPr lang="en-US"/>
+        </a:p>
+      </dgm:t>
+    </dgm:pt>
+    <dgm:pt modelId="{EC0F5FBC-D656-4B24-AC92-BA4582C07CFB}">
+      <dgm:prSet phldrT="[Metin]" phldr="1"/>
+      <dgm:spPr/>
+      <dgm:t>
+        <a:bodyPr/>
+        <a:lstStyle/>
+        <a:p>
+          <a:endParaRPr lang="en-US"/>
+        </a:p>
+      </dgm:t>
+    </dgm:pt>
+    <dgm:pt modelId="{DB37B95C-2680-4665-B58C-A4A15090C6C7}" type="parTrans" cxnId="{9CA7B60B-A98E-45C1-9E05-5C643E5B270C}">
+      <dgm:prSet/>
+      <dgm:spPr/>
+      <dgm:t>
+        <a:bodyPr/>
+        <a:lstStyle/>
+        <a:p>
+          <a:endParaRPr lang="en-US"/>
+        </a:p>
+      </dgm:t>
+    </dgm:pt>
+    <dgm:pt modelId="{C531348A-E9D4-4766-B40F-4E5B9B547844}" type="sibTrans" cxnId="{9CA7B60B-A98E-45C1-9E05-5C643E5B270C}">
+      <dgm:prSet/>
+      <dgm:spPr/>
+      <dgm:t>
+        <a:bodyPr/>
+        <a:lstStyle/>
+        <a:p>
+          <a:endParaRPr lang="en-US"/>
+        </a:p>
+      </dgm:t>
+    </dgm:pt>
+    <dgm:pt modelId="{4D4B7B15-1AD7-4296-AA10-F2BB266A6977}">
+      <dgm:prSet phldrT="[Metin]"/>
+      <dgm:spPr/>
+      <dgm:t>
+        <a:bodyPr/>
+        <a:lstStyle/>
+        <a:p>
+          <a:r>
+            <a:rPr lang="tr-TR" dirty="0" err="1"/>
+            <a:t>Simulation</a:t>
+          </a:r>
+          <a:r>
+            <a:rPr lang="tr-TR" dirty="0"/>
+            <a:t> </a:t>
+          </a:r>
+          <a:r>
+            <a:rPr lang="tr-TR" dirty="0" err="1"/>
+            <a:t>results</a:t>
+          </a:r>
+          <a:endParaRPr lang="en-US" dirty="0"/>
+        </a:p>
+      </dgm:t>
+    </dgm:pt>
+    <dgm:pt modelId="{01B87144-F89E-4C5E-9F91-C5C75E12C005}" type="parTrans" cxnId="{EA0C61DF-BC1F-402A-8E8E-8FB31F5C46C9}">
+      <dgm:prSet/>
+      <dgm:spPr/>
+      <dgm:t>
+        <a:bodyPr/>
+        <a:lstStyle/>
+        <a:p>
+          <a:endParaRPr lang="en-US"/>
+        </a:p>
+      </dgm:t>
+    </dgm:pt>
+    <dgm:pt modelId="{282C954F-2956-4FB4-96DA-033998BB554D}" type="sibTrans" cxnId="{EA0C61DF-BC1F-402A-8E8E-8FB31F5C46C9}">
+      <dgm:prSet/>
+      <dgm:spPr/>
+      <dgm:t>
+        <a:bodyPr/>
+        <a:lstStyle/>
+        <a:p>
+          <a:endParaRPr lang="en-US"/>
+        </a:p>
+      </dgm:t>
+    </dgm:pt>
+    <dgm:pt modelId="{C7C1E5B0-B849-4DAD-BA08-589148EC939C}">
+      <dgm:prSet phldrT="[Metin]" phldr="1"/>
+      <dgm:spPr/>
+      <dgm:t>
+        <a:bodyPr/>
+        <a:lstStyle/>
+        <a:p>
+          <a:endParaRPr lang="en-US"/>
+        </a:p>
+      </dgm:t>
+    </dgm:pt>
+    <dgm:pt modelId="{24507F79-8D64-47CC-A982-BE4246BB1B22}" type="parTrans" cxnId="{9ADA7592-C450-40AA-AADF-3952223CA1B0}">
+      <dgm:prSet/>
+      <dgm:spPr/>
+      <dgm:t>
+        <a:bodyPr/>
+        <a:lstStyle/>
+        <a:p>
+          <a:endParaRPr lang="en-US"/>
+        </a:p>
+      </dgm:t>
+    </dgm:pt>
+    <dgm:pt modelId="{3AE8C7BB-EB78-4D4B-BBF4-164211C71106}" type="sibTrans" cxnId="{9ADA7592-C450-40AA-AADF-3952223CA1B0}">
+      <dgm:prSet/>
+      <dgm:spPr/>
+      <dgm:t>
+        <a:bodyPr/>
+        <a:lstStyle/>
+        <a:p>
+          <a:endParaRPr lang="en-US"/>
+        </a:p>
+      </dgm:t>
+    </dgm:pt>
+    <dgm:pt modelId="{32EAE2E2-F590-4E2E-A4D0-65C1973C3FD9}">
+      <dgm:prSet phldrT="[Metin]"/>
+      <dgm:spPr/>
+      <dgm:t>
+        <a:bodyPr/>
+        <a:lstStyle/>
+        <a:p>
+          <a:r>
+            <a:rPr lang="tr-TR" dirty="0"/>
+            <a:t>PCB </a:t>
+          </a:r>
+          <a:r>
+            <a:rPr lang="tr-TR" dirty="0" err="1"/>
+            <a:t>design</a:t>
+          </a:r>
+          <a:endParaRPr lang="en-US" dirty="0"/>
+        </a:p>
+      </dgm:t>
+    </dgm:pt>
+    <dgm:pt modelId="{943A76E9-7F80-4132-B478-9FCE4B9BC7B9}" type="parTrans" cxnId="{BDC19692-2633-4AF4-B8DE-A04E6BF20396}">
+      <dgm:prSet/>
+      <dgm:spPr/>
+      <dgm:t>
+        <a:bodyPr/>
+        <a:lstStyle/>
+        <a:p>
+          <a:endParaRPr lang="en-US"/>
+        </a:p>
+      </dgm:t>
+    </dgm:pt>
+    <dgm:pt modelId="{E05DBC8F-D2C2-4535-B92A-E648A96993CF}" type="sibTrans" cxnId="{BDC19692-2633-4AF4-B8DE-A04E6BF20396}">
+      <dgm:prSet/>
+      <dgm:spPr/>
+      <dgm:t>
+        <a:bodyPr/>
+        <a:lstStyle/>
+        <a:p>
+          <a:endParaRPr lang="en-US"/>
+        </a:p>
+      </dgm:t>
+    </dgm:pt>
+    <dgm:pt modelId="{6695DD34-D64C-41EF-8CA6-E080E1441DB6}">
+      <dgm:prSet phldrT="[Metin]"/>
+      <dgm:spPr/>
+      <dgm:t>
+        <a:bodyPr/>
+        <a:lstStyle/>
+        <a:p>
+          <a:r>
+            <a:rPr lang="tr-TR" dirty="0" err="1"/>
+            <a:t>Magnetic</a:t>
+          </a:r>
+          <a:r>
+            <a:rPr lang="tr-TR" dirty="0"/>
+            <a:t> </a:t>
+          </a:r>
+          <a:r>
+            <a:rPr lang="tr-TR" dirty="0" err="1"/>
+            <a:t>design</a:t>
+          </a:r>
+          <a:endParaRPr lang="en-US" dirty="0"/>
+        </a:p>
+      </dgm:t>
+    </dgm:pt>
+    <dgm:pt modelId="{5484CF22-2271-45E2-8355-FC1C9761D55A}" type="sibTrans" cxnId="{8DE10469-3206-4467-BCB0-DAA5F994E47B}">
+      <dgm:prSet/>
+      <dgm:spPr/>
+      <dgm:t>
+        <a:bodyPr/>
+        <a:lstStyle/>
+        <a:p>
+          <a:endParaRPr lang="en-US"/>
+        </a:p>
+      </dgm:t>
+    </dgm:pt>
+    <dgm:pt modelId="{B8B96B8F-D283-428A-828C-2DDA7358C609}" type="parTrans" cxnId="{8DE10469-3206-4467-BCB0-DAA5F994E47B}">
+      <dgm:prSet/>
+      <dgm:spPr/>
+      <dgm:t>
+        <a:bodyPr/>
+        <a:lstStyle/>
+        <a:p>
+          <a:endParaRPr lang="en-US"/>
+        </a:p>
+      </dgm:t>
+    </dgm:pt>
+    <dgm:pt modelId="{73895ED3-1570-4634-85A0-BD89A4B5C49C}" type="pres">
+      <dgm:prSet presAssocID="{A87CBE85-FA28-4ACF-874C-4D0A0CBA159E}" presName="linearFlow" presStyleCnt="0">
+        <dgm:presLayoutVars>
+          <dgm:dir/>
+          <dgm:animLvl val="lvl"/>
+          <dgm:resizeHandles val="exact"/>
+        </dgm:presLayoutVars>
+      </dgm:prSet>
+      <dgm:spPr/>
+    </dgm:pt>
+    <dgm:pt modelId="{29DFEA4E-4F74-476C-9C9C-E1FB7FFF6C7A}" type="pres">
+      <dgm:prSet presAssocID="{10354C56-A454-4AED-8DC4-6C813E183F1D}" presName="composite" presStyleCnt="0"/>
+      <dgm:spPr/>
+    </dgm:pt>
+    <dgm:pt modelId="{179439C4-8028-4BCF-8DB8-7CB78191C3B4}" type="pres">
+      <dgm:prSet presAssocID="{10354C56-A454-4AED-8DC4-6C813E183F1D}" presName="parentText" presStyleLbl="alignNode1" presStyleIdx="0" presStyleCnt="5">
+        <dgm:presLayoutVars>
+          <dgm:chMax val="1"/>
+          <dgm:bulletEnabled val="1"/>
+        </dgm:presLayoutVars>
+      </dgm:prSet>
+      <dgm:spPr/>
+    </dgm:pt>
+    <dgm:pt modelId="{C856F650-2FCE-4956-8313-EA9AFBB23901}" type="pres">
+      <dgm:prSet presAssocID="{10354C56-A454-4AED-8DC4-6C813E183F1D}" presName="descendantText" presStyleLbl="alignAcc1" presStyleIdx="0" presStyleCnt="5">
+        <dgm:presLayoutVars>
+          <dgm:bulletEnabled val="1"/>
+        </dgm:presLayoutVars>
+      </dgm:prSet>
+      <dgm:spPr/>
+    </dgm:pt>
+    <dgm:pt modelId="{33F24A61-82DA-469B-8183-3EA8043FCC20}" type="pres">
+      <dgm:prSet presAssocID="{D1765F39-A83A-4F77-B287-2A1BC20D1391}" presName="sp" presStyleCnt="0"/>
+      <dgm:spPr/>
+    </dgm:pt>
+    <dgm:pt modelId="{CD7A0505-348A-4529-B807-E1F0C9F9079A}" type="pres">
+      <dgm:prSet presAssocID="{53638A30-4519-4465-9129-12ED44CE7A15}" presName="composite" presStyleCnt="0"/>
+      <dgm:spPr/>
+    </dgm:pt>
+    <dgm:pt modelId="{EF48A7C1-1A3D-4136-8958-7A50F1BE7EF1}" type="pres">
+      <dgm:prSet presAssocID="{53638A30-4519-4465-9129-12ED44CE7A15}" presName="parentText" presStyleLbl="alignNode1" presStyleIdx="1" presStyleCnt="5">
+        <dgm:presLayoutVars>
+          <dgm:chMax val="1"/>
+          <dgm:bulletEnabled val="1"/>
+        </dgm:presLayoutVars>
+      </dgm:prSet>
+      <dgm:spPr/>
+    </dgm:pt>
+    <dgm:pt modelId="{8E3A7501-C9AA-4DA4-8375-BF5B251581B5}" type="pres">
+      <dgm:prSet presAssocID="{53638A30-4519-4465-9129-12ED44CE7A15}" presName="descendantText" presStyleLbl="alignAcc1" presStyleIdx="1" presStyleCnt="5">
+        <dgm:presLayoutVars>
+          <dgm:bulletEnabled val="1"/>
+        </dgm:presLayoutVars>
+      </dgm:prSet>
+      <dgm:spPr/>
+    </dgm:pt>
+    <dgm:pt modelId="{60A5371D-B6E0-489C-857F-365F960A0882}" type="pres">
+      <dgm:prSet presAssocID="{A3EA595B-0A80-480B-AD63-A37C9EA0ECFD}" presName="sp" presStyleCnt="0"/>
+      <dgm:spPr/>
+    </dgm:pt>
+    <dgm:pt modelId="{FF2D6DF4-0D77-49D6-B7BA-77AF84A15B1A}" type="pres">
+      <dgm:prSet presAssocID="{5B709980-D857-42E4-BA98-1BEB0900B08B}" presName="composite" presStyleCnt="0"/>
+      <dgm:spPr/>
+    </dgm:pt>
+    <dgm:pt modelId="{DDFA9597-28E1-491A-9164-194FBD4C4B14}" type="pres">
+      <dgm:prSet presAssocID="{5B709980-D857-42E4-BA98-1BEB0900B08B}" presName="parentText" presStyleLbl="alignNode1" presStyleIdx="2" presStyleCnt="5">
+        <dgm:presLayoutVars>
+          <dgm:chMax val="1"/>
+          <dgm:bulletEnabled val="1"/>
+        </dgm:presLayoutVars>
+      </dgm:prSet>
+      <dgm:spPr/>
+    </dgm:pt>
+    <dgm:pt modelId="{BD3EFECB-C236-4129-BD33-1C1D38B52213}" type="pres">
+      <dgm:prSet presAssocID="{5B709980-D857-42E4-BA98-1BEB0900B08B}" presName="descendantText" presStyleLbl="alignAcc1" presStyleIdx="2" presStyleCnt="5">
+        <dgm:presLayoutVars>
+          <dgm:bulletEnabled val="1"/>
+        </dgm:presLayoutVars>
+      </dgm:prSet>
+      <dgm:spPr/>
+    </dgm:pt>
+    <dgm:pt modelId="{7C5EA5BE-B52B-4709-AEA2-898AC2427FBC}" type="pres">
+      <dgm:prSet presAssocID="{2A016D60-0CA2-4915-BAF0-C66ACD255938}" presName="sp" presStyleCnt="0"/>
+      <dgm:spPr/>
+    </dgm:pt>
+    <dgm:pt modelId="{5BB18ED1-0270-48E8-A60C-B289BBF313B7}" type="pres">
+      <dgm:prSet presAssocID="{EC0F5FBC-D656-4B24-AC92-BA4582C07CFB}" presName="composite" presStyleCnt="0"/>
+      <dgm:spPr/>
+    </dgm:pt>
+    <dgm:pt modelId="{07CE9556-44C4-4878-B3C7-63C7B1995141}" type="pres">
+      <dgm:prSet presAssocID="{EC0F5FBC-D656-4B24-AC92-BA4582C07CFB}" presName="parentText" presStyleLbl="alignNode1" presStyleIdx="3" presStyleCnt="5">
+        <dgm:presLayoutVars>
+          <dgm:chMax val="1"/>
+          <dgm:bulletEnabled val="1"/>
+        </dgm:presLayoutVars>
+      </dgm:prSet>
+      <dgm:spPr/>
+    </dgm:pt>
+    <dgm:pt modelId="{A9C83228-984A-447C-B89B-00CA3B232D70}" type="pres">
+      <dgm:prSet presAssocID="{EC0F5FBC-D656-4B24-AC92-BA4582C07CFB}" presName="descendantText" presStyleLbl="alignAcc1" presStyleIdx="3" presStyleCnt="5">
+        <dgm:presLayoutVars>
+          <dgm:bulletEnabled val="1"/>
+        </dgm:presLayoutVars>
+      </dgm:prSet>
+      <dgm:spPr/>
+    </dgm:pt>
+    <dgm:pt modelId="{6315DDB2-01FF-44D8-B8C9-F03E551BDE94}" type="pres">
+      <dgm:prSet presAssocID="{C531348A-E9D4-4766-B40F-4E5B9B547844}" presName="sp" presStyleCnt="0"/>
+      <dgm:spPr/>
+    </dgm:pt>
+    <dgm:pt modelId="{9C729AE6-B91A-48CC-B838-324DD1E2EB2D}" type="pres">
+      <dgm:prSet presAssocID="{C7C1E5B0-B849-4DAD-BA08-589148EC939C}" presName="composite" presStyleCnt="0"/>
+      <dgm:spPr/>
+    </dgm:pt>
+    <dgm:pt modelId="{F89AF593-B4F0-4F03-BBA9-C0790D51D738}" type="pres">
+      <dgm:prSet presAssocID="{C7C1E5B0-B849-4DAD-BA08-589148EC939C}" presName="parentText" presStyleLbl="alignNode1" presStyleIdx="4" presStyleCnt="5">
+        <dgm:presLayoutVars>
+          <dgm:chMax val="1"/>
+          <dgm:bulletEnabled val="1"/>
+        </dgm:presLayoutVars>
+      </dgm:prSet>
+      <dgm:spPr/>
+    </dgm:pt>
+    <dgm:pt modelId="{A231222F-16DA-4713-81B7-068498D9703A}" type="pres">
+      <dgm:prSet presAssocID="{C7C1E5B0-B849-4DAD-BA08-589148EC939C}" presName="descendantText" presStyleLbl="alignAcc1" presStyleIdx="4" presStyleCnt="5">
+        <dgm:presLayoutVars>
+          <dgm:bulletEnabled val="1"/>
+        </dgm:presLayoutVars>
+      </dgm:prSet>
+      <dgm:spPr/>
+    </dgm:pt>
+  </dgm:ptLst>
+  <dgm:cxnLst>
+    <dgm:cxn modelId="{9CA7B60B-A98E-45C1-9E05-5C643E5B270C}" srcId="{A87CBE85-FA28-4ACF-874C-4D0A0CBA159E}" destId="{EC0F5FBC-D656-4B24-AC92-BA4582C07CFB}" srcOrd="3" destOrd="0" parTransId="{DB37B95C-2680-4665-B58C-A4A15090C6C7}" sibTransId="{C531348A-E9D4-4766-B40F-4E5B9B547844}"/>
+    <dgm:cxn modelId="{4AB47B1A-5F48-4460-B72F-A600D53B302C}" srcId="{A87CBE85-FA28-4ACF-874C-4D0A0CBA159E}" destId="{53638A30-4519-4465-9129-12ED44CE7A15}" srcOrd="1" destOrd="0" parTransId="{FA2CED3E-7D56-4457-B1CD-7E24D00E2F58}" sibTransId="{A3EA595B-0A80-480B-AD63-A37C9EA0ECFD}"/>
+    <dgm:cxn modelId="{7741F244-26FC-495D-B5DD-59ECC6F1EFF6}" type="presOf" srcId="{EC0F5FBC-D656-4B24-AC92-BA4582C07CFB}" destId="{07CE9556-44C4-4878-B3C7-63C7B1995141}" srcOrd="0" destOrd="0" presId="urn:microsoft.com/office/officeart/2005/8/layout/chevron2"/>
+    <dgm:cxn modelId="{8DE10469-3206-4467-BCB0-DAA5F994E47B}" srcId="{53638A30-4519-4465-9129-12ED44CE7A15}" destId="{6695DD34-D64C-41EF-8CA6-E080E1441DB6}" srcOrd="0" destOrd="0" parTransId="{B8B96B8F-D283-428A-828C-2DDA7358C609}" sibTransId="{5484CF22-2271-45E2-8355-FC1C9761D55A}"/>
+    <dgm:cxn modelId="{C1E8E14F-9230-4A02-8F6E-6BEA71D4B4A6}" type="presOf" srcId="{53638A30-4519-4465-9129-12ED44CE7A15}" destId="{EF48A7C1-1A3D-4136-8958-7A50F1BE7EF1}" srcOrd="0" destOrd="0" presId="urn:microsoft.com/office/officeart/2005/8/layout/chevron2"/>
+    <dgm:cxn modelId="{43105950-04E0-4900-BF05-FF25F83331FE}" type="presOf" srcId="{10354C56-A454-4AED-8DC4-6C813E183F1D}" destId="{179439C4-8028-4BCF-8DB8-7CB78191C3B4}" srcOrd="0" destOrd="0" presId="urn:microsoft.com/office/officeart/2005/8/layout/chevron2"/>
+    <dgm:cxn modelId="{2BE63952-DA7B-4537-812B-60F375C731ED}" type="presOf" srcId="{4B431CEC-A35C-404F-B332-C759E77B707D}" destId="{C856F650-2FCE-4956-8313-EA9AFBB23901}" srcOrd="0" destOrd="0" presId="urn:microsoft.com/office/officeart/2005/8/layout/chevron2"/>
+    <dgm:cxn modelId="{5F2BD675-1012-40F8-88E2-8905728094CD}" type="presOf" srcId="{FAC7B528-8CED-4A9F-9DA0-506EDD4C4B75}" destId="{BD3EFECB-C236-4129-BD33-1C1D38B52213}" srcOrd="0" destOrd="0" presId="urn:microsoft.com/office/officeart/2005/8/layout/chevron2"/>
+    <dgm:cxn modelId="{79FED77C-8F63-4523-B3F6-DDB1D15C5CD7}" srcId="{A87CBE85-FA28-4ACF-874C-4D0A0CBA159E}" destId="{10354C56-A454-4AED-8DC4-6C813E183F1D}" srcOrd="0" destOrd="0" parTransId="{DCB7CD81-25D1-40C1-A717-0E9204587CE6}" sibTransId="{D1765F39-A83A-4F77-B287-2A1BC20D1391}"/>
+    <dgm:cxn modelId="{43A2E68A-C6FB-490D-B60F-CCDB900ACFA8}" srcId="{5B709980-D857-42E4-BA98-1BEB0900B08B}" destId="{FAC7B528-8CED-4A9F-9DA0-506EDD4C4B75}" srcOrd="0" destOrd="0" parTransId="{B83ACA24-32E3-4725-B68C-AA0A48667C8F}" sibTransId="{DCC87278-258A-4B01-98D3-60865A540204}"/>
+    <dgm:cxn modelId="{9ADA7592-C450-40AA-AADF-3952223CA1B0}" srcId="{A87CBE85-FA28-4ACF-874C-4D0A0CBA159E}" destId="{C7C1E5B0-B849-4DAD-BA08-589148EC939C}" srcOrd="4" destOrd="0" parTransId="{24507F79-8D64-47CC-A982-BE4246BB1B22}" sibTransId="{3AE8C7BB-EB78-4D4B-BBF4-164211C71106}"/>
+    <dgm:cxn modelId="{BDC19692-2633-4AF4-B8DE-A04E6BF20396}" srcId="{C7C1E5B0-B849-4DAD-BA08-589148EC939C}" destId="{32EAE2E2-F590-4E2E-A4D0-65C1973C3FD9}" srcOrd="0" destOrd="0" parTransId="{943A76E9-7F80-4132-B478-9FCE4B9BC7B9}" sibTransId="{E05DBC8F-D2C2-4535-B92A-E648A96993CF}"/>
+    <dgm:cxn modelId="{16D9B89E-FF5D-4444-A871-A2065AF3AE39}" type="presOf" srcId="{4D4B7B15-1AD7-4296-AA10-F2BB266A6977}" destId="{A9C83228-984A-447C-B89B-00CA3B232D70}" srcOrd="0" destOrd="0" presId="urn:microsoft.com/office/officeart/2005/8/layout/chevron2"/>
+    <dgm:cxn modelId="{07780CC2-B849-41A3-8870-DBC904487AA2}" type="presOf" srcId="{32EAE2E2-F590-4E2E-A4D0-65C1973C3FD9}" destId="{A231222F-16DA-4713-81B7-068498D9703A}" srcOrd="0" destOrd="0" presId="urn:microsoft.com/office/officeart/2005/8/layout/chevron2"/>
+    <dgm:cxn modelId="{388C54C3-1AE3-4BCC-BA3E-95C344F2D914}" srcId="{A87CBE85-FA28-4ACF-874C-4D0A0CBA159E}" destId="{5B709980-D857-42E4-BA98-1BEB0900B08B}" srcOrd="2" destOrd="0" parTransId="{7A5F0A0E-F65C-434C-973F-275EF90A039F}" sibTransId="{2A016D60-0CA2-4915-BAF0-C66ACD255938}"/>
+    <dgm:cxn modelId="{3A75A8D2-14A9-4B2F-9950-06B82BA06B67}" type="presOf" srcId="{6695DD34-D64C-41EF-8CA6-E080E1441DB6}" destId="{8E3A7501-C9AA-4DA4-8375-BF5B251581B5}" srcOrd="0" destOrd="0" presId="urn:microsoft.com/office/officeart/2005/8/layout/chevron2"/>
+    <dgm:cxn modelId="{9AFFA2D8-CAB4-4118-B572-70251648B55C}" type="presOf" srcId="{C7C1E5B0-B849-4DAD-BA08-589148EC939C}" destId="{F89AF593-B4F0-4F03-BBA9-C0790D51D738}" srcOrd="0" destOrd="0" presId="urn:microsoft.com/office/officeart/2005/8/layout/chevron2"/>
+    <dgm:cxn modelId="{EA0C61DF-BC1F-402A-8E8E-8FB31F5C46C9}" srcId="{EC0F5FBC-D656-4B24-AC92-BA4582C07CFB}" destId="{4D4B7B15-1AD7-4296-AA10-F2BB266A6977}" srcOrd="0" destOrd="0" parTransId="{01B87144-F89E-4C5E-9F91-C5C75E12C005}" sibTransId="{282C954F-2956-4FB4-96DA-033998BB554D}"/>
+    <dgm:cxn modelId="{599A44E8-84D5-40DC-8F82-806A9F1446DD}" type="presOf" srcId="{A87CBE85-FA28-4ACF-874C-4D0A0CBA159E}" destId="{73895ED3-1570-4634-85A0-BD89A4B5C49C}" srcOrd="0" destOrd="0" presId="urn:microsoft.com/office/officeart/2005/8/layout/chevron2"/>
+    <dgm:cxn modelId="{AD4BE4E9-D8BF-4427-BC68-3C70535F9BEA}" type="presOf" srcId="{5B709980-D857-42E4-BA98-1BEB0900B08B}" destId="{DDFA9597-28E1-491A-9164-194FBD4C4B14}" srcOrd="0" destOrd="0" presId="urn:microsoft.com/office/officeart/2005/8/layout/chevron2"/>
+    <dgm:cxn modelId="{C608A2EC-4C31-49FB-A6AB-77D15279BD5E}" srcId="{10354C56-A454-4AED-8DC4-6C813E183F1D}" destId="{4B431CEC-A35C-404F-B332-C759E77B707D}" srcOrd="0" destOrd="0" parTransId="{C4125A80-7AA0-4337-9843-DC8866E67080}" sibTransId="{12C9A4B8-A235-4ACC-AAD5-AF92FB6A1F8B}"/>
+    <dgm:cxn modelId="{87CA86E0-14A2-4110-B4ED-70E275404CA3}" type="presParOf" srcId="{73895ED3-1570-4634-85A0-BD89A4B5C49C}" destId="{29DFEA4E-4F74-476C-9C9C-E1FB7FFF6C7A}" srcOrd="0" destOrd="0" presId="urn:microsoft.com/office/officeart/2005/8/layout/chevron2"/>
+    <dgm:cxn modelId="{FC1D535D-A9A2-4EF2-8232-9AB7111BCAE1}" type="presParOf" srcId="{29DFEA4E-4F74-476C-9C9C-E1FB7FFF6C7A}" destId="{179439C4-8028-4BCF-8DB8-7CB78191C3B4}" srcOrd="0" destOrd="0" presId="urn:microsoft.com/office/officeart/2005/8/layout/chevron2"/>
+    <dgm:cxn modelId="{3AEEA06C-AD8B-4AF0-84A4-4AB81C8AA43D}" type="presParOf" srcId="{29DFEA4E-4F74-476C-9C9C-E1FB7FFF6C7A}" destId="{C856F650-2FCE-4956-8313-EA9AFBB23901}" srcOrd="1" destOrd="0" presId="urn:microsoft.com/office/officeart/2005/8/layout/chevron2"/>
+    <dgm:cxn modelId="{F710BEFE-1DC7-43A1-A4E6-4FDAA63AA38E}" type="presParOf" srcId="{73895ED3-1570-4634-85A0-BD89A4B5C49C}" destId="{33F24A61-82DA-469B-8183-3EA8043FCC20}" srcOrd="1" destOrd="0" presId="urn:microsoft.com/office/officeart/2005/8/layout/chevron2"/>
+    <dgm:cxn modelId="{246B74F9-B790-4801-B6EB-71448E4FD015}" type="presParOf" srcId="{73895ED3-1570-4634-85A0-BD89A4B5C49C}" destId="{CD7A0505-348A-4529-B807-E1F0C9F9079A}" srcOrd="2" destOrd="0" presId="urn:microsoft.com/office/officeart/2005/8/layout/chevron2"/>
+    <dgm:cxn modelId="{C87EFDE6-519F-4F3A-8D5F-90266E0FBB4F}" type="presParOf" srcId="{CD7A0505-348A-4529-B807-E1F0C9F9079A}" destId="{EF48A7C1-1A3D-4136-8958-7A50F1BE7EF1}" srcOrd="0" destOrd="0" presId="urn:microsoft.com/office/officeart/2005/8/layout/chevron2"/>
+    <dgm:cxn modelId="{F858FC99-2FF7-488B-B81F-56446817777E}" type="presParOf" srcId="{CD7A0505-348A-4529-B807-E1F0C9F9079A}" destId="{8E3A7501-C9AA-4DA4-8375-BF5B251581B5}" srcOrd="1" destOrd="0" presId="urn:microsoft.com/office/officeart/2005/8/layout/chevron2"/>
+    <dgm:cxn modelId="{1C234222-AE3D-448A-ABEB-7A56EFBA9822}" type="presParOf" srcId="{73895ED3-1570-4634-85A0-BD89A4B5C49C}" destId="{60A5371D-B6E0-489C-857F-365F960A0882}" srcOrd="3" destOrd="0" presId="urn:microsoft.com/office/officeart/2005/8/layout/chevron2"/>
+    <dgm:cxn modelId="{EFF419C4-9895-4289-811E-8DCC89079459}" type="presParOf" srcId="{73895ED3-1570-4634-85A0-BD89A4B5C49C}" destId="{FF2D6DF4-0D77-49D6-B7BA-77AF84A15B1A}" srcOrd="4" destOrd="0" presId="urn:microsoft.com/office/officeart/2005/8/layout/chevron2"/>
+    <dgm:cxn modelId="{BEB9E450-01A4-4CB9-B893-6262625AA082}" type="presParOf" srcId="{FF2D6DF4-0D77-49D6-B7BA-77AF84A15B1A}" destId="{DDFA9597-28E1-491A-9164-194FBD4C4B14}" srcOrd="0" destOrd="0" presId="urn:microsoft.com/office/officeart/2005/8/layout/chevron2"/>
+    <dgm:cxn modelId="{1449209C-8643-4C91-A837-BB1459B71106}" type="presParOf" srcId="{FF2D6DF4-0D77-49D6-B7BA-77AF84A15B1A}" destId="{BD3EFECB-C236-4129-BD33-1C1D38B52213}" srcOrd="1" destOrd="0" presId="urn:microsoft.com/office/officeart/2005/8/layout/chevron2"/>
+    <dgm:cxn modelId="{9A3153DB-1B87-49FA-8203-FA40B26B3922}" type="presParOf" srcId="{73895ED3-1570-4634-85A0-BD89A4B5C49C}" destId="{7C5EA5BE-B52B-4709-AEA2-898AC2427FBC}" srcOrd="5" destOrd="0" presId="urn:microsoft.com/office/officeart/2005/8/layout/chevron2"/>
+    <dgm:cxn modelId="{A5C68615-24A4-46A6-9CE3-BFA6009217C3}" type="presParOf" srcId="{73895ED3-1570-4634-85A0-BD89A4B5C49C}" destId="{5BB18ED1-0270-48E8-A60C-B289BBF313B7}" srcOrd="6" destOrd="0" presId="urn:microsoft.com/office/officeart/2005/8/layout/chevron2"/>
+    <dgm:cxn modelId="{0F244EDB-AD64-4389-9124-5B1A281CCF65}" type="presParOf" srcId="{5BB18ED1-0270-48E8-A60C-B289BBF313B7}" destId="{07CE9556-44C4-4878-B3C7-63C7B1995141}" srcOrd="0" destOrd="0" presId="urn:microsoft.com/office/officeart/2005/8/layout/chevron2"/>
+    <dgm:cxn modelId="{1ECC4D0E-21AB-4B85-90FB-1F947B93D9DC}" type="presParOf" srcId="{5BB18ED1-0270-48E8-A60C-B289BBF313B7}" destId="{A9C83228-984A-447C-B89B-00CA3B232D70}" srcOrd="1" destOrd="0" presId="urn:microsoft.com/office/officeart/2005/8/layout/chevron2"/>
+    <dgm:cxn modelId="{5F78827C-AC96-4189-8732-F4B6D2F87047}" type="presParOf" srcId="{73895ED3-1570-4634-85A0-BD89A4B5C49C}" destId="{6315DDB2-01FF-44D8-B8C9-F03E551BDE94}" srcOrd="7" destOrd="0" presId="urn:microsoft.com/office/officeart/2005/8/layout/chevron2"/>
+    <dgm:cxn modelId="{8EA1F919-675A-43D9-8E0D-10D2A4081F0B}" type="presParOf" srcId="{73895ED3-1570-4634-85A0-BD89A4B5C49C}" destId="{9C729AE6-B91A-48CC-B838-324DD1E2EB2D}" srcOrd="8" destOrd="0" presId="urn:microsoft.com/office/officeart/2005/8/layout/chevron2"/>
+    <dgm:cxn modelId="{058E0D0F-BF3D-4EE7-B40C-734F86ADB086}" type="presParOf" srcId="{9C729AE6-B91A-48CC-B838-324DD1E2EB2D}" destId="{F89AF593-B4F0-4F03-BBA9-C0790D51D738}" srcOrd="0" destOrd="0" presId="urn:microsoft.com/office/officeart/2005/8/layout/chevron2"/>
+    <dgm:cxn modelId="{64A78D69-6ED6-4B67-9D40-C643702D93F9}" type="presParOf" srcId="{9C729AE6-B91A-48CC-B838-324DD1E2EB2D}" destId="{A231222F-16DA-4713-81B7-068498D9703A}" srcOrd="1" destOrd="0" presId="urn:microsoft.com/office/officeart/2005/8/layout/chevron2"/>
+  </dgm:cxnLst>
+  <dgm:bg/>
+  <dgm:whole/>
+  <dgm:extLst>
+    <a:ext uri="http://schemas.microsoft.com/office/drawing/2008/diagram">
+      <dsp:dataModelExt xmlns:dsp="http://schemas.microsoft.com/office/drawing/2008/diagram" relId="rId6" minVer="http://schemas.openxmlformats.org/drawingml/2006/diagram"/>
+    </a:ext>
+  </dgm:extLst>
+</dgm:dataModel>
+</file>
+
+<file path=ppt/diagrams/drawing1.xml><?xml version="1.0" encoding="utf-8"?>
+<dsp:drawing xmlns:dgm="http://schemas.openxmlformats.org/drawingml/2006/diagram" xmlns:dsp="http://schemas.microsoft.com/office/drawing/2008/diagram" xmlns:a="http://schemas.openxmlformats.org/drawingml/2006/main">
+  <dsp:spTree>
+    <dsp:nvGrpSpPr>
+      <dsp:cNvPr id="0" name=""/>
+      <dsp:cNvGrpSpPr/>
+    </dsp:nvGrpSpPr>
+    <dsp:grpSpPr/>
+    <dsp:sp modelId="{179439C4-8028-4BCF-8DB8-7CB78191C3B4}">
+      <dsp:nvSpPr>
+        <dsp:cNvPr id="0" name=""/>
+        <dsp:cNvSpPr/>
+      </dsp:nvSpPr>
+      <dsp:spPr>
+        <a:xfrm rot="5400000">
+          <a:off x="-136177" y="137878"/>
+          <a:ext cx="907851" cy="635496"/>
+        </a:xfrm>
+        <a:prstGeom prst="chevron">
+          <a:avLst/>
+        </a:prstGeom>
+        <a:gradFill rotWithShape="0">
+          <a:gsLst>
+            <a:gs pos="0">
+              <a:schemeClr val="lt1">
+                <a:hueOff val="0"/>
+                <a:satOff val="0"/>
+                <a:lumOff val="0"/>
+                <a:alphaOff val="0"/>
+                <a:tint val="98000"/>
+                <a:shade val="25000"/>
+                <a:satMod val="250000"/>
+              </a:schemeClr>
+            </a:gs>
+            <a:gs pos="68000">
+              <a:schemeClr val="lt1">
+                <a:hueOff val="0"/>
+                <a:satOff val="0"/>
+                <a:lumOff val="0"/>
+                <a:alphaOff val="0"/>
+                <a:tint val="86000"/>
+                <a:satMod val="115000"/>
+              </a:schemeClr>
+            </a:gs>
+            <a:gs pos="100000">
+              <a:schemeClr val="lt1">
+                <a:hueOff val="0"/>
+                <a:satOff val="0"/>
+                <a:lumOff val="0"/>
+                <a:alphaOff val="0"/>
+                <a:tint val="50000"/>
+                <a:satMod val="150000"/>
+              </a:schemeClr>
+            </a:gs>
+          </a:gsLst>
+          <a:path path="circle">
+            <a:fillToRect l="50000" t="130000" r="50000" b="-30000"/>
+          </a:path>
+        </a:gradFill>
+        <a:ln>
+          <a:noFill/>
+        </a:ln>
+        <a:effectLst>
+          <a:outerShdw blurRad="57150" dist="38100" dir="5400000" algn="ctr" rotWithShape="0">
+            <a:schemeClr val="lt1">
+              <a:hueOff val="0"/>
+              <a:satOff val="0"/>
+              <a:lumOff val="0"/>
+              <a:alphaOff val="0"/>
+              <a:shade val="9000"/>
+              <a:satMod val="105000"/>
+              <a:alpha val="48000"/>
+            </a:schemeClr>
+          </a:outerShdw>
+        </a:effectLst>
+        <a:scene3d>
+          <a:camera prst="orthographicFront"/>
+          <a:lightRig rig="threePt" dir="t">
+            <a:rot lat="0" lon="0" rev="7500000"/>
+          </a:lightRig>
+        </a:scene3d>
+        <a:sp3d prstMaterial="plastic">
+          <a:bevelT w="127000" h="25400" prst="relaxedInset"/>
+        </a:sp3d>
+      </dsp:spPr>
+      <dsp:style>
+        <a:lnRef idx="0">
+          <a:scrgbClr r="0" g="0" b="0"/>
+        </a:lnRef>
+        <a:fillRef idx="3">
+          <a:scrgbClr r="0" g="0" b="0"/>
+        </a:fillRef>
+        <a:effectRef idx="2">
+          <a:scrgbClr r="0" g="0" b="0"/>
+        </a:effectRef>
+        <a:fontRef idx="minor">
+          <a:schemeClr val="lt1"/>
+        </a:fontRef>
+      </dsp:style>
+      <dsp:txBody>
+        <a:bodyPr spcFirstLastPara="0" vert="horz" wrap="square" lIns="8890" tIns="8890" rIns="8890" bIns="8890" numCol="1" spcCol="1270" anchor="ctr" anchorCtr="0">
+          <a:noAutofit/>
+        </a:bodyPr>
+        <a:lstStyle/>
+        <a:p>
+          <a:pPr marL="0" lvl="0" indent="0" algn="ctr" defTabSz="622300">
+            <a:lnSpc>
+              <a:spcPct val="90000"/>
+            </a:lnSpc>
+            <a:spcBef>
+              <a:spcPct val="0"/>
+            </a:spcBef>
+            <a:spcAft>
+              <a:spcPct val="35000"/>
+            </a:spcAft>
+            <a:buNone/>
+          </a:pPr>
+          <a:endParaRPr lang="en-US" sz="1400" kern="1200" dirty="0"/>
+        </a:p>
+      </dsp:txBody>
+      <dsp:txXfrm rot="-5400000">
+        <a:off x="1" y="319448"/>
+        <a:ext cx="635496" cy="272355"/>
+      </dsp:txXfrm>
+    </dsp:sp>
+    <dsp:sp modelId="{C856F650-2FCE-4956-8313-EA9AFBB23901}">
+      <dsp:nvSpPr>
+        <dsp:cNvPr id="0" name=""/>
+        <dsp:cNvSpPr/>
+      </dsp:nvSpPr>
+      <dsp:spPr>
+        <a:xfrm rot="5400000">
+          <a:off x="3070696" y="-2433499"/>
+          <a:ext cx="590103" cy="5460503"/>
+        </a:xfrm>
+        <a:prstGeom prst="round2SameRect">
+          <a:avLst/>
+        </a:prstGeom>
+        <a:solidFill>
+          <a:schemeClr val="dk1">
+            <a:alpha val="90000"/>
+            <a:tint val="40000"/>
+            <a:hueOff val="0"/>
+            <a:satOff val="0"/>
+            <a:lumOff val="0"/>
+            <a:alphaOff val="0"/>
+          </a:schemeClr>
+        </a:solidFill>
+        <a:ln w="9525" cap="flat" cmpd="sng" algn="ctr">
+          <a:solidFill>
+            <a:schemeClr val="dk1">
+              <a:hueOff val="0"/>
+              <a:satOff val="0"/>
+              <a:lumOff val="0"/>
+              <a:alphaOff val="0"/>
+            </a:schemeClr>
+          </a:solidFill>
+          <a:prstDash val="solid"/>
+        </a:ln>
+        <a:effectLst>
+          <a:outerShdw blurRad="57150" dist="38100" dir="5400000" algn="ctr" rotWithShape="0">
+            <a:schemeClr val="dk1">
+              <a:alpha val="90000"/>
+              <a:tint val="40000"/>
+              <a:hueOff val="0"/>
+              <a:satOff val="0"/>
+              <a:lumOff val="0"/>
+              <a:alphaOff val="0"/>
+              <a:shade val="9000"/>
+              <a:satMod val="105000"/>
+              <a:alpha val="48000"/>
+            </a:schemeClr>
+          </a:outerShdw>
+        </a:effectLst>
+        <a:scene3d>
+          <a:camera prst="orthographicFront"/>
+          <a:lightRig rig="threePt" dir="t">
+            <a:rot lat="0" lon="0" rev="7500000"/>
+          </a:lightRig>
+        </a:scene3d>
+        <a:sp3d extrusionH="190500" prstMaterial="dkEdge">
+          <a:bevelT w="135400" h="16350" prst="relaxedInset"/>
+          <a:contourClr>
+            <a:schemeClr val="bg1"/>
+          </a:contourClr>
+        </a:sp3d>
+      </dsp:spPr>
+      <dsp:style>
+        <a:lnRef idx="1">
+          <a:scrgbClr r="0" g="0" b="0"/>
+        </a:lnRef>
+        <a:fillRef idx="1">
+          <a:scrgbClr r="0" g="0" b="0"/>
+        </a:fillRef>
+        <a:effectRef idx="2">
+          <a:scrgbClr r="0" g="0" b="0"/>
+        </a:effectRef>
+        <a:fontRef idx="minor"/>
+      </dsp:style>
+      <dsp:txBody>
+        <a:bodyPr spcFirstLastPara="0" vert="horz" wrap="square" lIns="241808" tIns="21590" rIns="21590" bIns="21590" numCol="1" spcCol="1270" anchor="ctr" anchorCtr="0">
+          <a:noAutofit/>
+        </a:bodyPr>
+        <a:lstStyle/>
+        <a:p>
+          <a:pPr marL="285750" lvl="1" indent="-285750" algn="l" defTabSz="1511300">
+            <a:lnSpc>
+              <a:spcPct val="90000"/>
+            </a:lnSpc>
+            <a:spcBef>
+              <a:spcPct val="0"/>
+            </a:spcBef>
+            <a:spcAft>
+              <a:spcPct val="15000"/>
+            </a:spcAft>
+            <a:buChar char="•"/>
+          </a:pPr>
+          <a:r>
+            <a:rPr lang="tr-TR" sz="3400" kern="1200" dirty="0" err="1"/>
+            <a:t>Topology</a:t>
+          </a:r>
+          <a:r>
+            <a:rPr lang="tr-TR" sz="3400" kern="1200" dirty="0"/>
+            <a:t> </a:t>
+          </a:r>
+          <a:r>
+            <a:rPr lang="tr-TR" sz="3400" kern="1200" dirty="0" err="1"/>
+            <a:t>selection</a:t>
+          </a:r>
+          <a:endParaRPr lang="en-US" sz="3400" kern="1200" dirty="0"/>
+        </a:p>
+      </dsp:txBody>
+      <dsp:txXfrm rot="-5400000">
+        <a:off x="635496" y="30507"/>
+        <a:ext cx="5431697" cy="532491"/>
+      </dsp:txXfrm>
+    </dsp:sp>
+    <dsp:sp modelId="{EF48A7C1-1A3D-4136-8958-7A50F1BE7EF1}">
+      <dsp:nvSpPr>
+        <dsp:cNvPr id="0" name=""/>
+        <dsp:cNvSpPr/>
+      </dsp:nvSpPr>
+      <dsp:spPr>
+        <a:xfrm rot="5400000">
+          <a:off x="-136177" y="926065"/>
+          <a:ext cx="907851" cy="635496"/>
+        </a:xfrm>
+        <a:prstGeom prst="chevron">
+          <a:avLst/>
+        </a:prstGeom>
+        <a:gradFill rotWithShape="0">
+          <a:gsLst>
+            <a:gs pos="0">
+              <a:schemeClr val="lt1">
+                <a:hueOff val="0"/>
+                <a:satOff val="0"/>
+                <a:lumOff val="0"/>
+                <a:alphaOff val="0"/>
+                <a:tint val="98000"/>
+                <a:shade val="25000"/>
+                <a:satMod val="250000"/>
+              </a:schemeClr>
+            </a:gs>
+            <a:gs pos="68000">
+              <a:schemeClr val="lt1">
+                <a:hueOff val="0"/>
+                <a:satOff val="0"/>
+                <a:lumOff val="0"/>
+                <a:alphaOff val="0"/>
+                <a:tint val="86000"/>
+                <a:satMod val="115000"/>
+              </a:schemeClr>
+            </a:gs>
+            <a:gs pos="100000">
+              <a:schemeClr val="lt1">
+                <a:hueOff val="0"/>
+                <a:satOff val="0"/>
+                <a:lumOff val="0"/>
+                <a:alphaOff val="0"/>
+                <a:tint val="50000"/>
+                <a:satMod val="150000"/>
+              </a:schemeClr>
+            </a:gs>
+          </a:gsLst>
+          <a:path path="circle">
+            <a:fillToRect l="50000" t="130000" r="50000" b="-30000"/>
+          </a:path>
+        </a:gradFill>
+        <a:ln>
+          <a:noFill/>
+        </a:ln>
+        <a:effectLst>
+          <a:outerShdw blurRad="57150" dist="38100" dir="5400000" algn="ctr" rotWithShape="0">
+            <a:schemeClr val="lt1">
+              <a:hueOff val="0"/>
+              <a:satOff val="0"/>
+              <a:lumOff val="0"/>
+              <a:alphaOff val="0"/>
+              <a:shade val="9000"/>
+              <a:satMod val="105000"/>
+              <a:alpha val="48000"/>
+            </a:schemeClr>
+          </a:outerShdw>
+        </a:effectLst>
+        <a:scene3d>
+          <a:camera prst="orthographicFront"/>
+          <a:lightRig rig="threePt" dir="t">
+            <a:rot lat="0" lon="0" rev="7500000"/>
+          </a:lightRig>
+        </a:scene3d>
+        <a:sp3d prstMaterial="plastic">
+          <a:bevelT w="127000" h="25400" prst="relaxedInset"/>
+        </a:sp3d>
+      </dsp:spPr>
+      <dsp:style>
+        <a:lnRef idx="0">
+          <a:scrgbClr r="0" g="0" b="0"/>
+        </a:lnRef>
+        <a:fillRef idx="3">
+          <a:scrgbClr r="0" g="0" b="0"/>
+        </a:fillRef>
+        <a:effectRef idx="2">
+          <a:scrgbClr r="0" g="0" b="0"/>
+        </a:effectRef>
+        <a:fontRef idx="minor">
+          <a:schemeClr val="lt1"/>
+        </a:fontRef>
+      </dsp:style>
+      <dsp:txBody>
+        <a:bodyPr spcFirstLastPara="0" vert="horz" wrap="square" lIns="8890" tIns="8890" rIns="8890" bIns="8890" numCol="1" spcCol="1270" anchor="ctr" anchorCtr="0">
+          <a:noAutofit/>
+        </a:bodyPr>
+        <a:lstStyle/>
+        <a:p>
+          <a:pPr marL="0" lvl="0" indent="0" algn="ctr" defTabSz="622300">
+            <a:lnSpc>
+              <a:spcPct val="90000"/>
+            </a:lnSpc>
+            <a:spcBef>
+              <a:spcPct val="0"/>
+            </a:spcBef>
+            <a:spcAft>
+              <a:spcPct val="35000"/>
+            </a:spcAft>
+            <a:buNone/>
+          </a:pPr>
+          <a:endParaRPr lang="en-US" sz="1400" kern="1200" dirty="0"/>
+        </a:p>
+      </dsp:txBody>
+      <dsp:txXfrm rot="-5400000">
+        <a:off x="1" y="1107635"/>
+        <a:ext cx="635496" cy="272355"/>
+      </dsp:txXfrm>
+    </dsp:sp>
+    <dsp:sp modelId="{8E3A7501-C9AA-4DA4-8375-BF5B251581B5}">
+      <dsp:nvSpPr>
+        <dsp:cNvPr id="0" name=""/>
+        <dsp:cNvSpPr/>
+      </dsp:nvSpPr>
+      <dsp:spPr>
+        <a:xfrm rot="5400000">
+          <a:off x="3070696" y="-1645312"/>
+          <a:ext cx="590103" cy="5460503"/>
+        </a:xfrm>
+        <a:prstGeom prst="round2SameRect">
+          <a:avLst/>
+        </a:prstGeom>
+        <a:solidFill>
+          <a:schemeClr val="dk1">
+            <a:alpha val="90000"/>
+            <a:tint val="40000"/>
+            <a:hueOff val="0"/>
+            <a:satOff val="0"/>
+            <a:lumOff val="0"/>
+            <a:alphaOff val="0"/>
+          </a:schemeClr>
+        </a:solidFill>
+        <a:ln w="9525" cap="flat" cmpd="sng" algn="ctr">
+          <a:solidFill>
+            <a:schemeClr val="dk1">
+              <a:hueOff val="0"/>
+              <a:satOff val="0"/>
+              <a:lumOff val="0"/>
+              <a:alphaOff val="0"/>
+            </a:schemeClr>
+          </a:solidFill>
+          <a:prstDash val="solid"/>
+        </a:ln>
+        <a:effectLst>
+          <a:outerShdw blurRad="57150" dist="38100" dir="5400000" algn="ctr" rotWithShape="0">
+            <a:schemeClr val="dk1">
+              <a:alpha val="90000"/>
+              <a:tint val="40000"/>
+              <a:hueOff val="0"/>
+              <a:satOff val="0"/>
+              <a:lumOff val="0"/>
+              <a:alphaOff val="0"/>
+              <a:shade val="9000"/>
+              <a:satMod val="105000"/>
+              <a:alpha val="48000"/>
+            </a:schemeClr>
+          </a:outerShdw>
+        </a:effectLst>
+        <a:scene3d>
+          <a:camera prst="orthographicFront"/>
+          <a:lightRig rig="threePt" dir="t">
+            <a:rot lat="0" lon="0" rev="7500000"/>
+          </a:lightRig>
+        </a:scene3d>
+        <a:sp3d extrusionH="190500" prstMaterial="dkEdge">
+          <a:bevelT w="135400" h="16350" prst="relaxedInset"/>
+          <a:contourClr>
+            <a:schemeClr val="bg1"/>
+          </a:contourClr>
+        </a:sp3d>
+      </dsp:spPr>
+      <dsp:style>
+        <a:lnRef idx="1">
+          <a:scrgbClr r="0" g="0" b="0"/>
+        </a:lnRef>
+        <a:fillRef idx="1">
+          <a:scrgbClr r="0" g="0" b="0"/>
+        </a:fillRef>
+        <a:effectRef idx="2">
+          <a:scrgbClr r="0" g="0" b="0"/>
+        </a:effectRef>
+        <a:fontRef idx="minor"/>
+      </dsp:style>
+      <dsp:txBody>
+        <a:bodyPr spcFirstLastPara="0" vert="horz" wrap="square" lIns="241808" tIns="21590" rIns="21590" bIns="21590" numCol="1" spcCol="1270" anchor="ctr" anchorCtr="0">
+          <a:noAutofit/>
+        </a:bodyPr>
+        <a:lstStyle/>
+        <a:p>
+          <a:pPr marL="285750" lvl="1" indent="-285750" algn="l" defTabSz="1511300">
+            <a:lnSpc>
+              <a:spcPct val="90000"/>
+            </a:lnSpc>
+            <a:spcBef>
+              <a:spcPct val="0"/>
+            </a:spcBef>
+            <a:spcAft>
+              <a:spcPct val="15000"/>
+            </a:spcAft>
+            <a:buChar char="•"/>
+          </a:pPr>
+          <a:r>
+            <a:rPr lang="tr-TR" sz="3400" kern="1200" dirty="0" err="1"/>
+            <a:t>Magnetic</a:t>
+          </a:r>
+          <a:r>
+            <a:rPr lang="tr-TR" sz="3400" kern="1200" dirty="0"/>
+            <a:t> </a:t>
+          </a:r>
+          <a:r>
+            <a:rPr lang="tr-TR" sz="3400" kern="1200" dirty="0" err="1"/>
+            <a:t>design</a:t>
+          </a:r>
+          <a:endParaRPr lang="en-US" sz="3400" kern="1200" dirty="0"/>
+        </a:p>
+      </dsp:txBody>
+      <dsp:txXfrm rot="-5400000">
+        <a:off x="635496" y="818694"/>
+        <a:ext cx="5431697" cy="532491"/>
+      </dsp:txXfrm>
+    </dsp:sp>
+    <dsp:sp modelId="{DDFA9597-28E1-491A-9164-194FBD4C4B14}">
+      <dsp:nvSpPr>
+        <dsp:cNvPr id="0" name=""/>
+        <dsp:cNvSpPr/>
+      </dsp:nvSpPr>
+      <dsp:spPr>
+        <a:xfrm rot="5400000">
+          <a:off x="-136177" y="1714251"/>
+          <a:ext cx="907851" cy="635496"/>
+        </a:xfrm>
+        <a:prstGeom prst="chevron">
+          <a:avLst/>
+        </a:prstGeom>
+        <a:gradFill rotWithShape="0">
+          <a:gsLst>
+            <a:gs pos="0">
+              <a:schemeClr val="lt1">
+                <a:hueOff val="0"/>
+                <a:satOff val="0"/>
+                <a:lumOff val="0"/>
+                <a:alphaOff val="0"/>
+                <a:tint val="98000"/>
+                <a:shade val="25000"/>
+                <a:satMod val="250000"/>
+              </a:schemeClr>
+            </a:gs>
+            <a:gs pos="68000">
+              <a:schemeClr val="lt1">
+                <a:hueOff val="0"/>
+                <a:satOff val="0"/>
+                <a:lumOff val="0"/>
+                <a:alphaOff val="0"/>
+                <a:tint val="86000"/>
+                <a:satMod val="115000"/>
+              </a:schemeClr>
+            </a:gs>
+            <a:gs pos="100000">
+              <a:schemeClr val="lt1">
+                <a:hueOff val="0"/>
+                <a:satOff val="0"/>
+                <a:lumOff val="0"/>
+                <a:alphaOff val="0"/>
+                <a:tint val="50000"/>
+                <a:satMod val="150000"/>
+              </a:schemeClr>
+            </a:gs>
+          </a:gsLst>
+          <a:path path="circle">
+            <a:fillToRect l="50000" t="130000" r="50000" b="-30000"/>
+          </a:path>
+        </a:gradFill>
+        <a:ln>
+          <a:noFill/>
+        </a:ln>
+        <a:effectLst>
+          <a:outerShdw blurRad="57150" dist="38100" dir="5400000" algn="ctr" rotWithShape="0">
+            <a:schemeClr val="lt1">
+              <a:hueOff val="0"/>
+              <a:satOff val="0"/>
+              <a:lumOff val="0"/>
+              <a:alphaOff val="0"/>
+              <a:shade val="9000"/>
+              <a:satMod val="105000"/>
+              <a:alpha val="48000"/>
+            </a:schemeClr>
+          </a:outerShdw>
+        </a:effectLst>
+        <a:scene3d>
+          <a:camera prst="orthographicFront"/>
+          <a:lightRig rig="threePt" dir="t">
+            <a:rot lat="0" lon="0" rev="7500000"/>
+          </a:lightRig>
+        </a:scene3d>
+        <a:sp3d prstMaterial="plastic">
+          <a:bevelT w="127000" h="25400" prst="relaxedInset"/>
+        </a:sp3d>
+      </dsp:spPr>
+      <dsp:style>
+        <a:lnRef idx="0">
+          <a:scrgbClr r="0" g="0" b="0"/>
+        </a:lnRef>
+        <a:fillRef idx="3">
+          <a:scrgbClr r="0" g="0" b="0"/>
+        </a:fillRef>
+        <a:effectRef idx="2">
+          <a:scrgbClr r="0" g="0" b="0"/>
+        </a:effectRef>
+        <a:fontRef idx="minor">
+          <a:schemeClr val="lt1"/>
+        </a:fontRef>
+      </dsp:style>
+      <dsp:txBody>
+        <a:bodyPr spcFirstLastPara="0" vert="horz" wrap="square" lIns="8890" tIns="8890" rIns="8890" bIns="8890" numCol="1" spcCol="1270" anchor="ctr" anchorCtr="0">
+          <a:noAutofit/>
+        </a:bodyPr>
+        <a:lstStyle/>
+        <a:p>
+          <a:pPr marL="0" lvl="0" indent="0" algn="ctr" defTabSz="622300">
+            <a:lnSpc>
+              <a:spcPct val="90000"/>
+            </a:lnSpc>
+            <a:spcBef>
+              <a:spcPct val="0"/>
+            </a:spcBef>
+            <a:spcAft>
+              <a:spcPct val="35000"/>
+            </a:spcAft>
+            <a:buNone/>
+          </a:pPr>
+          <a:endParaRPr lang="en-US" sz="1400" kern="1200"/>
+        </a:p>
+      </dsp:txBody>
+      <dsp:txXfrm rot="-5400000">
+        <a:off x="1" y="1895821"/>
+        <a:ext cx="635496" cy="272355"/>
+      </dsp:txXfrm>
+    </dsp:sp>
+    <dsp:sp modelId="{BD3EFECB-C236-4129-BD33-1C1D38B52213}">
+      <dsp:nvSpPr>
+        <dsp:cNvPr id="0" name=""/>
+        <dsp:cNvSpPr/>
+      </dsp:nvSpPr>
+      <dsp:spPr>
+        <a:xfrm rot="5400000">
+          <a:off x="3070696" y="-857125"/>
+          <a:ext cx="590103" cy="5460503"/>
+        </a:xfrm>
+        <a:prstGeom prst="round2SameRect">
+          <a:avLst/>
+        </a:prstGeom>
+        <a:solidFill>
+          <a:schemeClr val="dk1">
+            <a:alpha val="90000"/>
+            <a:tint val="40000"/>
+            <a:hueOff val="0"/>
+            <a:satOff val="0"/>
+            <a:lumOff val="0"/>
+            <a:alphaOff val="0"/>
+          </a:schemeClr>
+        </a:solidFill>
+        <a:ln w="9525" cap="flat" cmpd="sng" algn="ctr">
+          <a:solidFill>
+            <a:schemeClr val="dk1">
+              <a:hueOff val="0"/>
+              <a:satOff val="0"/>
+              <a:lumOff val="0"/>
+              <a:alphaOff val="0"/>
+            </a:schemeClr>
+          </a:solidFill>
+          <a:prstDash val="solid"/>
+        </a:ln>
+        <a:effectLst>
+          <a:outerShdw blurRad="57150" dist="38100" dir="5400000" algn="ctr" rotWithShape="0">
+            <a:schemeClr val="dk1">
+              <a:alpha val="90000"/>
+              <a:tint val="40000"/>
+              <a:hueOff val="0"/>
+              <a:satOff val="0"/>
+              <a:lumOff val="0"/>
+              <a:alphaOff val="0"/>
+              <a:shade val="9000"/>
+              <a:satMod val="105000"/>
+              <a:alpha val="48000"/>
+            </a:schemeClr>
+          </a:outerShdw>
+        </a:effectLst>
+        <a:scene3d>
+          <a:camera prst="orthographicFront"/>
+          <a:lightRig rig="threePt" dir="t">
+            <a:rot lat="0" lon="0" rev="7500000"/>
+          </a:lightRig>
+        </a:scene3d>
+        <a:sp3d extrusionH="190500" prstMaterial="dkEdge">
+          <a:bevelT w="135400" h="16350" prst="relaxedInset"/>
+          <a:contourClr>
+            <a:schemeClr val="bg1"/>
+          </a:contourClr>
+        </a:sp3d>
+      </dsp:spPr>
+      <dsp:style>
+        <a:lnRef idx="1">
+          <a:scrgbClr r="0" g="0" b="0"/>
+        </a:lnRef>
+        <a:fillRef idx="1">
+          <a:scrgbClr r="0" g="0" b="0"/>
+        </a:fillRef>
+        <a:effectRef idx="2">
+          <a:scrgbClr r="0" g="0" b="0"/>
+        </a:effectRef>
+        <a:fontRef idx="minor"/>
+      </dsp:style>
+      <dsp:txBody>
+        <a:bodyPr spcFirstLastPara="0" vert="horz" wrap="square" lIns="241808" tIns="21590" rIns="21590" bIns="21590" numCol="1" spcCol="1270" anchor="ctr" anchorCtr="0">
+          <a:noAutofit/>
+        </a:bodyPr>
+        <a:lstStyle/>
+        <a:p>
+          <a:pPr marL="285750" lvl="1" indent="-285750" algn="l" defTabSz="1511300">
+            <a:lnSpc>
+              <a:spcPct val="90000"/>
+            </a:lnSpc>
+            <a:spcBef>
+              <a:spcPct val="0"/>
+            </a:spcBef>
+            <a:spcAft>
+              <a:spcPct val="15000"/>
+            </a:spcAft>
+            <a:buChar char="•"/>
+          </a:pPr>
+          <a:r>
+            <a:rPr lang="tr-TR" sz="3400" kern="1200" dirty="0"/>
+            <a:t>Component </a:t>
+          </a:r>
+          <a:r>
+            <a:rPr lang="tr-TR" sz="3400" kern="1200" dirty="0" err="1"/>
+            <a:t>selection</a:t>
+          </a:r>
+          <a:endParaRPr lang="en-US" sz="3400" kern="1200" dirty="0"/>
+        </a:p>
+      </dsp:txBody>
+      <dsp:txXfrm rot="-5400000">
+        <a:off x="635496" y="1606881"/>
+        <a:ext cx="5431697" cy="532491"/>
+      </dsp:txXfrm>
+    </dsp:sp>
+    <dsp:sp modelId="{07CE9556-44C4-4878-B3C7-63C7B1995141}">
+      <dsp:nvSpPr>
+        <dsp:cNvPr id="0" name=""/>
+        <dsp:cNvSpPr/>
+      </dsp:nvSpPr>
+      <dsp:spPr>
+        <a:xfrm rot="5400000">
+          <a:off x="-136177" y="2502438"/>
+          <a:ext cx="907851" cy="635496"/>
+        </a:xfrm>
+        <a:prstGeom prst="chevron">
+          <a:avLst/>
+        </a:prstGeom>
+        <a:gradFill rotWithShape="0">
+          <a:gsLst>
+            <a:gs pos="0">
+              <a:schemeClr val="lt1">
+                <a:hueOff val="0"/>
+                <a:satOff val="0"/>
+                <a:lumOff val="0"/>
+                <a:alphaOff val="0"/>
+                <a:tint val="98000"/>
+                <a:shade val="25000"/>
+                <a:satMod val="250000"/>
+              </a:schemeClr>
+            </a:gs>
+            <a:gs pos="68000">
+              <a:schemeClr val="lt1">
+                <a:hueOff val="0"/>
+                <a:satOff val="0"/>
+                <a:lumOff val="0"/>
+                <a:alphaOff val="0"/>
+                <a:tint val="86000"/>
+                <a:satMod val="115000"/>
+              </a:schemeClr>
+            </a:gs>
+            <a:gs pos="100000">
+              <a:schemeClr val="lt1">
+                <a:hueOff val="0"/>
+                <a:satOff val="0"/>
+                <a:lumOff val="0"/>
+                <a:alphaOff val="0"/>
+                <a:tint val="50000"/>
+                <a:satMod val="150000"/>
+              </a:schemeClr>
+            </a:gs>
+          </a:gsLst>
+          <a:path path="circle">
+            <a:fillToRect l="50000" t="130000" r="50000" b="-30000"/>
+          </a:path>
+        </a:gradFill>
+        <a:ln>
+          <a:noFill/>
+        </a:ln>
+        <a:effectLst>
+          <a:outerShdw blurRad="57150" dist="38100" dir="5400000" algn="ctr" rotWithShape="0">
+            <a:schemeClr val="lt1">
+              <a:hueOff val="0"/>
+              <a:satOff val="0"/>
+              <a:lumOff val="0"/>
+              <a:alphaOff val="0"/>
+              <a:shade val="9000"/>
+              <a:satMod val="105000"/>
+              <a:alpha val="48000"/>
+            </a:schemeClr>
+          </a:outerShdw>
+        </a:effectLst>
+        <a:scene3d>
+          <a:camera prst="orthographicFront"/>
+          <a:lightRig rig="threePt" dir="t">
+            <a:rot lat="0" lon="0" rev="7500000"/>
+          </a:lightRig>
+        </a:scene3d>
+        <a:sp3d prstMaterial="plastic">
+          <a:bevelT w="127000" h="25400" prst="relaxedInset"/>
+        </a:sp3d>
+      </dsp:spPr>
+      <dsp:style>
+        <a:lnRef idx="0">
+          <a:scrgbClr r="0" g="0" b="0"/>
+        </a:lnRef>
+        <a:fillRef idx="3">
+          <a:scrgbClr r="0" g="0" b="0"/>
+        </a:fillRef>
+        <a:effectRef idx="2">
+          <a:scrgbClr r="0" g="0" b="0"/>
+        </a:effectRef>
+        <a:fontRef idx="minor">
+          <a:schemeClr val="lt1"/>
+        </a:fontRef>
+      </dsp:style>
+      <dsp:txBody>
+        <a:bodyPr spcFirstLastPara="0" vert="horz" wrap="square" lIns="8890" tIns="8890" rIns="8890" bIns="8890" numCol="1" spcCol="1270" anchor="ctr" anchorCtr="0">
+          <a:noAutofit/>
+        </a:bodyPr>
+        <a:lstStyle/>
+        <a:p>
+          <a:pPr marL="0" lvl="0" indent="0" algn="ctr" defTabSz="622300">
+            <a:lnSpc>
+              <a:spcPct val="90000"/>
+            </a:lnSpc>
+            <a:spcBef>
+              <a:spcPct val="0"/>
+            </a:spcBef>
+            <a:spcAft>
+              <a:spcPct val="35000"/>
+            </a:spcAft>
+            <a:buNone/>
+          </a:pPr>
+          <a:endParaRPr lang="en-US" sz="1400" kern="1200"/>
+        </a:p>
+      </dsp:txBody>
+      <dsp:txXfrm rot="-5400000">
+        <a:off x="1" y="2684008"/>
+        <a:ext cx="635496" cy="272355"/>
+      </dsp:txXfrm>
+    </dsp:sp>
+    <dsp:sp modelId="{A9C83228-984A-447C-B89B-00CA3B232D70}">
+      <dsp:nvSpPr>
+        <dsp:cNvPr id="0" name=""/>
+        <dsp:cNvSpPr/>
+      </dsp:nvSpPr>
+      <dsp:spPr>
+        <a:xfrm rot="5400000">
+          <a:off x="3070696" y="-68939"/>
+          <a:ext cx="590103" cy="5460503"/>
+        </a:xfrm>
+        <a:prstGeom prst="round2SameRect">
+          <a:avLst/>
+        </a:prstGeom>
+        <a:solidFill>
+          <a:schemeClr val="dk1">
+            <a:alpha val="90000"/>
+            <a:tint val="40000"/>
+            <a:hueOff val="0"/>
+            <a:satOff val="0"/>
+            <a:lumOff val="0"/>
+            <a:alphaOff val="0"/>
+          </a:schemeClr>
+        </a:solidFill>
+        <a:ln w="9525" cap="flat" cmpd="sng" algn="ctr">
+          <a:solidFill>
+            <a:schemeClr val="dk1">
+              <a:hueOff val="0"/>
+              <a:satOff val="0"/>
+              <a:lumOff val="0"/>
+              <a:alphaOff val="0"/>
+            </a:schemeClr>
+          </a:solidFill>
+          <a:prstDash val="solid"/>
+        </a:ln>
+        <a:effectLst>
+          <a:outerShdw blurRad="57150" dist="38100" dir="5400000" algn="ctr" rotWithShape="0">
+            <a:schemeClr val="dk1">
+              <a:alpha val="90000"/>
+              <a:tint val="40000"/>
+              <a:hueOff val="0"/>
+              <a:satOff val="0"/>
+              <a:lumOff val="0"/>
+              <a:alphaOff val="0"/>
+              <a:shade val="9000"/>
+              <a:satMod val="105000"/>
+              <a:alpha val="48000"/>
+            </a:schemeClr>
+          </a:outerShdw>
+        </a:effectLst>
+        <a:scene3d>
+          <a:camera prst="orthographicFront"/>
+          <a:lightRig rig="threePt" dir="t">
+            <a:rot lat="0" lon="0" rev="7500000"/>
+          </a:lightRig>
+        </a:scene3d>
+        <a:sp3d extrusionH="190500" prstMaterial="dkEdge">
+          <a:bevelT w="135400" h="16350" prst="relaxedInset"/>
+          <a:contourClr>
+            <a:schemeClr val="bg1"/>
+          </a:contourClr>
+        </a:sp3d>
+      </dsp:spPr>
+      <dsp:style>
+        <a:lnRef idx="1">
+          <a:scrgbClr r="0" g="0" b="0"/>
+        </a:lnRef>
+        <a:fillRef idx="1">
+          <a:scrgbClr r="0" g="0" b="0"/>
+        </a:fillRef>
+        <a:effectRef idx="2">
+          <a:scrgbClr r="0" g="0" b="0"/>
+        </a:effectRef>
+        <a:fontRef idx="minor"/>
+      </dsp:style>
+      <dsp:txBody>
+        <a:bodyPr spcFirstLastPara="0" vert="horz" wrap="square" lIns="241808" tIns="21590" rIns="21590" bIns="21590" numCol="1" spcCol="1270" anchor="ctr" anchorCtr="0">
+          <a:noAutofit/>
+        </a:bodyPr>
+        <a:lstStyle/>
+        <a:p>
+          <a:pPr marL="285750" lvl="1" indent="-285750" algn="l" defTabSz="1511300">
+            <a:lnSpc>
+              <a:spcPct val="90000"/>
+            </a:lnSpc>
+            <a:spcBef>
+              <a:spcPct val="0"/>
+            </a:spcBef>
+            <a:spcAft>
+              <a:spcPct val="15000"/>
+            </a:spcAft>
+            <a:buChar char="•"/>
+          </a:pPr>
+          <a:r>
+            <a:rPr lang="tr-TR" sz="3400" kern="1200" dirty="0" err="1"/>
+            <a:t>Simulation</a:t>
+          </a:r>
+          <a:r>
+            <a:rPr lang="tr-TR" sz="3400" kern="1200" dirty="0"/>
+            <a:t> </a:t>
+          </a:r>
+          <a:r>
+            <a:rPr lang="tr-TR" sz="3400" kern="1200" dirty="0" err="1"/>
+            <a:t>results</a:t>
+          </a:r>
+          <a:endParaRPr lang="en-US" sz="3400" kern="1200" dirty="0"/>
+        </a:p>
+      </dsp:txBody>
+      <dsp:txXfrm rot="-5400000">
+        <a:off x="635496" y="2395067"/>
+        <a:ext cx="5431697" cy="532491"/>
+      </dsp:txXfrm>
+    </dsp:sp>
+    <dsp:sp modelId="{F89AF593-B4F0-4F03-BBA9-C0790D51D738}">
+      <dsp:nvSpPr>
+        <dsp:cNvPr id="0" name=""/>
+        <dsp:cNvSpPr/>
+      </dsp:nvSpPr>
+      <dsp:spPr>
+        <a:xfrm rot="5400000">
+          <a:off x="-136177" y="3290625"/>
+          <a:ext cx="907851" cy="635496"/>
+        </a:xfrm>
+        <a:prstGeom prst="chevron">
+          <a:avLst/>
+        </a:prstGeom>
+        <a:gradFill rotWithShape="0">
+          <a:gsLst>
+            <a:gs pos="0">
+              <a:schemeClr val="lt1">
+                <a:hueOff val="0"/>
+                <a:satOff val="0"/>
+                <a:lumOff val="0"/>
+                <a:alphaOff val="0"/>
+                <a:tint val="98000"/>
+                <a:shade val="25000"/>
+                <a:satMod val="250000"/>
+              </a:schemeClr>
+            </a:gs>
+            <a:gs pos="68000">
+              <a:schemeClr val="lt1">
+                <a:hueOff val="0"/>
+                <a:satOff val="0"/>
+                <a:lumOff val="0"/>
+                <a:alphaOff val="0"/>
+                <a:tint val="86000"/>
+                <a:satMod val="115000"/>
+              </a:schemeClr>
+            </a:gs>
+            <a:gs pos="100000">
+              <a:schemeClr val="lt1">
+                <a:hueOff val="0"/>
+                <a:satOff val="0"/>
+                <a:lumOff val="0"/>
+                <a:alphaOff val="0"/>
+                <a:tint val="50000"/>
+                <a:satMod val="150000"/>
+              </a:schemeClr>
+            </a:gs>
+          </a:gsLst>
+          <a:path path="circle">
+            <a:fillToRect l="50000" t="130000" r="50000" b="-30000"/>
+          </a:path>
+        </a:gradFill>
+        <a:ln>
+          <a:noFill/>
+        </a:ln>
+        <a:effectLst>
+          <a:outerShdw blurRad="57150" dist="38100" dir="5400000" algn="ctr" rotWithShape="0">
+            <a:schemeClr val="lt1">
+              <a:hueOff val="0"/>
+              <a:satOff val="0"/>
+              <a:lumOff val="0"/>
+              <a:alphaOff val="0"/>
+              <a:shade val="9000"/>
+              <a:satMod val="105000"/>
+              <a:alpha val="48000"/>
+            </a:schemeClr>
+          </a:outerShdw>
+        </a:effectLst>
+        <a:scene3d>
+          <a:camera prst="orthographicFront"/>
+          <a:lightRig rig="threePt" dir="t">
+            <a:rot lat="0" lon="0" rev="7500000"/>
+          </a:lightRig>
+        </a:scene3d>
+        <a:sp3d prstMaterial="plastic">
+          <a:bevelT w="127000" h="25400" prst="relaxedInset"/>
+        </a:sp3d>
+      </dsp:spPr>
+      <dsp:style>
+        <a:lnRef idx="0">
+          <a:scrgbClr r="0" g="0" b="0"/>
+        </a:lnRef>
+        <a:fillRef idx="3">
+          <a:scrgbClr r="0" g="0" b="0"/>
+        </a:fillRef>
+        <a:effectRef idx="2">
+          <a:scrgbClr r="0" g="0" b="0"/>
+        </a:effectRef>
+        <a:fontRef idx="minor">
+          <a:schemeClr val="lt1"/>
+        </a:fontRef>
+      </dsp:style>
+      <dsp:txBody>
+        <a:bodyPr spcFirstLastPara="0" vert="horz" wrap="square" lIns="8890" tIns="8890" rIns="8890" bIns="8890" numCol="1" spcCol="1270" anchor="ctr" anchorCtr="0">
+          <a:noAutofit/>
+        </a:bodyPr>
+        <a:lstStyle/>
+        <a:p>
+          <a:pPr marL="0" lvl="0" indent="0" algn="ctr" defTabSz="622300">
+            <a:lnSpc>
+              <a:spcPct val="90000"/>
+            </a:lnSpc>
+            <a:spcBef>
+              <a:spcPct val="0"/>
+            </a:spcBef>
+            <a:spcAft>
+              <a:spcPct val="35000"/>
+            </a:spcAft>
+            <a:buNone/>
+          </a:pPr>
+          <a:endParaRPr lang="en-US" sz="1400" kern="1200"/>
+        </a:p>
+      </dsp:txBody>
+      <dsp:txXfrm rot="-5400000">
+        <a:off x="1" y="3472195"/>
+        <a:ext cx="635496" cy="272355"/>
+      </dsp:txXfrm>
+    </dsp:sp>
+    <dsp:sp modelId="{A231222F-16DA-4713-81B7-068498D9703A}">
+      <dsp:nvSpPr>
+        <dsp:cNvPr id="0" name=""/>
+        <dsp:cNvSpPr/>
+      </dsp:nvSpPr>
+      <dsp:spPr>
+        <a:xfrm rot="5400000">
+          <a:off x="3070696" y="719247"/>
+          <a:ext cx="590103" cy="5460503"/>
+        </a:xfrm>
+        <a:prstGeom prst="round2SameRect">
+          <a:avLst/>
+        </a:prstGeom>
+        <a:solidFill>
+          <a:schemeClr val="dk1">
+            <a:alpha val="90000"/>
+            <a:tint val="40000"/>
+            <a:hueOff val="0"/>
+            <a:satOff val="0"/>
+            <a:lumOff val="0"/>
+            <a:alphaOff val="0"/>
+          </a:schemeClr>
+        </a:solidFill>
+        <a:ln w="9525" cap="flat" cmpd="sng" algn="ctr">
+          <a:solidFill>
+            <a:schemeClr val="dk1">
+              <a:hueOff val="0"/>
+              <a:satOff val="0"/>
+              <a:lumOff val="0"/>
+              <a:alphaOff val="0"/>
+            </a:schemeClr>
+          </a:solidFill>
+          <a:prstDash val="solid"/>
+        </a:ln>
+        <a:effectLst>
+          <a:outerShdw blurRad="57150" dist="38100" dir="5400000" algn="ctr" rotWithShape="0">
+            <a:schemeClr val="dk1">
+              <a:alpha val="90000"/>
+              <a:tint val="40000"/>
+              <a:hueOff val="0"/>
+              <a:satOff val="0"/>
+              <a:lumOff val="0"/>
+              <a:alphaOff val="0"/>
+              <a:shade val="9000"/>
+              <a:satMod val="105000"/>
+              <a:alpha val="48000"/>
+            </a:schemeClr>
+          </a:outerShdw>
+        </a:effectLst>
+        <a:scene3d>
+          <a:camera prst="orthographicFront"/>
+          <a:lightRig rig="threePt" dir="t">
+            <a:rot lat="0" lon="0" rev="7500000"/>
+          </a:lightRig>
+        </a:scene3d>
+        <a:sp3d extrusionH="190500" prstMaterial="dkEdge">
+          <a:bevelT w="135400" h="16350" prst="relaxedInset"/>
+          <a:contourClr>
+            <a:schemeClr val="bg1"/>
+          </a:contourClr>
+        </a:sp3d>
+      </dsp:spPr>
+      <dsp:style>
+        <a:lnRef idx="1">
+          <a:scrgbClr r="0" g="0" b="0"/>
+        </a:lnRef>
+        <a:fillRef idx="1">
+          <a:scrgbClr r="0" g="0" b="0"/>
+        </a:fillRef>
+        <a:effectRef idx="2">
+          <a:scrgbClr r="0" g="0" b="0"/>
+        </a:effectRef>
+        <a:fontRef idx="minor"/>
+      </dsp:style>
+      <dsp:txBody>
+        <a:bodyPr spcFirstLastPara="0" vert="horz" wrap="square" lIns="241808" tIns="21590" rIns="21590" bIns="21590" numCol="1" spcCol="1270" anchor="ctr" anchorCtr="0">
+          <a:noAutofit/>
+        </a:bodyPr>
+        <a:lstStyle/>
+        <a:p>
+          <a:pPr marL="285750" lvl="1" indent="-285750" algn="l" defTabSz="1511300">
+            <a:lnSpc>
+              <a:spcPct val="90000"/>
+            </a:lnSpc>
+            <a:spcBef>
+              <a:spcPct val="0"/>
+            </a:spcBef>
+            <a:spcAft>
+              <a:spcPct val="15000"/>
+            </a:spcAft>
+            <a:buChar char="•"/>
+          </a:pPr>
+          <a:r>
+            <a:rPr lang="tr-TR" sz="3400" kern="1200" dirty="0"/>
+            <a:t>PCB </a:t>
+          </a:r>
+          <a:r>
+            <a:rPr lang="tr-TR" sz="3400" kern="1200" dirty="0" err="1"/>
+            <a:t>design</a:t>
+          </a:r>
+          <a:endParaRPr lang="en-US" sz="3400" kern="1200" dirty="0"/>
+        </a:p>
+      </dsp:txBody>
+      <dsp:txXfrm rot="-5400000">
+        <a:off x="635496" y="3183253"/>
+        <a:ext cx="5431697" cy="532491"/>
+      </dsp:txXfrm>
+    </dsp:sp>
+  </dsp:spTree>
+</dsp:drawing>
+</file>
+
+<file path=ppt/diagrams/layout1.xml><?xml version="1.0" encoding="utf-8"?>
+<dgm:layoutDef xmlns:dgm="http://schemas.openxmlformats.org/drawingml/2006/diagram" xmlns:a="http://schemas.openxmlformats.org/drawingml/2006/main" uniqueId="urn:microsoft.com/office/officeart/2005/8/layout/chevron2">
+  <dgm:title val=""/>
+  <dgm:desc val=""/>
+  <dgm:catLst>
+    <dgm:cat type="process" pri="12000"/>
+    <dgm:cat type="list" pri="16000"/>
+    <dgm:cat type="convert" pri="11000"/>
+  </dgm:catLst>
+  <dgm:sampData>
+    <dgm:dataModel>
+      <dgm:ptLst>
+        <dgm:pt modelId="0" type="doc"/>
+        <dgm:pt modelId="1">
+          <dgm:prSet phldr="1"/>
+        </dgm:pt>
+        <dgm:pt modelId="11">
+          <dgm:prSet phldr="1"/>
+        </dgm:pt>
+        <dgm:pt modelId="12">
+          <dgm:prSet phldr="1"/>
+        </dgm:pt>
+        <dgm:pt modelId="2">
+          <dgm:prSet phldr="1"/>
+        </dgm:pt>
+        <dgm:pt modelId="21">
+          <dgm:prSet phldr="1"/>
+        </dgm:pt>
+        <dgm:pt modelId="22">
+          <dgm:prSet phldr="1"/>
+        </dgm:pt>
+        <dgm:pt modelId="3">
+          <dgm:prSet phldr="1"/>
+        </dgm:pt>
+        <dgm:pt modelId="31">
+          <dgm:prSet phldr="1"/>
+        </dgm:pt>
+        <dgm:pt modelId="32">
+          <dgm:prSet phldr="1"/>
+        </dgm:pt>
+      </dgm:ptLst>
+      <dgm:cxnLst>
+        <dgm:cxn modelId="4" srcId="0" destId="1" srcOrd="0" destOrd="0"/>
+        <dgm:cxn modelId="5" srcId="0" destId="2" srcOrd="1" destOrd="0"/>
+        <dgm:cxn modelId="6" srcId="0" destId="3" srcOrd="2" destOrd="0"/>
+        <dgm:cxn modelId="13" srcId="1" destId="11" srcOrd="0" destOrd="0"/>
+        <dgm:cxn modelId="14" srcId="1" destId="12" srcOrd="1" destOrd="0"/>
+        <dgm:cxn modelId="23" srcId="2" destId="21" srcOrd="0" destOrd="0"/>
+        <dgm:cxn modelId="24" srcId="2" destId="22" srcOrd="1" destOrd="0"/>
+        <dgm:cxn modelId="33" srcId="3" destId="31" srcOrd="0" destOrd="0"/>
+        <dgm:cxn modelId="34" srcId="3" destId="32" srcOrd="1" destOrd="0"/>
+      </dgm:cxnLst>
+      <dgm:bg/>
+      <dgm:whole/>
+    </dgm:dataModel>
+  </dgm:sampData>
+  <dgm:styleData>
+    <dgm:dataModel>
+      <dgm:ptLst>
+        <dgm:pt modelId="0" type="doc"/>
+        <dgm:pt modelId="1"/>
+      </dgm:ptLst>
+      <dgm:cxnLst>
+        <dgm:cxn modelId="4" srcId="0" destId="1" srcOrd="0" destOrd="0"/>
+      </dgm:cxnLst>
+      <dgm:bg/>
+      <dgm:whole/>
+    </dgm:dataModel>
+  </dgm:styleData>
+  <dgm:clrData>
+    <dgm:dataModel>
+      <dgm:ptLst>
+        <dgm:pt modelId="0" type="doc"/>
+        <dgm:pt modelId="1"/>
+        <dgm:pt modelId="11"/>
+        <dgm:pt modelId="2"/>
+        <dgm:pt modelId="21"/>
+        <dgm:pt modelId="3"/>
+        <dgm:pt modelId="31"/>
+        <dgm:pt modelId="4"/>
+        <dgm:pt modelId="41"/>
+      </dgm:ptLst>
+      <dgm:cxnLst>
+        <dgm:cxn modelId="5" srcId="0" destId="1" srcOrd="0" destOrd="0"/>
+        <dgm:cxn modelId="6" srcId="0" destId="2" srcOrd="1" destOrd="0"/>
+        <dgm:cxn modelId="7" srcId="0" destId="3" srcOrd="2" destOrd="0"/>
+        <dgm:cxn modelId="8" srcId="0" destId="4" srcOrd="3" destOrd="0"/>
+        <dgm:cxn modelId="13" srcId="1" destId="11" srcOrd="0" destOrd="0"/>
+        <dgm:cxn modelId="23" srcId="2" destId="21" srcOrd="0" destOrd="0"/>
+        <dgm:cxn modelId="33" srcId="3" destId="31" srcOrd="0" destOrd="0"/>
+        <dgm:cxn modelId="43" srcId="4" destId="41" srcOrd="0" destOrd="0"/>
+      </dgm:cxnLst>
+      <dgm:bg/>
+      <dgm:whole/>
+    </dgm:dataModel>
+  </dgm:clrData>
+  <dgm:layoutNode name="linearFlow">
+    <dgm:varLst>
+      <dgm:dir/>
+      <dgm:animLvl val="lvl"/>
+      <dgm:resizeHandles val="exact"/>
+    </dgm:varLst>
+    <dgm:alg type="lin">
+      <dgm:param type="linDir" val="fromT"/>
+      <dgm:param type="nodeHorzAlign" val="l"/>
+    </dgm:alg>
+    <dgm:shape xmlns:r="http://schemas.openxmlformats.org/officeDocument/2006/relationships" r:blip="">
+      <dgm:adjLst/>
+    </dgm:shape>
+    <dgm:presOf/>
+    <dgm:constrLst>
+      <dgm:constr type="h" for="ch" forName="composite" refType="h"/>
+      <dgm:constr type="w" for="ch" forName="composite" refType="w"/>
+      <dgm:constr type="h" for="des" forName="parentText" op="equ"/>
+      <dgm:constr type="h" for="ch" forName="sp" val="-14.88"/>
+      <dgm:constr type="h" for="ch" forName="sp" refType="w" refFor="des" refForName="parentText" op="gte" fact="-0.3"/>
+      <dgm:constr type="primFontSz" for="des" forName="parentText" op="equ" val="65"/>
+      <dgm:constr type="primFontSz" for="des" forName="descendantText" op="equ" val="65"/>
+    </dgm:constrLst>
+    <dgm:ruleLst/>
+    <dgm:forEach name="Name0" axis="ch" ptType="node">
+      <dgm:layoutNode name="composite">
+        <dgm:alg type="composite"/>
+        <dgm:shape xmlns:r="http://schemas.openxmlformats.org/officeDocument/2006/relationships" r:blip="">
+          <dgm:adjLst/>
+        </dgm:shape>
+        <dgm:presOf/>
+        <dgm:choose name="Name1">
+          <dgm:if name="Name2" func="var" arg="dir" op="equ" val="norm">
+            <dgm:constrLst>
+              <dgm:constr type="t" for="ch" forName="parentText"/>
+              <dgm:constr type="l" for="ch" forName="parentText"/>
+              <dgm:constr type="w" for="ch" forName="parentText" refType="w" fact="0.4"/>
+              <dgm:constr type="h" for="ch" forName="parentText" refType="h"/>
+              <dgm:constr type="w" for="ch" forName="parentText" refType="w" op="lte" fact="0.5"/>
+              <dgm:constr type="w" for="ch" forName="parentText" refType="h" refFor="ch" refForName="parentText" op="lte" fact="0.7"/>
+              <dgm:constr type="h" for="ch" forName="parentText" refType="w" refFor="ch" refForName="parentText" op="lte" fact="3"/>
+              <dgm:constr type="l" for="ch" forName="descendantText" refType="w" refFor="ch" refForName="parentText"/>
+              <dgm:constr type="w" for="ch" forName="descendantText" refType="w"/>
+              <dgm:constr type="wOff" for="ch" forName="descendantText" refType="w" refFor="ch" refForName="parentText" fact="-1"/>
+              <dgm:constr type="t" for="ch" forName="descendantText"/>
+              <dgm:constr type="b" for="ch" forName="descendantText" refType="h" refFor="ch" refForName="parentText"/>
+              <dgm:constr type="bOff" for="ch" forName="descendantText" refType="w" refFor="ch" refForName="parentText" fact="-0.5"/>
+            </dgm:constrLst>
+          </dgm:if>
+          <dgm:else name="Name3">
+            <dgm:constrLst>
+              <dgm:constr type="t" for="ch" forName="parentText"/>
+              <dgm:constr type="r" for="ch" forName="parentText" refType="w"/>
+              <dgm:constr type="w" for="ch" forName="parentText" refType="w" fact="0.4"/>
+              <dgm:constr type="h" for="ch" forName="parentText" refType="h"/>
+              <dgm:constr type="w" for="ch" forName="parentText" refType="w" op="lte" fact="0.5"/>
+              <dgm:constr type="w" for="ch" forName="parentText" refType="h" refFor="ch" refForName="parentText" op="lte" fact="0.7"/>
+              <dgm:constr type="h" for="ch" forName="parentText" refType="w" refFor="ch" refForName="parentText" op="lte" fact="3"/>
+              <dgm:constr type="l" for="ch" forName="descendantText"/>
+              <dgm:constr type="w" for="ch" forName="descendantText" refType="w"/>
+              <dgm:constr type="wOff" for="ch" forName="descendantText" refType="w" refFor="ch" refForName="parentText" fact="-1"/>
+              <dgm:constr type="t" for="ch" forName="descendantText"/>
+              <dgm:constr type="b" for="ch" forName="descendantText" refType="h" refFor="ch" refForName="parentText"/>
+              <dgm:constr type="bOff" for="ch" forName="descendantText" refType="w" refFor="ch" refForName="parentText" fact="-0.5"/>
+            </dgm:constrLst>
+          </dgm:else>
+        </dgm:choose>
+        <dgm:ruleLst/>
+        <dgm:layoutNode name="parentText" styleLbl="alignNode1">
+          <dgm:varLst>
+            <dgm:chMax val="1"/>
+            <dgm:bulletEnabled val="1"/>
+          </dgm:varLst>
+          <dgm:alg type="tx"/>
+          <dgm:shape xmlns:r="http://schemas.openxmlformats.org/officeDocument/2006/relationships" rot="90" type="chevron" r:blip="">
+            <dgm:adjLst/>
+          </dgm:shape>
+          <dgm:presOf axis="self" ptType="node"/>
+          <dgm:constrLst>
+            <dgm:constr type="lMarg" refType="primFontSz" fact="0.05"/>
+            <dgm:constr type="rMarg" refType="primFontSz" fact="0.05"/>
+            <dgm:constr type="tMarg" refType="primFontSz" fact="0.05"/>
+            <dgm:constr type="bMarg" refType="primFontSz" fact="0.05"/>
+          </dgm:constrLst>
+          <dgm:ruleLst>
+            <dgm:rule type="h" val="100" fact="NaN" max="NaN"/>
+            <dgm:rule type="primFontSz" val="24" fact="NaN" max="NaN"/>
+            <dgm:rule type="h" val="110" fact="NaN" max="NaN"/>
+            <dgm:rule type="primFontSz" val="18" fact="NaN" max="NaN"/>
+            <dgm:rule type="h" val="INF" fact="NaN" max="NaN"/>
+            <dgm:rule type="primFontSz" val="5" fact="NaN" max="NaN"/>
+          </dgm:ruleLst>
+        </dgm:layoutNode>
+        <dgm:layoutNode name="descendantText" styleLbl="alignAcc1">
+          <dgm:varLst>
+            <dgm:bulletEnabled val="1"/>
+          </dgm:varLst>
+          <dgm:choose name="Name4">
+            <dgm:if name="Name5" func="var" arg="dir" op="equ" val="norm">
+              <dgm:alg type="tx">
+                <dgm:param type="stBulletLvl" val="1"/>
+                <dgm:param type="txAnchorVertCh" val="mid"/>
+              </dgm:alg>
+              <dgm:shape xmlns:r="http://schemas.openxmlformats.org/officeDocument/2006/relationships" rot="90" type="round2SameRect" r:blip="">
+                <dgm:adjLst/>
+              </dgm:shape>
+            </dgm:if>
+            <dgm:else name="Name6">
+              <dgm:alg type="tx">
+                <dgm:param type="stBulletLvl" val="1"/>
+                <dgm:param type="txAnchorVertCh" val="mid"/>
+              </dgm:alg>
+              <dgm:shape xmlns:r="http://schemas.openxmlformats.org/officeDocument/2006/relationships" rot="-90" type="round2SameRect" r:blip="">
+                <dgm:adjLst/>
+              </dgm:shape>
+            </dgm:else>
+          </dgm:choose>
+          <dgm:presOf axis="des" ptType="node"/>
+          <dgm:choose name="Name7">
+            <dgm:if name="Name8" func="var" arg="dir" op="equ" val="norm">
+              <dgm:constrLst>
+                <dgm:constr type="secFontSz" refType="primFontSz"/>
+                <dgm:constr type="tMarg" refType="primFontSz" fact="0.05"/>
+                <dgm:constr type="bMarg" refType="primFontSz" fact="0.05"/>
+                <dgm:constr type="rMarg" refType="primFontSz" fact="0.05"/>
+              </dgm:constrLst>
+            </dgm:if>
+            <dgm:else name="Name9">
+              <dgm:constrLst>
+                <dgm:constr type="secFontSz" refType="primFontSz"/>
+                <dgm:constr type="tMarg" refType="primFontSz" fact="0.05"/>
+                <dgm:constr type="bMarg" refType="primFontSz" fact="0.05"/>
+                <dgm:constr type="lMarg" refType="primFontSz" fact="0.05"/>
+              </dgm:constrLst>
+            </dgm:else>
+          </dgm:choose>
+          <dgm:ruleLst>
+            <dgm:rule type="primFontSz" val="5" fact="NaN" max="NaN"/>
+          </dgm:ruleLst>
+        </dgm:layoutNode>
+      </dgm:layoutNode>
+      <dgm:forEach name="Name10" axis="followSib" ptType="sibTrans" cnt="1">
+        <dgm:layoutNode name="sp">
+          <dgm:alg type="sp"/>
+          <dgm:shape xmlns:r="http://schemas.openxmlformats.org/officeDocument/2006/relationships" r:blip="">
+            <dgm:adjLst/>
+          </dgm:shape>
+          <dgm:presOf axis="self"/>
+          <dgm:constrLst>
+            <dgm:constr type="w" val="1"/>
+            <dgm:constr type="h" val="37.5"/>
+          </dgm:constrLst>
+          <dgm:ruleLst/>
+        </dgm:layoutNode>
+      </dgm:forEach>
+    </dgm:forEach>
+  </dgm:layoutNode>
+</dgm:layoutDef>
+</file>
+
+<file path=ppt/diagrams/quickStyle1.xml><?xml version="1.0" encoding="utf-8"?>
+<dgm:styleDef xmlns:dgm="http://schemas.openxmlformats.org/drawingml/2006/diagram" xmlns:a="http://schemas.openxmlformats.org/drawingml/2006/main" uniqueId="urn:microsoft.com/office/officeart/2005/8/quickstyle/3d2">
+  <dgm:title val=""/>
+  <dgm:desc val=""/>
+  <dgm:catLst>
+    <dgm:cat type="3D" pri="11200"/>
+  </dgm:catLst>
+  <dgm:scene3d>
+    <a:camera prst="orthographicFront"/>
+    <a:lightRig rig="threePt" dir="t"/>
+  </dgm:scene3d>
+  <dgm:styleLbl name="node0">
+    <dgm:scene3d>
+      <a:camera prst="orthographicFront"/>
+      <a:lightRig rig="threePt" dir="t">
+        <a:rot lat="0" lon="0" rev="7500000"/>
+      </a:lightRig>
+    </dgm:scene3d>
+    <dgm:sp3d prstMaterial="plastic">
+      <a:bevelT w="127000" h="25400" prst="relaxedInset"/>
+    </dgm:sp3d>
+    <dgm:txPr/>
+    <dgm:style>
+      <a:lnRef idx="0">
+        <a:scrgbClr r="0" g="0" b="0"/>
+      </a:lnRef>
+      <a:fillRef idx="3">
+        <a:scrgbClr r="0" g="0" b="0"/>
+      </a:fillRef>
+      <a:effectRef idx="2">
+        <a:scrgbClr r="0" g="0" b="0"/>
+      </a:effectRef>
+      <a:fontRef idx="minor">
+        <a:schemeClr val="lt1"/>
+      </a:fontRef>
+    </dgm:style>
+  </dgm:styleLbl>
+  <dgm:styleLbl name="lnNode1">
+    <dgm:scene3d>
+      <a:camera prst="orthographicFront"/>
+      <a:lightRig rig="threePt" dir="t">
+        <a:rot lat="0" lon="0" rev="7500000"/>
+      </a:lightRig>
+    </dgm:scene3d>
+    <dgm:sp3d prstMaterial="plastic">
+      <a:bevelT w="127000" h="25400" prst="relaxedInset"/>
+    </dgm:sp3d>
+    <dgm:txPr/>
+    <dgm:style>
+      <a:lnRef idx="1">
+        <a:scrgbClr r="0" g="0" b="0"/>
+      </a:lnRef>
+      <a:fillRef idx="3">
+        <a:scrgbClr r="0" g="0" b="0"/>
+      </a:fillRef>
+      <a:effectRef idx="2">
+        <a:scrgbClr r="0" g="0" b="0"/>
+      </a:effectRef>
+      <a:fontRef idx="minor">
+        <a:schemeClr val="lt1"/>
+      </a:fontRef>
+    </dgm:style>
+  </dgm:styleLbl>
+  <dgm:styleLbl name="vennNode1">
+    <dgm:scene3d>
+      <a:camera prst="orthographicFront"/>
+      <a:lightRig rig="threePt" dir="t">
+        <a:rot lat="0" lon="0" rev="7500000"/>
+      </a:lightRig>
+    </dgm:scene3d>
+    <dgm:sp3d prstMaterial="plastic">
+      <a:bevelT w="127000" h="25400" prst="relaxedInset"/>
+    </dgm:sp3d>
+    <dgm:txPr/>
+    <dgm:style>
+      <a:lnRef idx="0">
+        <a:scrgbClr r="0" g="0" b="0"/>
+      </a:lnRef>
+      <a:fillRef idx="3">
+        <a:scrgbClr r="0" g="0" b="0"/>
+      </a:fillRef>
+      <a:effectRef idx="2">
+        <a:scrgbClr r="0" g="0" b="0"/>
+      </a:effectRef>
+      <a:fontRef idx="minor">
+        <a:schemeClr val="tx1"/>
+      </a:fontRef>
+    </dgm:style>
+  </dgm:styleLbl>
+  <dgm:styleLbl name="alingNode1">
+    <dgm:scene3d>
+      <a:camera prst="orthographicFront"/>
+      <a:lightRig rig="threePt" dir="t">
+        <a:rot lat="0" lon="0" rev="7500000"/>
+      </a:lightRig>
+    </dgm:scene3d>
+    <dgm:sp3d prstMaterial="plastic">
+      <a:bevelT w="127000" h="25400" prst="relaxedInset"/>
+    </dgm:sp3d>
+    <dgm:txPr/>
+    <dgm:style>
+      <a:lnRef idx="0">
+        <a:scrgbClr r="0" g="0" b="0"/>
+      </a:lnRef>
+      <a:fillRef idx="3">
+        <a:scrgbClr r="0" g="0" b="0"/>
+      </a:fillRef>
+      <a:effectRef idx="2">
+        <a:scrgbClr r="0" g="0" b="0"/>
+      </a:effectRef>
+      <a:fontRef idx="minor">
+        <a:schemeClr val="lt1"/>
+      </a:fontRef>
+    </dgm:style>
+  </dgm:styleLbl>
+  <dgm:styleLbl name="node1">
+    <dgm:scene3d>
+      <a:camera prst="orthographicFront"/>
+      <a:lightRig rig="threePt" dir="t">
+        <a:rot lat="0" lon="0" rev="7500000"/>
+      </a:lightRig>
+    </dgm:scene3d>
+    <dgm:sp3d prstMaterial="plastic">
+      <a:bevelT w="127000" h="25400" prst="relaxedInset"/>
+    </dgm:sp3d>
+    <dgm:txPr/>
+    <dgm:style>
+      <a:lnRef idx="0">
+        <a:scrgbClr r="0" g="0" b="0"/>
+      </a:lnRef>
+      <a:fillRef idx="3">
+        <a:scrgbClr r="0" g="0" b="0"/>
+      </a:fillRef>
+      <a:effectRef idx="2">
+        <a:scrgbClr r="0" g="0" b="0"/>
+      </a:effectRef>
+      <a:fontRef idx="minor">
+        <a:schemeClr val="lt1"/>
+      </a:fontRef>
+    </dgm:style>
+  </dgm:styleLbl>
+  <dgm:styleLbl name="node2">
+    <dgm:scene3d>
+      <a:camera prst="orthographicFront"/>
+      <a:lightRig rig="threePt" dir="t">
+        <a:rot lat="0" lon="0" rev="7500000"/>
+      </a:lightRig>
+    </dgm:scene3d>
+    <dgm:sp3d prstMaterial="plastic">
+      <a:bevelT w="127000" h="25400" prst="relaxedInset"/>
+    </dgm:sp3d>
+    <dgm:txPr/>
+    <dgm:style>
+      <a:lnRef idx="0">
+        <a:scrgbClr r="0" g="0" b="0"/>
+      </a:lnRef>
+      <a:fillRef idx="3">
+        <a:scrgbClr r="0" g="0" b="0"/>
+      </a:fillRef>
+      <a:effectRef idx="2">
+        <a:scrgbClr r="0" g="0" b="0"/>
+      </a:effectRef>
+      <a:fontRef idx="minor">
+        <a:schemeClr val="lt1"/>
+      </a:fontRef>
+    </dgm:style>
+  </dgm:styleLbl>
+  <dgm:styleLbl name="node3">
+    <dgm:scene3d>
+      <a:camera prst="orthographicFront"/>
+      <a:lightRig rig="threePt" dir="t">
+        <a:rot lat="0" lon="0" rev="7500000"/>
+      </a:lightRig>
+    </dgm:scene3d>
+    <dgm:sp3d prstMaterial="plastic">
+      <a:bevelT w="127000" h="25400" prst="relaxedInset"/>
+    </dgm:sp3d>
+    <dgm:txPr/>
+    <dgm:style>
+      <a:lnRef idx="0">
+        <a:scrgbClr r="0" g="0" b="0"/>
+      </a:lnRef>
+      <a:fillRef idx="3">
+        <a:scrgbClr r="0" g="0" b="0"/>
+      </a:fillRef>
+      <a:effectRef idx="2">
+        <a:scrgbClr r="0" g="0" b="0"/>
+      </a:effectRef>
+      <a:fontRef idx="minor">
+        <a:schemeClr val="lt1"/>
+      </a:fontRef>
+    </dgm:style>
+  </dgm:styleLbl>
+  <dgm:styleLbl name="node4">
+    <dgm:scene3d>
+      <a:camera prst="orthographicFront"/>
+      <a:lightRig rig="threePt" dir="t">
+        <a:rot lat="0" lon="0" rev="7500000"/>
+      </a:lightRig>
+    </dgm:scene3d>
+    <dgm:sp3d prstMaterial="plastic">
+      <a:bevelT w="127000" h="25400" prst="relaxedInset"/>
+    </dgm:sp3d>
+    <dgm:txPr/>
+    <dgm:style>
+      <a:lnRef idx="0">
+        <a:scrgbClr r="0" g="0" b="0"/>
+      </a:lnRef>
+      <a:fillRef idx="3">
+        <a:scrgbClr r="0" g="0" b="0"/>
+      </a:fillRef>
+      <a:effectRef idx="2">
+        <a:scrgbClr r="0" g="0" b="0"/>
+      </a:effectRef>
+      <a:fontRef idx="minor">
+        <a:schemeClr val="lt1"/>
+      </a:fontRef>
+    </dgm:style>
+  </dgm:styleLbl>
+  <dgm:styleLbl name="fgImgPlace1">
+    <dgm:scene3d>
+      <a:camera prst="orthographicFront"/>
+      <a:lightRig rig="threePt" dir="t">
+        <a:rot lat="0" lon="0" rev="7500000"/>
+      </a:lightRig>
+    </dgm:scene3d>
+    <dgm:sp3d z="152400" extrusionH="63500" prstMaterial="matte">
+      <a:bevelT w="50800" h="19050" prst="relaxedInset"/>
+      <a:contourClr>
+        <a:schemeClr val="bg1"/>
+      </a:contourClr>
+    </dgm:sp3d>
+    <dgm:txPr/>
+    <dgm:style>
+      <a:lnRef idx="0">
+        <a:scrgbClr r="0" g="0" b="0"/>
+      </a:lnRef>
+      <a:fillRef idx="1">
+        <a:scrgbClr r="0" g="0" b="0"/>
+      </a:fillRef>
+      <a:effectRef idx="0">
+        <a:scrgbClr r="0" g="0" b="0"/>
+      </a:effectRef>
+      <a:fontRef idx="minor"/>
+    </dgm:style>
+  </dgm:styleLbl>
+  <dgm:styleLbl name="alignImgPlace1">
+    <dgm:scene3d>
+      <a:camera prst="orthographicFront"/>
+      <a:lightRig rig="threePt" dir="t">
+        <a:rot lat="0" lon="0" rev="7500000"/>
+      </a:lightRig>
+    </dgm:scene3d>
+    <dgm:sp3d z="254000" extrusionH="63500" contourW="12700" prstMaterial="matte">
+      <a:contourClr>
+        <a:schemeClr val="lt1"/>
+      </a:contourClr>
+    </dgm:sp3d>
+    <dgm:txPr/>
+    <dgm:style>
+      <a:lnRef idx="0">
+        <a:scrgbClr r="0" g="0" b="0"/>
+      </a:lnRef>
+      <a:fillRef idx="1">
+        <a:scrgbClr r="0" g="0" b="0"/>
+      </a:fillRef>
+      <a:effectRef idx="0">
+        <a:scrgbClr r="0" g="0" b="0"/>
+      </a:effectRef>
+      <a:fontRef idx="minor"/>
+    </dgm:style>
+  </dgm:styleLbl>
+  <dgm:styleLbl name="bgImgPlace1">
+    <dgm:scene3d>
+      <a:camera prst="orthographicFront"/>
+      <a:lightRig rig="threePt" dir="t">
+        <a:rot lat="0" lon="0" rev="7500000"/>
+      </a:lightRig>
+    </dgm:scene3d>
+    <dgm:sp3d z="-152400" extrusionH="63500" contourW="12700" prstMaterial="matte">
+      <a:contourClr>
+        <a:schemeClr val="lt1"/>
+      </a:contourClr>
+    </dgm:sp3d>
+    <dgm:txPr/>
+    <dgm:style>
+      <a:lnRef idx="0">
+        <a:scrgbClr r="0" g="0" b="0"/>
+      </a:lnRef>
+      <a:fillRef idx="1">
+        <a:scrgbClr r="0" g="0" b="0"/>
+      </a:fillRef>
+      <a:effectRef idx="0">
+        <a:scrgbClr r="0" g="0" b="0"/>
+      </a:effectRef>
+      <a:fontRef idx="minor"/>
+    </dgm:style>
+  </dgm:styleLbl>
+  <dgm:styleLbl name="sibTrans2D1">
+    <dgm:scene3d>
+      <a:camera prst="orthographicFront"/>
+      <a:lightRig rig="threePt" dir="t">
+        <a:rot lat="0" lon="0" rev="7500000"/>
+      </a:lightRig>
+    </dgm:scene3d>
+    <dgm:sp3d z="-70000" extrusionH="63500" prstMaterial="matte">
+      <a:bevelT w="25400" h="6350" prst="relaxedInset"/>
+      <a:contourClr>
+        <a:schemeClr val="bg1"/>
+      </a:contourClr>
+    </dgm:sp3d>
+    <dgm:txPr/>
+    <dgm:style>
+      <a:lnRef idx="0">
+        <a:scrgbClr r="0" g="0" b="0"/>
+      </a:lnRef>
+      <a:fillRef idx="1">
+        <a:scrgbClr r="0" g="0" b="0"/>
+      </a:fillRef>
+      <a:effectRef idx="2">
+        <a:scrgbClr r="0" g="0" b="0"/>
+      </a:effectRef>
+      <a:fontRef idx="minor">
+        <a:schemeClr val="lt1"/>
+      </a:fontRef>
+    </dgm:style>
+  </dgm:styleLbl>
+  <dgm:styleLbl name="fgSibTrans2D1">
+    <dgm:scene3d>
+      <a:camera prst="orthographicFront"/>
+      <a:lightRig rig="threePt" dir="t">
+        <a:rot lat="0" lon="0" rev="7500000"/>
+      </a:lightRig>
+    </dgm:scene3d>
+    <dgm:sp3d z="152400" extrusionH="63500" prstMaterial="matte">
+      <a:bevelT w="25400" h="6350" prst="relaxedInset"/>
+      <a:contourClr>
+        <a:schemeClr val="bg1"/>
+      </a:contourClr>
+    </dgm:sp3d>
+    <dgm:txPr/>
+    <dgm:style>
+      <a:lnRef idx="0">
+        <a:scrgbClr r="0" g="0" b="0"/>
+      </a:lnRef>
+      <a:fillRef idx="1">
+        <a:scrgbClr r="0" g="0" b="0"/>
+      </a:fillRef>
+      <a:effectRef idx="2">
+        <a:scrgbClr r="0" g="0" b="0"/>
+      </a:effectRef>
+      <a:fontRef idx="minor">
+        <a:schemeClr val="lt1"/>
+      </a:fontRef>
+    </dgm:style>
+  </dgm:styleLbl>
+  <dgm:styleLbl name="bgSibTrans2D1">
+    <dgm:scene3d>
+      <a:camera prst="orthographicFront"/>
+      <a:lightRig rig="threePt" dir="t">
+        <a:rot lat="0" lon="0" rev="7500000"/>
+      </a:lightRig>
+    </dgm:scene3d>
+    <dgm:sp3d z="-152400" extrusionH="63500" prstMaterial="matte">
+      <a:bevelT w="25400" h="6350" prst="relaxedInset"/>
+      <a:contourClr>
+        <a:schemeClr val="bg1"/>
+      </a:contourClr>
+    </dgm:sp3d>
+    <dgm:txPr/>
+    <dgm:style>
+      <a:lnRef idx="0">
+        <a:scrgbClr r="0" g="0" b="0"/>
+      </a:lnRef>
+      <a:fillRef idx="1">
+        <a:scrgbClr r="0" g="0" b="0"/>
+      </a:fillRef>
+      <a:effectRef idx="2">
+        <a:scrgbClr r="0" g="0" b="0"/>
+      </a:effectRef>
+      <a:fontRef idx="minor">
+        <a:schemeClr val="lt1"/>
+      </a:fontRef>
+    </dgm:style>
+  </dgm:styleLbl>
+  <dgm:styleLbl name="sibTrans1D1">
+    <dgm:scene3d>
+      <a:camera prst="orthographicFront"/>
+      <a:lightRig rig="threePt" dir="t">
+        <a:rot lat="0" lon="0" rev="7500000"/>
+      </a:lightRig>
+    </dgm:scene3d>
+    <dgm:sp3d z="-40000" prstMaterial="matte"/>
+    <dgm:txPr/>
+    <dgm:style>
+      <a:lnRef idx="1">
+        <a:scrgbClr r="0" g="0" b="0"/>
+      </a:lnRef>
+      <a:fillRef idx="0">
+        <a:scrgbClr r="0" g="0" b="0"/>
+      </a:fillRef>
+      <a:effectRef idx="0">
+        <a:scrgbClr r="0" g="0" b="0"/>
+      </a:effectRef>
+      <a:fontRef idx="minor"/>
+    </dgm:style>
+  </dgm:styleLbl>
+  <dgm:styleLbl name="callout">
+    <dgm:scene3d>
+      <a:camera prst="orthographicFront"/>
+      <a:lightRig rig="threePt" dir="t">
+        <a:rot lat="0" lon="0" rev="7500000"/>
+      </a:lightRig>
+    </dgm:scene3d>
+    <dgm:sp3d z="127000" prstMaterial="matte"/>
+    <dgm:txPr/>
+    <dgm:style>
+      <a:lnRef idx="2">
+        <a:scrgbClr r="0" g="0" b="0"/>
+      </a:lnRef>
+      <a:fillRef idx="1">
+        <a:scrgbClr r="0" g="0" b="0"/>
+      </a:fillRef>
+      <a:effectRef idx="0">
+        <a:scrgbClr r="0" g="0" b="0"/>
+      </a:effectRef>
+      <a:fontRef idx="minor"/>
+    </dgm:style>
+  </dgm:styleLbl>
+  <dgm:styleLbl name="asst0">
+    <dgm:scene3d>
+      <a:camera prst="orthographicFront"/>
+      <a:lightRig rig="threePt" dir="t">
+        <a:rot lat="0" lon="0" rev="7500000"/>
+      </a:lightRig>
+    </dgm:scene3d>
+    <dgm:sp3d prstMaterial="plastic">
+      <a:bevelT w="127000" h="25400" prst="relaxedInset"/>
+    </dgm:sp3d>
+    <dgm:txPr/>
+    <dgm:style>
+      <a:lnRef idx="0">
+        <a:scrgbClr r="0" g="0" b="0"/>
+      </a:lnRef>
+      <a:fillRef idx="3">
+        <a:scrgbClr r="0" g="0" b="0"/>
+      </a:fillRef>
+      <a:effectRef idx="2">
+        <a:scrgbClr r="0" g="0" b="0"/>
+      </a:effectRef>
+      <a:fontRef idx="minor">
+        <a:schemeClr val="lt1"/>
+      </a:fontRef>
+    </dgm:style>
+  </dgm:styleLbl>
+  <dgm:styleLbl name="asst1">
+    <dgm:scene3d>
+      <a:camera prst="orthographicFront"/>
+      <a:lightRig rig="threePt" dir="t">
+        <a:rot lat="0" lon="0" rev="7500000"/>
+      </a:lightRig>
+    </dgm:scene3d>
+    <dgm:sp3d prstMaterial="plastic">
+      <a:bevelT w="127000" h="25400" prst="relaxedInset"/>
+    </dgm:sp3d>
+    <dgm:txPr/>
+    <dgm:style>
+      <a:lnRef idx="0">
+        <a:scrgbClr r="0" g="0" b="0"/>
+      </a:lnRef>
+      <a:fillRef idx="3">
+        <a:scrgbClr r="0" g="0" b="0"/>
+      </a:fillRef>
+      <a:effectRef idx="2">
+        <a:scrgbClr r="0" g="0" b="0"/>
+      </a:effectRef>
+      <a:fontRef idx="minor">
+        <a:schemeClr val="lt1"/>
+      </a:fontRef>
+    </dgm:style>
+  </dgm:styleLbl>
+  <dgm:styleLbl name="asst2">
+    <dgm:scene3d>
+      <a:camera prst="orthographicFront"/>
+      <a:lightRig rig="threePt" dir="t">
+        <a:rot lat="0" lon="0" rev="7500000"/>
+      </a:lightRig>
+    </dgm:scene3d>
+    <dgm:sp3d prstMaterial="plastic">
+      <a:bevelT w="127000" h="25400" prst="relaxedInset"/>
+    </dgm:sp3d>
+    <dgm:txPr/>
+    <dgm:style>
+      <a:lnRef idx="0">
+        <a:scrgbClr r="0" g="0" b="0"/>
+      </a:lnRef>
+      <a:fillRef idx="3">
+        <a:scrgbClr r="0" g="0" b="0"/>
+      </a:fillRef>
+      <a:effectRef idx="2">
+        <a:scrgbClr r="0" g="0" b="0"/>
+      </a:effectRef>
+      <a:fontRef idx="minor">
+        <a:schemeClr val="lt1"/>
+      </a:fontRef>
+    </dgm:style>
+  </dgm:styleLbl>
+  <dgm:styleLbl name="asst3">
+    <dgm:scene3d>
+      <a:camera prst="orthographicFront"/>
+      <a:lightRig rig="threePt" dir="t">
+        <a:rot lat="0" lon="0" rev="7500000"/>
+      </a:lightRig>
+    </dgm:scene3d>
+    <dgm:sp3d prstMaterial="plastic">
+      <a:bevelT w="127000" h="25400" prst="relaxedInset"/>
+    </dgm:sp3d>
+    <dgm:txPr/>
+    <dgm:style>
+      <a:lnRef idx="0">
+        <a:scrgbClr r="0" g="0" b="0"/>
+      </a:lnRef>
+      <a:fillRef idx="3">
+        <a:scrgbClr r="0" g="0" b="0"/>
+      </a:fillRef>
+      <a:effectRef idx="2">
+        <a:scrgbClr r="0" g="0" b="0"/>
+      </a:effectRef>
+      <a:fontRef idx="minor">
+        <a:schemeClr val="lt1"/>
+      </a:fontRef>
+    </dgm:style>
+  </dgm:styleLbl>
+  <dgm:styleLbl name="parChTrans2D1">
+    <dgm:scene3d>
+      <a:camera prst="orthographicFront"/>
+      <a:lightRig rig="threePt" dir="t">
+        <a:rot lat="0" lon="0" rev="7500000"/>
+      </a:lightRig>
+    </dgm:scene3d>
+    <dgm:sp3d extrusionH="63500" prstMaterial="matte">
+      <a:bevelT w="50800" h="19050" prst="relaxedInset"/>
+      <a:contourClr>
+        <a:schemeClr val="bg1"/>
+      </a:contourClr>
+    </dgm:sp3d>
+    <dgm:txPr/>
+    <dgm:style>
+      <a:lnRef idx="0">
+        <a:scrgbClr r="0" g="0" b="0"/>
+      </a:lnRef>
+      <a:fillRef idx="1">
+        <a:scrgbClr r="0" g="0" b="0"/>
+      </a:fillRef>
+      <a:effectRef idx="2">
+        <a:scrgbClr r="0" g="0" b="0"/>
+      </a:effectRef>
+      <a:fontRef idx="minor">
+        <a:schemeClr val="lt1"/>
+      </a:fontRef>
+    </dgm:style>
+  </dgm:styleLbl>
+  <dgm:styleLbl name="parChTrans2D2">
+    <dgm:scene3d>
+      <a:camera prst="orthographicFront"/>
+      <a:lightRig rig="threePt" dir="t">
+        <a:rot lat="0" lon="0" rev="7500000"/>
+      </a:lightRig>
+    </dgm:scene3d>
+    <dgm:sp3d extrusionH="63500" prstMaterial="matte">
+      <a:bevelT w="50800" h="19050" prst="relaxedInset"/>
+      <a:contourClr>
+        <a:schemeClr val="bg1"/>
+      </a:contourClr>
+    </dgm:sp3d>
+    <dgm:txPr/>
+    <dgm:style>
+      <a:lnRef idx="0">
+        <a:scrgbClr r="0" g="0" b="0"/>
+      </a:lnRef>
+      <a:fillRef idx="1">
+        <a:scrgbClr r="0" g="0" b="0"/>
+      </a:fillRef>
+      <a:effectRef idx="0">
+        <a:scrgbClr r="0" g="0" b="0"/>
+      </a:effectRef>
+      <a:fontRef idx="minor">
+        <a:schemeClr val="lt1"/>
+      </a:fontRef>
+    </dgm:style>
+  </dgm:styleLbl>
+  <dgm:styleLbl name="parChTrans2D3">
+    <dgm:scene3d>
+      <a:camera prst="orthographicFront"/>
+      <a:lightRig rig="threePt" dir="t">
+        <a:rot lat="0" lon="0" rev="7500000"/>
+      </a:lightRig>
+    </dgm:scene3d>
+    <dgm:sp3d z="60000" prstMaterial="flat">
+      <a:bevelT w="120900" h="88900"/>
+    </dgm:sp3d>
+    <dgm:txPr/>
+    <dgm:style>
+      <a:lnRef idx="0">
+        <a:scrgbClr r="0" g="0" b="0"/>
+      </a:lnRef>
+      <a:fillRef idx="3">
+        <a:scrgbClr r="0" g="0" b="0"/>
+      </a:fillRef>
+      <a:effectRef idx="1">
+        <a:scrgbClr r="0" g="0" b="0"/>
+      </a:effectRef>
+      <a:fontRef idx="minor">
+        <a:schemeClr val="lt1"/>
+      </a:fontRef>
+    </dgm:style>
+  </dgm:styleLbl>
+  <dgm:styleLbl name="parChTrans2D4">
+    <dgm:scene3d>
+      <a:camera prst="orthographicFront"/>
+      <a:lightRig rig="threePt" dir="t">
+        <a:rot lat="0" lon="0" rev="7500000"/>
+      </a:lightRig>
+    </dgm:scene3d>
+    <dgm:sp3d z="60000" prstMaterial="flat">
+      <a:bevelT w="120900" h="88900"/>
+    </dgm:sp3d>
+    <dgm:txPr/>
+    <dgm:style>
+      <a:lnRef idx="0">
+        <a:scrgbClr r="0" g="0" b="0"/>
+      </a:lnRef>
+      <a:fillRef idx="3">
+        <a:scrgbClr r="0" g="0" b="0"/>
+      </a:fillRef>
+      <a:effectRef idx="1">
+        <a:scrgbClr r="0" g="0" b="0"/>
+      </a:effectRef>
+      <a:fontRef idx="minor">
+        <a:schemeClr val="lt1"/>
+      </a:fontRef>
+    </dgm:style>
+  </dgm:styleLbl>
+  <dgm:styleLbl name="parChTrans1D1">
+    <dgm:scene3d>
+      <a:camera prst="orthographicFront"/>
+      <a:lightRig rig="threePt" dir="t">
+        <a:rot lat="0" lon="0" rev="7500000"/>
+      </a:lightRig>
+    </dgm:scene3d>
+    <dgm:sp3d z="-40000" prstMaterial="matte"/>
+    <dgm:txPr/>
+    <dgm:style>
+      <a:lnRef idx="2">
+        <a:scrgbClr r="0" g="0" b="0"/>
+      </a:lnRef>
+      <a:fillRef idx="0">
+        <a:scrgbClr r="0" g="0" b="0"/>
+      </a:fillRef>
+      <a:effectRef idx="0">
+        <a:scrgbClr r="0" g="0" b="0"/>
+      </a:effectRef>
+      <a:fontRef idx="minor"/>
+    </dgm:style>
+  </dgm:styleLbl>
+  <dgm:styleLbl name="parChTrans1D2">
+    <dgm:scene3d>
+      <a:camera prst="orthographicFront"/>
+      <a:lightRig rig="threePt" dir="t">
+        <a:rot lat="0" lon="0" rev="7500000"/>
+      </a:lightRig>
+    </dgm:scene3d>
+    <dgm:sp3d z="-40000" prstMaterial="matte"/>
+    <dgm:txPr/>
+    <dgm:style>
+      <a:lnRef idx="2">
+        <a:scrgbClr r="0" g="0" b="0"/>
+      </a:lnRef>
+      <a:fillRef idx="0">
+        <a:scrgbClr r="0" g="0" b="0"/>
+      </a:fillRef>
+      <a:effectRef idx="0">
+        <a:scrgbClr r="0" g="0" b="0"/>
+      </a:effectRef>
+      <a:fontRef idx="minor"/>
+    </dgm:style>
+  </dgm:styleLbl>
+  <dgm:styleLbl name="parChTrans1D3">
+    <dgm:scene3d>
+      <a:camera prst="orthographicFront"/>
+      <a:lightRig rig="threePt" dir="t">
+        <a:rot lat="0" lon="0" rev="7500000"/>
+      </a:lightRig>
+    </dgm:scene3d>
+    <dgm:sp3d z="-40000" prstMaterial="matte"/>
+    <dgm:txPr/>
+    <dgm:style>
+      <a:lnRef idx="2">
+        <a:scrgbClr r="0" g="0" b="0"/>
+      </a:lnRef>
+      <a:fillRef idx="0">
+        <a:scrgbClr r="0" g="0" b="0"/>
+      </a:fillRef>
+      <a:effectRef idx="0">
+        <a:scrgbClr r="0" g="0" b="0"/>
+      </a:effectRef>
+      <a:fontRef idx="minor"/>
+    </dgm:style>
+  </dgm:styleLbl>
+  <dgm:styleLbl name="parChTrans1D4">
+    <dgm:scene3d>
+      <a:camera prst="orthographicFront"/>
+      <a:lightRig rig="threePt" dir="t">
+        <a:rot lat="0" lon="0" rev="7500000"/>
+      </a:lightRig>
+    </dgm:scene3d>
+    <dgm:sp3d z="-40000" prstMaterial="matte"/>
+    <dgm:txPr/>
+    <dgm:style>
+      <a:lnRef idx="2">
+        <a:scrgbClr r="0" g="0" b="0"/>
+      </a:lnRef>
+      <a:fillRef idx="0">
+        <a:scrgbClr r="0" g="0" b="0"/>
+      </a:fillRef>
+      <a:effectRef idx="0">
+        <a:scrgbClr r="0" g="0" b="0"/>
+      </a:effectRef>
+      <a:fontRef idx="minor"/>
+    </dgm:style>
+  </dgm:styleLbl>
+  <dgm:styleLbl name="fgAcc1">
+    <dgm:scene3d>
+      <a:camera prst="orthographicFront"/>
+      <a:lightRig rig="threePt" dir="t">
+        <a:rot lat="0" lon="0" rev="7500000"/>
+      </a:lightRig>
+    </dgm:scene3d>
+    <dgm:sp3d z="152400" extrusionH="63500" prstMaterial="dkEdge">
+      <a:bevelT w="135400" h="16350" prst="relaxedInset"/>
+      <a:contourClr>
+        <a:schemeClr val="bg1"/>
+      </a:contourClr>
+    </dgm:sp3d>
+    <dgm:txPr/>
+    <dgm:style>
+      <a:lnRef idx="1">
+        <a:scrgbClr r="0" g="0" b="0"/>
+      </a:lnRef>
+      <a:fillRef idx="1">
+        <a:scrgbClr r="0" g="0" b="0"/>
+      </a:fillRef>
+      <a:effectRef idx="2">
+        <a:scrgbClr r="0" g="0" b="0"/>
+      </a:effectRef>
+      <a:fontRef idx="minor"/>
+    </dgm:style>
+  </dgm:styleLbl>
+  <dgm:styleLbl name="conFgAcc1">
+    <dgm:scene3d>
+      <a:camera prst="orthographicFront"/>
+      <a:lightRig rig="threePt" dir="t">
+        <a:rot lat="0" lon="0" rev="7500000"/>
+      </a:lightRig>
+    </dgm:scene3d>
+    <dgm:sp3d z="152400" extrusionH="63500" prstMaterial="dkEdge">
+      <a:bevelT w="135400" h="16350" prst="relaxedInset"/>
+      <a:contourClr>
+        <a:schemeClr val="bg1"/>
+      </a:contourClr>
+    </dgm:sp3d>
+    <dgm:txPr/>
+    <dgm:style>
+      <a:lnRef idx="1">
+        <a:scrgbClr r="0" g="0" b="0"/>
+      </a:lnRef>
+      <a:fillRef idx="1">
+        <a:scrgbClr r="0" g="0" b="0"/>
+      </a:fillRef>
+      <a:effectRef idx="2">
+        <a:scrgbClr r="0" g="0" b="0"/>
+      </a:effectRef>
+      <a:fontRef idx="minor"/>
+    </dgm:style>
+  </dgm:styleLbl>
+  <dgm:styleLbl name="alignAcc1">
+    <dgm:scene3d>
+      <a:camera prst="orthographicFront"/>
+      <a:lightRig rig="threePt" dir="t">
+        <a:rot lat="0" lon="0" rev="7500000"/>
+      </a:lightRig>
+    </dgm:scene3d>
+    <dgm:sp3d extrusionH="190500" prstMaterial="dkEdge">
+      <a:bevelT w="135400" h="16350" prst="relaxedInset"/>
+      <a:contourClr>
+        <a:schemeClr val="bg1"/>
+      </a:contourClr>
+    </dgm:sp3d>
+    <dgm:txPr/>
+    <dgm:style>
+      <a:lnRef idx="1">
+        <a:scrgbClr r="0" g="0" b="0"/>
+      </a:lnRef>
+      <a:fillRef idx="1">
+        <a:scrgbClr r="0" g="0" b="0"/>
+      </a:fillRef>
+      <a:effectRef idx="2">
+        <a:scrgbClr r="0" g="0" b="0"/>
+      </a:effectRef>
+      <a:fontRef idx="minor"/>
+    </dgm:style>
+  </dgm:styleLbl>
+  <dgm:styleLbl name="trAlignAcc1">
+    <dgm:scene3d>
+      <a:camera prst="orthographicFront"/>
+      <a:lightRig rig="threePt" dir="t">
+        <a:rot lat="0" lon="0" rev="7500000"/>
+      </a:lightRig>
+    </dgm:scene3d>
+    <dgm:sp3d prstMaterial="plastic">
+      <a:bevelT w="127000" h="35400"/>
+    </dgm:sp3d>
+    <dgm:txPr/>
+    <dgm:style>
+      <a:lnRef idx="1">
+        <a:scrgbClr r="0" g="0" b="0"/>
+      </a:lnRef>
+      <a:fillRef idx="1">
+        <a:scrgbClr r="0" g="0" b="0"/>
+      </a:fillRef>
+      <a:effectRef idx="2">
+        <a:scrgbClr r="0" g="0" b="0"/>
+      </a:effectRef>
+      <a:fontRef idx="minor">
+        <a:schemeClr val="lt1"/>
+      </a:fontRef>
+    </dgm:style>
+  </dgm:styleLbl>
+  <dgm:styleLbl name="bgAcc1">
+    <dgm:scene3d>
+      <a:camera prst="orthographicFront"/>
+      <a:lightRig rig="threePt" dir="t">
+        <a:rot lat="0" lon="0" rev="7500000"/>
+      </a:lightRig>
+    </dgm:scene3d>
+    <dgm:sp3d z="-152400" extrusionH="63500" prstMaterial="dkEdge">
+      <a:bevelT w="124450" h="16350" prst="relaxedInset"/>
+      <a:contourClr>
+        <a:schemeClr val="bg1"/>
+      </a:contourClr>
+    </dgm:sp3d>
+    <dgm:txPr/>
+    <dgm:style>
+      <a:lnRef idx="1">
+        <a:scrgbClr r="0" g="0" b="0"/>
+      </a:lnRef>
+      <a:fillRef idx="1">
+        <a:scrgbClr r="0" g="0" b="0"/>
+      </a:fillRef>
+      <a:effectRef idx="0">
+        <a:scrgbClr r="0" g="0" b="0"/>
+      </a:effectRef>
+      <a:fontRef idx="minor"/>
+    </dgm:style>
+  </dgm:styleLbl>
+  <dgm:styleLbl name="solidFgAcc1">
+    <dgm:scene3d>
+      <a:camera prst="orthographicFront"/>
+      <a:lightRig rig="threePt" dir="t">
+        <a:rot lat="0" lon="0" rev="7500000"/>
+      </a:lightRig>
+    </dgm:scene3d>
+    <dgm:sp3d z="152400" extrusionH="63500" prstMaterial="dkEdge">
+      <a:bevelT w="120800" h="19050" prst="relaxedInset"/>
+      <a:contourClr>
+        <a:schemeClr val="bg1"/>
+      </a:contourClr>
+    </dgm:sp3d>
+    <dgm:txPr/>
+    <dgm:style>
+      <a:lnRef idx="1">
+        <a:scrgbClr r="0" g="0" b="0"/>
+      </a:lnRef>
+      <a:fillRef idx="1">
+        <a:scrgbClr r="0" g="0" b="0"/>
+      </a:fillRef>
+      <a:effectRef idx="2">
+        <a:scrgbClr r="0" g="0" b="0"/>
+      </a:effectRef>
+      <a:fontRef idx="minor"/>
+    </dgm:style>
+  </dgm:styleLbl>
+  <dgm:styleLbl name="solidAlignAcc1">
+    <dgm:scene3d>
+      <a:camera prst="orthographicFront"/>
+      <a:lightRig rig="threePt" dir="t">
+        <a:rot lat="0" lon="0" rev="7500000"/>
+      </a:lightRig>
+    </dgm:scene3d>
+    <dgm:sp3d extrusionH="190500" prstMaterial="dkEdge">
+      <a:bevelT w="120650" h="38100" prst="relaxedInset"/>
+      <a:contourClr>
+        <a:schemeClr val="bg1"/>
+      </a:contourClr>
+    </dgm:sp3d>
+    <dgm:txPr/>
+    <dgm:style>
+      <a:lnRef idx="1">
+        <a:scrgbClr r="0" g="0" b="0"/>
+      </a:lnRef>
+      <a:fillRef idx="1">
+        <a:scrgbClr r="0" g="0" b="0"/>
+      </a:fillRef>
+      <a:effectRef idx="2">
+        <a:scrgbClr r="0" g="0" b="0"/>
+      </a:effectRef>
+      <a:fontRef idx="minor"/>
+    </dgm:style>
+  </dgm:styleLbl>
+  <dgm:styleLbl name="solidBgAcc1">
+    <dgm:scene3d>
+      <a:camera prst="orthographicFront"/>
+      <a:lightRig rig="threePt" dir="t">
+        <a:rot lat="0" lon="0" rev="7500000"/>
+      </a:lightRig>
+    </dgm:scene3d>
+    <dgm:sp3d z="-152400" extrusionH="63500" prstMaterial="dkEdge">
+      <a:bevelT w="144450" h="36350" prst="relaxedInset"/>
+      <a:contourClr>
+        <a:schemeClr val="bg1"/>
+      </a:contourClr>
+    </dgm:sp3d>
+    <dgm:txPr/>
+    <dgm:style>
+      <a:lnRef idx="1">
+        <a:scrgbClr r="0" g="0" b="0"/>
+      </a:lnRef>
+      <a:fillRef idx="1">
+        <a:scrgbClr r="0" g="0" b="0"/>
+      </a:fillRef>
+      <a:effectRef idx="0">
+        <a:scrgbClr r="0" g="0" b="0"/>
+      </a:effectRef>
+      <a:fontRef idx="minor"/>
+    </dgm:style>
+  </dgm:styleLbl>
+  <dgm:styleLbl name="fgAccFollowNode1">
+    <dgm:scene3d>
+      <a:camera prst="orthographicFront"/>
+      <a:lightRig rig="threePt" dir="t">
+        <a:rot lat="0" lon="0" rev="7500000"/>
+      </a:lightRig>
+    </dgm:scene3d>
+    <dgm:sp3d z="152400" extrusionH="63500" prstMaterial="dkEdge">
+      <a:bevelT w="125400" h="36350" prst="relaxedInset"/>
+      <a:contourClr>
+        <a:schemeClr val="bg1"/>
+      </a:contourClr>
+    </dgm:sp3d>
+    <dgm:txPr/>
+    <dgm:style>
+      <a:lnRef idx="1">
+        <a:scrgbClr r="0" g="0" b="0"/>
+      </a:lnRef>
+      <a:fillRef idx="1">
+        <a:scrgbClr r="0" g="0" b="0"/>
+      </a:fillRef>
+      <a:effectRef idx="0">
+        <a:scrgbClr r="0" g="0" b="0"/>
+      </a:effectRef>
+      <a:fontRef idx="minor"/>
+    </dgm:style>
+  </dgm:styleLbl>
+  <dgm:styleLbl name="alignAccFollowNode1">
+    <dgm:scene3d>
+      <a:camera prst="orthographicFront"/>
+      <a:lightRig rig="threePt" dir="t">
+        <a:rot lat="0" lon="0" rev="7500000"/>
+      </a:lightRig>
+    </dgm:scene3d>
+    <dgm:sp3d extrusionH="190500" prstMaterial="dkEdge">
+      <a:bevelT w="120650" h="38100" prst="relaxedInset"/>
+      <a:bevelB w="120650" h="57150" prst="relaxedInset"/>
+      <a:contourClr>
+        <a:schemeClr val="bg1"/>
+      </a:contourClr>
+    </dgm:sp3d>
+    <dgm:txPr/>
+    <dgm:style>
+      <a:lnRef idx="1">
+        <a:scrgbClr r="0" g="0" b="0"/>
+      </a:lnRef>
+      <a:fillRef idx="1">
+        <a:scrgbClr r="0" g="0" b="0"/>
+      </a:fillRef>
+      <a:effectRef idx="2">
+        <a:scrgbClr r="0" g="0" b="0"/>
+      </a:effectRef>
+      <a:fontRef idx="minor"/>
+    </dgm:style>
+  </dgm:styleLbl>
+  <dgm:styleLbl name="bgAccFollowNode1">
+    <dgm:scene3d>
+      <a:camera prst="orthographicFront"/>
+      <a:lightRig rig="threePt" dir="t">
+        <a:rot lat="0" lon="0" rev="7500000"/>
+      </a:lightRig>
+    </dgm:scene3d>
+    <dgm:sp3d z="-152400" extrusionH="63500" prstMaterial="dkEdge">
+      <a:bevelT w="144450" h="36350" prst="relaxedInset"/>
+      <a:contourClr>
+        <a:schemeClr val="bg1"/>
+      </a:contourClr>
+    </dgm:sp3d>
+    <dgm:txPr/>
+    <dgm:style>
+      <a:lnRef idx="1">
+        <a:scrgbClr r="0" g="0" b="0"/>
+      </a:lnRef>
+      <a:fillRef idx="1">
+        <a:scrgbClr r="0" g="0" b="0"/>
+      </a:fillRef>
+      <a:effectRef idx="2">
+        <a:scrgbClr r="0" g="0" b="0"/>
+      </a:effectRef>
+      <a:fontRef idx="minor"/>
+    </dgm:style>
+  </dgm:styleLbl>
+  <dgm:styleLbl name="fgAcc0">
+    <dgm:scene3d>
+      <a:camera prst="orthographicFront"/>
+      <a:lightRig rig="threePt" dir="t">
+        <a:rot lat="0" lon="0" rev="7500000"/>
+      </a:lightRig>
+    </dgm:scene3d>
+    <dgm:sp3d z="152400" extrusionH="63500" prstMaterial="dkEdge">
+      <a:bevelT w="125400" h="36350" prst="relaxedInset"/>
+      <a:contourClr>
+        <a:schemeClr val="bg1"/>
+      </a:contourClr>
+    </dgm:sp3d>
+    <dgm:txPr/>
+    <dgm:style>
+      <a:lnRef idx="1">
+        <a:scrgbClr r="0" g="0" b="0"/>
+      </a:lnRef>
+      <a:fillRef idx="1">
+        <a:scrgbClr r="0" g="0" b="0"/>
+      </a:fillRef>
+      <a:effectRef idx="2">
+        <a:scrgbClr r="0" g="0" b="0"/>
+      </a:effectRef>
+      <a:fontRef idx="minor"/>
+    </dgm:style>
+  </dgm:styleLbl>
+  <dgm:styleLbl name="fgAcc2">
+    <dgm:scene3d>
+      <a:camera prst="orthographicFront"/>
+      <a:lightRig rig="threePt" dir="t">
+        <a:rot lat="0" lon="0" rev="7500000"/>
+      </a:lightRig>
+    </dgm:scene3d>
+    <dgm:sp3d z="152400" extrusionH="63500" prstMaterial="dkEdge">
+      <a:bevelT w="125400" h="36350" prst="relaxedInset"/>
+      <a:contourClr>
+        <a:schemeClr val="bg1"/>
+      </a:contourClr>
+    </dgm:sp3d>
+    <dgm:txPr/>
+    <dgm:style>
+      <a:lnRef idx="1">
+        <a:scrgbClr r="0" g="0" b="0"/>
+      </a:lnRef>
+      <a:fillRef idx="1">
+        <a:scrgbClr r="0" g="0" b="0"/>
+      </a:fillRef>
+      <a:effectRef idx="2">
+        <a:scrgbClr r="0" g="0" b="0"/>
+      </a:effectRef>
+      <a:fontRef idx="minor"/>
+    </dgm:style>
+  </dgm:styleLbl>
+  <dgm:styleLbl name="fgAcc3">
+    <dgm:scene3d>
+      <a:camera prst="orthographicFront"/>
+      <a:lightRig rig="threePt" dir="t">
+        <a:rot lat="0" lon="0" rev="7500000"/>
+      </a:lightRig>
+    </dgm:scene3d>
+    <dgm:sp3d z="152400" extrusionH="63500" prstMaterial="dkEdge">
+      <a:bevelT w="125400" h="36350" prst="relaxedInset"/>
+      <a:contourClr>
+        <a:schemeClr val="bg1"/>
+      </a:contourClr>
+    </dgm:sp3d>
+    <dgm:txPr/>
+    <dgm:style>
+      <a:lnRef idx="1">
+        <a:scrgbClr r="0" g="0" b="0"/>
+      </a:lnRef>
+      <a:fillRef idx="1">
+        <a:scrgbClr r="0" g="0" b="0"/>
+      </a:fillRef>
+      <a:effectRef idx="2">
+        <a:scrgbClr r="0" g="0" b="0"/>
+      </a:effectRef>
+      <a:fontRef idx="minor"/>
+    </dgm:style>
+  </dgm:styleLbl>
+  <dgm:styleLbl name="fgAcc4">
+    <dgm:scene3d>
+      <a:camera prst="orthographicFront"/>
+      <a:lightRig rig="threePt" dir="t">
+        <a:rot lat="0" lon="0" rev="7500000"/>
+      </a:lightRig>
+    </dgm:scene3d>
+    <dgm:sp3d z="152400" extrusionH="63500" prstMaterial="dkEdge">
+      <a:bevelT w="125400" h="36350" prst="relaxedInset"/>
+      <a:contourClr>
+        <a:schemeClr val="bg1"/>
+      </a:contourClr>
+    </dgm:sp3d>
+    <dgm:txPr/>
+    <dgm:style>
+      <a:lnRef idx="1">
+        <a:scrgbClr r="0" g="0" b="0"/>
+      </a:lnRef>
+      <a:fillRef idx="1">
+        <a:scrgbClr r="0" g="0" b="0"/>
+      </a:fillRef>
+      <a:effectRef idx="2">
+        <a:scrgbClr r="0" g="0" b="0"/>
+      </a:effectRef>
+      <a:fontRef idx="minor"/>
+    </dgm:style>
+  </dgm:styleLbl>
+  <dgm:styleLbl name="bgShp">
+    <dgm:scene3d>
+      <a:camera prst="orthographicFront"/>
+      <a:lightRig rig="threePt" dir="t">
+        <a:rot lat="0" lon="0" rev="7500000"/>
+      </a:lightRig>
+    </dgm:scene3d>
+    <dgm:sp3d z="-152400" extrusionH="63500" prstMaterial="matte">
+      <a:bevelT w="144450" h="6350" prst="relaxedInset"/>
+      <a:contourClr>
+        <a:schemeClr val="bg1"/>
+      </a:contourClr>
+    </dgm:sp3d>
+    <dgm:txPr/>
+    <dgm:style>
+      <a:lnRef idx="0">
+        <a:scrgbClr r="0" g="0" b="0"/>
+      </a:lnRef>
+      <a:fillRef idx="3">
+        <a:scrgbClr r="0" g="0" b="0"/>
+      </a:fillRef>
+      <a:effectRef idx="0">
+        <a:scrgbClr r="0" g="0" b="0"/>
+      </a:effectRef>
+      <a:fontRef idx="minor"/>
+    </dgm:style>
+  </dgm:styleLbl>
+  <dgm:styleLbl name="dkBgShp">
+    <dgm:scene3d>
+      <a:camera prst="orthographicFront"/>
+      <a:lightRig rig="threePt" dir="t">
+        <a:rot lat="0" lon="0" rev="7500000"/>
+      </a:lightRig>
+    </dgm:scene3d>
+    <dgm:sp3d prstMaterial="plastic">
+      <a:bevelT w="127000" h="25400" prst="relaxedInset"/>
+      <a:bevelB w="88900" h="121750" prst="angle"/>
+    </dgm:sp3d>
+    <dgm:txPr/>
+    <dgm:style>
+      <a:lnRef idx="0">
+        <a:scrgbClr r="0" g="0" b="0"/>
+      </a:lnRef>
+      <a:fillRef idx="1">
+        <a:scrgbClr r="0" g="0" b="0"/>
+      </a:fillRef>
+      <a:effectRef idx="2">
+        <a:scrgbClr r="0" g="0" b="0"/>
+      </a:effectRef>
+      <a:fontRef idx="minor">
+        <a:schemeClr val="lt1"/>
+      </a:fontRef>
+    </dgm:style>
+  </dgm:styleLbl>
+  <dgm:styleLbl name="trBgShp">
+    <dgm:scene3d>
+      <a:camera prst="orthographicFront"/>
+      <a:lightRig rig="threePt" dir="t"/>
+    </dgm:scene3d>
+    <dgm:sp3d z="-152400" prstMaterial="matte"/>
+    <dgm:txPr/>
+    <dgm:style>
+      <a:lnRef idx="0">
+        <a:scrgbClr r="0" g="0" b="0"/>
+      </a:lnRef>
+      <a:fillRef idx="1">
+        <a:scrgbClr r="0" g="0" b="0"/>
+      </a:fillRef>
+      <a:effectRef idx="0">
+        <a:scrgbClr r="0" g="0" b="0"/>
+      </a:effectRef>
+      <a:fontRef idx="minor"/>
+    </dgm:style>
+  </dgm:styleLbl>
+  <dgm:styleLbl name="fgShp">
+    <dgm:scene3d>
+      <a:camera prst="orthographicFront"/>
+      <a:lightRig rig="threePt" dir="t">
+        <a:rot lat="0" lon="0" rev="7500000"/>
+      </a:lightRig>
+    </dgm:scene3d>
+    <dgm:sp3d z="152400" extrusionH="63500" prstMaterial="matte">
+      <a:bevelT w="50800" h="19050" prst="relaxedInset"/>
+      <a:contourClr>
+        <a:schemeClr val="bg1"/>
+      </a:contourClr>
+    </dgm:sp3d>
+    <dgm:txPr/>
+    <dgm:style>
+      <a:lnRef idx="0">
+        <a:scrgbClr r="0" g="0" b="0"/>
+      </a:lnRef>
+      <a:fillRef idx="1">
+        <a:scrgbClr r="0" g="0" b="0"/>
+      </a:fillRef>
+      <a:effectRef idx="2">
+        <a:scrgbClr r="0" g="0" b="0"/>
+      </a:effectRef>
+      <a:fontRef idx="minor">
+        <a:schemeClr val="lt1"/>
+      </a:fontRef>
+    </dgm:style>
+  </dgm:styleLbl>
+  <dgm:styleLbl name="revTx">
+    <dgm:scene3d>
+      <a:camera prst="orthographicFront"/>
+      <a:lightRig rig="threePt" dir="t"/>
+    </dgm:scene3d>
+    <dgm:sp3d/>
+    <dgm:txPr/>
+    <dgm:style>
+      <a:lnRef idx="0">
+        <a:scrgbClr r="0" g="0" b="0"/>
+      </a:lnRef>
+      <a:fillRef idx="0">
+        <a:scrgbClr r="0" g="0" b="0"/>
+      </a:fillRef>
+      <a:effectRef idx="0">
+        <a:scrgbClr r="0" g="0" b="0"/>
+      </a:effectRef>
+      <a:fontRef idx="minor"/>
+    </dgm:style>
+  </dgm:styleLbl>
+</dgm:styleDef>
 </file>
 
 <file path=ppt/handoutMasters/handoutMaster1.xml><?xml version="1.0" encoding="utf-8"?>
@@ -966,6 +5030,266 @@
               </a:rPr>
               <a:pPr/>
               <a:t>1</a:t>
+            </a:fld>
+            <a:endParaRPr lang="en-US">
+              <a:latin typeface="Calibri" panose="020F0502020204030204" pitchFamily="34" charset="0"/>
+            </a:endParaRPr>
+          </a:p>
+        </p:txBody>
+      </p:sp>
+      <p:sp>
+        <p:nvSpPr>
+          <p:cNvPr id="10243" name="Rectangle 2"/>
+          <p:cNvSpPr>
+            <a:spLocks noGrp="1" noRot="1" noChangeAspect="1" noChangeArrowheads="1" noTextEdit="1"/>
+          </p:cNvSpPr>
+          <p:nvPr>
+            <p:ph type="sldImg"/>
+          </p:nvPr>
+        </p:nvSpPr>
+        <p:spPr bwMode="auto">
+          <a:noFill/>
+          <a:ln>
+            <a:solidFill>
+              <a:srgbClr val="000000"/>
+            </a:solidFill>
+            <a:miter lim="800000"/>
+            <a:headEnd/>
+            <a:tailEnd/>
+          </a:ln>
+          <a:extLst>
+            <a:ext uri="{909E8E84-426E-40DD-AFC4-6F175D3DCCD1}">
+              <a14:hiddenFill xmlns:a14="http://schemas.microsoft.com/office/drawing/2010/main">
+                <a:solidFill>
+                  <a:srgbClr val="FFFFFF"/>
+                </a:solidFill>
+              </a14:hiddenFill>
+            </a:ext>
+          </a:extLst>
+        </p:spPr>
+      </p:sp>
+      <p:sp>
+        <p:nvSpPr>
+          <p:cNvPr id="10244" name="Rectangle 3"/>
+          <p:cNvSpPr>
+            <a:spLocks noGrp="1" noChangeArrowheads="1"/>
+          </p:cNvSpPr>
+          <p:nvPr>
+            <p:ph type="body" idx="1"/>
+          </p:nvPr>
+        </p:nvSpPr>
+        <p:spPr bwMode="auto">
+          <a:noFill/>
+          <a:extLst>
+            <a:ext uri="{909E8E84-426E-40DD-AFC4-6F175D3DCCD1}">
+              <a14:hiddenFill xmlns:a14="http://schemas.microsoft.com/office/drawing/2010/main">
+                <a:solidFill>
+                  <a:srgbClr val="FFFFFF"/>
+                </a:solidFill>
+              </a14:hiddenFill>
+            </a:ext>
+            <a:ext uri="{91240B29-F687-4F45-9708-019B960494DF}">
+              <a14:hiddenLine xmlns:a14="http://schemas.microsoft.com/office/drawing/2010/main" w="9525">
+                <a:solidFill>
+                  <a:srgbClr val="000000"/>
+                </a:solidFill>
+                <a:miter lim="800000"/>
+                <a:headEnd/>
+                <a:tailEnd/>
+              </a14:hiddenLine>
+            </a:ext>
+          </a:extLst>
+        </p:spPr>
+        <p:txBody>
+          <a:bodyPr wrap="square" numCol="1" anchor="t" anchorCtr="0" compatLnSpc="1">
+            <a:prstTxWarp prst="textNoShape">
+              <a:avLst/>
+            </a:prstTxWarp>
+          </a:bodyPr>
+          <a:lstStyle/>
+          <a:p>
+            <a:pPr eaLnBrk="1" hangingPunct="1">
+              <a:spcBef>
+                <a:spcPct val="0"/>
+              </a:spcBef>
+            </a:pPr>
+            <a:endParaRPr lang="tr-TR">
+              <a:latin typeface="Arial" panose="020B0604020202020204" pitchFamily="34" charset="0"/>
+              <a:ea typeface="ヒラギノ角ゴ Pro W3"/>
+              <a:cs typeface="ヒラギノ角ゴ Pro W3"/>
+            </a:endParaRPr>
+          </a:p>
+        </p:txBody>
+      </p:sp>
+    </p:spTree>
+    <p:extLst>
+      <p:ext uri="{BB962C8B-B14F-4D97-AF65-F5344CB8AC3E}">
+        <p14:creationId xmlns:p14="http://schemas.microsoft.com/office/powerpoint/2010/main" val="1831345199"/>
+      </p:ext>
+    </p:extLst>
+  </p:cSld>
+  <p:clrMapOvr>
+    <a:masterClrMapping/>
+  </p:clrMapOvr>
+</p:notes>
+</file>
+
+<file path=ppt/notesSlides/notesSlide2.xml><?xml version="1.0" encoding="utf-8"?>
+<p:notes xmlns:a="http://schemas.openxmlformats.org/drawingml/2006/main" xmlns:r="http://schemas.openxmlformats.org/officeDocument/2006/relationships" xmlns:p="http://schemas.openxmlformats.org/presentationml/2006/main">
+  <p:cSld>
+    <p:spTree>
+      <p:nvGrpSpPr>
+        <p:cNvPr id="1" name=""/>
+        <p:cNvGrpSpPr/>
+        <p:nvPr/>
+      </p:nvGrpSpPr>
+      <p:grpSpPr>
+        <a:xfrm>
+          <a:off x="0" y="0"/>
+          <a:ext cx="0" cy="0"/>
+          <a:chOff x="0" y="0"/>
+          <a:chExt cx="0" cy="0"/>
+        </a:xfrm>
+      </p:grpSpPr>
+      <p:sp>
+        <p:nvSpPr>
+          <p:cNvPr id="10242" name="Rectangle 7"/>
+          <p:cNvSpPr>
+            <a:spLocks noGrp="1" noChangeArrowheads="1"/>
+          </p:cNvSpPr>
+          <p:nvPr>
+            <p:ph type="sldNum" sz="quarter" idx="5"/>
+          </p:nvPr>
+        </p:nvSpPr>
+        <p:spPr bwMode="auto">
+          <a:noFill/>
+          <a:extLst>
+            <a:ext uri="{909E8E84-426E-40DD-AFC4-6F175D3DCCD1}">
+              <a14:hiddenFill xmlns:a14="http://schemas.microsoft.com/office/drawing/2010/main">
+                <a:solidFill>
+                  <a:srgbClr val="FFFFFF"/>
+                </a:solidFill>
+              </a14:hiddenFill>
+            </a:ext>
+            <a:ext uri="{91240B29-F687-4F45-9708-019B960494DF}">
+              <a14:hiddenLine xmlns:a14="http://schemas.microsoft.com/office/drawing/2010/main" w="9525">
+                <a:solidFill>
+                  <a:srgbClr val="000000"/>
+                </a:solidFill>
+                <a:miter lim="800000"/>
+                <a:headEnd/>
+                <a:tailEnd/>
+              </a14:hiddenLine>
+            </a:ext>
+          </a:extLst>
+        </p:spPr>
+        <p:txBody>
+          <a:bodyPr/>
+          <a:lstStyle>
+            <a:lvl1pPr>
+              <a:defRPr>
+                <a:solidFill>
+                  <a:schemeClr val="tx1"/>
+                </a:solidFill>
+                <a:latin typeface="Constantia" panose="02030602050306030303" pitchFamily="18" charset="0"/>
+              </a:defRPr>
+            </a:lvl1pPr>
+            <a:lvl2pPr marL="742950" indent="-285750">
+              <a:defRPr>
+                <a:solidFill>
+                  <a:schemeClr val="tx1"/>
+                </a:solidFill>
+                <a:latin typeface="Constantia" panose="02030602050306030303" pitchFamily="18" charset="0"/>
+              </a:defRPr>
+            </a:lvl2pPr>
+            <a:lvl3pPr marL="1143000" indent="-228600">
+              <a:defRPr>
+                <a:solidFill>
+                  <a:schemeClr val="tx1"/>
+                </a:solidFill>
+                <a:latin typeface="Constantia" panose="02030602050306030303" pitchFamily="18" charset="0"/>
+              </a:defRPr>
+            </a:lvl3pPr>
+            <a:lvl4pPr marL="1600200" indent="-228600">
+              <a:defRPr>
+                <a:solidFill>
+                  <a:schemeClr val="tx1"/>
+                </a:solidFill>
+                <a:latin typeface="Constantia" panose="02030602050306030303" pitchFamily="18" charset="0"/>
+              </a:defRPr>
+            </a:lvl4pPr>
+            <a:lvl5pPr marL="2057400" indent="-228600">
+              <a:defRPr>
+                <a:solidFill>
+                  <a:schemeClr val="tx1"/>
+                </a:solidFill>
+                <a:latin typeface="Constantia" panose="02030602050306030303" pitchFamily="18" charset="0"/>
+              </a:defRPr>
+            </a:lvl5pPr>
+            <a:lvl6pPr marL="2514600" indent="-228600" defTabSz="457200" eaLnBrk="0" fontAlgn="base" hangingPunct="0">
+              <a:spcBef>
+                <a:spcPct val="0"/>
+              </a:spcBef>
+              <a:spcAft>
+                <a:spcPct val="0"/>
+              </a:spcAft>
+              <a:defRPr>
+                <a:solidFill>
+                  <a:schemeClr val="tx1"/>
+                </a:solidFill>
+                <a:latin typeface="Constantia" panose="02030602050306030303" pitchFamily="18" charset="0"/>
+              </a:defRPr>
+            </a:lvl6pPr>
+            <a:lvl7pPr marL="2971800" indent="-228600" defTabSz="457200" eaLnBrk="0" fontAlgn="base" hangingPunct="0">
+              <a:spcBef>
+                <a:spcPct val="0"/>
+              </a:spcBef>
+              <a:spcAft>
+                <a:spcPct val="0"/>
+              </a:spcAft>
+              <a:defRPr>
+                <a:solidFill>
+                  <a:schemeClr val="tx1"/>
+                </a:solidFill>
+                <a:latin typeface="Constantia" panose="02030602050306030303" pitchFamily="18" charset="0"/>
+              </a:defRPr>
+            </a:lvl7pPr>
+            <a:lvl8pPr marL="3429000" indent="-228600" defTabSz="457200" eaLnBrk="0" fontAlgn="base" hangingPunct="0">
+              <a:spcBef>
+                <a:spcPct val="0"/>
+              </a:spcBef>
+              <a:spcAft>
+                <a:spcPct val="0"/>
+              </a:spcAft>
+              <a:defRPr>
+                <a:solidFill>
+                  <a:schemeClr val="tx1"/>
+                </a:solidFill>
+                <a:latin typeface="Constantia" panose="02030602050306030303" pitchFamily="18" charset="0"/>
+              </a:defRPr>
+            </a:lvl8pPr>
+            <a:lvl9pPr marL="3886200" indent="-228600" defTabSz="457200" eaLnBrk="0" fontAlgn="base" hangingPunct="0">
+              <a:spcBef>
+                <a:spcPct val="0"/>
+              </a:spcBef>
+              <a:spcAft>
+                <a:spcPct val="0"/>
+              </a:spcAft>
+              <a:defRPr>
+                <a:solidFill>
+                  <a:schemeClr val="tx1"/>
+                </a:solidFill>
+                <a:latin typeface="Constantia" panose="02030602050306030303" pitchFamily="18" charset="0"/>
+              </a:defRPr>
+            </a:lvl9pPr>
+          </a:lstStyle>
+          <a:p>
+            <a:fld id="{0B0C1EA2-0501-4755-8F2E-43AE1F036A88}" type="slidenum">
+              <a:rPr lang="en-US">
+                <a:latin typeface="Calibri" panose="020F0502020204030204" pitchFamily="34" charset="0"/>
+              </a:rPr>
+              <a:pPr/>
+              <a:t>7</a:t>
             </a:fld>
             <a:endParaRPr lang="en-US">
               <a:latin typeface="Calibri" panose="020F0502020204030204" pitchFamily="34" charset="0"/>
@@ -4253,6 +8577,3338 @@
 </p:sld>
 </file>
 
+<file path=ppt/slides/slide10.xml><?xml version="1.0" encoding="utf-8"?>
+<p:sld xmlns:a="http://schemas.openxmlformats.org/drawingml/2006/main" xmlns:r="http://schemas.openxmlformats.org/officeDocument/2006/relationships" xmlns:p="http://schemas.openxmlformats.org/presentationml/2006/main">
+  <p:cSld>
+    <p:spTree>
+      <p:nvGrpSpPr>
+        <p:cNvPr id="1" name=""/>
+        <p:cNvGrpSpPr/>
+        <p:nvPr/>
+      </p:nvGrpSpPr>
+      <p:grpSpPr>
+        <a:xfrm>
+          <a:off x="0" y="0"/>
+          <a:ext cx="0" cy="0"/>
+          <a:chOff x="0" y="0"/>
+          <a:chExt cx="0" cy="0"/>
+        </a:xfrm>
+      </p:grpSpPr>
+      <p:sp>
+        <p:nvSpPr>
+          <p:cNvPr id="2" name="Title 1"/>
+          <p:cNvSpPr>
+            <a:spLocks noGrp="1"/>
+          </p:cNvSpPr>
+          <p:nvPr>
+            <p:ph type="title"/>
+          </p:nvPr>
+        </p:nvSpPr>
+        <p:spPr>
+          <a:xfrm>
+            <a:off x="382588" y="880485"/>
+            <a:ext cx="8229600" cy="614499"/>
+          </a:xfrm>
+        </p:spPr>
+        <p:txBody>
+          <a:bodyPr/>
+          <a:lstStyle/>
+          <a:p>
+            <a:pPr algn="ctr"/>
+            <a:r>
+              <a:rPr lang="tr-TR" sz="2800" b="1" dirty="0">
+                <a:solidFill>
+                  <a:schemeClr val="tx1"/>
+                </a:solidFill>
+              </a:rPr>
+              <a:t>TOPOLOGY SELECTION</a:t>
+            </a:r>
+            <a:endParaRPr lang="tr-TR" b="1" dirty="0">
+              <a:solidFill>
+                <a:schemeClr val="tx1"/>
+              </a:solidFill>
+            </a:endParaRPr>
+          </a:p>
+        </p:txBody>
+      </p:sp>
+      <p:sp>
+        <p:nvSpPr>
+          <p:cNvPr id="3" name="Text Placeholder 2"/>
+          <p:cNvSpPr>
+            <a:spLocks noGrp="1"/>
+          </p:cNvSpPr>
+          <p:nvPr>
+            <p:ph type="body" idx="1"/>
+          </p:nvPr>
+        </p:nvSpPr>
+        <p:spPr/>
+        <p:txBody>
+          <a:bodyPr/>
+          <a:lstStyle/>
+          <a:p>
+            <a:r>
+              <a:rPr lang="tr-TR" sz="2400" b="1" dirty="0"/>
+              <a:t>FLYBACK CONVERTER</a:t>
+            </a:r>
+          </a:p>
+        </p:txBody>
+      </p:sp>
+      <p:sp>
+        <p:nvSpPr>
+          <p:cNvPr id="5" name="Content Placeholder 4"/>
+          <p:cNvSpPr>
+            <a:spLocks noGrp="1"/>
+          </p:cNvSpPr>
+          <p:nvPr>
+            <p:ph sz="quarter" idx="2"/>
+          </p:nvPr>
+        </p:nvSpPr>
+        <p:spPr>
+          <a:xfrm>
+            <a:off x="457200" y="2407764"/>
+            <a:ext cx="4040188" cy="3845720"/>
+          </a:xfrm>
+        </p:spPr>
+        <p:txBody>
+          <a:bodyPr/>
+          <a:lstStyle/>
+          <a:p>
+            <a:pPr marL="0" indent="0" algn="ctr" rtl="0">
+              <a:lnSpc>
+                <a:spcPct val="110000"/>
+              </a:lnSpc>
+              <a:buNone/>
+            </a:pPr>
+            <a:endParaRPr lang="tr-TR" sz="2000" b="1" dirty="0"/>
+          </a:p>
+          <a:p>
+            <a:pPr marL="342900" indent="-342900" rtl="0">
+              <a:lnSpc>
+                <a:spcPct val="110000"/>
+              </a:lnSpc>
+              <a:buFont typeface="Arial" panose="020B0604020202020204" pitchFamily="34" charset="0"/>
+              <a:buChar char="•"/>
+            </a:pPr>
+            <a:r>
+              <a:rPr lang="tr-TR" sz="2000" dirty="0" err="1"/>
+              <a:t>Better</a:t>
+            </a:r>
+            <a:r>
+              <a:rPr lang="tr-TR" sz="2000" dirty="0"/>
+              <a:t> </a:t>
+            </a:r>
+            <a:r>
+              <a:rPr lang="tr-TR" sz="2000" dirty="0" err="1"/>
+              <a:t>utilization</a:t>
+            </a:r>
+            <a:r>
+              <a:rPr lang="tr-TR" sz="2000" dirty="0"/>
+              <a:t> of </a:t>
+            </a:r>
+            <a:r>
+              <a:rPr lang="tr-TR" sz="2000" dirty="0" err="1"/>
+              <a:t>transformer</a:t>
+            </a:r>
+            <a:endParaRPr lang="tr-TR" sz="2000" dirty="0"/>
+          </a:p>
+          <a:p>
+            <a:pPr marL="342900" indent="-342900" rtl="0">
+              <a:lnSpc>
+                <a:spcPct val="110000"/>
+              </a:lnSpc>
+              <a:buFont typeface="Arial" panose="020B0604020202020204" pitchFamily="34" charset="0"/>
+              <a:buChar char="•"/>
+            </a:pPr>
+            <a:endParaRPr lang="tr-TR" sz="2000" dirty="0"/>
+          </a:p>
+          <a:p>
+            <a:pPr marL="342900" indent="-342900" rtl="0">
+              <a:lnSpc>
+                <a:spcPct val="110000"/>
+              </a:lnSpc>
+              <a:buFont typeface="Arial" panose="020B0604020202020204" pitchFamily="34" charset="0"/>
+              <a:buChar char="•"/>
+            </a:pPr>
+            <a:r>
+              <a:rPr lang="tr-TR" sz="2000" dirty="0" err="1"/>
+              <a:t>Easier</a:t>
+            </a:r>
+            <a:r>
+              <a:rPr lang="tr-TR" sz="2000" dirty="0"/>
+              <a:t> </a:t>
+            </a:r>
+            <a:r>
+              <a:rPr lang="tr-TR" sz="2000" dirty="0" err="1"/>
+              <a:t>to</a:t>
+            </a:r>
+            <a:r>
+              <a:rPr lang="tr-TR" sz="2000" dirty="0"/>
+              <a:t> </a:t>
+            </a:r>
+            <a:r>
+              <a:rPr lang="tr-TR" sz="2000" dirty="0" err="1"/>
+              <a:t>control</a:t>
+            </a:r>
+            <a:endParaRPr lang="tr-TR" sz="2000" dirty="0"/>
+          </a:p>
+          <a:p>
+            <a:pPr marL="342900" indent="-342900" rtl="0">
+              <a:lnSpc>
+                <a:spcPct val="110000"/>
+              </a:lnSpc>
+              <a:buFont typeface="Arial" panose="020B0604020202020204" pitchFamily="34" charset="0"/>
+              <a:buChar char="•"/>
+            </a:pPr>
+            <a:endParaRPr lang="tr-TR" sz="2000" dirty="0"/>
+          </a:p>
+          <a:p>
+            <a:pPr marL="342900" indent="-342900" rtl="0">
+              <a:lnSpc>
+                <a:spcPct val="110000"/>
+              </a:lnSpc>
+              <a:buFont typeface="Arial" panose="020B0604020202020204" pitchFamily="34" charset="0"/>
+              <a:buChar char="•"/>
+            </a:pPr>
+            <a:r>
+              <a:rPr lang="tr-TR" sz="2000" dirty="0"/>
+              <a:t>DCM </a:t>
+            </a:r>
+            <a:r>
+              <a:rPr lang="tr-TR" sz="2000" dirty="0" err="1"/>
+              <a:t>operation</a:t>
+            </a:r>
+            <a:endParaRPr lang="tr-TR" sz="1600" dirty="0"/>
+          </a:p>
+          <a:p>
+            <a:endParaRPr lang="tr-TR" dirty="0"/>
+          </a:p>
+        </p:txBody>
+      </p:sp>
+      <p:sp>
+        <p:nvSpPr>
+          <p:cNvPr id="7" name="Slide Number Placeholder 6"/>
+          <p:cNvSpPr>
+            <a:spLocks noGrp="1"/>
+          </p:cNvSpPr>
+          <p:nvPr>
+            <p:ph type="sldNum" sz="quarter" idx="12"/>
+          </p:nvPr>
+        </p:nvSpPr>
+        <p:spPr/>
+        <p:txBody>
+          <a:bodyPr/>
+          <a:lstStyle/>
+          <a:p>
+            <a:pPr>
+              <a:defRPr/>
+            </a:pPr>
+            <a:fld id="{B5012164-718A-4733-A653-425A1A482A4D}" type="slidenum">
+              <a:rPr lang="en-US" smtClean="0"/>
+              <a:pPr>
+                <a:defRPr/>
+              </a:pPr>
+              <a:t>10</a:t>
+            </a:fld>
+            <a:endParaRPr lang="en-US"/>
+          </a:p>
+        </p:txBody>
+      </p:sp>
+      <p:sp>
+        <p:nvSpPr>
+          <p:cNvPr id="8" name="Date Placeholder 7"/>
+          <p:cNvSpPr>
+            <a:spLocks noGrp="1"/>
+          </p:cNvSpPr>
+          <p:nvPr>
+            <p:ph type="dt" sz="half" idx="13"/>
+          </p:nvPr>
+        </p:nvSpPr>
+        <p:spPr/>
+        <p:txBody>
+          <a:bodyPr/>
+          <a:lstStyle/>
+          <a:p>
+            <a:pPr>
+              <a:defRPr/>
+            </a:pPr>
+            <a:r>
+              <a:rPr lang="tr-TR"/>
+              <a:t>METU Electrical &amp; Electronics Engineering Department</a:t>
+            </a:r>
+            <a:endParaRPr lang="en-US" dirty="0"/>
+          </a:p>
+        </p:txBody>
+      </p:sp>
+      <p:pic>
+        <p:nvPicPr>
+          <p:cNvPr id="9" name="İçerik Yer Tutucusu 8">
+            <a:extLst>
+              <a:ext uri="{FF2B5EF4-FFF2-40B4-BE49-F238E27FC236}">
+                <a16:creationId xmlns:a16="http://schemas.microsoft.com/office/drawing/2014/main" id="{C492CAD1-57B0-492F-8870-8040436626F8}"/>
+              </a:ext>
+            </a:extLst>
+          </p:cNvPr>
+          <p:cNvPicPr>
+            <a:picLocks noGrp="1"/>
+          </p:cNvPicPr>
+          <p:nvPr>
+            <p:ph sz="quarter" idx="4"/>
+          </p:nvPr>
+        </p:nvPicPr>
+        <p:blipFill>
+          <a:blip r:embed="rId2"/>
+          <a:stretch>
+            <a:fillRect/>
+          </a:stretch>
+        </p:blipFill>
+        <p:spPr>
+          <a:xfrm>
+            <a:off x="4192801" y="1797490"/>
+            <a:ext cx="4951199" cy="2909524"/>
+          </a:xfrm>
+          <a:prstGeom prst="rect">
+            <a:avLst/>
+          </a:prstGeom>
+        </p:spPr>
+      </p:pic>
+      <p:pic>
+        <p:nvPicPr>
+          <p:cNvPr id="6" name="Resim 5">
+            <a:extLst>
+              <a:ext uri="{FF2B5EF4-FFF2-40B4-BE49-F238E27FC236}">
+                <a16:creationId xmlns:a16="http://schemas.microsoft.com/office/drawing/2014/main" id="{E00114EC-7089-4A71-B36B-C49A52A2812E}"/>
+              </a:ext>
+            </a:extLst>
+          </p:cNvPr>
+          <p:cNvPicPr>
+            <a:picLocks noChangeAspect="1"/>
+          </p:cNvPicPr>
+          <p:nvPr/>
+        </p:nvPicPr>
+        <p:blipFill>
+          <a:blip r:embed="rId3"/>
+          <a:stretch>
+            <a:fillRect/>
+          </a:stretch>
+        </p:blipFill>
+        <p:spPr>
+          <a:xfrm>
+            <a:off x="5632556" y="5060510"/>
+            <a:ext cx="2071688" cy="758118"/>
+          </a:xfrm>
+          <a:prstGeom prst="rect">
+            <a:avLst/>
+          </a:prstGeom>
+        </p:spPr>
+      </p:pic>
+    </p:spTree>
+    <p:extLst>
+      <p:ext uri="{BB962C8B-B14F-4D97-AF65-F5344CB8AC3E}">
+        <p14:creationId xmlns:p14="http://schemas.microsoft.com/office/powerpoint/2010/main" val="1656379542"/>
+      </p:ext>
+    </p:extLst>
+  </p:cSld>
+  <p:clrMapOvr>
+    <a:masterClrMapping/>
+  </p:clrMapOvr>
+</p:sld>
+</file>
+
+<file path=ppt/slides/slide11.xml><?xml version="1.0" encoding="utf-8"?>
+<p:sld xmlns:a="http://schemas.openxmlformats.org/drawingml/2006/main" xmlns:r="http://schemas.openxmlformats.org/officeDocument/2006/relationships" xmlns:p="http://schemas.openxmlformats.org/presentationml/2006/main">
+  <p:cSld>
+    <p:spTree>
+      <p:nvGrpSpPr>
+        <p:cNvPr id="1" name=""/>
+        <p:cNvGrpSpPr/>
+        <p:nvPr/>
+      </p:nvGrpSpPr>
+      <p:grpSpPr>
+        <a:xfrm>
+          <a:off x="0" y="0"/>
+          <a:ext cx="0" cy="0"/>
+          <a:chOff x="0" y="0"/>
+          <a:chExt cx="0" cy="0"/>
+        </a:xfrm>
+      </p:grpSpPr>
+      <p:sp>
+        <p:nvSpPr>
+          <p:cNvPr id="2" name="Başlık 1">
+            <a:extLst>
+              <a:ext uri="{FF2B5EF4-FFF2-40B4-BE49-F238E27FC236}">
+                <a16:creationId xmlns:a16="http://schemas.microsoft.com/office/drawing/2014/main" id="{FAB02899-E44A-47D4-973B-0A9F252CCC3E}"/>
+              </a:ext>
+            </a:extLst>
+          </p:cNvPr>
+          <p:cNvSpPr>
+            <a:spLocks noGrp="1"/>
+          </p:cNvSpPr>
+          <p:nvPr>
+            <p:ph type="title"/>
+          </p:nvPr>
+        </p:nvSpPr>
+        <p:spPr>
+          <a:xfrm>
+            <a:off x="457200" y="864822"/>
+            <a:ext cx="8229600" cy="654843"/>
+          </a:xfrm>
+        </p:spPr>
+        <p:txBody>
+          <a:bodyPr/>
+          <a:lstStyle/>
+          <a:p>
+            <a:pPr algn="ctr"/>
+            <a:r>
+              <a:rPr lang="tr-TR" b="1" dirty="0"/>
+              <a:t>Operating </a:t>
+            </a:r>
+            <a:r>
+              <a:rPr lang="tr-TR" b="1" dirty="0" err="1"/>
+              <a:t>Values</a:t>
+            </a:r>
+            <a:endParaRPr lang="en-US" b="1" dirty="0"/>
+          </a:p>
+        </p:txBody>
+      </p:sp>
+      <mc:AlternateContent xmlns:mc="http://schemas.openxmlformats.org/markup-compatibility/2006">
+        <mc:Choice xmlns:a14="http://schemas.microsoft.com/office/drawing/2010/main" Requires="a14">
+          <p:sp>
+            <p:nvSpPr>
+              <p:cNvPr id="5" name="İçerik Yer Tutucusu 4">
+                <a:extLst>
+                  <a:ext uri="{FF2B5EF4-FFF2-40B4-BE49-F238E27FC236}">
+                    <a16:creationId xmlns:a16="http://schemas.microsoft.com/office/drawing/2014/main" id="{F20CC543-FD13-4B90-BED3-02F5FE62003F}"/>
+                  </a:ext>
+                </a:extLst>
+              </p:cNvPr>
+              <p:cNvSpPr>
+                <a:spLocks noGrp="1"/>
+              </p:cNvSpPr>
+              <p:nvPr>
+                <p:ph sz="quarter" idx="2"/>
+              </p:nvPr>
+            </p:nvSpPr>
+            <p:spPr>
+              <a:xfrm>
+                <a:off x="5103812" y="1759163"/>
+                <a:ext cx="4040188" cy="4500563"/>
+              </a:xfrm>
+            </p:spPr>
+            <p:txBody>
+              <a:bodyPr/>
+              <a:lstStyle/>
+              <a:p>
+                <a:pPr marL="342900" indent="-342900">
+                  <a:buFont typeface="Wingdings" panose="05000000000000000000" pitchFamily="2" charset="2"/>
+                  <a:buChar char="Ø"/>
+                </a:pPr>
+                <a:endParaRPr lang="tr-TR" dirty="0"/>
+              </a:p>
+              <a:p>
+                <a:pPr marL="342900" indent="-342900">
+                  <a:buFont typeface="Wingdings" panose="05000000000000000000" pitchFamily="2" charset="2"/>
+                  <a:buChar char="Ø"/>
+                </a:pPr>
+                <a14:m>
+                  <m:oMath xmlns:m="http://schemas.openxmlformats.org/officeDocument/2006/math">
+                    <m:sSub>
+                      <m:sSubPr>
+                        <m:ctrlPr>
+                          <a:rPr lang="tr-TR" i="1" smtClean="0">
+                            <a:latin typeface="Cambria Math" panose="02040503050406030204" pitchFamily="18" charset="0"/>
+                          </a:rPr>
+                        </m:ctrlPr>
+                      </m:sSubPr>
+                      <m:e>
+                        <m:r>
+                          <a:rPr lang="tr-TR" b="0" i="1" smtClean="0">
+                            <a:latin typeface="Cambria Math" panose="02040503050406030204" pitchFamily="18" charset="0"/>
+                          </a:rPr>
+                          <m:t>𝐷</m:t>
+                        </m:r>
+                      </m:e>
+                      <m:sub>
+                        <m:r>
+                          <a:rPr lang="tr-TR" b="0" i="1" smtClean="0">
+                            <a:latin typeface="Cambria Math" panose="02040503050406030204" pitchFamily="18" charset="0"/>
+                          </a:rPr>
+                          <m:t>𝑚𝑎𝑥</m:t>
+                        </m:r>
+                      </m:sub>
+                    </m:sSub>
+                    <m:r>
+                      <a:rPr lang="tr-TR" b="0" i="1" smtClean="0">
+                        <a:latin typeface="Cambria Math" panose="02040503050406030204" pitchFamily="18" charset="0"/>
+                      </a:rPr>
+                      <m:t>=0.2</m:t>
+                    </m:r>
+                  </m:oMath>
+                </a14:m>
+                <a:endParaRPr lang="tr-TR" dirty="0"/>
+              </a:p>
+              <a:p>
+                <a:pPr marL="342900" indent="-342900">
+                  <a:buFont typeface="Wingdings" panose="05000000000000000000" pitchFamily="2" charset="2"/>
+                  <a:buChar char="Ø"/>
+                </a:pPr>
+                <a:endParaRPr lang="tr-TR" dirty="0"/>
+              </a:p>
+              <a:p>
+                <a:pPr marL="342900" indent="-342900">
+                  <a:buFont typeface="Wingdings" panose="05000000000000000000" pitchFamily="2" charset="2"/>
+                  <a:buChar char="Ø"/>
+                </a:pPr>
+                <a14:m>
+                  <m:oMath xmlns:m="http://schemas.openxmlformats.org/officeDocument/2006/math">
+                    <m:sSub>
+                      <m:sSubPr>
+                        <m:ctrlPr>
+                          <a:rPr lang="en-US" i="1" smtClean="0">
+                            <a:latin typeface="Cambria Math" panose="02040503050406030204" pitchFamily="18" charset="0"/>
+                          </a:rPr>
+                        </m:ctrlPr>
+                      </m:sSubPr>
+                      <m:e>
+                        <m:r>
+                          <a:rPr lang="tr-TR" b="0" i="1" smtClean="0">
+                            <a:latin typeface="Cambria Math" panose="02040503050406030204" pitchFamily="18" charset="0"/>
+                          </a:rPr>
+                          <m:t>𝐷</m:t>
+                        </m:r>
+                      </m:e>
+                      <m:sub>
+                        <m:r>
+                          <a:rPr lang="tr-TR" b="0" i="1" smtClean="0">
+                            <a:latin typeface="Cambria Math" panose="02040503050406030204" pitchFamily="18" charset="0"/>
+                          </a:rPr>
+                          <m:t>𝑑𝑤𝑒𝑒𝑙</m:t>
+                        </m:r>
+                      </m:sub>
+                    </m:sSub>
+                    <m:r>
+                      <a:rPr lang="tr-TR" b="0" i="1" smtClean="0">
+                        <a:latin typeface="Cambria Math" panose="02040503050406030204" pitchFamily="18" charset="0"/>
+                      </a:rPr>
+                      <m:t>=0.1</m:t>
+                    </m:r>
+                  </m:oMath>
+                </a14:m>
+                <a:endParaRPr lang="tr-TR" dirty="0"/>
+              </a:p>
+              <a:p>
+                <a:pPr marL="342900" indent="-342900">
+                  <a:buFont typeface="Wingdings" panose="05000000000000000000" pitchFamily="2" charset="2"/>
+                  <a:buChar char="Ø"/>
+                </a:pPr>
+                <a:endParaRPr lang="tr-TR" dirty="0"/>
+              </a:p>
+              <a:p>
+                <a:pPr marL="342900" indent="-342900">
+                  <a:buFont typeface="Wingdings" panose="05000000000000000000" pitchFamily="2" charset="2"/>
+                  <a:buChar char="Ø"/>
+                </a:pPr>
+                <a14:m>
+                  <m:oMath xmlns:m="http://schemas.openxmlformats.org/officeDocument/2006/math">
+                    <m:sSub>
+                      <m:sSubPr>
+                        <m:ctrlPr>
+                          <a:rPr lang="en-US" i="1" smtClean="0">
+                            <a:latin typeface="Cambria Math" panose="02040503050406030204" pitchFamily="18" charset="0"/>
+                          </a:rPr>
+                        </m:ctrlPr>
+                      </m:sSubPr>
+                      <m:e>
+                        <m:r>
+                          <a:rPr lang="tr-TR" b="0" i="1" smtClean="0">
+                            <a:latin typeface="Cambria Math" panose="02040503050406030204" pitchFamily="18" charset="0"/>
+                          </a:rPr>
+                          <m:t>𝑓</m:t>
+                        </m:r>
+                      </m:e>
+                      <m:sub>
+                        <m:r>
+                          <a:rPr lang="tr-TR" b="0" i="1" smtClean="0">
+                            <a:latin typeface="Cambria Math" panose="02040503050406030204" pitchFamily="18" charset="0"/>
+                          </a:rPr>
+                          <m:t>𝑠</m:t>
+                        </m:r>
+                      </m:sub>
+                    </m:sSub>
+                    <m:r>
+                      <a:rPr lang="tr-TR" b="0" i="1" smtClean="0">
+                        <a:latin typeface="Cambria Math" panose="02040503050406030204" pitchFamily="18" charset="0"/>
+                      </a:rPr>
+                      <m:t> </m:t>
+                    </m:r>
+                    <m:r>
+                      <a:rPr lang="tr-TR" b="0" i="1" smtClean="0">
+                        <a:latin typeface="Cambria Math" panose="02040503050406030204" pitchFamily="18" charset="0"/>
+                        <a:ea typeface="Cambria Math" panose="02040503050406030204" pitchFamily="18" charset="0"/>
+                      </a:rPr>
+                      <m:t>≅100 </m:t>
+                    </m:r>
+                    <m:r>
+                      <a:rPr lang="tr-TR" b="0" i="1" smtClean="0">
+                        <a:latin typeface="Cambria Math" panose="02040503050406030204" pitchFamily="18" charset="0"/>
+                        <a:ea typeface="Cambria Math" panose="02040503050406030204" pitchFamily="18" charset="0"/>
+                      </a:rPr>
+                      <m:t>𝑘𝐻𝑧</m:t>
+                    </m:r>
+                  </m:oMath>
+                </a14:m>
+                <a:endParaRPr lang="tr-TR" b="0" dirty="0">
+                  <a:ea typeface="Cambria Math" panose="02040503050406030204" pitchFamily="18" charset="0"/>
+                </a:endParaRPr>
+              </a:p>
+              <a:p>
+                <a:pPr marL="342900" indent="-342900">
+                  <a:buFont typeface="Wingdings" panose="05000000000000000000" pitchFamily="2" charset="2"/>
+                  <a:buChar char="Ø"/>
+                </a:pPr>
+                <a:endParaRPr lang="tr-TR" dirty="0">
+                  <a:ea typeface="Cambria Math" panose="02040503050406030204" pitchFamily="18" charset="0"/>
+                </a:endParaRPr>
+              </a:p>
+              <a:p>
+                <a:pPr marL="342900" indent="-342900">
+                  <a:buFont typeface="Wingdings" panose="05000000000000000000" pitchFamily="2" charset="2"/>
+                  <a:buChar char="Ø"/>
+                </a:pPr>
+                <a:r>
+                  <a:rPr lang="tr-TR" b="0" dirty="0">
+                    <a:ea typeface="Cambria Math" panose="02040503050406030204" pitchFamily="18" charset="0"/>
+                  </a:rPr>
+                  <a:t>AWG #26 (skin </a:t>
+                </a:r>
+                <a:r>
+                  <a:rPr lang="tr-TR" b="0" dirty="0" err="1">
+                    <a:ea typeface="Cambria Math" panose="02040503050406030204" pitchFamily="18" charset="0"/>
+                  </a:rPr>
+                  <a:t>effect</a:t>
+                </a:r>
+                <a:r>
+                  <a:rPr lang="tr-TR" b="0" dirty="0">
+                    <a:ea typeface="Cambria Math" panose="02040503050406030204" pitchFamily="18" charset="0"/>
+                  </a:rPr>
+                  <a:t>)</a:t>
+                </a:r>
+              </a:p>
+              <a:p>
+                <a:endParaRPr lang="tr-TR" dirty="0"/>
+              </a:p>
+            </p:txBody>
+          </p:sp>
+        </mc:Choice>
+        <mc:Fallback>
+          <p:sp>
+            <p:nvSpPr>
+              <p:cNvPr id="5" name="İçerik Yer Tutucusu 4">
+                <a:extLst>
+                  <a:ext uri="{FF2B5EF4-FFF2-40B4-BE49-F238E27FC236}">
+                    <a16:creationId xmlns:a16="http://schemas.microsoft.com/office/drawing/2014/main" id="{F20CC543-FD13-4B90-BED3-02F5FE62003F}"/>
+                  </a:ext>
+                </a:extLst>
+              </p:cNvPr>
+              <p:cNvSpPr>
+                <a:spLocks noGrp="1" noRot="1" noChangeAspect="1" noMove="1" noResize="1" noEditPoints="1" noAdjustHandles="1" noChangeArrowheads="1" noChangeShapeType="1" noTextEdit="1"/>
+              </p:cNvSpPr>
+              <p:nvPr>
+                <p:ph sz="quarter" idx="2"/>
+              </p:nvPr>
+            </p:nvSpPr>
+            <p:spPr>
+              <a:xfrm>
+                <a:off x="5103812" y="1759163"/>
+                <a:ext cx="4040188" cy="4500563"/>
+              </a:xfrm>
+              <a:blipFill>
+                <a:blip r:embed="rId2"/>
+                <a:stretch>
+                  <a:fillRect l="-1508"/>
+                </a:stretch>
+              </a:blipFill>
+            </p:spPr>
+            <p:txBody>
+              <a:bodyPr/>
+              <a:lstStyle/>
+              <a:p>
+                <a:r>
+                  <a:rPr lang="en-US">
+                    <a:noFill/>
+                  </a:rPr>
+                  <a:t> </a:t>
+                </a:r>
+              </a:p>
+            </p:txBody>
+          </p:sp>
+        </mc:Fallback>
+      </mc:AlternateContent>
+      <p:sp>
+        <p:nvSpPr>
+          <p:cNvPr id="6" name="İçerik Yer Tutucusu 5">
+            <a:extLst>
+              <a:ext uri="{FF2B5EF4-FFF2-40B4-BE49-F238E27FC236}">
+                <a16:creationId xmlns:a16="http://schemas.microsoft.com/office/drawing/2014/main" id="{70DA43D4-B187-4F1B-A53E-735E181DDC71}"/>
+              </a:ext>
+            </a:extLst>
+          </p:cNvPr>
+          <p:cNvSpPr>
+            <a:spLocks noGrp="1"/>
+          </p:cNvSpPr>
+          <p:nvPr>
+            <p:ph sz="quarter" idx="4"/>
+          </p:nvPr>
+        </p:nvSpPr>
+        <p:spPr>
+          <a:xfrm>
+            <a:off x="530225" y="2086585"/>
+            <a:ext cx="4041775" cy="3845720"/>
+          </a:xfrm>
+        </p:spPr>
+        <p:txBody>
+          <a:bodyPr/>
+          <a:lstStyle/>
+          <a:p>
+            <a:r>
+              <a:rPr lang="tr-TR" b="1" dirty="0"/>
+              <a:t>DCM </a:t>
+            </a:r>
+            <a:r>
+              <a:rPr lang="tr-TR" b="1" dirty="0" err="1"/>
+              <a:t>operation</a:t>
+            </a:r>
+            <a:r>
+              <a:rPr lang="tr-TR" b="1" dirty="0"/>
+              <a:t>:</a:t>
+            </a:r>
+          </a:p>
+          <a:p>
+            <a:pPr marL="342900" indent="-342900">
+              <a:buFont typeface="Wingdings" panose="05000000000000000000" pitchFamily="2" charset="2"/>
+              <a:buChar char="ü"/>
+            </a:pPr>
+            <a:endParaRPr lang="tr-TR" dirty="0"/>
+          </a:p>
+          <a:p>
+            <a:pPr marL="342900" indent="-342900">
+              <a:buFont typeface="Wingdings" panose="05000000000000000000" pitchFamily="2" charset="2"/>
+              <a:buChar char="ü"/>
+            </a:pPr>
+            <a:r>
+              <a:rPr lang="tr-TR" dirty="0" err="1"/>
+              <a:t>Limits</a:t>
+            </a:r>
+            <a:r>
+              <a:rPr lang="tr-TR" dirty="0"/>
+              <a:t> </a:t>
+            </a:r>
+            <a:r>
+              <a:rPr lang="tr-TR" dirty="0" err="1"/>
+              <a:t>flux</a:t>
+            </a:r>
+            <a:r>
+              <a:rPr lang="tr-TR" dirty="0"/>
+              <a:t> </a:t>
+            </a:r>
+            <a:r>
+              <a:rPr lang="tr-TR" dirty="0" err="1"/>
+              <a:t>density</a:t>
+            </a:r>
+            <a:endParaRPr lang="tr-TR" dirty="0"/>
+          </a:p>
+          <a:p>
+            <a:pPr marL="982663" lvl="1" indent="-342900">
+              <a:buFont typeface="Wingdings" panose="05000000000000000000" pitchFamily="2" charset="2"/>
+              <a:buChar char="ü"/>
+            </a:pPr>
+            <a:r>
+              <a:rPr lang="tr-TR" dirty="0" err="1"/>
+              <a:t>Smaller</a:t>
+            </a:r>
+            <a:r>
+              <a:rPr lang="tr-TR" dirty="0"/>
+              <a:t> </a:t>
+            </a:r>
+            <a:r>
+              <a:rPr lang="tr-TR" dirty="0" err="1"/>
+              <a:t>core</a:t>
+            </a:r>
+            <a:endParaRPr lang="tr-TR" dirty="0"/>
+          </a:p>
+          <a:p>
+            <a:pPr marL="342900" indent="-342900">
+              <a:buFont typeface="Wingdings" panose="05000000000000000000" pitchFamily="2" charset="2"/>
+              <a:buChar char="ü"/>
+            </a:pPr>
+            <a:endParaRPr lang="tr-TR" dirty="0"/>
+          </a:p>
+          <a:p>
+            <a:pPr marL="342900" indent="-342900">
+              <a:buFont typeface="Wingdings" panose="05000000000000000000" pitchFamily="2" charset="2"/>
+              <a:buChar char="ü"/>
+            </a:pPr>
+            <a:r>
+              <a:rPr lang="tr-TR" dirty="0" err="1"/>
+              <a:t>Reduce</a:t>
+            </a:r>
+            <a:r>
+              <a:rPr lang="tr-TR" dirty="0"/>
+              <a:t> </a:t>
+            </a:r>
+            <a:r>
+              <a:rPr lang="tr-TR" dirty="0" err="1"/>
+              <a:t>switching</a:t>
+            </a:r>
+            <a:r>
+              <a:rPr lang="tr-TR" dirty="0"/>
+              <a:t> </a:t>
+            </a:r>
+            <a:r>
+              <a:rPr lang="tr-TR" dirty="0" err="1"/>
+              <a:t>losses</a:t>
+            </a:r>
+            <a:endParaRPr lang="tr-TR" dirty="0"/>
+          </a:p>
+          <a:p>
+            <a:pPr marL="342900" indent="-342900">
+              <a:buFont typeface="Wingdings" panose="05000000000000000000" pitchFamily="2" charset="2"/>
+              <a:buChar char="ü"/>
+            </a:pPr>
+            <a:endParaRPr lang="tr-TR" dirty="0"/>
+          </a:p>
+          <a:p>
+            <a:pPr marL="342900" indent="-342900">
+              <a:buFont typeface="Wingdings" panose="05000000000000000000" pitchFamily="2" charset="2"/>
+              <a:buChar char="ü"/>
+            </a:pPr>
+            <a:r>
+              <a:rPr lang="tr-TR" dirty="0" err="1"/>
+              <a:t>Smooth</a:t>
+            </a:r>
+            <a:r>
+              <a:rPr lang="tr-TR" dirty="0"/>
+              <a:t> start</a:t>
+            </a:r>
+          </a:p>
+        </p:txBody>
+      </p:sp>
+      <p:sp>
+        <p:nvSpPr>
+          <p:cNvPr id="7" name="Slayt Numarası Yer Tutucusu 6">
+            <a:extLst>
+              <a:ext uri="{FF2B5EF4-FFF2-40B4-BE49-F238E27FC236}">
+                <a16:creationId xmlns:a16="http://schemas.microsoft.com/office/drawing/2014/main" id="{868AB0CD-F6CB-48CB-A8B7-5D70D258C5D4}"/>
+              </a:ext>
+            </a:extLst>
+          </p:cNvPr>
+          <p:cNvSpPr>
+            <a:spLocks noGrp="1"/>
+          </p:cNvSpPr>
+          <p:nvPr>
+            <p:ph type="sldNum" sz="quarter" idx="12"/>
+          </p:nvPr>
+        </p:nvSpPr>
+        <p:spPr/>
+        <p:txBody>
+          <a:bodyPr/>
+          <a:lstStyle/>
+          <a:p>
+            <a:pPr>
+              <a:defRPr/>
+            </a:pPr>
+            <a:fld id="{B5012164-718A-4733-A653-425A1A482A4D}" type="slidenum">
+              <a:rPr lang="en-US" smtClean="0"/>
+              <a:pPr>
+                <a:defRPr/>
+              </a:pPr>
+              <a:t>11</a:t>
+            </a:fld>
+            <a:endParaRPr lang="en-US"/>
+          </a:p>
+        </p:txBody>
+      </p:sp>
+      <p:sp>
+        <p:nvSpPr>
+          <p:cNvPr id="8" name="Veri Yer Tutucusu 7">
+            <a:extLst>
+              <a:ext uri="{FF2B5EF4-FFF2-40B4-BE49-F238E27FC236}">
+                <a16:creationId xmlns:a16="http://schemas.microsoft.com/office/drawing/2014/main" id="{028B9517-6BCE-415B-A19E-5C8E6B2E52BA}"/>
+              </a:ext>
+            </a:extLst>
+          </p:cNvPr>
+          <p:cNvSpPr>
+            <a:spLocks noGrp="1"/>
+          </p:cNvSpPr>
+          <p:nvPr>
+            <p:ph type="dt" sz="half" idx="13"/>
+          </p:nvPr>
+        </p:nvSpPr>
+        <p:spPr/>
+        <p:txBody>
+          <a:bodyPr/>
+          <a:lstStyle/>
+          <a:p>
+            <a:pPr>
+              <a:defRPr/>
+            </a:pPr>
+            <a:r>
+              <a:rPr lang="tr-TR"/>
+              <a:t>METU Electrical &amp; Electronics Engineering Department</a:t>
+            </a:r>
+            <a:endParaRPr lang="en-US" dirty="0"/>
+          </a:p>
+        </p:txBody>
+      </p:sp>
+    </p:spTree>
+    <p:extLst>
+      <p:ext uri="{BB962C8B-B14F-4D97-AF65-F5344CB8AC3E}">
+        <p14:creationId xmlns:p14="http://schemas.microsoft.com/office/powerpoint/2010/main" val="1149302942"/>
+      </p:ext>
+    </p:extLst>
+  </p:cSld>
+  <p:clrMapOvr>
+    <a:masterClrMapping/>
+  </p:clrMapOvr>
+</p:sld>
+</file>
+
+<file path=ppt/slides/slide12.xml><?xml version="1.0" encoding="utf-8"?>
+<p:sld xmlns:a="http://schemas.openxmlformats.org/drawingml/2006/main" xmlns:r="http://schemas.openxmlformats.org/officeDocument/2006/relationships" xmlns:p="http://schemas.openxmlformats.org/presentationml/2006/main">
+  <p:cSld>
+    <p:spTree>
+      <p:nvGrpSpPr>
+        <p:cNvPr id="1" name=""/>
+        <p:cNvGrpSpPr/>
+        <p:nvPr/>
+      </p:nvGrpSpPr>
+      <p:grpSpPr>
+        <a:xfrm>
+          <a:off x="0" y="0"/>
+          <a:ext cx="0" cy="0"/>
+          <a:chOff x="0" y="0"/>
+          <a:chExt cx="0" cy="0"/>
+        </a:xfrm>
+      </p:grpSpPr>
+      <p:sp>
+        <p:nvSpPr>
+          <p:cNvPr id="2" name="Başlık 1">
+            <a:extLst>
+              <a:ext uri="{FF2B5EF4-FFF2-40B4-BE49-F238E27FC236}">
+                <a16:creationId xmlns:a16="http://schemas.microsoft.com/office/drawing/2014/main" id="{141CBD12-66A3-4DF8-925A-7B880CD78904}"/>
+              </a:ext>
+            </a:extLst>
+          </p:cNvPr>
+          <p:cNvSpPr>
+            <a:spLocks noGrp="1"/>
+          </p:cNvSpPr>
+          <p:nvPr>
+            <p:ph type="title"/>
+          </p:nvPr>
+        </p:nvSpPr>
+        <p:spPr>
+          <a:xfrm>
+            <a:off x="457199" y="364125"/>
+            <a:ext cx="8229600" cy="654843"/>
+          </a:xfrm>
+        </p:spPr>
+        <p:txBody>
+          <a:bodyPr/>
+          <a:lstStyle/>
+          <a:p>
+            <a:pPr algn="ctr"/>
+            <a:r>
+              <a:rPr lang="tr-TR" b="1" dirty="0" err="1"/>
+              <a:t>Magnetic</a:t>
+            </a:r>
+            <a:r>
+              <a:rPr lang="tr-TR" b="1" dirty="0"/>
+              <a:t> Design </a:t>
+            </a:r>
+            <a:endParaRPr lang="en-US" b="1" dirty="0"/>
+          </a:p>
+        </p:txBody>
+      </p:sp>
+      <mc:AlternateContent xmlns:mc="http://schemas.openxmlformats.org/markup-compatibility/2006">
+        <mc:Choice xmlns:a14="http://schemas.microsoft.com/office/drawing/2010/main" Requires="a14">
+          <p:sp>
+            <p:nvSpPr>
+              <p:cNvPr id="3" name="Metin Yer Tutucusu 2">
+                <a:extLst>
+                  <a:ext uri="{FF2B5EF4-FFF2-40B4-BE49-F238E27FC236}">
+                    <a16:creationId xmlns:a16="http://schemas.microsoft.com/office/drawing/2014/main" id="{73E21B94-B74B-4447-A8C2-24F40BCEEA0B}"/>
+                  </a:ext>
+                </a:extLst>
+              </p:cNvPr>
+              <p:cNvSpPr>
+                <a:spLocks noGrp="1"/>
+              </p:cNvSpPr>
+              <p:nvPr>
+                <p:ph type="body" idx="1"/>
+              </p:nvPr>
+            </p:nvSpPr>
+            <p:spPr>
+              <a:xfrm>
+                <a:off x="457199" y="1191973"/>
+                <a:ext cx="8229600" cy="659352"/>
+              </a:xfrm>
+            </p:spPr>
+            <p:txBody>
+              <a:bodyPr/>
+              <a:lstStyle/>
+              <a:p>
+                <a14:m>
+                  <m:oMath xmlns:m="http://schemas.openxmlformats.org/officeDocument/2006/math">
+                    <m:sSub>
+                      <m:sSubPr>
+                        <m:ctrlPr>
+                          <a:rPr lang="en-US" i="1" smtClean="0">
+                            <a:latin typeface="Cambria Math" panose="02040503050406030204" pitchFamily="18" charset="0"/>
+                          </a:rPr>
+                        </m:ctrlPr>
+                      </m:sSubPr>
+                      <m:e>
+                        <m:r>
+                          <a:rPr lang="tr-TR" b="1" i="1" smtClean="0">
+                            <a:latin typeface="Cambria Math" panose="02040503050406030204" pitchFamily="18" charset="0"/>
+                          </a:rPr>
+                          <m:t>𝑲</m:t>
+                        </m:r>
+                      </m:e>
+                      <m:sub>
+                        <m:r>
+                          <a:rPr lang="tr-TR" b="1" i="1" smtClean="0">
+                            <a:latin typeface="Cambria Math" panose="02040503050406030204" pitchFamily="18" charset="0"/>
+                          </a:rPr>
+                          <m:t>𝒈</m:t>
+                        </m:r>
+                      </m:sub>
+                    </m:sSub>
+                  </m:oMath>
+                </a14:m>
+                <a:r>
+                  <a:rPr lang="tr-TR" dirty="0"/>
+                  <a:t> Method</a:t>
+                </a:r>
+                <a:endParaRPr lang="en-US" dirty="0"/>
+              </a:p>
+            </p:txBody>
+          </p:sp>
+        </mc:Choice>
+        <mc:Fallback>
+          <p:sp>
+            <p:nvSpPr>
+              <p:cNvPr id="3" name="Metin Yer Tutucusu 2">
+                <a:extLst>
+                  <a:ext uri="{FF2B5EF4-FFF2-40B4-BE49-F238E27FC236}">
+                    <a16:creationId xmlns:a16="http://schemas.microsoft.com/office/drawing/2014/main" id="{73E21B94-B74B-4447-A8C2-24F40BCEEA0B}"/>
+                  </a:ext>
+                </a:extLst>
+              </p:cNvPr>
+              <p:cNvSpPr>
+                <a:spLocks noGrp="1" noRot="1" noChangeAspect="1" noMove="1" noResize="1" noEditPoints="1" noAdjustHandles="1" noChangeArrowheads="1" noChangeShapeType="1" noTextEdit="1"/>
+              </p:cNvSpPr>
+              <p:nvPr>
+                <p:ph type="body" idx="1"/>
+              </p:nvPr>
+            </p:nvSpPr>
+            <p:spPr>
+              <a:xfrm>
+                <a:off x="457199" y="1191973"/>
+                <a:ext cx="8229600" cy="659352"/>
+              </a:xfrm>
+              <a:blipFill>
+                <a:blip r:embed="rId2"/>
+                <a:stretch>
+                  <a:fillRect l="-741" b="-1852"/>
+                </a:stretch>
+              </a:blipFill>
+            </p:spPr>
+            <p:txBody>
+              <a:bodyPr/>
+              <a:lstStyle/>
+              <a:p>
+                <a:r>
+                  <a:rPr lang="en-US">
+                    <a:noFill/>
+                  </a:rPr>
+                  <a:t> </a:t>
+                </a:r>
+              </a:p>
+            </p:txBody>
+          </p:sp>
+        </mc:Fallback>
+      </mc:AlternateContent>
+      <mc:AlternateContent xmlns:mc="http://schemas.openxmlformats.org/markup-compatibility/2006">
+        <mc:Choice xmlns:a14="http://schemas.microsoft.com/office/drawing/2010/main" Requires="a14">
+          <p:sp>
+            <p:nvSpPr>
+              <p:cNvPr id="5" name="İçerik Yer Tutucusu 4">
+                <a:extLst>
+                  <a:ext uri="{FF2B5EF4-FFF2-40B4-BE49-F238E27FC236}">
+                    <a16:creationId xmlns:a16="http://schemas.microsoft.com/office/drawing/2014/main" id="{8D8A96EC-85DF-4D29-855C-0EE1054CA763}"/>
+                  </a:ext>
+                </a:extLst>
+              </p:cNvPr>
+              <p:cNvSpPr>
+                <a:spLocks noGrp="1"/>
+              </p:cNvSpPr>
+              <p:nvPr>
+                <p:ph sz="quarter" idx="2"/>
+              </p:nvPr>
+            </p:nvSpPr>
+            <p:spPr>
+              <a:xfrm>
+                <a:off x="457200" y="1836092"/>
+                <a:ext cx="4040188" cy="4657783"/>
+              </a:xfrm>
+            </p:spPr>
+            <p:txBody>
+              <a:bodyPr/>
+              <a:lstStyle/>
+              <a:p>
+                <a:pPr marL="342900" indent="-342900">
+                  <a:buFont typeface="Wingdings" panose="05000000000000000000" pitchFamily="2" charset="2"/>
+                  <a:buChar char="Ø"/>
+                </a:pPr>
+                <a14:m>
+                  <m:oMath xmlns:m="http://schemas.openxmlformats.org/officeDocument/2006/math">
+                    <m:sSub>
+                      <m:sSubPr>
+                        <m:ctrlPr>
+                          <a:rPr lang="en-US" sz="2000" i="1" smtClean="0">
+                            <a:latin typeface="Cambria Math" panose="02040503050406030204" pitchFamily="18" charset="0"/>
+                          </a:rPr>
+                        </m:ctrlPr>
+                      </m:sSubPr>
+                      <m:e>
+                        <m:r>
+                          <a:rPr lang="tr-TR" sz="2000" b="0" i="1" smtClean="0">
+                            <a:latin typeface="Cambria Math" panose="02040503050406030204" pitchFamily="18" charset="0"/>
+                          </a:rPr>
+                          <m:t>𝐿</m:t>
+                        </m:r>
+                      </m:e>
+                      <m:sub>
+                        <m:r>
+                          <a:rPr lang="tr-TR" sz="2000" b="0" i="1" smtClean="0">
+                            <a:latin typeface="Cambria Math" panose="02040503050406030204" pitchFamily="18" charset="0"/>
+                          </a:rPr>
+                          <m:t>𝑝𝑟𝑖</m:t>
+                        </m:r>
+                      </m:sub>
+                    </m:sSub>
+                  </m:oMath>
+                </a14:m>
+                <a:r>
+                  <a:rPr lang="tr-TR" sz="2000" dirty="0"/>
+                  <a:t> (80µH)</a:t>
+                </a:r>
+              </a:p>
+              <a:p>
+                <a:pPr marL="342900" indent="-342900">
+                  <a:buFont typeface="Wingdings" panose="05000000000000000000" pitchFamily="2" charset="2"/>
+                  <a:buChar char="Ø"/>
+                </a:pPr>
+                <a:endParaRPr lang="tr-TR" sz="2000" dirty="0"/>
+              </a:p>
+              <a:p>
+                <a:pPr marL="342900" indent="-342900">
+                  <a:buFont typeface="Wingdings" panose="05000000000000000000" pitchFamily="2" charset="2"/>
+                  <a:buChar char="Ø"/>
+                </a:pPr>
+                <a:r>
+                  <a:rPr lang="tr-TR" sz="2000" dirty="0" err="1"/>
+                  <a:t>Energy</a:t>
+                </a:r>
+                <a:r>
+                  <a:rPr lang="tr-TR" sz="2000" dirty="0"/>
+                  <a:t> </a:t>
+                </a:r>
+                <a:r>
+                  <a:rPr lang="tr-TR" sz="2000" dirty="0" err="1"/>
+                  <a:t>handling</a:t>
+                </a:r>
+                <a:r>
+                  <a:rPr lang="tr-TR" sz="2000" dirty="0"/>
+                  <a:t> </a:t>
+                </a:r>
+                <a:r>
+                  <a:rPr lang="tr-TR" sz="2000" dirty="0" err="1"/>
+                  <a:t>capability</a:t>
+                </a:r>
+                <a:r>
+                  <a:rPr lang="tr-TR" sz="2000" dirty="0"/>
+                  <a:t> (1.2 </a:t>
+                </a:r>
+                <a:r>
+                  <a:rPr lang="tr-TR" sz="2000" dirty="0" err="1"/>
+                  <a:t>mJ</a:t>
+                </a:r>
+                <a:r>
+                  <a:rPr lang="tr-TR" sz="2000" dirty="0"/>
+                  <a:t>)</a:t>
+                </a:r>
+              </a:p>
+              <a:p>
+                <a:pPr marL="342900" indent="-342900">
+                  <a:buFont typeface="Wingdings" panose="05000000000000000000" pitchFamily="2" charset="2"/>
+                  <a:buChar char="Ø"/>
+                </a:pPr>
+                <a:endParaRPr lang="tr-TR" sz="2000" dirty="0"/>
+              </a:p>
+              <a:p>
+                <a:pPr marL="342900" indent="-342900">
+                  <a:buFont typeface="Wingdings" panose="05000000000000000000" pitchFamily="2" charset="2"/>
+                  <a:buChar char="Ø"/>
+                </a:pPr>
+                <a14:m>
+                  <m:oMath xmlns:m="http://schemas.openxmlformats.org/officeDocument/2006/math">
+                    <m:sSub>
+                      <m:sSubPr>
+                        <m:ctrlPr>
+                          <a:rPr lang="en-US" sz="2000" i="1" smtClean="0">
+                            <a:latin typeface="Cambria Math" panose="02040503050406030204" pitchFamily="18" charset="0"/>
+                          </a:rPr>
+                        </m:ctrlPr>
+                      </m:sSubPr>
+                      <m:e>
+                        <m:r>
+                          <a:rPr lang="tr-TR" sz="2000" b="0" i="1" smtClean="0">
+                            <a:latin typeface="Cambria Math" panose="02040503050406030204" pitchFamily="18" charset="0"/>
+                          </a:rPr>
+                          <m:t>𝐾</m:t>
+                        </m:r>
+                      </m:e>
+                      <m:sub>
+                        <m:r>
+                          <a:rPr lang="tr-TR" sz="2000" b="0" i="1" smtClean="0">
+                            <a:latin typeface="Cambria Math" panose="02040503050406030204" pitchFamily="18" charset="0"/>
+                          </a:rPr>
+                          <m:t>𝑔</m:t>
+                        </m:r>
+                      </m:sub>
+                    </m:sSub>
+                  </m:oMath>
+                </a14:m>
+                <a:r>
+                  <a:rPr lang="tr-TR" sz="2000" dirty="0"/>
+                  <a:t>, </a:t>
+                </a:r>
+                <a:r>
+                  <a:rPr lang="tr-TR" sz="2000" dirty="0" err="1"/>
+                  <a:t>core</a:t>
+                </a:r>
+                <a:r>
+                  <a:rPr lang="tr-TR" sz="2000" dirty="0"/>
+                  <a:t> </a:t>
+                </a:r>
+                <a:r>
+                  <a:rPr lang="tr-TR" sz="2000" dirty="0" err="1"/>
+                  <a:t>geometry</a:t>
+                </a:r>
+                <a:r>
+                  <a:rPr lang="tr-TR" sz="2000" dirty="0"/>
+                  <a:t> (0.0148)</a:t>
+                </a:r>
+              </a:p>
+              <a:p>
+                <a:pPr marL="342900" indent="-342900">
+                  <a:buFont typeface="Wingdings" panose="05000000000000000000" pitchFamily="2" charset="2"/>
+                  <a:buChar char="Ø"/>
+                </a:pPr>
+                <a:endParaRPr lang="tr-TR" sz="2000" dirty="0"/>
+              </a:p>
+              <a:p>
+                <a:pPr marL="342900" indent="-342900">
+                  <a:buFont typeface="Wingdings" panose="05000000000000000000" pitchFamily="2" charset="2"/>
+                  <a:buChar char="Ø"/>
+                </a:pPr>
+                <a:r>
+                  <a:rPr lang="tr-TR" sz="2000" dirty="0"/>
+                  <a:t>Select </a:t>
+                </a:r>
+                <a:r>
+                  <a:rPr lang="tr-TR" sz="2000" dirty="0" err="1"/>
+                  <a:t>core</a:t>
+                </a:r>
+                <a:endParaRPr lang="tr-TR" sz="2000" dirty="0"/>
+              </a:p>
+              <a:p>
+                <a:pPr marL="342900" indent="-342900">
+                  <a:buFont typeface="Wingdings" panose="05000000000000000000" pitchFamily="2" charset="2"/>
+                  <a:buChar char="Ø"/>
+                </a:pPr>
+                <a:endParaRPr lang="tr-TR" sz="2000" dirty="0"/>
+              </a:p>
+              <a:p>
+                <a:pPr marL="342900" indent="-342900">
+                  <a:buFont typeface="Wingdings" panose="05000000000000000000" pitchFamily="2" charset="2"/>
+                  <a:buChar char="Ø"/>
+                </a:pPr>
+                <a:r>
+                  <a:rPr lang="tr-TR" sz="2000" dirty="0" err="1"/>
+                  <a:t>Current</a:t>
+                </a:r>
+                <a:r>
+                  <a:rPr lang="tr-TR" sz="2000" dirty="0"/>
+                  <a:t> </a:t>
+                </a:r>
+                <a:r>
+                  <a:rPr lang="tr-TR" sz="2000" dirty="0" err="1"/>
+                  <a:t>density</a:t>
+                </a:r>
+                <a:endParaRPr lang="tr-TR" sz="2000" dirty="0"/>
+              </a:p>
+              <a:p>
+                <a:pPr marL="342900" indent="-342900">
+                  <a:buFont typeface="Wingdings" panose="05000000000000000000" pitchFamily="2" charset="2"/>
+                  <a:buChar char="Ø"/>
+                </a:pPr>
+                <a:endParaRPr lang="tr-TR" sz="2000" dirty="0"/>
+              </a:p>
+              <a:p>
+                <a:pPr marL="342900" indent="-342900">
+                  <a:buFont typeface="Wingdings" panose="05000000000000000000" pitchFamily="2" charset="2"/>
+                  <a:buChar char="Ø"/>
+                </a:pPr>
+                <a:r>
+                  <a:rPr lang="tr-TR" sz="2000" dirty="0" err="1"/>
+                  <a:t>Window</a:t>
+                </a:r>
+                <a:r>
+                  <a:rPr lang="tr-TR" sz="2000" dirty="0"/>
+                  <a:t> </a:t>
+                </a:r>
+                <a:r>
+                  <a:rPr lang="tr-TR" sz="2000" dirty="0" err="1"/>
+                  <a:t>area</a:t>
+                </a:r>
+                <a:endParaRPr lang="tr-TR" sz="2000" dirty="0"/>
+              </a:p>
+            </p:txBody>
+          </p:sp>
+        </mc:Choice>
+        <mc:Fallback>
+          <p:sp>
+            <p:nvSpPr>
+              <p:cNvPr id="5" name="İçerik Yer Tutucusu 4">
+                <a:extLst>
+                  <a:ext uri="{FF2B5EF4-FFF2-40B4-BE49-F238E27FC236}">
+                    <a16:creationId xmlns:a16="http://schemas.microsoft.com/office/drawing/2014/main" id="{8D8A96EC-85DF-4D29-855C-0EE1054CA763}"/>
+                  </a:ext>
+                </a:extLst>
+              </p:cNvPr>
+              <p:cNvSpPr>
+                <a:spLocks noGrp="1" noRot="1" noChangeAspect="1" noMove="1" noResize="1" noEditPoints="1" noAdjustHandles="1" noChangeArrowheads="1" noChangeShapeType="1" noTextEdit="1"/>
+              </p:cNvSpPr>
+              <p:nvPr>
+                <p:ph sz="quarter" idx="2"/>
+              </p:nvPr>
+            </p:nvSpPr>
+            <p:spPr>
+              <a:xfrm>
+                <a:off x="457200" y="1836092"/>
+                <a:ext cx="4040188" cy="4657783"/>
+              </a:xfrm>
+              <a:blipFill>
+                <a:blip r:embed="rId3"/>
+                <a:stretch>
+                  <a:fillRect l="-1056" t="-1832"/>
+                </a:stretch>
+              </a:blipFill>
+            </p:spPr>
+            <p:txBody>
+              <a:bodyPr/>
+              <a:lstStyle/>
+              <a:p>
+                <a:r>
+                  <a:rPr lang="en-US">
+                    <a:noFill/>
+                  </a:rPr>
+                  <a:t> </a:t>
+                </a:r>
+              </a:p>
+            </p:txBody>
+          </p:sp>
+        </mc:Fallback>
+      </mc:AlternateContent>
+      <mc:AlternateContent xmlns:mc="http://schemas.openxmlformats.org/markup-compatibility/2006">
+        <mc:Choice xmlns:a14="http://schemas.microsoft.com/office/drawing/2010/main" Requires="a14">
+          <p:sp>
+            <p:nvSpPr>
+              <p:cNvPr id="6" name="İçerik Yer Tutucusu 5">
+                <a:extLst>
+                  <a:ext uri="{FF2B5EF4-FFF2-40B4-BE49-F238E27FC236}">
+                    <a16:creationId xmlns:a16="http://schemas.microsoft.com/office/drawing/2014/main" id="{E6DF04B7-7E6A-4DF9-B28E-C468C4063BF5}"/>
+                  </a:ext>
+                </a:extLst>
+              </p:cNvPr>
+              <p:cNvSpPr>
+                <a:spLocks noGrp="1"/>
+              </p:cNvSpPr>
+              <p:nvPr>
+                <p:ph sz="quarter" idx="4"/>
+              </p:nvPr>
+            </p:nvSpPr>
+            <p:spPr>
+              <a:xfrm>
+                <a:off x="4645025" y="2213167"/>
+                <a:ext cx="4041775" cy="4147153"/>
+              </a:xfrm>
+            </p:spPr>
+            <p:txBody>
+              <a:bodyPr/>
+              <a:lstStyle/>
+              <a:p>
+                <a:pPr marL="342900" indent="-342900">
+                  <a:buFont typeface="Wingdings" panose="05000000000000000000" pitchFamily="2" charset="2"/>
+                  <a:buChar char="Ø"/>
+                </a:pPr>
+                <a:r>
+                  <a:rPr lang="tr-TR" sz="2000" dirty="0"/>
+                  <a:t># of </a:t>
+                </a:r>
+                <a:r>
+                  <a:rPr lang="tr-TR" sz="2000" dirty="0" err="1"/>
+                  <a:t>strands</a:t>
+                </a:r>
+                <a:endParaRPr lang="tr-TR" sz="2000" dirty="0"/>
+              </a:p>
+              <a:p>
+                <a:pPr marL="342900" indent="-342900">
+                  <a:buFont typeface="Wingdings" panose="05000000000000000000" pitchFamily="2" charset="2"/>
+                  <a:buChar char="Ø"/>
+                </a:pPr>
+                <a:endParaRPr lang="tr-TR" sz="2000" dirty="0"/>
+              </a:p>
+              <a:p>
+                <a:pPr marL="342900" indent="-342900">
+                  <a:buFont typeface="Wingdings" panose="05000000000000000000" pitchFamily="2" charset="2"/>
+                  <a:buChar char="Ø"/>
+                </a:pPr>
+                <a:r>
+                  <a:rPr lang="tr-TR" sz="2000" dirty="0"/>
+                  <a:t># of </a:t>
+                </a:r>
+                <a:r>
+                  <a:rPr lang="tr-TR" sz="2000" dirty="0" err="1"/>
+                  <a:t>turns</a:t>
+                </a:r>
+                <a:endParaRPr lang="tr-TR" sz="2000" dirty="0"/>
+              </a:p>
+              <a:p>
+                <a:pPr marL="342900" indent="-342900">
+                  <a:buFont typeface="Wingdings" panose="05000000000000000000" pitchFamily="2" charset="2"/>
+                  <a:buChar char="Ø"/>
+                </a:pPr>
+                <a:endParaRPr lang="tr-TR" sz="2000" dirty="0"/>
+              </a:p>
+              <a:p>
+                <a:pPr marL="342900" indent="-342900">
+                  <a:buFont typeface="Wingdings" panose="05000000000000000000" pitchFamily="2" charset="2"/>
+                  <a:buChar char="Ø"/>
+                </a:pPr>
+                <a:r>
+                  <a:rPr lang="tr-TR" sz="2000" dirty="0" err="1"/>
+                  <a:t>Air</a:t>
+                </a:r>
+                <a:r>
+                  <a:rPr lang="tr-TR" sz="2000" dirty="0"/>
+                  <a:t> </a:t>
+                </a:r>
+                <a:r>
+                  <a:rPr lang="tr-TR" sz="2000" dirty="0" err="1"/>
+                  <a:t>gap</a:t>
+                </a:r>
+                <a:endParaRPr lang="tr-TR" sz="2000" dirty="0"/>
+              </a:p>
+              <a:p>
+                <a:pPr marL="342900" indent="-342900">
+                  <a:buFont typeface="Wingdings" panose="05000000000000000000" pitchFamily="2" charset="2"/>
+                  <a:buChar char="Ø"/>
+                </a:pPr>
+                <a:endParaRPr lang="tr-TR" sz="2000" dirty="0"/>
+              </a:p>
+              <a:p>
+                <a:pPr marL="342900" indent="-342900">
+                  <a:buFont typeface="Wingdings" panose="05000000000000000000" pitchFamily="2" charset="2"/>
+                  <a:buChar char="Ø"/>
+                </a:pPr>
+                <a:r>
+                  <a:rPr lang="tr-TR" sz="2000" dirty="0" err="1"/>
+                  <a:t>Fringing</a:t>
+                </a:r>
+                <a:r>
+                  <a:rPr lang="tr-TR" sz="2000" dirty="0"/>
+                  <a:t> </a:t>
+                </a:r>
+                <a:r>
+                  <a:rPr lang="tr-TR" sz="2000" dirty="0" err="1"/>
+                  <a:t>flux</a:t>
+                </a:r>
+                <a:endParaRPr lang="tr-TR" sz="2000" dirty="0"/>
+              </a:p>
+              <a:p>
+                <a:pPr marL="342900" indent="-342900">
+                  <a:buFont typeface="Wingdings" panose="05000000000000000000" pitchFamily="2" charset="2"/>
+                  <a:buChar char="Ø"/>
+                </a:pPr>
+                <a:endParaRPr lang="tr-TR" sz="2000" dirty="0"/>
+              </a:p>
+              <a:p>
+                <a:pPr marL="342900" indent="-342900">
+                  <a:buFont typeface="Wingdings" panose="05000000000000000000" pitchFamily="2" charset="2"/>
+                  <a:buChar char="Ø"/>
+                </a:pPr>
+                <a:r>
+                  <a:rPr lang="tr-TR" sz="2000" dirty="0"/>
+                  <a:t>New # of </a:t>
+                </a:r>
+                <a:r>
+                  <a:rPr lang="tr-TR" sz="2000" dirty="0" err="1"/>
+                  <a:t>turns</a:t>
+                </a:r>
+                <a:endParaRPr lang="tr-TR" sz="2000" dirty="0"/>
+              </a:p>
+              <a:p>
+                <a:pPr marL="342900" indent="-342900">
+                  <a:buFont typeface="Wingdings" panose="05000000000000000000" pitchFamily="2" charset="2"/>
+                  <a:buChar char="Ø"/>
+                </a:pPr>
+                <a:endParaRPr lang="tr-TR" sz="2000" dirty="0"/>
+              </a:p>
+              <a:p>
+                <a:pPr marL="342900" indent="-342900">
+                  <a:buFont typeface="Wingdings" panose="05000000000000000000" pitchFamily="2" charset="2"/>
+                  <a:buChar char="Ø"/>
+                </a:pPr>
+                <a14:m>
+                  <m:oMath xmlns:m="http://schemas.openxmlformats.org/officeDocument/2006/math">
+                    <m:sSub>
+                      <m:sSubPr>
+                        <m:ctrlPr>
+                          <a:rPr lang="en-US" sz="2000" i="1" smtClean="0">
+                            <a:latin typeface="Cambria Math" panose="02040503050406030204" pitchFamily="18" charset="0"/>
+                          </a:rPr>
+                        </m:ctrlPr>
+                      </m:sSubPr>
+                      <m:e>
+                        <m:r>
+                          <a:rPr lang="tr-TR" sz="2000" b="0" i="1" smtClean="0">
+                            <a:latin typeface="Cambria Math" panose="02040503050406030204" pitchFamily="18" charset="0"/>
+                          </a:rPr>
+                          <m:t>𝐵</m:t>
+                        </m:r>
+                      </m:e>
+                      <m:sub>
+                        <m:r>
+                          <a:rPr lang="tr-TR" sz="2000" b="0" i="1" smtClean="0">
+                            <a:latin typeface="Cambria Math" panose="02040503050406030204" pitchFamily="18" charset="0"/>
+                          </a:rPr>
+                          <m:t>𝑝𝑘</m:t>
+                        </m:r>
+                      </m:sub>
+                    </m:sSub>
+                  </m:oMath>
+                </a14:m>
+                <a:endParaRPr lang="tr-TR" sz="2000" dirty="0"/>
+              </a:p>
+            </p:txBody>
+          </p:sp>
+        </mc:Choice>
+        <mc:Fallback>
+          <p:sp>
+            <p:nvSpPr>
+              <p:cNvPr id="6" name="İçerik Yer Tutucusu 5">
+                <a:extLst>
+                  <a:ext uri="{FF2B5EF4-FFF2-40B4-BE49-F238E27FC236}">
+                    <a16:creationId xmlns:a16="http://schemas.microsoft.com/office/drawing/2014/main" id="{E6DF04B7-7E6A-4DF9-B28E-C468C4063BF5}"/>
+                  </a:ext>
+                </a:extLst>
+              </p:cNvPr>
+              <p:cNvSpPr>
+                <a:spLocks noGrp="1" noRot="1" noChangeAspect="1" noMove="1" noResize="1" noEditPoints="1" noAdjustHandles="1" noChangeArrowheads="1" noChangeShapeType="1" noTextEdit="1"/>
+              </p:cNvSpPr>
+              <p:nvPr>
+                <p:ph sz="quarter" idx="4"/>
+              </p:nvPr>
+            </p:nvSpPr>
+            <p:spPr>
+              <a:xfrm>
+                <a:off x="4645025" y="2213167"/>
+                <a:ext cx="4041775" cy="4147153"/>
+              </a:xfrm>
+              <a:blipFill>
+                <a:blip r:embed="rId4"/>
+                <a:stretch>
+                  <a:fillRect l="-1207" t="-1912"/>
+                </a:stretch>
+              </a:blipFill>
+            </p:spPr>
+            <p:txBody>
+              <a:bodyPr/>
+              <a:lstStyle/>
+              <a:p>
+                <a:r>
+                  <a:rPr lang="en-US">
+                    <a:noFill/>
+                  </a:rPr>
+                  <a:t> </a:t>
+                </a:r>
+              </a:p>
+            </p:txBody>
+          </p:sp>
+        </mc:Fallback>
+      </mc:AlternateContent>
+      <p:sp>
+        <p:nvSpPr>
+          <p:cNvPr id="7" name="Slayt Numarası Yer Tutucusu 6">
+            <a:extLst>
+              <a:ext uri="{FF2B5EF4-FFF2-40B4-BE49-F238E27FC236}">
+                <a16:creationId xmlns:a16="http://schemas.microsoft.com/office/drawing/2014/main" id="{6418C852-86B8-42DD-9EB5-1F4A3FB23BE8}"/>
+              </a:ext>
+            </a:extLst>
+          </p:cNvPr>
+          <p:cNvSpPr>
+            <a:spLocks noGrp="1"/>
+          </p:cNvSpPr>
+          <p:nvPr>
+            <p:ph type="sldNum" sz="quarter" idx="12"/>
+          </p:nvPr>
+        </p:nvSpPr>
+        <p:spPr/>
+        <p:txBody>
+          <a:bodyPr/>
+          <a:lstStyle/>
+          <a:p>
+            <a:pPr>
+              <a:defRPr/>
+            </a:pPr>
+            <a:fld id="{B5012164-718A-4733-A653-425A1A482A4D}" type="slidenum">
+              <a:rPr lang="en-US" smtClean="0"/>
+              <a:pPr>
+                <a:defRPr/>
+              </a:pPr>
+              <a:t>12</a:t>
+            </a:fld>
+            <a:endParaRPr lang="en-US"/>
+          </a:p>
+        </p:txBody>
+      </p:sp>
+      <p:sp>
+        <p:nvSpPr>
+          <p:cNvPr id="8" name="Veri Yer Tutucusu 7">
+            <a:extLst>
+              <a:ext uri="{FF2B5EF4-FFF2-40B4-BE49-F238E27FC236}">
+                <a16:creationId xmlns:a16="http://schemas.microsoft.com/office/drawing/2014/main" id="{A52956CA-2AD8-4276-9A2B-A75A768306D4}"/>
+              </a:ext>
+            </a:extLst>
+          </p:cNvPr>
+          <p:cNvSpPr>
+            <a:spLocks noGrp="1"/>
+          </p:cNvSpPr>
+          <p:nvPr>
+            <p:ph type="dt" sz="half" idx="13"/>
+          </p:nvPr>
+        </p:nvSpPr>
+        <p:spPr/>
+        <p:txBody>
+          <a:bodyPr/>
+          <a:lstStyle/>
+          <a:p>
+            <a:pPr>
+              <a:defRPr/>
+            </a:pPr>
+            <a:r>
+              <a:rPr lang="tr-TR"/>
+              <a:t>METU Electrical &amp; Electronics Engineering Department</a:t>
+            </a:r>
+            <a:endParaRPr lang="en-US" dirty="0"/>
+          </a:p>
+        </p:txBody>
+      </p:sp>
+    </p:spTree>
+    <p:extLst>
+      <p:ext uri="{BB962C8B-B14F-4D97-AF65-F5344CB8AC3E}">
+        <p14:creationId xmlns:p14="http://schemas.microsoft.com/office/powerpoint/2010/main" val="1701838701"/>
+      </p:ext>
+    </p:extLst>
+  </p:cSld>
+  <p:clrMapOvr>
+    <a:masterClrMapping/>
+  </p:clrMapOvr>
+</p:sld>
+</file>
+
+<file path=ppt/slides/slide13.xml><?xml version="1.0" encoding="utf-8"?>
+<p:sld xmlns:a="http://schemas.openxmlformats.org/drawingml/2006/main" xmlns:r="http://schemas.openxmlformats.org/officeDocument/2006/relationships" xmlns:p="http://schemas.openxmlformats.org/presentationml/2006/main">
+  <p:cSld>
+    <p:spTree>
+      <p:nvGrpSpPr>
+        <p:cNvPr id="1" name=""/>
+        <p:cNvGrpSpPr/>
+        <p:nvPr/>
+      </p:nvGrpSpPr>
+      <p:grpSpPr>
+        <a:xfrm>
+          <a:off x="0" y="0"/>
+          <a:ext cx="0" cy="0"/>
+          <a:chOff x="0" y="0"/>
+          <a:chExt cx="0" cy="0"/>
+        </a:xfrm>
+      </p:grpSpPr>
+      <p:sp>
+        <p:nvSpPr>
+          <p:cNvPr id="2" name="Başlık 1">
+            <a:extLst>
+              <a:ext uri="{FF2B5EF4-FFF2-40B4-BE49-F238E27FC236}">
+                <a16:creationId xmlns:a16="http://schemas.microsoft.com/office/drawing/2014/main" id="{141CBD12-66A3-4DF8-925A-7B880CD78904}"/>
+              </a:ext>
+            </a:extLst>
+          </p:cNvPr>
+          <p:cNvSpPr>
+            <a:spLocks noGrp="1"/>
+          </p:cNvSpPr>
+          <p:nvPr>
+            <p:ph type="title"/>
+          </p:nvPr>
+        </p:nvSpPr>
+        <p:spPr>
+          <a:xfrm>
+            <a:off x="457199" y="319502"/>
+            <a:ext cx="8229600" cy="654843"/>
+          </a:xfrm>
+        </p:spPr>
+        <p:txBody>
+          <a:bodyPr/>
+          <a:lstStyle/>
+          <a:p>
+            <a:pPr algn="ctr"/>
+            <a:r>
+              <a:rPr lang="tr-TR" b="1" dirty="0" err="1"/>
+              <a:t>Magnetic</a:t>
+            </a:r>
+            <a:r>
+              <a:rPr lang="tr-TR" b="1" dirty="0"/>
+              <a:t> Design </a:t>
+            </a:r>
+            <a:endParaRPr lang="en-US" b="1" dirty="0"/>
+          </a:p>
+        </p:txBody>
+      </p:sp>
+      <mc:AlternateContent xmlns:mc="http://schemas.openxmlformats.org/markup-compatibility/2006">
+        <mc:Choice xmlns:a14="http://schemas.microsoft.com/office/drawing/2010/main" Requires="a14">
+          <p:sp>
+            <p:nvSpPr>
+              <p:cNvPr id="3" name="Metin Yer Tutucusu 2">
+                <a:extLst>
+                  <a:ext uri="{FF2B5EF4-FFF2-40B4-BE49-F238E27FC236}">
+                    <a16:creationId xmlns:a16="http://schemas.microsoft.com/office/drawing/2014/main" id="{73E21B94-B74B-4447-A8C2-24F40BCEEA0B}"/>
+                  </a:ext>
+                </a:extLst>
+              </p:cNvPr>
+              <p:cNvSpPr>
+                <a:spLocks noGrp="1"/>
+              </p:cNvSpPr>
+              <p:nvPr>
+                <p:ph type="body" idx="1"/>
+              </p:nvPr>
+            </p:nvSpPr>
+            <p:spPr>
+              <a:xfrm>
+                <a:off x="457199" y="1126697"/>
+                <a:ext cx="8229600" cy="659352"/>
+              </a:xfrm>
+            </p:spPr>
+            <p:txBody>
+              <a:bodyPr/>
+              <a:lstStyle/>
+              <a:p>
+                <a14:m>
+                  <m:oMath xmlns:m="http://schemas.openxmlformats.org/officeDocument/2006/math">
+                    <m:sSub>
+                      <m:sSubPr>
+                        <m:ctrlPr>
+                          <a:rPr lang="en-US" i="1" smtClean="0">
+                            <a:latin typeface="Cambria Math" panose="02040503050406030204" pitchFamily="18" charset="0"/>
+                          </a:rPr>
+                        </m:ctrlPr>
+                      </m:sSubPr>
+                      <m:e>
+                        <m:r>
+                          <a:rPr lang="tr-TR" b="1" i="1" smtClean="0">
+                            <a:latin typeface="Cambria Math" panose="02040503050406030204" pitchFamily="18" charset="0"/>
+                          </a:rPr>
+                          <m:t>𝑲</m:t>
+                        </m:r>
+                      </m:e>
+                      <m:sub>
+                        <m:r>
+                          <a:rPr lang="tr-TR" b="1" i="1" smtClean="0">
+                            <a:latin typeface="Cambria Math" panose="02040503050406030204" pitchFamily="18" charset="0"/>
+                          </a:rPr>
+                          <m:t>𝒈</m:t>
+                        </m:r>
+                      </m:sub>
+                    </m:sSub>
+                  </m:oMath>
+                </a14:m>
+                <a:r>
+                  <a:rPr lang="tr-TR" dirty="0"/>
+                  <a:t> </a:t>
+                </a:r>
+                <a:r>
+                  <a:rPr lang="tr-TR" dirty="0" err="1"/>
+                  <a:t>Method</a:t>
+                </a:r>
+                <a:r>
+                  <a:rPr lang="tr-TR" dirty="0"/>
+                  <a:t> </a:t>
+                </a:r>
+                <a:r>
+                  <a:rPr lang="tr-TR" dirty="0" err="1"/>
+                  <a:t>cont</a:t>
+                </a:r>
+                <a:r>
+                  <a:rPr lang="tr-TR" dirty="0"/>
+                  <a:t>’</a:t>
+                </a:r>
+                <a:endParaRPr lang="en-US" dirty="0"/>
+              </a:p>
+            </p:txBody>
+          </p:sp>
+        </mc:Choice>
+        <mc:Fallback>
+          <p:sp>
+            <p:nvSpPr>
+              <p:cNvPr id="3" name="Metin Yer Tutucusu 2">
+                <a:extLst>
+                  <a:ext uri="{FF2B5EF4-FFF2-40B4-BE49-F238E27FC236}">
+                    <a16:creationId xmlns:a16="http://schemas.microsoft.com/office/drawing/2014/main" id="{73E21B94-B74B-4447-A8C2-24F40BCEEA0B}"/>
+                  </a:ext>
+                </a:extLst>
+              </p:cNvPr>
+              <p:cNvSpPr>
+                <a:spLocks noGrp="1" noRot="1" noChangeAspect="1" noMove="1" noResize="1" noEditPoints="1" noAdjustHandles="1" noChangeArrowheads="1" noChangeShapeType="1" noTextEdit="1"/>
+              </p:cNvSpPr>
+              <p:nvPr>
+                <p:ph type="body" idx="1"/>
+              </p:nvPr>
+            </p:nvSpPr>
+            <p:spPr>
+              <a:xfrm>
+                <a:off x="457199" y="1126697"/>
+                <a:ext cx="8229600" cy="659352"/>
+              </a:xfrm>
+              <a:blipFill>
+                <a:blip r:embed="rId2"/>
+                <a:stretch>
+                  <a:fillRect l="-741" b="-2778"/>
+                </a:stretch>
+              </a:blipFill>
+            </p:spPr>
+            <p:txBody>
+              <a:bodyPr/>
+              <a:lstStyle/>
+              <a:p>
+                <a:r>
+                  <a:rPr lang="en-US">
+                    <a:noFill/>
+                  </a:rPr>
+                  <a:t> </a:t>
+                </a:r>
+              </a:p>
+            </p:txBody>
+          </p:sp>
+        </mc:Fallback>
+      </mc:AlternateContent>
+      <mc:AlternateContent xmlns:mc="http://schemas.openxmlformats.org/markup-compatibility/2006">
+        <mc:Choice xmlns:a14="http://schemas.microsoft.com/office/drawing/2010/main" Requires="a14">
+          <p:sp>
+            <p:nvSpPr>
+              <p:cNvPr id="5" name="İçerik Yer Tutucusu 4">
+                <a:extLst>
+                  <a:ext uri="{FF2B5EF4-FFF2-40B4-BE49-F238E27FC236}">
+                    <a16:creationId xmlns:a16="http://schemas.microsoft.com/office/drawing/2014/main" id="{8D8A96EC-85DF-4D29-855C-0EE1054CA763}"/>
+                  </a:ext>
+                </a:extLst>
+              </p:cNvPr>
+              <p:cNvSpPr>
+                <a:spLocks noGrp="1"/>
+              </p:cNvSpPr>
+              <p:nvPr>
+                <p:ph sz="quarter" idx="2"/>
+              </p:nvPr>
+            </p:nvSpPr>
+            <p:spPr>
+              <a:xfrm>
+                <a:off x="457200" y="2424938"/>
+                <a:ext cx="4040188" cy="2976689"/>
+              </a:xfrm>
+            </p:spPr>
+            <p:txBody>
+              <a:bodyPr/>
+              <a:lstStyle/>
+              <a:p>
+                <a:pPr marL="342900" indent="-342900">
+                  <a:buFont typeface="Wingdings" panose="05000000000000000000" pitchFamily="2" charset="2"/>
+                  <a:buChar char="Ø"/>
+                </a:pPr>
+                <a:r>
+                  <a:rPr lang="tr-TR" sz="2000" dirty="0"/>
+                  <a:t>Winding </a:t>
+                </a:r>
+                <a:r>
+                  <a:rPr lang="tr-TR" sz="2000" dirty="0" err="1"/>
+                  <a:t>resistance</a:t>
+                </a:r>
+                <a:endParaRPr lang="tr-TR" sz="2000" dirty="0"/>
+              </a:p>
+              <a:p>
+                <a:pPr marL="342900" indent="-342900">
+                  <a:buFont typeface="Wingdings" panose="05000000000000000000" pitchFamily="2" charset="2"/>
+                  <a:buChar char="Ø"/>
+                </a:pPr>
+                <a:endParaRPr lang="tr-TR" sz="2000" dirty="0"/>
+              </a:p>
+              <a:p>
+                <a:pPr marL="342900" indent="-342900">
+                  <a:buFont typeface="Wingdings" panose="05000000000000000000" pitchFamily="2" charset="2"/>
+                  <a:buChar char="Ø"/>
+                </a:pPr>
+                <a:r>
+                  <a:rPr lang="tr-TR" sz="2000" dirty="0" err="1"/>
+                  <a:t>Copper</a:t>
+                </a:r>
+                <a:r>
+                  <a:rPr lang="tr-TR" sz="2000" dirty="0"/>
+                  <a:t> </a:t>
+                </a:r>
+                <a:r>
+                  <a:rPr lang="tr-TR" sz="2000" dirty="0" err="1"/>
+                  <a:t>loss</a:t>
+                </a:r>
+                <a:r>
+                  <a:rPr lang="tr-TR" sz="2000" dirty="0"/>
+                  <a:t> (0.0360 W)</a:t>
+                </a:r>
+              </a:p>
+              <a:p>
+                <a:pPr marL="342900" indent="-342900">
+                  <a:buFont typeface="Wingdings" panose="05000000000000000000" pitchFamily="2" charset="2"/>
+                  <a:buChar char="Ø"/>
+                </a:pPr>
+                <a:endParaRPr lang="tr-TR" sz="2000" dirty="0"/>
+              </a:p>
+              <a:p>
+                <a:pPr marL="342900" indent="-342900">
+                  <a:buFont typeface="Wingdings" panose="05000000000000000000" pitchFamily="2" charset="2"/>
+                  <a:buChar char="Ø"/>
+                </a:pPr>
+                <a14:m>
+                  <m:oMath xmlns:m="http://schemas.openxmlformats.org/officeDocument/2006/math">
+                    <m:sSub>
+                      <m:sSubPr>
+                        <m:ctrlPr>
+                          <a:rPr lang="tr-TR" sz="2000" i="1" smtClean="0">
+                            <a:latin typeface="Cambria Math" panose="02040503050406030204" pitchFamily="18" charset="0"/>
+                          </a:rPr>
+                        </m:ctrlPr>
+                      </m:sSubPr>
+                      <m:e>
+                        <m:r>
+                          <a:rPr lang="tr-TR" sz="2000" b="0" i="1" smtClean="0">
+                            <a:latin typeface="Cambria Math" panose="02040503050406030204" pitchFamily="18" charset="0"/>
+                          </a:rPr>
+                          <m:t>𝐾</m:t>
+                        </m:r>
+                      </m:e>
+                      <m:sub>
+                        <m:r>
+                          <a:rPr lang="tr-TR" sz="2000" b="0" i="1" smtClean="0">
+                            <a:latin typeface="Cambria Math" panose="02040503050406030204" pitchFamily="18" charset="0"/>
+                          </a:rPr>
+                          <m:t>𝑢</m:t>
+                        </m:r>
+                      </m:sub>
+                    </m:sSub>
+                  </m:oMath>
+                </a14:m>
+                <a:r>
+                  <a:rPr lang="tr-TR" sz="2000" dirty="0"/>
+                  <a:t>, </a:t>
+                </a:r>
+                <a:r>
+                  <a:rPr lang="tr-TR" sz="2000" dirty="0" err="1"/>
+                  <a:t>window</a:t>
+                </a:r>
+                <a:r>
+                  <a:rPr lang="tr-TR" sz="2000" dirty="0"/>
+                  <a:t> </a:t>
+                </a:r>
+                <a:r>
+                  <a:rPr lang="tr-TR" sz="2000" dirty="0" err="1"/>
+                  <a:t>utilization</a:t>
+                </a:r>
+                <a:endParaRPr lang="tr-TR" sz="2000" dirty="0"/>
+              </a:p>
+              <a:p>
+                <a:pPr marL="342900" indent="-342900">
+                  <a:buFont typeface="Wingdings" panose="05000000000000000000" pitchFamily="2" charset="2"/>
+                  <a:buChar char="Ø"/>
+                </a:pPr>
+                <a:endParaRPr lang="tr-TR" sz="2000" dirty="0"/>
+              </a:p>
+              <a:p>
+                <a:pPr marL="342900" indent="-342900">
+                  <a:buFont typeface="Wingdings" panose="05000000000000000000" pitchFamily="2" charset="2"/>
+                  <a:buChar char="Ø"/>
+                </a:pPr>
+                <a:r>
+                  <a:rPr lang="tr-TR" sz="2000" dirty="0" err="1"/>
+                  <a:t>Regulation</a:t>
+                </a:r>
+                <a:r>
+                  <a:rPr lang="tr-TR" sz="2000" dirty="0"/>
+                  <a:t> </a:t>
+                </a:r>
+              </a:p>
+              <a:p>
+                <a:pPr marL="342900" indent="-342900">
+                  <a:buFont typeface="Wingdings" panose="05000000000000000000" pitchFamily="2" charset="2"/>
+                  <a:buChar char="Ø"/>
+                </a:pPr>
+                <a:endParaRPr lang="tr-TR" sz="2000" dirty="0"/>
+              </a:p>
+            </p:txBody>
+          </p:sp>
+        </mc:Choice>
+        <mc:Fallback>
+          <p:sp>
+            <p:nvSpPr>
+              <p:cNvPr id="5" name="İçerik Yer Tutucusu 4">
+                <a:extLst>
+                  <a:ext uri="{FF2B5EF4-FFF2-40B4-BE49-F238E27FC236}">
+                    <a16:creationId xmlns:a16="http://schemas.microsoft.com/office/drawing/2014/main" id="{8D8A96EC-85DF-4D29-855C-0EE1054CA763}"/>
+                  </a:ext>
+                </a:extLst>
+              </p:cNvPr>
+              <p:cNvSpPr>
+                <a:spLocks noGrp="1" noRot="1" noChangeAspect="1" noMove="1" noResize="1" noEditPoints="1" noAdjustHandles="1" noChangeArrowheads="1" noChangeShapeType="1" noTextEdit="1"/>
+              </p:cNvSpPr>
+              <p:nvPr>
+                <p:ph sz="quarter" idx="2"/>
+              </p:nvPr>
+            </p:nvSpPr>
+            <p:spPr>
+              <a:xfrm>
+                <a:off x="457200" y="2424938"/>
+                <a:ext cx="4040188" cy="2976689"/>
+              </a:xfrm>
+              <a:blipFill>
+                <a:blip r:embed="rId3"/>
+                <a:stretch>
+                  <a:fillRect l="-1056" t="-2664"/>
+                </a:stretch>
+              </a:blipFill>
+            </p:spPr>
+            <p:txBody>
+              <a:bodyPr/>
+              <a:lstStyle/>
+              <a:p>
+                <a:r>
+                  <a:rPr lang="en-US">
+                    <a:noFill/>
+                  </a:rPr>
+                  <a:t> </a:t>
+                </a:r>
+              </a:p>
+            </p:txBody>
+          </p:sp>
+        </mc:Fallback>
+      </mc:AlternateContent>
+      <p:sp>
+        <p:nvSpPr>
+          <p:cNvPr id="6" name="İçerik Yer Tutucusu 5">
+            <a:extLst>
+              <a:ext uri="{FF2B5EF4-FFF2-40B4-BE49-F238E27FC236}">
+                <a16:creationId xmlns:a16="http://schemas.microsoft.com/office/drawing/2014/main" id="{E6DF04B7-7E6A-4DF9-B28E-C468C4063BF5}"/>
+              </a:ext>
+            </a:extLst>
+          </p:cNvPr>
+          <p:cNvSpPr>
+            <a:spLocks noGrp="1"/>
+          </p:cNvSpPr>
+          <p:nvPr>
+            <p:ph sz="quarter" idx="4"/>
+          </p:nvPr>
+        </p:nvSpPr>
+        <p:spPr>
+          <a:xfrm>
+            <a:off x="4646614" y="2660747"/>
+            <a:ext cx="4041775" cy="2529109"/>
+          </a:xfrm>
+        </p:spPr>
+        <p:txBody>
+          <a:bodyPr/>
+          <a:lstStyle/>
+          <a:p>
+            <a:pPr marL="342900" indent="-342900">
+              <a:buFont typeface="Wingdings" panose="05000000000000000000" pitchFamily="2" charset="2"/>
+              <a:buChar char="Ø"/>
+            </a:pPr>
+            <a:r>
+              <a:rPr lang="tr-TR" sz="2000" dirty="0" err="1"/>
+              <a:t>Flux</a:t>
+            </a:r>
+            <a:r>
+              <a:rPr lang="tr-TR" sz="2000" dirty="0"/>
+              <a:t> </a:t>
+            </a:r>
+            <a:r>
+              <a:rPr lang="tr-TR" sz="2000" dirty="0" err="1"/>
+              <a:t>density</a:t>
+            </a:r>
+            <a:endParaRPr lang="tr-TR" sz="2000" dirty="0"/>
+          </a:p>
+          <a:p>
+            <a:pPr marL="342900" indent="-342900">
+              <a:buFont typeface="Wingdings" panose="05000000000000000000" pitchFamily="2" charset="2"/>
+              <a:buChar char="Ø"/>
+            </a:pPr>
+            <a:endParaRPr lang="tr-TR" sz="2000" dirty="0"/>
+          </a:p>
+          <a:p>
+            <a:pPr marL="342900" indent="-342900">
+              <a:buFont typeface="Wingdings" panose="05000000000000000000" pitchFamily="2" charset="2"/>
+              <a:buChar char="Ø"/>
+            </a:pPr>
+            <a:r>
+              <a:rPr lang="tr-TR" sz="2000" dirty="0" err="1"/>
+              <a:t>Core</a:t>
+            </a:r>
+            <a:r>
+              <a:rPr lang="tr-TR" sz="2000" dirty="0"/>
+              <a:t> </a:t>
+            </a:r>
+            <a:r>
+              <a:rPr lang="tr-TR" sz="2000" dirty="0" err="1"/>
+              <a:t>loss</a:t>
+            </a:r>
+            <a:r>
+              <a:rPr lang="tr-TR" sz="2000" dirty="0"/>
+              <a:t> (5.38 W)</a:t>
+            </a:r>
+          </a:p>
+          <a:p>
+            <a:pPr marL="342900" indent="-342900">
+              <a:buFont typeface="Wingdings" panose="05000000000000000000" pitchFamily="2" charset="2"/>
+              <a:buChar char="Ø"/>
+            </a:pPr>
+            <a:endParaRPr lang="tr-TR" sz="2000" dirty="0"/>
+          </a:p>
+          <a:p>
+            <a:pPr marL="342900" indent="-342900">
+              <a:buFont typeface="Wingdings" panose="05000000000000000000" pitchFamily="2" charset="2"/>
+              <a:buChar char="Ø"/>
+            </a:pPr>
+            <a:r>
+              <a:rPr lang="tr-TR" sz="2000" dirty="0" err="1"/>
+              <a:t>Temperature</a:t>
+            </a:r>
+            <a:r>
+              <a:rPr lang="tr-TR" sz="2000" dirty="0"/>
+              <a:t> </a:t>
+            </a:r>
+            <a:r>
+              <a:rPr lang="tr-TR" sz="2000" dirty="0" err="1"/>
+              <a:t>rise</a:t>
+            </a:r>
+            <a:r>
+              <a:rPr lang="tr-TR" sz="2000" dirty="0"/>
+              <a:t> (61 ºC)</a:t>
+            </a:r>
+          </a:p>
+        </p:txBody>
+      </p:sp>
+      <p:sp>
+        <p:nvSpPr>
+          <p:cNvPr id="7" name="Slayt Numarası Yer Tutucusu 6">
+            <a:extLst>
+              <a:ext uri="{FF2B5EF4-FFF2-40B4-BE49-F238E27FC236}">
+                <a16:creationId xmlns:a16="http://schemas.microsoft.com/office/drawing/2014/main" id="{6418C852-86B8-42DD-9EB5-1F4A3FB23BE8}"/>
+              </a:ext>
+            </a:extLst>
+          </p:cNvPr>
+          <p:cNvSpPr>
+            <a:spLocks noGrp="1"/>
+          </p:cNvSpPr>
+          <p:nvPr>
+            <p:ph type="sldNum" sz="quarter" idx="12"/>
+          </p:nvPr>
+        </p:nvSpPr>
+        <p:spPr/>
+        <p:txBody>
+          <a:bodyPr/>
+          <a:lstStyle/>
+          <a:p>
+            <a:pPr>
+              <a:defRPr/>
+            </a:pPr>
+            <a:fld id="{B5012164-718A-4733-A653-425A1A482A4D}" type="slidenum">
+              <a:rPr lang="en-US" smtClean="0"/>
+              <a:pPr>
+                <a:defRPr/>
+              </a:pPr>
+              <a:t>13</a:t>
+            </a:fld>
+            <a:endParaRPr lang="en-US"/>
+          </a:p>
+        </p:txBody>
+      </p:sp>
+      <p:sp>
+        <p:nvSpPr>
+          <p:cNvPr id="8" name="Veri Yer Tutucusu 7">
+            <a:extLst>
+              <a:ext uri="{FF2B5EF4-FFF2-40B4-BE49-F238E27FC236}">
+                <a16:creationId xmlns:a16="http://schemas.microsoft.com/office/drawing/2014/main" id="{A52956CA-2AD8-4276-9A2B-A75A768306D4}"/>
+              </a:ext>
+            </a:extLst>
+          </p:cNvPr>
+          <p:cNvSpPr>
+            <a:spLocks noGrp="1"/>
+          </p:cNvSpPr>
+          <p:nvPr>
+            <p:ph type="dt" sz="half" idx="13"/>
+          </p:nvPr>
+        </p:nvSpPr>
+        <p:spPr/>
+        <p:txBody>
+          <a:bodyPr/>
+          <a:lstStyle/>
+          <a:p>
+            <a:pPr>
+              <a:defRPr/>
+            </a:pPr>
+            <a:r>
+              <a:rPr lang="tr-TR"/>
+              <a:t>METU Electrical &amp; Electronics Engineering Department</a:t>
+            </a:r>
+            <a:endParaRPr lang="en-US" dirty="0"/>
+          </a:p>
+        </p:txBody>
+      </p:sp>
+    </p:spTree>
+    <p:extLst>
+      <p:ext uri="{BB962C8B-B14F-4D97-AF65-F5344CB8AC3E}">
+        <p14:creationId xmlns:p14="http://schemas.microsoft.com/office/powerpoint/2010/main" val="3545250889"/>
+      </p:ext>
+    </p:extLst>
+  </p:cSld>
+  <p:clrMapOvr>
+    <a:masterClrMapping/>
+  </p:clrMapOvr>
+</p:sld>
+</file>
+
+<file path=ppt/slides/slide14.xml><?xml version="1.0" encoding="utf-8"?>
+<p:sld xmlns:a="http://schemas.openxmlformats.org/drawingml/2006/main" xmlns:r="http://schemas.openxmlformats.org/officeDocument/2006/relationships" xmlns:p="http://schemas.openxmlformats.org/presentationml/2006/main">
+  <p:cSld>
+    <p:spTree>
+      <p:nvGrpSpPr>
+        <p:cNvPr id="1" name=""/>
+        <p:cNvGrpSpPr/>
+        <p:nvPr/>
+      </p:nvGrpSpPr>
+      <p:grpSpPr>
+        <a:xfrm>
+          <a:off x="0" y="0"/>
+          <a:ext cx="0" cy="0"/>
+          <a:chOff x="0" y="0"/>
+          <a:chExt cx="0" cy="0"/>
+        </a:xfrm>
+      </p:grpSpPr>
+      <p:sp>
+        <p:nvSpPr>
+          <p:cNvPr id="5" name="İçerik Yer Tutucusu 4">
+            <a:extLst>
+              <a:ext uri="{FF2B5EF4-FFF2-40B4-BE49-F238E27FC236}">
+                <a16:creationId xmlns:a16="http://schemas.microsoft.com/office/drawing/2014/main" id="{E7B0A06D-D9C2-4925-BFDE-23CEE4B5AEB6}"/>
+              </a:ext>
+            </a:extLst>
+          </p:cNvPr>
+          <p:cNvSpPr>
+            <a:spLocks noGrp="1"/>
+          </p:cNvSpPr>
+          <p:nvPr>
+            <p:ph sz="quarter" idx="2"/>
+          </p:nvPr>
+        </p:nvSpPr>
+        <p:spPr>
+          <a:xfrm>
+            <a:off x="457200" y="5114924"/>
+            <a:ext cx="8115300" cy="1245395"/>
+          </a:xfrm>
+        </p:spPr>
+        <p:txBody>
+          <a:bodyPr/>
+          <a:lstStyle/>
+          <a:p>
+            <a:endParaRPr lang="en-US"/>
+          </a:p>
+        </p:txBody>
+      </p:sp>
+      <p:sp>
+        <p:nvSpPr>
+          <p:cNvPr id="7" name="Slayt Numarası Yer Tutucusu 6">
+            <a:extLst>
+              <a:ext uri="{FF2B5EF4-FFF2-40B4-BE49-F238E27FC236}">
+                <a16:creationId xmlns:a16="http://schemas.microsoft.com/office/drawing/2014/main" id="{83F8FECD-7B5E-4ED3-9091-B0F80880B941}"/>
+              </a:ext>
+            </a:extLst>
+          </p:cNvPr>
+          <p:cNvSpPr>
+            <a:spLocks noGrp="1"/>
+          </p:cNvSpPr>
+          <p:nvPr>
+            <p:ph type="sldNum" sz="quarter" idx="12"/>
+          </p:nvPr>
+        </p:nvSpPr>
+        <p:spPr/>
+        <p:txBody>
+          <a:bodyPr/>
+          <a:lstStyle/>
+          <a:p>
+            <a:pPr>
+              <a:defRPr/>
+            </a:pPr>
+            <a:fld id="{B5012164-718A-4733-A653-425A1A482A4D}" type="slidenum">
+              <a:rPr lang="en-US" smtClean="0"/>
+              <a:pPr>
+                <a:defRPr/>
+              </a:pPr>
+              <a:t>14</a:t>
+            </a:fld>
+            <a:endParaRPr lang="en-US"/>
+          </a:p>
+        </p:txBody>
+      </p:sp>
+      <p:sp>
+        <p:nvSpPr>
+          <p:cNvPr id="8" name="Veri Yer Tutucusu 7">
+            <a:extLst>
+              <a:ext uri="{FF2B5EF4-FFF2-40B4-BE49-F238E27FC236}">
+                <a16:creationId xmlns:a16="http://schemas.microsoft.com/office/drawing/2014/main" id="{C94F98CF-A4E9-4CFC-ADC8-D199693421B9}"/>
+              </a:ext>
+            </a:extLst>
+          </p:cNvPr>
+          <p:cNvSpPr>
+            <a:spLocks noGrp="1"/>
+          </p:cNvSpPr>
+          <p:nvPr>
+            <p:ph type="dt" sz="half" idx="13"/>
+          </p:nvPr>
+        </p:nvSpPr>
+        <p:spPr/>
+        <p:txBody>
+          <a:bodyPr/>
+          <a:lstStyle/>
+          <a:p>
+            <a:pPr>
+              <a:defRPr/>
+            </a:pPr>
+            <a:r>
+              <a:rPr lang="tr-TR"/>
+              <a:t>METU Electrical &amp; Electronics Engineering Department</a:t>
+            </a:r>
+            <a:endParaRPr lang="en-US" dirty="0"/>
+          </a:p>
+        </p:txBody>
+      </p:sp>
+      <p:pic>
+        <p:nvPicPr>
+          <p:cNvPr id="9" name="Resim 8">
+            <a:extLst>
+              <a:ext uri="{FF2B5EF4-FFF2-40B4-BE49-F238E27FC236}">
+                <a16:creationId xmlns:a16="http://schemas.microsoft.com/office/drawing/2014/main" id="{10706FCD-6A58-4541-9FD7-266DB9FD9772}"/>
+              </a:ext>
+            </a:extLst>
+          </p:cNvPr>
+          <p:cNvPicPr/>
+          <p:nvPr/>
+        </p:nvPicPr>
+        <p:blipFill>
+          <a:blip r:embed="rId2"/>
+          <a:stretch>
+            <a:fillRect/>
+          </a:stretch>
+        </p:blipFill>
+        <p:spPr>
+          <a:xfrm>
+            <a:off x="536245" y="1381125"/>
+            <a:ext cx="8150555" cy="3733799"/>
+          </a:xfrm>
+          <a:prstGeom prst="rect">
+            <a:avLst/>
+          </a:prstGeom>
+        </p:spPr>
+      </p:pic>
+    </p:spTree>
+    <p:extLst>
+      <p:ext uri="{BB962C8B-B14F-4D97-AF65-F5344CB8AC3E}">
+        <p14:creationId xmlns:p14="http://schemas.microsoft.com/office/powerpoint/2010/main" val="3078814751"/>
+      </p:ext>
+    </p:extLst>
+  </p:cSld>
+  <p:clrMapOvr>
+    <a:masterClrMapping/>
+  </p:clrMapOvr>
+</p:sld>
+</file>
+
+<file path=ppt/slides/slide15.xml><?xml version="1.0" encoding="utf-8"?>
+<p:sld xmlns:a="http://schemas.openxmlformats.org/drawingml/2006/main" xmlns:r="http://schemas.openxmlformats.org/officeDocument/2006/relationships" xmlns:p="http://schemas.openxmlformats.org/presentationml/2006/main">
+  <p:cSld>
+    <p:spTree>
+      <p:nvGrpSpPr>
+        <p:cNvPr id="1" name=""/>
+        <p:cNvGrpSpPr/>
+        <p:nvPr/>
+      </p:nvGrpSpPr>
+      <p:grpSpPr>
+        <a:xfrm>
+          <a:off x="0" y="0"/>
+          <a:ext cx="0" cy="0"/>
+          <a:chOff x="0" y="0"/>
+          <a:chExt cx="0" cy="0"/>
+        </a:xfrm>
+      </p:grpSpPr>
+      <mc:AlternateContent xmlns:mc="http://schemas.openxmlformats.org/markup-compatibility/2006">
+        <mc:Choice xmlns:a14="http://schemas.microsoft.com/office/drawing/2010/main" Requires="a14">
+          <p:graphicFrame>
+            <p:nvGraphicFramePr>
+              <p:cNvPr id="2" name="İçerik Yer Tutucusu 1">
+                <a:extLst>
+                  <a:ext uri="{FF2B5EF4-FFF2-40B4-BE49-F238E27FC236}">
+                    <a16:creationId xmlns:a16="http://schemas.microsoft.com/office/drawing/2014/main" id="{A17771BA-DA96-477E-AB60-383CB5060708}"/>
+                  </a:ext>
+                </a:extLst>
+              </p:cNvPr>
+              <p:cNvGraphicFramePr>
+                <a:graphicFrameLocks noGrp="1"/>
+              </p:cNvGraphicFramePr>
+              <p:nvPr>
+                <p:ph sz="quarter" idx="2"/>
+              </p:nvPr>
+            </p:nvGraphicFramePr>
+            <p:xfrm>
+              <a:off x="486489" y="2178271"/>
+              <a:ext cx="8171022" cy="1865092"/>
+            </p:xfrm>
+            <a:graphic>
+              <a:graphicData uri="http://schemas.openxmlformats.org/drawingml/2006/table">
+                <a:tbl>
+                  <a:tblPr firstRow="1" firstCol="1" bandRow="1">
+                    <a:tableStyleId>{5C22544A-7EE6-4342-B048-85BDC9FD1C3A}</a:tableStyleId>
+                  </a:tblPr>
+                  <a:tblGrid>
+                    <a:gridCol w="1481986">
+                      <a:extLst>
+                        <a:ext uri="{9D8B030D-6E8A-4147-A177-3AD203B41FA5}">
+                          <a16:colId xmlns:a16="http://schemas.microsoft.com/office/drawing/2014/main" val="3685404915"/>
+                        </a:ext>
+                      </a:extLst>
+                    </a:gridCol>
+                    <a:gridCol w="1610437">
+                      <a:extLst>
+                        <a:ext uri="{9D8B030D-6E8A-4147-A177-3AD203B41FA5}">
+                          <a16:colId xmlns:a16="http://schemas.microsoft.com/office/drawing/2014/main" val="3488946879"/>
+                        </a:ext>
+                      </a:extLst>
+                    </a:gridCol>
+                    <a:gridCol w="1734518">
+                      <a:extLst>
+                        <a:ext uri="{9D8B030D-6E8A-4147-A177-3AD203B41FA5}">
+                          <a16:colId xmlns:a16="http://schemas.microsoft.com/office/drawing/2014/main" val="3300560765"/>
+                        </a:ext>
+                      </a:extLst>
+                    </a:gridCol>
+                    <a:gridCol w="1609563">
+                      <a:extLst>
+                        <a:ext uri="{9D8B030D-6E8A-4147-A177-3AD203B41FA5}">
+                          <a16:colId xmlns:a16="http://schemas.microsoft.com/office/drawing/2014/main" val="3627724785"/>
+                        </a:ext>
+                      </a:extLst>
+                    </a:gridCol>
+                    <a:gridCol w="1734518">
+                      <a:extLst>
+                        <a:ext uri="{9D8B030D-6E8A-4147-A177-3AD203B41FA5}">
+                          <a16:colId xmlns:a16="http://schemas.microsoft.com/office/drawing/2014/main" val="4168850053"/>
+                        </a:ext>
+                      </a:extLst>
+                    </a:gridCol>
+                  </a:tblGrid>
+                  <a:tr h="1040503">
+                    <a:tc>
+                      <a:txBody>
+                        <a:bodyPr/>
+                        <a:lstStyle/>
+                        <a:p>
+                          <a:pPr algn="just">
+                            <a:lnSpc>
+                              <a:spcPct val="107000"/>
+                            </a:lnSpc>
+                            <a:spcAft>
+                              <a:spcPts val="800"/>
+                            </a:spcAft>
+                          </a:pPr>
+                          <a:r>
+                            <a:rPr lang="en-US" sz="1800">
+                              <a:effectLst/>
+                            </a:rPr>
+                            <a:t>Turns ratio</a:t>
+                          </a:r>
+                          <a:endParaRPr lang="en-US" sz="1800">
+                            <a:effectLst/>
+                            <a:latin typeface="Times New Roman" panose="02020603050405020304" pitchFamily="18" charset="0"/>
+                            <a:ea typeface="Calibri" panose="020F0502020204030204" pitchFamily="34" charset="0"/>
+                            <a:cs typeface="Times New Roman" panose="02020603050405020304" pitchFamily="18" charset="0"/>
+                          </a:endParaRPr>
+                        </a:p>
+                      </a:txBody>
+                      <a:tcPr marL="68580" marR="68580" marT="0" marB="0"/>
+                    </a:tc>
+                    <a:tc>
+                      <a:txBody>
+                        <a:bodyPr/>
+                        <a:lstStyle/>
+                        <a:p>
+                          <a:pPr algn="ctr">
+                            <a:lnSpc>
+                              <a:spcPct val="107000"/>
+                            </a:lnSpc>
+                            <a:spcAft>
+                              <a:spcPts val="800"/>
+                            </a:spcAft>
+                          </a:pPr>
+                          <a14:m>
+                            <m:oMathPara xmlns:m="http://schemas.openxmlformats.org/officeDocument/2006/math">
+                              <m:oMathParaPr>
+                                <m:jc m:val="centerGroup"/>
+                              </m:oMathParaPr>
+                              <m:oMath xmlns:m="http://schemas.openxmlformats.org/officeDocument/2006/math">
+                                <m:sSub>
+                                  <m:sSubPr>
+                                    <m:ctrlPr>
+                                      <a:rPr lang="en-US" sz="1800" smtClean="0">
+                                        <a:effectLst/>
+                                      </a:rPr>
+                                    </m:ctrlPr>
+                                  </m:sSubPr>
+                                  <m:e>
+                                    <m:r>
+                                      <a:rPr lang="en-US" sz="1800">
+                                        <a:effectLst/>
+                                      </a:rPr>
+                                      <m:t>𝐿</m:t>
+                                    </m:r>
+                                  </m:e>
+                                  <m:sub>
+                                    <m:r>
+                                      <a:rPr lang="tr-TR" sz="1800" b="1" i="0" smtClean="0">
+                                        <a:effectLst/>
+                                        <a:latin typeface="Cambria Math" panose="02040503050406030204" pitchFamily="18" charset="0"/>
+                                      </a:rPr>
+                                      <m:t>𝐩𝐫𝐢</m:t>
+                                    </m:r>
+                                  </m:sub>
+                                </m:sSub>
+                              </m:oMath>
+                            </m:oMathPara>
+                          </a14:m>
+                          <a:endParaRPr lang="en-US" sz="1800" dirty="0">
+                            <a:effectLst/>
+                            <a:latin typeface="Times New Roman" panose="02020603050405020304" pitchFamily="18" charset="0"/>
+                            <a:ea typeface="Calibri" panose="020F0502020204030204" pitchFamily="34" charset="0"/>
+                            <a:cs typeface="Times New Roman" panose="02020603050405020304" pitchFamily="18" charset="0"/>
+                          </a:endParaRPr>
+                        </a:p>
+                      </a:txBody>
+                      <a:tcPr marL="68580" marR="68580" marT="0" marB="0"/>
+                    </a:tc>
+                    <a:tc>
+                      <a:txBody>
+                        <a:bodyPr/>
+                        <a:lstStyle/>
+                        <a:p>
+                          <a:pPr algn="ctr">
+                            <a:lnSpc>
+                              <a:spcPct val="107000"/>
+                            </a:lnSpc>
+                            <a:spcAft>
+                              <a:spcPts val="800"/>
+                            </a:spcAft>
+                          </a:pPr>
+                          <a14:m>
+                            <m:oMath xmlns:m="http://schemas.openxmlformats.org/officeDocument/2006/math">
+                              <m:sSub>
+                                <m:sSubPr>
+                                  <m:ctrlPr>
+                                    <a:rPr lang="en-US" sz="1800">
+                                      <a:effectLst/>
+                                    </a:rPr>
+                                  </m:ctrlPr>
+                                </m:sSubPr>
+                                <m:e>
+                                  <m:r>
+                                    <a:rPr lang="en-US" sz="1800">
+                                      <a:effectLst/>
+                                    </a:rPr>
+                                    <m:t>𝑆</m:t>
+                                  </m:r>
+                                </m:e>
+                                <m:sub>
+                                  <m:r>
+                                    <a:rPr lang="en-US" sz="1800">
+                                      <a:effectLst/>
+                                    </a:rPr>
+                                    <m:t>𝑝</m:t>
+                                  </m:r>
+                                </m:sub>
+                              </m:sSub>
+                            </m:oMath>
+                          </a14:m>
+                          <a:r>
+                            <a:rPr lang="en-US" sz="1800">
+                              <a:effectLst/>
+                            </a:rPr>
+                            <a:t>(primary strands)</a:t>
+                          </a:r>
+                          <a:endParaRPr lang="en-US" sz="1800">
+                            <a:effectLst/>
+                            <a:latin typeface="Times New Roman" panose="02020603050405020304" pitchFamily="18" charset="0"/>
+                            <a:ea typeface="Calibri" panose="020F0502020204030204" pitchFamily="34" charset="0"/>
+                            <a:cs typeface="Times New Roman" panose="02020603050405020304" pitchFamily="18" charset="0"/>
+                          </a:endParaRPr>
+                        </a:p>
+                      </a:txBody>
+                      <a:tcPr marL="68580" marR="68580" marT="0" marB="0"/>
+                    </a:tc>
+                    <a:tc>
+                      <a:txBody>
+                        <a:bodyPr/>
+                        <a:lstStyle/>
+                        <a:p>
+                          <a:pPr algn="ctr">
+                            <a:lnSpc>
+                              <a:spcPct val="107000"/>
+                            </a:lnSpc>
+                            <a:spcAft>
+                              <a:spcPts val="800"/>
+                            </a:spcAft>
+                          </a:pPr>
+                          <a14:m>
+                            <m:oMath xmlns:m="http://schemas.openxmlformats.org/officeDocument/2006/math">
+                              <m:sSub>
+                                <m:sSubPr>
+                                  <m:ctrlPr>
+                                    <a:rPr lang="en-US" sz="1800">
+                                      <a:effectLst/>
+                                    </a:rPr>
+                                  </m:ctrlPr>
+                                </m:sSubPr>
+                                <m:e>
+                                  <m:r>
+                                    <a:rPr lang="en-US" sz="1800">
+                                      <a:effectLst/>
+                                    </a:rPr>
+                                    <m:t>𝑆</m:t>
+                                  </m:r>
+                                </m:e>
+                                <m:sub>
+                                  <m:r>
+                                    <a:rPr lang="en-US" sz="1800">
+                                      <a:effectLst/>
+                                    </a:rPr>
+                                    <m:t>𝑠</m:t>
+                                  </m:r>
+                                </m:sub>
+                              </m:sSub>
+                            </m:oMath>
+                          </a14:m>
+                          <a:r>
+                            <a:rPr lang="en-US" sz="1800" dirty="0">
+                              <a:effectLst/>
+                            </a:rPr>
+                            <a:t>(secondary strands)</a:t>
+                          </a:r>
+                          <a:endParaRPr lang="en-US" sz="1800" dirty="0">
+                            <a:effectLst/>
+                            <a:latin typeface="Times New Roman" panose="02020603050405020304" pitchFamily="18" charset="0"/>
+                            <a:ea typeface="Calibri" panose="020F0502020204030204" pitchFamily="34" charset="0"/>
+                            <a:cs typeface="Times New Roman" panose="02020603050405020304" pitchFamily="18" charset="0"/>
+                          </a:endParaRPr>
+                        </a:p>
+                      </a:txBody>
+                      <a:tcPr marL="68580" marR="68580" marT="0" marB="0"/>
+                    </a:tc>
+                    <a:tc>
+                      <a:txBody>
+                        <a:bodyPr/>
+                        <a:lstStyle/>
+                        <a:p>
+                          <a:pPr algn="ctr">
+                            <a:lnSpc>
+                              <a:spcPct val="107000"/>
+                            </a:lnSpc>
+                            <a:spcAft>
+                              <a:spcPts val="800"/>
+                            </a:spcAft>
+                          </a:pPr>
+                          <a14:m>
+                            <m:oMath xmlns:m="http://schemas.openxmlformats.org/officeDocument/2006/math">
+                              <m:sSub>
+                                <m:sSubPr>
+                                  <m:ctrlPr>
+                                    <a:rPr lang="en-US" sz="1800">
+                                      <a:effectLst/>
+                                    </a:rPr>
+                                  </m:ctrlPr>
+                                </m:sSubPr>
+                                <m:e>
+                                  <m:r>
+                                    <a:rPr lang="en-US" sz="1800">
+                                      <a:effectLst/>
+                                    </a:rPr>
+                                    <m:t>𝐾</m:t>
+                                  </m:r>
+                                </m:e>
+                                <m:sub>
+                                  <m:r>
+                                    <a:rPr lang="en-US" sz="1800">
+                                      <a:effectLst/>
+                                    </a:rPr>
+                                    <m:t>𝑢</m:t>
+                                  </m:r>
+                                </m:sub>
+                              </m:sSub>
+                            </m:oMath>
+                          </a14:m>
+                          <a:r>
+                            <a:rPr lang="en-US" sz="1800">
+                              <a:effectLst/>
+                            </a:rPr>
+                            <a:t>(window utilization)</a:t>
+                          </a:r>
+                          <a:endParaRPr lang="en-US" sz="1800">
+                            <a:effectLst/>
+                            <a:latin typeface="Times New Roman" panose="02020603050405020304" pitchFamily="18" charset="0"/>
+                            <a:ea typeface="Calibri" panose="020F0502020204030204" pitchFamily="34" charset="0"/>
+                            <a:cs typeface="Times New Roman" panose="02020603050405020304" pitchFamily="18" charset="0"/>
+                          </a:endParaRPr>
+                        </a:p>
+                      </a:txBody>
+                      <a:tcPr marL="68580" marR="68580" marT="0" marB="0"/>
+                    </a:tc>
+                    <a:extLst>
+                      <a:ext uri="{0D108BD9-81ED-4DB2-BD59-A6C34878D82A}">
+                        <a16:rowId xmlns:a16="http://schemas.microsoft.com/office/drawing/2014/main" val="884318231"/>
+                      </a:ext>
+                    </a:extLst>
+                  </a:tr>
+                  <a:tr h="824589">
+                    <a:tc>
+                      <a:txBody>
+                        <a:bodyPr/>
+                        <a:lstStyle/>
+                        <a:p>
+                          <a:pPr algn="ctr">
+                            <a:lnSpc>
+                              <a:spcPct val="107000"/>
+                            </a:lnSpc>
+                            <a:spcAft>
+                              <a:spcPts val="800"/>
+                            </a:spcAft>
+                          </a:pPr>
+                          <a:r>
+                            <a:rPr lang="en-US" sz="1800">
+                              <a:effectLst/>
+                            </a:rPr>
+                            <a:t>6</a:t>
+                          </a:r>
+                          <a:endParaRPr lang="en-US" sz="1800">
+                            <a:effectLst/>
+                            <a:latin typeface="Times New Roman" panose="02020603050405020304" pitchFamily="18" charset="0"/>
+                            <a:ea typeface="Calibri" panose="020F0502020204030204" pitchFamily="34" charset="0"/>
+                            <a:cs typeface="Times New Roman" panose="02020603050405020304" pitchFamily="18" charset="0"/>
+                          </a:endParaRPr>
+                        </a:p>
+                      </a:txBody>
+                      <a:tcPr marL="68580" marR="68580" marT="0" marB="0"/>
+                    </a:tc>
+                    <a:tc>
+                      <a:txBody>
+                        <a:bodyPr/>
+                        <a:lstStyle/>
+                        <a:p>
+                          <a:pPr algn="ctr">
+                            <a:lnSpc>
+                              <a:spcPct val="107000"/>
+                            </a:lnSpc>
+                            <a:spcAft>
+                              <a:spcPts val="800"/>
+                            </a:spcAft>
+                          </a:pPr>
+                          <a:r>
+                            <a:rPr lang="en-US" sz="1800">
+                              <a:effectLst/>
+                            </a:rPr>
+                            <a:t>80µH</a:t>
+                          </a:r>
+                          <a:endParaRPr lang="en-US" sz="1800">
+                            <a:effectLst/>
+                            <a:latin typeface="Times New Roman" panose="02020603050405020304" pitchFamily="18" charset="0"/>
+                            <a:ea typeface="Calibri" panose="020F0502020204030204" pitchFamily="34" charset="0"/>
+                            <a:cs typeface="Times New Roman" panose="02020603050405020304" pitchFamily="18" charset="0"/>
+                          </a:endParaRPr>
+                        </a:p>
+                      </a:txBody>
+                      <a:tcPr marL="68580" marR="68580" marT="0" marB="0"/>
+                    </a:tc>
+                    <a:tc>
+                      <a:txBody>
+                        <a:bodyPr/>
+                        <a:lstStyle/>
+                        <a:p>
+                          <a:pPr algn="ctr">
+                            <a:lnSpc>
+                              <a:spcPct val="107000"/>
+                            </a:lnSpc>
+                            <a:spcAft>
+                              <a:spcPts val="800"/>
+                            </a:spcAft>
+                          </a:pPr>
+                          <a:r>
+                            <a:rPr lang="en-US" sz="1800">
+                              <a:effectLst/>
+                            </a:rPr>
+                            <a:t>9</a:t>
+                          </a:r>
+                          <a:endParaRPr lang="en-US" sz="1800">
+                            <a:effectLst/>
+                            <a:latin typeface="Times New Roman" panose="02020603050405020304" pitchFamily="18" charset="0"/>
+                            <a:ea typeface="Calibri" panose="020F0502020204030204" pitchFamily="34" charset="0"/>
+                            <a:cs typeface="Times New Roman" panose="02020603050405020304" pitchFamily="18" charset="0"/>
+                          </a:endParaRPr>
+                        </a:p>
+                      </a:txBody>
+                      <a:tcPr marL="68580" marR="68580" marT="0" marB="0"/>
+                    </a:tc>
+                    <a:tc>
+                      <a:txBody>
+                        <a:bodyPr/>
+                        <a:lstStyle/>
+                        <a:p>
+                          <a:pPr algn="ctr">
+                            <a:lnSpc>
+                              <a:spcPct val="107000"/>
+                            </a:lnSpc>
+                            <a:spcAft>
+                              <a:spcPts val="800"/>
+                            </a:spcAft>
+                          </a:pPr>
+                          <a:r>
+                            <a:rPr lang="en-US" sz="1800" dirty="0">
+                              <a:effectLst/>
+                            </a:rPr>
+                            <a:t>67</a:t>
+                          </a:r>
+                          <a:endParaRPr lang="en-US" sz="1800" dirty="0">
+                            <a:effectLst/>
+                            <a:latin typeface="Times New Roman" panose="02020603050405020304" pitchFamily="18" charset="0"/>
+                            <a:ea typeface="Calibri" panose="020F0502020204030204" pitchFamily="34" charset="0"/>
+                            <a:cs typeface="Times New Roman" panose="02020603050405020304" pitchFamily="18" charset="0"/>
+                          </a:endParaRPr>
+                        </a:p>
+                      </a:txBody>
+                      <a:tcPr marL="68580" marR="68580" marT="0" marB="0"/>
+                    </a:tc>
+                    <a:tc>
+                      <a:txBody>
+                        <a:bodyPr/>
+                        <a:lstStyle/>
+                        <a:p>
+                          <a:pPr algn="ctr">
+                            <a:lnSpc>
+                              <a:spcPct val="107000"/>
+                            </a:lnSpc>
+                            <a:spcAft>
+                              <a:spcPts val="800"/>
+                            </a:spcAft>
+                          </a:pPr>
+                          <a:r>
+                            <a:rPr lang="en-US" sz="1800" dirty="0">
+                              <a:effectLst/>
+                            </a:rPr>
+                            <a:t>0.1</a:t>
+                          </a:r>
+                          <a:endParaRPr lang="en-US" sz="1800" dirty="0">
+                            <a:effectLst/>
+                            <a:latin typeface="Times New Roman" panose="02020603050405020304" pitchFamily="18" charset="0"/>
+                            <a:ea typeface="Calibri" panose="020F0502020204030204" pitchFamily="34" charset="0"/>
+                            <a:cs typeface="Times New Roman" panose="02020603050405020304" pitchFamily="18" charset="0"/>
+                          </a:endParaRPr>
+                        </a:p>
+                      </a:txBody>
+                      <a:tcPr marL="68580" marR="68580" marT="0" marB="0"/>
+                    </a:tc>
+                    <a:extLst>
+                      <a:ext uri="{0D108BD9-81ED-4DB2-BD59-A6C34878D82A}">
+                        <a16:rowId xmlns:a16="http://schemas.microsoft.com/office/drawing/2014/main" val="3213998869"/>
+                      </a:ext>
+                    </a:extLst>
+                  </a:tr>
+                </a:tbl>
+              </a:graphicData>
+            </a:graphic>
+          </p:graphicFrame>
+        </mc:Choice>
+        <mc:Fallback>
+          <p:graphicFrame>
+            <p:nvGraphicFramePr>
+              <p:cNvPr id="2" name="İçerik Yer Tutucusu 1">
+                <a:extLst>
+                  <a:ext uri="{FF2B5EF4-FFF2-40B4-BE49-F238E27FC236}">
+                    <a16:creationId xmlns:a16="http://schemas.microsoft.com/office/drawing/2014/main" id="{A17771BA-DA96-477E-AB60-383CB5060708}"/>
+                  </a:ext>
+                </a:extLst>
+              </p:cNvPr>
+              <p:cNvGraphicFramePr>
+                <a:graphicFrameLocks noGrp="1"/>
+              </p:cNvGraphicFramePr>
+              <p:nvPr>
+                <p:ph sz="quarter" idx="2"/>
+              </p:nvPr>
+            </p:nvGraphicFramePr>
+            <p:xfrm>
+              <a:off x="486489" y="2178271"/>
+              <a:ext cx="8171022" cy="1865092"/>
+            </p:xfrm>
+            <a:graphic>
+              <a:graphicData uri="http://schemas.openxmlformats.org/drawingml/2006/table">
+                <a:tbl>
+                  <a:tblPr firstRow="1" firstCol="1" bandRow="1">
+                    <a:tableStyleId>{5C22544A-7EE6-4342-B048-85BDC9FD1C3A}</a:tableStyleId>
+                  </a:tblPr>
+                  <a:tblGrid>
+                    <a:gridCol w="1481986">
+                      <a:extLst>
+                        <a:ext uri="{9D8B030D-6E8A-4147-A177-3AD203B41FA5}">
+                          <a16:colId xmlns:a16="http://schemas.microsoft.com/office/drawing/2014/main" val="3685404915"/>
+                        </a:ext>
+                      </a:extLst>
+                    </a:gridCol>
+                    <a:gridCol w="1610437">
+                      <a:extLst>
+                        <a:ext uri="{9D8B030D-6E8A-4147-A177-3AD203B41FA5}">
+                          <a16:colId xmlns:a16="http://schemas.microsoft.com/office/drawing/2014/main" val="3488946879"/>
+                        </a:ext>
+                      </a:extLst>
+                    </a:gridCol>
+                    <a:gridCol w="1734518">
+                      <a:extLst>
+                        <a:ext uri="{9D8B030D-6E8A-4147-A177-3AD203B41FA5}">
+                          <a16:colId xmlns:a16="http://schemas.microsoft.com/office/drawing/2014/main" val="3300560765"/>
+                        </a:ext>
+                      </a:extLst>
+                    </a:gridCol>
+                    <a:gridCol w="1609563">
+                      <a:extLst>
+                        <a:ext uri="{9D8B030D-6E8A-4147-A177-3AD203B41FA5}">
+                          <a16:colId xmlns:a16="http://schemas.microsoft.com/office/drawing/2014/main" val="3627724785"/>
+                        </a:ext>
+                      </a:extLst>
+                    </a:gridCol>
+                    <a:gridCol w="1734518">
+                      <a:extLst>
+                        <a:ext uri="{9D8B030D-6E8A-4147-A177-3AD203B41FA5}">
+                          <a16:colId xmlns:a16="http://schemas.microsoft.com/office/drawing/2014/main" val="4168850053"/>
+                        </a:ext>
+                      </a:extLst>
+                    </a:gridCol>
+                  </a:tblGrid>
+                  <a:tr h="1040503">
+                    <a:tc>
+                      <a:txBody>
+                        <a:bodyPr/>
+                        <a:lstStyle/>
+                        <a:p>
+                          <a:pPr algn="just">
+                            <a:lnSpc>
+                              <a:spcPct val="107000"/>
+                            </a:lnSpc>
+                            <a:spcAft>
+                              <a:spcPts val="800"/>
+                            </a:spcAft>
+                          </a:pPr>
+                          <a:r>
+                            <a:rPr lang="en-US" sz="1800">
+                              <a:effectLst/>
+                            </a:rPr>
+                            <a:t>Turns ratio</a:t>
+                          </a:r>
+                          <a:endParaRPr lang="en-US" sz="1800">
+                            <a:effectLst/>
+                            <a:latin typeface="Times New Roman" panose="02020603050405020304" pitchFamily="18" charset="0"/>
+                            <a:ea typeface="Calibri" panose="020F0502020204030204" pitchFamily="34" charset="0"/>
+                            <a:cs typeface="Times New Roman" panose="02020603050405020304" pitchFamily="18" charset="0"/>
+                          </a:endParaRPr>
+                        </a:p>
+                      </a:txBody>
+                      <a:tcPr marL="68580" marR="68580" marT="0" marB="0"/>
+                    </a:tc>
+                    <a:tc>
+                      <a:txBody>
+                        <a:bodyPr/>
+                        <a:lstStyle/>
+                        <a:p>
+                          <a:endParaRPr lang="en-US"/>
+                        </a:p>
+                      </a:txBody>
+                      <a:tcPr marL="68580" marR="68580" marT="0" marB="0">
+                        <a:blipFill>
+                          <a:blip r:embed="rId2"/>
+                          <a:stretch>
+                            <a:fillRect l="-92075" t="-7018" r="-316226" b="-80702"/>
+                          </a:stretch>
+                        </a:blipFill>
+                      </a:tcPr>
+                    </a:tc>
+                    <a:tc>
+                      <a:txBody>
+                        <a:bodyPr/>
+                        <a:lstStyle/>
+                        <a:p>
+                          <a:endParaRPr lang="en-US"/>
+                        </a:p>
+                      </a:txBody>
+                      <a:tcPr marL="68580" marR="68580" marT="0" marB="0">
+                        <a:blipFill>
+                          <a:blip r:embed="rId2"/>
+                          <a:stretch>
+                            <a:fillRect l="-178596" t="-7018" r="-194035" b="-80702"/>
+                          </a:stretch>
+                        </a:blipFill>
+                      </a:tcPr>
+                    </a:tc>
+                    <a:tc>
+                      <a:txBody>
+                        <a:bodyPr/>
+                        <a:lstStyle/>
+                        <a:p>
+                          <a:endParaRPr lang="en-US"/>
+                        </a:p>
+                      </a:txBody>
+                      <a:tcPr marL="68580" marR="68580" marT="0" marB="0">
+                        <a:blipFill>
+                          <a:blip r:embed="rId2"/>
+                          <a:stretch>
+                            <a:fillRect l="-300758" t="-7018" r="-109470" b="-80702"/>
+                          </a:stretch>
+                        </a:blipFill>
+                      </a:tcPr>
+                    </a:tc>
+                    <a:tc>
+                      <a:txBody>
+                        <a:bodyPr/>
+                        <a:lstStyle/>
+                        <a:p>
+                          <a:endParaRPr lang="en-US"/>
+                        </a:p>
+                      </a:txBody>
+                      <a:tcPr marL="68580" marR="68580" marT="0" marB="0">
+                        <a:blipFill>
+                          <a:blip r:embed="rId2"/>
+                          <a:stretch>
+                            <a:fillRect l="-371228" t="-7018" r="-1404" b="-80702"/>
+                          </a:stretch>
+                        </a:blipFill>
+                      </a:tcPr>
+                    </a:tc>
+                    <a:extLst>
+                      <a:ext uri="{0D108BD9-81ED-4DB2-BD59-A6C34878D82A}">
+                        <a16:rowId xmlns:a16="http://schemas.microsoft.com/office/drawing/2014/main" val="884318231"/>
+                      </a:ext>
+                    </a:extLst>
+                  </a:tr>
+                  <a:tr h="824589">
+                    <a:tc>
+                      <a:txBody>
+                        <a:bodyPr/>
+                        <a:lstStyle/>
+                        <a:p>
+                          <a:pPr algn="ctr">
+                            <a:lnSpc>
+                              <a:spcPct val="107000"/>
+                            </a:lnSpc>
+                            <a:spcAft>
+                              <a:spcPts val="800"/>
+                            </a:spcAft>
+                          </a:pPr>
+                          <a:r>
+                            <a:rPr lang="en-US" sz="1800">
+                              <a:effectLst/>
+                            </a:rPr>
+                            <a:t>6</a:t>
+                          </a:r>
+                          <a:endParaRPr lang="en-US" sz="1800">
+                            <a:effectLst/>
+                            <a:latin typeface="Times New Roman" panose="02020603050405020304" pitchFamily="18" charset="0"/>
+                            <a:ea typeface="Calibri" panose="020F0502020204030204" pitchFamily="34" charset="0"/>
+                            <a:cs typeface="Times New Roman" panose="02020603050405020304" pitchFamily="18" charset="0"/>
+                          </a:endParaRPr>
+                        </a:p>
+                      </a:txBody>
+                      <a:tcPr marL="68580" marR="68580" marT="0" marB="0"/>
+                    </a:tc>
+                    <a:tc>
+                      <a:txBody>
+                        <a:bodyPr/>
+                        <a:lstStyle/>
+                        <a:p>
+                          <a:pPr algn="ctr">
+                            <a:lnSpc>
+                              <a:spcPct val="107000"/>
+                            </a:lnSpc>
+                            <a:spcAft>
+                              <a:spcPts val="800"/>
+                            </a:spcAft>
+                          </a:pPr>
+                          <a:r>
+                            <a:rPr lang="en-US" sz="1800">
+                              <a:effectLst/>
+                            </a:rPr>
+                            <a:t>80µH</a:t>
+                          </a:r>
+                          <a:endParaRPr lang="en-US" sz="1800">
+                            <a:effectLst/>
+                            <a:latin typeface="Times New Roman" panose="02020603050405020304" pitchFamily="18" charset="0"/>
+                            <a:ea typeface="Calibri" panose="020F0502020204030204" pitchFamily="34" charset="0"/>
+                            <a:cs typeface="Times New Roman" panose="02020603050405020304" pitchFamily="18" charset="0"/>
+                          </a:endParaRPr>
+                        </a:p>
+                      </a:txBody>
+                      <a:tcPr marL="68580" marR="68580" marT="0" marB="0"/>
+                    </a:tc>
+                    <a:tc>
+                      <a:txBody>
+                        <a:bodyPr/>
+                        <a:lstStyle/>
+                        <a:p>
+                          <a:pPr algn="ctr">
+                            <a:lnSpc>
+                              <a:spcPct val="107000"/>
+                            </a:lnSpc>
+                            <a:spcAft>
+                              <a:spcPts val="800"/>
+                            </a:spcAft>
+                          </a:pPr>
+                          <a:r>
+                            <a:rPr lang="en-US" sz="1800">
+                              <a:effectLst/>
+                            </a:rPr>
+                            <a:t>9</a:t>
+                          </a:r>
+                          <a:endParaRPr lang="en-US" sz="1800">
+                            <a:effectLst/>
+                            <a:latin typeface="Times New Roman" panose="02020603050405020304" pitchFamily="18" charset="0"/>
+                            <a:ea typeface="Calibri" panose="020F0502020204030204" pitchFamily="34" charset="0"/>
+                            <a:cs typeface="Times New Roman" panose="02020603050405020304" pitchFamily="18" charset="0"/>
+                          </a:endParaRPr>
+                        </a:p>
+                      </a:txBody>
+                      <a:tcPr marL="68580" marR="68580" marT="0" marB="0"/>
+                    </a:tc>
+                    <a:tc>
+                      <a:txBody>
+                        <a:bodyPr/>
+                        <a:lstStyle/>
+                        <a:p>
+                          <a:pPr algn="ctr">
+                            <a:lnSpc>
+                              <a:spcPct val="107000"/>
+                            </a:lnSpc>
+                            <a:spcAft>
+                              <a:spcPts val="800"/>
+                            </a:spcAft>
+                          </a:pPr>
+                          <a:r>
+                            <a:rPr lang="en-US" sz="1800" dirty="0">
+                              <a:effectLst/>
+                            </a:rPr>
+                            <a:t>67</a:t>
+                          </a:r>
+                          <a:endParaRPr lang="en-US" sz="1800" dirty="0">
+                            <a:effectLst/>
+                            <a:latin typeface="Times New Roman" panose="02020603050405020304" pitchFamily="18" charset="0"/>
+                            <a:ea typeface="Calibri" panose="020F0502020204030204" pitchFamily="34" charset="0"/>
+                            <a:cs typeface="Times New Roman" panose="02020603050405020304" pitchFamily="18" charset="0"/>
+                          </a:endParaRPr>
+                        </a:p>
+                      </a:txBody>
+                      <a:tcPr marL="68580" marR="68580" marT="0" marB="0"/>
+                    </a:tc>
+                    <a:tc>
+                      <a:txBody>
+                        <a:bodyPr/>
+                        <a:lstStyle/>
+                        <a:p>
+                          <a:pPr algn="ctr">
+                            <a:lnSpc>
+                              <a:spcPct val="107000"/>
+                            </a:lnSpc>
+                            <a:spcAft>
+                              <a:spcPts val="800"/>
+                            </a:spcAft>
+                          </a:pPr>
+                          <a:r>
+                            <a:rPr lang="en-US" sz="1800" dirty="0">
+                              <a:effectLst/>
+                            </a:rPr>
+                            <a:t>0.1</a:t>
+                          </a:r>
+                          <a:endParaRPr lang="en-US" sz="1800" dirty="0">
+                            <a:effectLst/>
+                            <a:latin typeface="Times New Roman" panose="02020603050405020304" pitchFamily="18" charset="0"/>
+                            <a:ea typeface="Calibri" panose="020F0502020204030204" pitchFamily="34" charset="0"/>
+                            <a:cs typeface="Times New Roman" panose="02020603050405020304" pitchFamily="18" charset="0"/>
+                          </a:endParaRPr>
+                        </a:p>
+                      </a:txBody>
+                      <a:tcPr marL="68580" marR="68580" marT="0" marB="0"/>
+                    </a:tc>
+                    <a:extLst>
+                      <a:ext uri="{0D108BD9-81ED-4DB2-BD59-A6C34878D82A}">
+                        <a16:rowId xmlns:a16="http://schemas.microsoft.com/office/drawing/2014/main" val="3213998869"/>
+                      </a:ext>
+                    </a:extLst>
+                  </a:tr>
+                </a:tbl>
+              </a:graphicData>
+            </a:graphic>
+          </p:graphicFrame>
+        </mc:Fallback>
+      </mc:AlternateContent>
+      <p:sp>
+        <p:nvSpPr>
+          <p:cNvPr id="7" name="Slayt Numarası Yer Tutucusu 6">
+            <a:extLst>
+              <a:ext uri="{FF2B5EF4-FFF2-40B4-BE49-F238E27FC236}">
+                <a16:creationId xmlns:a16="http://schemas.microsoft.com/office/drawing/2014/main" id="{83F8FECD-7B5E-4ED3-9091-B0F80880B941}"/>
+              </a:ext>
+            </a:extLst>
+          </p:cNvPr>
+          <p:cNvSpPr>
+            <a:spLocks noGrp="1"/>
+          </p:cNvSpPr>
+          <p:nvPr>
+            <p:ph type="sldNum" sz="quarter" idx="12"/>
+          </p:nvPr>
+        </p:nvSpPr>
+        <p:spPr/>
+        <p:txBody>
+          <a:bodyPr/>
+          <a:lstStyle/>
+          <a:p>
+            <a:pPr>
+              <a:defRPr/>
+            </a:pPr>
+            <a:fld id="{B5012164-718A-4733-A653-425A1A482A4D}" type="slidenum">
+              <a:rPr lang="en-US" smtClean="0"/>
+              <a:pPr>
+                <a:defRPr/>
+              </a:pPr>
+              <a:t>15</a:t>
+            </a:fld>
+            <a:endParaRPr lang="en-US"/>
+          </a:p>
+        </p:txBody>
+      </p:sp>
+      <p:sp>
+        <p:nvSpPr>
+          <p:cNvPr id="8" name="Veri Yer Tutucusu 7">
+            <a:extLst>
+              <a:ext uri="{FF2B5EF4-FFF2-40B4-BE49-F238E27FC236}">
+                <a16:creationId xmlns:a16="http://schemas.microsoft.com/office/drawing/2014/main" id="{C94F98CF-A4E9-4CFC-ADC8-D199693421B9}"/>
+              </a:ext>
+            </a:extLst>
+          </p:cNvPr>
+          <p:cNvSpPr>
+            <a:spLocks noGrp="1"/>
+          </p:cNvSpPr>
+          <p:nvPr>
+            <p:ph type="dt" sz="half" idx="13"/>
+          </p:nvPr>
+        </p:nvSpPr>
+        <p:spPr/>
+        <p:txBody>
+          <a:bodyPr/>
+          <a:lstStyle/>
+          <a:p>
+            <a:pPr>
+              <a:defRPr/>
+            </a:pPr>
+            <a:r>
+              <a:rPr lang="tr-TR"/>
+              <a:t>METU Electrical &amp; Electronics Engineering Department</a:t>
+            </a:r>
+            <a:endParaRPr lang="en-US" dirty="0"/>
+          </a:p>
+        </p:txBody>
+      </p:sp>
+    </p:spTree>
+    <p:extLst>
+      <p:ext uri="{BB962C8B-B14F-4D97-AF65-F5344CB8AC3E}">
+        <p14:creationId xmlns:p14="http://schemas.microsoft.com/office/powerpoint/2010/main" val="2221587147"/>
+      </p:ext>
+    </p:extLst>
+  </p:cSld>
+  <p:clrMapOvr>
+    <a:masterClrMapping/>
+  </p:clrMapOvr>
+</p:sld>
+</file>
+
+<file path=ppt/slides/slide16.xml><?xml version="1.0" encoding="utf-8"?>
+<p:sld xmlns:a="http://schemas.openxmlformats.org/drawingml/2006/main" xmlns:r="http://schemas.openxmlformats.org/officeDocument/2006/relationships" xmlns:p="http://schemas.openxmlformats.org/presentationml/2006/main">
+  <p:cSld>
+    <p:spTree>
+      <p:nvGrpSpPr>
+        <p:cNvPr id="1" name=""/>
+        <p:cNvGrpSpPr/>
+        <p:nvPr/>
+      </p:nvGrpSpPr>
+      <p:grpSpPr>
+        <a:xfrm>
+          <a:off x="0" y="0"/>
+          <a:ext cx="0" cy="0"/>
+          <a:chOff x="0" y="0"/>
+          <a:chExt cx="0" cy="0"/>
+        </a:xfrm>
+      </p:grpSpPr>
+    </p:spTree>
+    <p:extLst>
+      <p:ext uri="{BB962C8B-B14F-4D97-AF65-F5344CB8AC3E}">
+        <p14:creationId xmlns:p14="http://schemas.microsoft.com/office/powerpoint/2010/main" val="3999664581"/>
+      </p:ext>
+    </p:extLst>
+  </p:cSld>
+  <p:clrMapOvr>
+    <a:masterClrMapping/>
+  </p:clrMapOvr>
+</p:sld>
+</file>
+
 <file path=ppt/slides/slide2.xml><?xml version="1.0" encoding="utf-8"?>
 <p:sld xmlns:a="http://schemas.openxmlformats.org/drawingml/2006/main" xmlns:r="http://schemas.openxmlformats.org/officeDocument/2006/relationships" xmlns:p="http://schemas.openxmlformats.org/presentationml/2006/main">
   <p:cSld>
@@ -5480,6 +13136,422 @@
     <p:extLst>
       <p:ext uri="{BB962C8B-B14F-4D97-AF65-F5344CB8AC3E}">
         <p14:creationId xmlns:p14="http://schemas.microsoft.com/office/powerpoint/2010/main" val="3835474893"/>
+      </p:ext>
+    </p:extLst>
+  </p:cSld>
+  <p:clrMapOvr>
+    <a:masterClrMapping/>
+  </p:clrMapOvr>
+</p:sld>
+</file>
+
+<file path=ppt/slides/slide7.xml><?xml version="1.0" encoding="utf-8"?>
+<p:sld xmlns:a="http://schemas.openxmlformats.org/drawingml/2006/main" xmlns:r="http://schemas.openxmlformats.org/officeDocument/2006/relationships" xmlns:p="http://schemas.openxmlformats.org/presentationml/2006/main">
+  <p:cSld>
+    <p:spTree>
+      <p:nvGrpSpPr>
+        <p:cNvPr id="1" name=""/>
+        <p:cNvGrpSpPr/>
+        <p:nvPr/>
+      </p:nvGrpSpPr>
+      <p:grpSpPr>
+        <a:xfrm>
+          <a:off x="0" y="0"/>
+          <a:ext cx="0" cy="0"/>
+          <a:chOff x="0" y="0"/>
+          <a:chExt cx="0" cy="0"/>
+        </a:xfrm>
+      </p:grpSpPr>
+      <p:pic>
+        <p:nvPicPr>
+          <p:cNvPr id="9218" name="Picture 3"/>
+          <p:cNvPicPr>
+            <a:picLocks noChangeAspect="1" noChangeArrowheads="1"/>
+          </p:cNvPicPr>
+          <p:nvPr/>
+        </p:nvPicPr>
+        <p:blipFill>
+          <a:blip r:embed="rId3">
+            <a:extLst>
+              <a:ext uri="{28A0092B-C50C-407E-A947-70E740481C1C}">
+                <a14:useLocalDpi xmlns:a14="http://schemas.microsoft.com/office/drawing/2010/main" val="0"/>
+              </a:ext>
+            </a:extLst>
+          </a:blip>
+          <a:srcRect/>
+          <a:stretch>
+            <a:fillRect/>
+          </a:stretch>
+        </p:blipFill>
+        <p:spPr bwMode="auto">
+          <a:xfrm>
+            <a:off x="0" y="0"/>
+            <a:ext cx="9153525" cy="6867525"/>
+          </a:xfrm>
+          <a:prstGeom prst="rect">
+            <a:avLst/>
+          </a:prstGeom>
+          <a:noFill/>
+          <a:ln>
+            <a:noFill/>
+          </a:ln>
+          <a:extLst>
+            <a:ext uri="{909E8E84-426E-40DD-AFC4-6F175D3DCCD1}">
+              <a14:hiddenFill xmlns:a14="http://schemas.microsoft.com/office/drawing/2010/main">
+                <a:solidFill>
+                  <a:srgbClr val="FFFFFF"/>
+                </a:solidFill>
+              </a14:hiddenFill>
+            </a:ext>
+            <a:ext uri="{91240B29-F687-4F45-9708-019B960494DF}">
+              <a14:hiddenLine xmlns:a14="http://schemas.microsoft.com/office/drawing/2010/main" w="9525">
+                <a:solidFill>
+                  <a:srgbClr val="000000"/>
+                </a:solidFill>
+                <a:miter lim="800000"/>
+                <a:headEnd/>
+                <a:tailEnd/>
+              </a14:hiddenLine>
+            </a:ext>
+          </a:extLst>
+        </p:spPr>
+      </p:pic>
+    </p:spTree>
+  </p:cSld>
+  <p:clrMapOvr>
+    <a:masterClrMapping/>
+  </p:clrMapOvr>
+</p:sld>
+</file>
+
+<file path=ppt/slides/slide8.xml><?xml version="1.0" encoding="utf-8"?>
+<p:sld xmlns:a="http://schemas.openxmlformats.org/drawingml/2006/main" xmlns:r="http://schemas.openxmlformats.org/officeDocument/2006/relationships" xmlns:p="http://schemas.openxmlformats.org/presentationml/2006/main">
+  <p:cSld>
+    <p:spTree>
+      <p:nvGrpSpPr>
+        <p:cNvPr id="1" name=""/>
+        <p:cNvGrpSpPr/>
+        <p:nvPr/>
+      </p:nvGrpSpPr>
+      <p:grpSpPr>
+        <a:xfrm>
+          <a:off x="0" y="0"/>
+          <a:ext cx="0" cy="0"/>
+          <a:chOff x="0" y="0"/>
+          <a:chExt cx="0" cy="0"/>
+        </a:xfrm>
+      </p:grpSpPr>
+      <p:sp>
+        <p:nvSpPr>
+          <p:cNvPr id="2" name="Metin kutusu 1">
+            <a:extLst>
+              <a:ext uri="{FF2B5EF4-FFF2-40B4-BE49-F238E27FC236}">
+                <a16:creationId xmlns:a16="http://schemas.microsoft.com/office/drawing/2014/main" id="{00F42DCC-4728-442F-AF0B-C97EA83B1960}"/>
+              </a:ext>
+            </a:extLst>
+          </p:cNvPr>
+          <p:cNvSpPr txBox="1"/>
+          <p:nvPr/>
+        </p:nvSpPr>
+        <p:spPr>
+          <a:xfrm>
+            <a:off x="4572000" y="2271711"/>
+            <a:ext cx="4086225" cy="523220"/>
+          </a:xfrm>
+          <a:prstGeom prst="rect">
+            <a:avLst/>
+          </a:prstGeom>
+          <a:solidFill>
+            <a:srgbClr val="D0112B"/>
+          </a:solidFill>
+        </p:spPr>
+        <p:txBody>
+          <a:bodyPr wrap="square" rtlCol="0">
+            <a:spAutoFit/>
+          </a:bodyPr>
+          <a:lstStyle/>
+          <a:p>
+            <a:r>
+              <a:rPr lang="tr-TR" sz="2800" b="1" dirty="0">
+                <a:solidFill>
+                  <a:schemeClr val="bg1"/>
+                </a:solidFill>
+                <a:latin typeface="Century Gothic" panose="020B0502020202020204" pitchFamily="34" charset="0"/>
+              </a:rPr>
+              <a:t>EE464- TERM PROJECT</a:t>
+            </a:r>
+            <a:endParaRPr lang="en-US" sz="2800" b="1" dirty="0">
+              <a:solidFill>
+                <a:schemeClr val="bg1"/>
+              </a:solidFill>
+              <a:latin typeface="Century Gothic" panose="020B0502020202020204" pitchFamily="34" charset="0"/>
+            </a:endParaRPr>
+          </a:p>
+        </p:txBody>
+      </p:sp>
+      <p:sp>
+        <p:nvSpPr>
+          <p:cNvPr id="3" name="Metin kutusu 2">
+            <a:extLst>
+              <a:ext uri="{FF2B5EF4-FFF2-40B4-BE49-F238E27FC236}">
+                <a16:creationId xmlns:a16="http://schemas.microsoft.com/office/drawing/2014/main" id="{551DD77E-261B-4DD4-AF42-E26F4A5E5AF9}"/>
+              </a:ext>
+            </a:extLst>
+          </p:cNvPr>
+          <p:cNvSpPr txBox="1"/>
+          <p:nvPr/>
+        </p:nvSpPr>
+        <p:spPr>
+          <a:xfrm>
+            <a:off x="4724400" y="3563661"/>
+            <a:ext cx="4086225" cy="923330"/>
+          </a:xfrm>
+          <a:prstGeom prst="rect">
+            <a:avLst/>
+          </a:prstGeom>
+          <a:solidFill>
+            <a:srgbClr val="D0112B"/>
+          </a:solidFill>
+        </p:spPr>
+        <p:txBody>
+          <a:bodyPr wrap="square" rtlCol="0">
+            <a:spAutoFit/>
+          </a:bodyPr>
+          <a:lstStyle/>
+          <a:p>
+            <a:pPr rtl="0">
+              <a:lnSpc>
+                <a:spcPct val="100000"/>
+              </a:lnSpc>
+            </a:pPr>
+            <a:r>
+              <a:rPr lang="tr-TR" dirty="0">
+                <a:solidFill>
+                  <a:schemeClr val="bg1"/>
+                </a:solidFill>
+                <a:latin typeface="Century Gothic" panose="020B0502020202020204" pitchFamily="34" charset="0"/>
+              </a:rPr>
+              <a:t>Büşra Nur Koçak</a:t>
+            </a:r>
+          </a:p>
+          <a:p>
+            <a:pPr rtl="0">
+              <a:lnSpc>
+                <a:spcPct val="100000"/>
+              </a:lnSpc>
+            </a:pPr>
+            <a:r>
+              <a:rPr lang="tr-TR" dirty="0">
+                <a:solidFill>
+                  <a:schemeClr val="bg1"/>
+                </a:solidFill>
+                <a:latin typeface="Century Gothic" panose="020B0502020202020204" pitchFamily="34" charset="0"/>
+              </a:rPr>
+              <a:t>Defne Nur Korkmaz</a:t>
+            </a:r>
+          </a:p>
+          <a:p>
+            <a:pPr rtl="0">
+              <a:lnSpc>
+                <a:spcPct val="100000"/>
+              </a:lnSpc>
+            </a:pPr>
+            <a:r>
+              <a:rPr lang="tr-TR" dirty="0">
+                <a:solidFill>
+                  <a:schemeClr val="bg1"/>
+                </a:solidFill>
+                <a:latin typeface="Century Gothic" panose="020B0502020202020204" pitchFamily="34" charset="0"/>
+              </a:rPr>
+              <a:t>Mustafa Mert Sarıkaya</a:t>
+            </a:r>
+          </a:p>
+        </p:txBody>
+      </p:sp>
+      <p:sp>
+        <p:nvSpPr>
+          <p:cNvPr id="4" name="Metin kutusu 3">
+            <a:extLst>
+              <a:ext uri="{FF2B5EF4-FFF2-40B4-BE49-F238E27FC236}">
+                <a16:creationId xmlns:a16="http://schemas.microsoft.com/office/drawing/2014/main" id="{8CC01C10-C188-4BAD-A28D-F3DF456FE98C}"/>
+              </a:ext>
+            </a:extLst>
+          </p:cNvPr>
+          <p:cNvSpPr txBox="1"/>
+          <p:nvPr/>
+        </p:nvSpPr>
+        <p:spPr>
+          <a:xfrm>
+            <a:off x="4795837" y="5625053"/>
+            <a:ext cx="4086225" cy="738664"/>
+          </a:xfrm>
+          <a:prstGeom prst="rect">
+            <a:avLst/>
+          </a:prstGeom>
+          <a:solidFill>
+            <a:srgbClr val="D0112B"/>
+          </a:solidFill>
+        </p:spPr>
+        <p:txBody>
+          <a:bodyPr wrap="square" rtlCol="0">
+            <a:spAutoFit/>
+          </a:bodyPr>
+          <a:lstStyle/>
+          <a:p>
+            <a:pPr rtl="0">
+              <a:lnSpc>
+                <a:spcPct val="100000"/>
+              </a:lnSpc>
+            </a:pPr>
+            <a:endParaRPr lang="tr-TR" sz="1400" dirty="0">
+              <a:solidFill>
+                <a:schemeClr val="bg1"/>
+              </a:solidFill>
+              <a:latin typeface="Century Gothic" panose="020B0502020202020204" pitchFamily="34" charset="0"/>
+            </a:endParaRPr>
+          </a:p>
+          <a:p>
+            <a:pPr rtl="0">
+              <a:lnSpc>
+                <a:spcPct val="100000"/>
+              </a:lnSpc>
+            </a:pPr>
+            <a:r>
+              <a:rPr lang="tr-TR" sz="1400" dirty="0">
+                <a:solidFill>
+                  <a:schemeClr val="bg1"/>
+                </a:solidFill>
+                <a:latin typeface="Century Gothic" panose="020B0502020202020204" pitchFamily="34" charset="0"/>
+              </a:rPr>
+              <a:t>May 9, 2021</a:t>
+            </a:r>
+          </a:p>
+          <a:p>
+            <a:pPr rtl="0">
+              <a:lnSpc>
+                <a:spcPct val="100000"/>
+              </a:lnSpc>
+            </a:pPr>
+            <a:endParaRPr lang="tr-TR" sz="1400" dirty="0">
+              <a:solidFill>
+                <a:schemeClr val="bg1"/>
+              </a:solidFill>
+              <a:latin typeface="Century Gothic" panose="020B0502020202020204" pitchFamily="34" charset="0"/>
+            </a:endParaRPr>
+          </a:p>
+        </p:txBody>
+      </p:sp>
+    </p:spTree>
+    <p:extLst>
+      <p:ext uri="{BB962C8B-B14F-4D97-AF65-F5344CB8AC3E}">
+        <p14:creationId xmlns:p14="http://schemas.microsoft.com/office/powerpoint/2010/main" val="81300919"/>
+      </p:ext>
+    </p:extLst>
+  </p:cSld>
+  <p:clrMapOvr>
+    <a:masterClrMapping/>
+  </p:clrMapOvr>
+</p:sld>
+</file>
+
+<file path=ppt/slides/slide9.xml><?xml version="1.0" encoding="utf-8"?>
+<p:sld xmlns:a="http://schemas.openxmlformats.org/drawingml/2006/main" xmlns:r="http://schemas.openxmlformats.org/officeDocument/2006/relationships" xmlns:p="http://schemas.openxmlformats.org/presentationml/2006/main">
+  <p:cSld>
+    <p:spTree>
+      <p:nvGrpSpPr>
+        <p:cNvPr id="1" name=""/>
+        <p:cNvGrpSpPr/>
+        <p:nvPr/>
+      </p:nvGrpSpPr>
+      <p:grpSpPr>
+        <a:xfrm>
+          <a:off x="0" y="0"/>
+          <a:ext cx="0" cy="0"/>
+          <a:chOff x="0" y="0"/>
+          <a:chExt cx="0" cy="0"/>
+        </a:xfrm>
+      </p:grpSpPr>
+      <p:sp>
+        <p:nvSpPr>
+          <p:cNvPr id="4" name="Slide Number Placeholder 3"/>
+          <p:cNvSpPr>
+            <a:spLocks noGrp="1"/>
+          </p:cNvSpPr>
+          <p:nvPr>
+            <p:ph type="sldNum" sz="quarter" idx="12"/>
+          </p:nvPr>
+        </p:nvSpPr>
+        <p:spPr/>
+        <p:txBody>
+          <a:bodyPr/>
+          <a:lstStyle/>
+          <a:p>
+            <a:pPr>
+              <a:defRPr/>
+            </a:pPr>
+            <a:fld id="{C878F797-6006-4DDA-AFE9-456F280FE6C5}" type="slidenum">
+              <a:rPr lang="en-US" smtClean="0"/>
+              <a:pPr>
+                <a:defRPr/>
+              </a:pPr>
+              <a:t>9</a:t>
+            </a:fld>
+            <a:endParaRPr lang="en-US" dirty="0"/>
+          </a:p>
+        </p:txBody>
+      </p:sp>
+      <p:sp>
+        <p:nvSpPr>
+          <p:cNvPr id="5" name="Date Placeholder 4"/>
+          <p:cNvSpPr>
+            <a:spLocks noGrp="1"/>
+          </p:cNvSpPr>
+          <p:nvPr>
+            <p:ph type="dt" sz="half" idx="2"/>
+          </p:nvPr>
+        </p:nvSpPr>
+        <p:spPr/>
+        <p:txBody>
+          <a:bodyPr/>
+          <a:lstStyle/>
+          <a:p>
+            <a:pPr>
+              <a:defRPr/>
+            </a:pPr>
+            <a:r>
+              <a:rPr lang="tr-TR"/>
+              <a:t>METU Electrical &amp; Electronics Engineering Department</a:t>
+            </a:r>
+            <a:endParaRPr lang="en-US" dirty="0"/>
+          </a:p>
+        </p:txBody>
+      </p:sp>
+      <p:graphicFrame>
+        <p:nvGraphicFramePr>
+          <p:cNvPr id="6" name="Diyagram 5">
+            <a:extLst>
+              <a:ext uri="{FF2B5EF4-FFF2-40B4-BE49-F238E27FC236}">
+                <a16:creationId xmlns:a16="http://schemas.microsoft.com/office/drawing/2014/main" id="{C487B960-6B19-42F7-9B48-7F5DB0E16788}"/>
+              </a:ext>
+            </a:extLst>
+          </p:cNvPr>
+          <p:cNvGraphicFramePr/>
+          <p:nvPr/>
+        </p:nvGraphicFramePr>
+        <p:xfrm>
+          <a:off x="1542288" y="1338390"/>
+          <a:ext cx="6096000" cy="4064000"/>
+        </p:xfrm>
+        <a:graphic>
+          <a:graphicData uri="http://schemas.openxmlformats.org/drawingml/2006/diagram">
+            <dgm:relIds xmlns:dgm="http://schemas.openxmlformats.org/drawingml/2006/diagram" xmlns:r="http://schemas.openxmlformats.org/officeDocument/2006/relationships" r:dm="rId2" r:lo="rId3" r:qs="rId4" r:cs="rId5"/>
+          </a:graphicData>
+        </a:graphic>
+      </p:graphicFrame>
+    </p:spTree>
+    <p:extLst>
+      <p:ext uri="{BB962C8B-B14F-4D97-AF65-F5344CB8AC3E}">
+        <p14:creationId xmlns:p14="http://schemas.microsoft.com/office/powerpoint/2010/main" val="4164873100"/>
       </p:ext>
     </p:extLst>
   </p:cSld>

--- a/Presentation/Isolated_presentation.pptx
+++ b/Presentation/Isolated_presentation.pptx
@@ -5,10 +5,10 @@
     <p:sldMasterId id="2147483886" r:id="rId1"/>
   </p:sldMasterIdLst>
   <p:notesMasterIdLst>
-    <p:notesMasterId r:id="rId18"/>
+    <p:notesMasterId r:id="rId31"/>
   </p:notesMasterIdLst>
   <p:handoutMasterIdLst>
-    <p:handoutMasterId r:id="rId19"/>
+    <p:handoutMasterId r:id="rId32"/>
   </p:handoutMasterIdLst>
   <p:sldIdLst>
     <p:sldId id="299" r:id="rId2"/>
@@ -26,7 +26,20 @@
     <p:sldId id="311" r:id="rId14"/>
     <p:sldId id="312" r:id="rId15"/>
     <p:sldId id="313" r:id="rId16"/>
-    <p:sldId id="314" r:id="rId17"/>
+    <p:sldId id="315" r:id="rId17"/>
+    <p:sldId id="316" r:id="rId18"/>
+    <p:sldId id="317" r:id="rId19"/>
+    <p:sldId id="318" r:id="rId20"/>
+    <p:sldId id="319" r:id="rId21"/>
+    <p:sldId id="320" r:id="rId22"/>
+    <p:sldId id="321" r:id="rId23"/>
+    <p:sldId id="322" r:id="rId24"/>
+    <p:sldId id="323" r:id="rId25"/>
+    <p:sldId id="324" r:id="rId26"/>
+    <p:sldId id="325" r:id="rId27"/>
+    <p:sldId id="327" r:id="rId28"/>
+    <p:sldId id="328" r:id="rId29"/>
+    <p:sldId id="314" r:id="rId30"/>
   </p:sldIdLst>
   <p:sldSz cx="9144000" cy="6858000" type="screen4x3"/>
   <p:notesSz cx="6858000" cy="9144000"/>
@@ -8970,8 +8983,8 @@
           </a:p>
         </p:txBody>
       </p:sp>
-      <mc:AlternateContent xmlns:mc="http://schemas.openxmlformats.org/markup-compatibility/2006">
-        <mc:Choice xmlns:a14="http://schemas.microsoft.com/office/drawing/2010/main" Requires="a14">
+      <mc:AlternateContent xmlns:mc="http://schemas.openxmlformats.org/markup-compatibility/2006" xmlns:a14="http://schemas.microsoft.com/office/drawing/2010/main">
+        <mc:Choice Requires="a14">
           <p:sp>
             <p:nvSpPr>
               <p:cNvPr id="5" name="İçerik Yer Tutucusu 4">
@@ -9199,7 +9212,7 @@
             </p:txBody>
           </p:sp>
         </mc:Choice>
-        <mc:Fallback>
+        <mc:Fallback xmlns="">
           <p:sp>
             <p:nvSpPr>
               <p:cNvPr id="5" name="İçerik Yer Tutucusu 4">
@@ -9528,8 +9541,8 @@
           </a:p>
         </p:txBody>
       </p:sp>
-      <mc:AlternateContent xmlns:mc="http://schemas.openxmlformats.org/markup-compatibility/2006">
-        <mc:Choice xmlns:a14="http://schemas.microsoft.com/office/drawing/2010/main" Requires="a14">
+      <mc:AlternateContent xmlns:mc="http://schemas.openxmlformats.org/markup-compatibility/2006" xmlns:a14="http://schemas.microsoft.com/office/drawing/2010/main">
+        <mc:Choice Requires="a14">
           <p:sp>
             <p:nvSpPr>
               <p:cNvPr id="3" name="Metin Yer Tutucusu 2">
@@ -9594,7 +9607,7 @@
             </p:txBody>
           </p:sp>
         </mc:Choice>
-        <mc:Fallback>
+        <mc:Fallback xmlns="">
           <p:sp>
             <p:nvSpPr>
               <p:cNvPr id="3" name="Metin Yer Tutucusu 2">
@@ -9638,8 +9651,8 @@
           </p:sp>
         </mc:Fallback>
       </mc:AlternateContent>
-      <mc:AlternateContent xmlns:mc="http://schemas.openxmlformats.org/markup-compatibility/2006">
-        <mc:Choice xmlns:a14="http://schemas.microsoft.com/office/drawing/2010/main" Requires="a14">
+      <mc:AlternateContent xmlns:mc="http://schemas.openxmlformats.org/markup-compatibility/2006" xmlns:a14="http://schemas.microsoft.com/office/drawing/2010/main">
+        <mc:Choice Requires="a14">
           <p:sp>
             <p:nvSpPr>
               <p:cNvPr id="5" name="İçerik Yer Tutucusu 4">
@@ -9888,7 +9901,7 @@
             </p:txBody>
           </p:sp>
         </mc:Choice>
-        <mc:Fallback>
+        <mc:Fallback xmlns="">
           <p:sp>
             <p:nvSpPr>
               <p:cNvPr id="5" name="İçerik Yer Tutucusu 4">
@@ -9932,8 +9945,8 @@
           </p:sp>
         </mc:Fallback>
       </mc:AlternateContent>
-      <mc:AlternateContent xmlns:mc="http://schemas.openxmlformats.org/markup-compatibility/2006">
-        <mc:Choice xmlns:a14="http://schemas.microsoft.com/office/drawing/2010/main" Requires="a14">
+      <mc:AlternateContent xmlns:mc="http://schemas.openxmlformats.org/markup-compatibility/2006" xmlns:a14="http://schemas.microsoft.com/office/drawing/2010/main">
+        <mc:Choice Requires="a14">
           <p:sp>
             <p:nvSpPr>
               <p:cNvPr id="6" name="İçerik Yer Tutucusu 5">
@@ -10116,7 +10129,7 @@
             </p:txBody>
           </p:sp>
         </mc:Choice>
-        <mc:Fallback>
+        <mc:Fallback xmlns="">
           <p:sp>
             <p:nvSpPr>
               <p:cNvPr id="6" name="İçerik Yer Tutucusu 5">
@@ -10296,8 +10309,8 @@
           </a:p>
         </p:txBody>
       </p:sp>
-      <mc:AlternateContent xmlns:mc="http://schemas.openxmlformats.org/markup-compatibility/2006">
-        <mc:Choice xmlns:a14="http://schemas.microsoft.com/office/drawing/2010/main" Requires="a14">
+      <mc:AlternateContent xmlns:mc="http://schemas.openxmlformats.org/markup-compatibility/2006" xmlns:a14="http://schemas.microsoft.com/office/drawing/2010/main">
+        <mc:Choice Requires="a14">
           <p:sp>
             <p:nvSpPr>
               <p:cNvPr id="3" name="Metin Yer Tutucusu 2">
@@ -10378,7 +10391,7 @@
             </p:txBody>
           </p:sp>
         </mc:Choice>
-        <mc:Fallback>
+        <mc:Fallback xmlns="">
           <p:sp>
             <p:nvSpPr>
               <p:cNvPr id="3" name="Metin Yer Tutucusu 2">
@@ -10422,8 +10435,8 @@
           </p:sp>
         </mc:Fallback>
       </mc:AlternateContent>
-      <mc:AlternateContent xmlns:mc="http://schemas.openxmlformats.org/markup-compatibility/2006">
-        <mc:Choice xmlns:a14="http://schemas.microsoft.com/office/drawing/2010/main" Requires="a14">
+      <mc:AlternateContent xmlns:mc="http://schemas.openxmlformats.org/markup-compatibility/2006" xmlns:a14="http://schemas.microsoft.com/office/drawing/2010/main">
+        <mc:Choice Requires="a14">
           <p:sp>
             <p:nvSpPr>
               <p:cNvPr id="5" name="İçerik Yer Tutucusu 4">
@@ -10583,7 +10596,7 @@
             </p:txBody>
           </p:sp>
         </mc:Choice>
-        <mc:Fallback>
+        <mc:Fallback xmlns="">
           <p:sp>
             <p:nvSpPr>
               <p:cNvPr id="5" name="İçerik Yer Tutucusu 4">
@@ -10983,8 +10996,8 @@
           <a:chExt cx="0" cy="0"/>
         </a:xfrm>
       </p:grpSpPr>
-      <mc:AlternateContent xmlns:mc="http://schemas.openxmlformats.org/markup-compatibility/2006">
-        <mc:Choice xmlns:a14="http://schemas.microsoft.com/office/drawing/2010/main" Requires="a14">
+      <mc:AlternateContent xmlns:mc="http://schemas.openxmlformats.org/markup-compatibility/2006" xmlns:a14="http://schemas.microsoft.com/office/drawing/2010/main">
+        <mc:Choice Requires="a14">
           <p:graphicFrame>
             <p:nvGraphicFramePr>
               <p:cNvPr id="2" name="İçerik Yer Tutucusu 1">
@@ -11100,8 +11113,9 @@
                                 <m:sSub>
                                   <m:sSubPr>
                                     <m:ctrlPr>
-                                      <a:rPr lang="en-US" sz="1800" smtClean="0">
+                                      <a:rPr lang="en-US" sz="1800" i="1" smtClean="0">
                                         <a:effectLst/>
+                                        <a:latin typeface="Cambria Math" panose="02040503050406030204" pitchFamily="18" charset="0"/>
                                       </a:rPr>
                                     </m:ctrlPr>
                                   </m:sSubPr>
@@ -11109,6 +11123,7 @@
                                     <m:r>
                                       <a:rPr lang="en-US" sz="1800">
                                         <a:effectLst/>
+                                        <a:latin typeface="Cambria Math" panose="02040503050406030204" pitchFamily="18" charset="0"/>
                                       </a:rPr>
                                       <m:t>𝐿</m:t>
                                     </m:r>
@@ -11154,8 +11169,9 @@
                               <m:sSub>
                                 <m:sSubPr>
                                   <m:ctrlPr>
-                                    <a:rPr lang="en-US" sz="1800">
+                                    <a:rPr lang="en-US" sz="1800" i="1">
                                       <a:effectLst/>
+                                      <a:latin typeface="Cambria Math" panose="02040503050406030204" pitchFamily="18" charset="0"/>
                                     </a:rPr>
                                   </m:ctrlPr>
                                 </m:sSubPr>
@@ -11163,6 +11179,7 @@
                                   <m:r>
                                     <a:rPr lang="en-US" sz="1800">
                                       <a:effectLst/>
+                                      <a:latin typeface="Cambria Math" panose="02040503050406030204" pitchFamily="18" charset="0"/>
                                     </a:rPr>
                                     <m:t>𝑆</m:t>
                                   </m:r>
@@ -11171,6 +11188,7 @@
                                   <m:r>
                                     <a:rPr lang="en-US" sz="1800">
                                       <a:effectLst/>
+                                      <a:latin typeface="Cambria Math" panose="02040503050406030204" pitchFamily="18" charset="0"/>
                                     </a:rPr>
                                     <m:t>𝑝</m:t>
                                   </m:r>
@@ -11212,8 +11230,9 @@
                               <m:sSub>
                                 <m:sSubPr>
                                   <m:ctrlPr>
-                                    <a:rPr lang="en-US" sz="1800">
+                                    <a:rPr lang="en-US" sz="1800" i="1">
                                       <a:effectLst/>
+                                      <a:latin typeface="Cambria Math" panose="02040503050406030204" pitchFamily="18" charset="0"/>
                                     </a:rPr>
                                   </m:ctrlPr>
                                 </m:sSubPr>
@@ -11221,6 +11240,7 @@
                                   <m:r>
                                     <a:rPr lang="en-US" sz="1800">
                                       <a:effectLst/>
+                                      <a:latin typeface="Cambria Math" panose="02040503050406030204" pitchFamily="18" charset="0"/>
                                     </a:rPr>
                                     <m:t>𝑆</m:t>
                                   </m:r>
@@ -11229,6 +11249,7 @@
                                   <m:r>
                                     <a:rPr lang="en-US" sz="1800">
                                       <a:effectLst/>
+                                      <a:latin typeface="Cambria Math" panose="02040503050406030204" pitchFamily="18" charset="0"/>
                                     </a:rPr>
                                     <m:t>𝑠</m:t>
                                   </m:r>
@@ -11270,8 +11291,9 @@
                               <m:sSub>
                                 <m:sSubPr>
                                   <m:ctrlPr>
-                                    <a:rPr lang="en-US" sz="1800">
+                                    <a:rPr lang="en-US" sz="1800" i="1">
                                       <a:effectLst/>
+                                      <a:latin typeface="Cambria Math" panose="02040503050406030204" pitchFamily="18" charset="0"/>
                                     </a:rPr>
                                   </m:ctrlPr>
                                 </m:sSubPr>
@@ -11279,6 +11301,7 @@
                                   <m:r>
                                     <a:rPr lang="en-US" sz="1800">
                                       <a:effectLst/>
+                                      <a:latin typeface="Cambria Math" panose="02040503050406030204" pitchFamily="18" charset="0"/>
                                     </a:rPr>
                                     <m:t>𝐾</m:t>
                                   </m:r>
@@ -11287,6 +11310,7 @@
                                   <m:r>
                                     <a:rPr lang="en-US" sz="1800">
                                       <a:effectLst/>
+                                      <a:latin typeface="Cambria Math" panose="02040503050406030204" pitchFamily="18" charset="0"/>
                                     </a:rPr>
                                     <m:t>𝑢</m:t>
                                   </m:r>
@@ -11473,7 +11497,7 @@
             </a:graphic>
           </p:graphicFrame>
         </mc:Choice>
-        <mc:Fallback>
+        <mc:Fallback xmlns="">
           <p:graphicFrame>
             <p:nvGraphicFramePr>
               <p:cNvPr id="2" name="İçerik Yer Tutucusu 1">
@@ -11896,10 +11920,1762 @@
           <a:chExt cx="0" cy="0"/>
         </a:xfrm>
       </p:grpSpPr>
+      <p:sp>
+        <p:nvSpPr>
+          <p:cNvPr id="2" name="Title 1"/>
+          <p:cNvSpPr>
+            <a:spLocks noGrp="1"/>
+          </p:cNvSpPr>
+          <p:nvPr>
+            <p:ph type="title"/>
+          </p:nvPr>
+        </p:nvSpPr>
+        <p:spPr/>
+        <p:txBody>
+          <a:bodyPr/>
+          <a:lstStyle/>
+          <a:p>
+            <a:r>
+              <a:rPr lang="en-US" dirty="0"/>
+              <a:t>Component Selection and Simulations</a:t>
+            </a:r>
+            <a:endParaRPr lang="tr-TR" dirty="0"/>
+          </a:p>
+        </p:txBody>
+      </p:sp>
+      <p:sp>
+        <p:nvSpPr>
+          <p:cNvPr id="4" name="Slide Number Placeholder 3"/>
+          <p:cNvSpPr>
+            <a:spLocks noGrp="1"/>
+          </p:cNvSpPr>
+          <p:nvPr>
+            <p:ph type="sldNum" sz="quarter" idx="12"/>
+          </p:nvPr>
+        </p:nvSpPr>
+        <p:spPr/>
+        <p:txBody>
+          <a:bodyPr/>
+          <a:lstStyle/>
+          <a:p>
+            <a:pPr>
+              <a:defRPr/>
+            </a:pPr>
+            <a:fld id="{C878F797-6006-4DDA-AFE9-456F280FE6C5}" type="slidenum">
+              <a:rPr lang="en-US" smtClean="0"/>
+              <a:pPr>
+                <a:defRPr/>
+              </a:pPr>
+              <a:t>16</a:t>
+            </a:fld>
+            <a:endParaRPr lang="en-US" dirty="0"/>
+          </a:p>
+        </p:txBody>
+      </p:sp>
+      <p:sp>
+        <p:nvSpPr>
+          <p:cNvPr id="5" name="Date Placeholder 4"/>
+          <p:cNvSpPr>
+            <a:spLocks noGrp="1"/>
+          </p:cNvSpPr>
+          <p:nvPr>
+            <p:ph type="dt" sz="half" idx="2"/>
+          </p:nvPr>
+        </p:nvSpPr>
+        <p:spPr/>
+        <p:txBody>
+          <a:bodyPr/>
+          <a:lstStyle/>
+          <a:p>
+            <a:pPr>
+              <a:defRPr/>
+            </a:pPr>
+            <a:r>
+              <a:rPr lang="tr-TR"/>
+              <a:t>METU Electrical &amp; Electronics Engineering Department</a:t>
+            </a:r>
+            <a:endParaRPr lang="en-US" dirty="0"/>
+          </a:p>
+        </p:txBody>
+      </p:sp>
+      <p:sp>
+        <p:nvSpPr>
+          <p:cNvPr id="68" name="İçerik Yer Tutucusu 67">
+            <a:extLst>
+              <a:ext uri="{FF2B5EF4-FFF2-40B4-BE49-F238E27FC236}">
+                <a16:creationId xmlns:a16="http://schemas.microsoft.com/office/drawing/2014/main" id="{7FA42AA6-28D8-4CAB-B470-22A40D45E644}"/>
+              </a:ext>
+            </a:extLst>
+          </p:cNvPr>
+          <p:cNvSpPr>
+            <a:spLocks noGrp="1"/>
+          </p:cNvSpPr>
+          <p:nvPr>
+            <p:ph idx="1"/>
+          </p:nvPr>
+        </p:nvSpPr>
+        <p:spPr/>
+        <p:txBody>
+          <a:bodyPr/>
+          <a:lstStyle/>
+          <a:p>
+            <a:endParaRPr lang="en-US" dirty="0"/>
+          </a:p>
+        </p:txBody>
+      </p:sp>
     </p:spTree>
     <p:extLst>
       <p:ext uri="{BB962C8B-B14F-4D97-AF65-F5344CB8AC3E}">
-        <p14:creationId xmlns:p14="http://schemas.microsoft.com/office/powerpoint/2010/main" val="3999664581"/>
+        <p14:creationId xmlns:p14="http://schemas.microsoft.com/office/powerpoint/2010/main" val="1067022936"/>
+      </p:ext>
+    </p:extLst>
+  </p:cSld>
+  <p:clrMapOvr>
+    <a:masterClrMapping/>
+  </p:clrMapOvr>
+</p:sld>
+</file>
+
+<file path=ppt/slides/slide17.xml><?xml version="1.0" encoding="utf-8"?>
+<p:sld xmlns:a="http://schemas.openxmlformats.org/drawingml/2006/main" xmlns:r="http://schemas.openxmlformats.org/officeDocument/2006/relationships" xmlns:p="http://schemas.openxmlformats.org/presentationml/2006/main">
+  <p:cSld>
+    <p:spTree>
+      <p:nvGrpSpPr>
+        <p:cNvPr id="1" name=""/>
+        <p:cNvGrpSpPr/>
+        <p:nvPr/>
+      </p:nvGrpSpPr>
+      <p:grpSpPr>
+        <a:xfrm>
+          <a:off x="0" y="0"/>
+          <a:ext cx="0" cy="0"/>
+          <a:chOff x="0" y="0"/>
+          <a:chExt cx="0" cy="0"/>
+        </a:xfrm>
+      </p:grpSpPr>
+      <p:pic>
+        <p:nvPicPr>
+          <p:cNvPr id="8" name="Resim 7">
+            <a:extLst>
+              <a:ext uri="{FF2B5EF4-FFF2-40B4-BE49-F238E27FC236}">
+                <a16:creationId xmlns:a16="http://schemas.microsoft.com/office/drawing/2014/main" id="{7E048815-5933-4AD8-B5B6-6C3E4D53A9C2}"/>
+              </a:ext>
+            </a:extLst>
+          </p:cNvPr>
+          <p:cNvPicPr>
+            <a:picLocks noChangeAspect="1"/>
+          </p:cNvPicPr>
+          <p:nvPr/>
+        </p:nvPicPr>
+        <p:blipFill>
+          <a:blip r:embed="rId2"/>
+          <a:stretch>
+            <a:fillRect/>
+          </a:stretch>
+        </p:blipFill>
+        <p:spPr>
+          <a:xfrm>
+            <a:off x="0" y="1363663"/>
+            <a:ext cx="9144000" cy="4328771"/>
+          </a:xfrm>
+          <a:prstGeom prst="rect">
+            <a:avLst/>
+          </a:prstGeom>
+        </p:spPr>
+      </p:pic>
+      <p:sp>
+        <p:nvSpPr>
+          <p:cNvPr id="2" name="Başlık 1">
+            <a:extLst>
+              <a:ext uri="{FF2B5EF4-FFF2-40B4-BE49-F238E27FC236}">
+                <a16:creationId xmlns:a16="http://schemas.microsoft.com/office/drawing/2014/main" id="{52C39CEA-CDAA-41D1-8450-9DC9E2B737AF}"/>
+              </a:ext>
+            </a:extLst>
+          </p:cNvPr>
+          <p:cNvSpPr>
+            <a:spLocks noGrp="1"/>
+          </p:cNvSpPr>
+          <p:nvPr>
+            <p:ph type="title"/>
+          </p:nvPr>
+        </p:nvSpPr>
+        <p:spPr/>
+        <p:txBody>
+          <a:bodyPr/>
+          <a:lstStyle/>
+          <a:p>
+            <a:r>
+              <a:rPr lang="en-US" dirty="0"/>
+              <a:t>Controller</a:t>
+            </a:r>
+          </a:p>
+        </p:txBody>
+      </p:sp>
+      <p:graphicFrame>
+        <p:nvGraphicFramePr>
+          <p:cNvPr id="6" name="İçerik Yer Tutucusu 5">
+            <a:extLst>
+              <a:ext uri="{FF2B5EF4-FFF2-40B4-BE49-F238E27FC236}">
+                <a16:creationId xmlns:a16="http://schemas.microsoft.com/office/drawing/2014/main" id="{FBD1CD1B-7E07-4146-B165-1F179204CE70}"/>
+              </a:ext>
+            </a:extLst>
+          </p:cNvPr>
+          <p:cNvGraphicFramePr>
+            <a:graphicFrameLocks noGrp="1"/>
+          </p:cNvGraphicFramePr>
+          <p:nvPr>
+            <p:ph idx="1"/>
+          </p:nvPr>
+        </p:nvGraphicFramePr>
+        <p:xfrm>
+          <a:off x="1057274" y="4694681"/>
+          <a:ext cx="6648140" cy="1302258"/>
+        </p:xfrm>
+        <a:graphic>
+          <a:graphicData uri="http://schemas.openxmlformats.org/drawingml/2006/table">
+            <a:tbl>
+              <a:tblPr firstRow="1" firstCol="1" bandRow="1">
+                <a:tableStyleId>{5C22544A-7EE6-4342-B048-85BDC9FD1C3A}</a:tableStyleId>
+              </a:tblPr>
+              <a:tblGrid>
+                <a:gridCol w="3324070">
+                  <a:extLst>
+                    <a:ext uri="{9D8B030D-6E8A-4147-A177-3AD203B41FA5}">
+                      <a16:colId xmlns:a16="http://schemas.microsoft.com/office/drawing/2014/main" val="261398621"/>
+                    </a:ext>
+                  </a:extLst>
+                </a:gridCol>
+                <a:gridCol w="3324070">
+                  <a:extLst>
+                    <a:ext uri="{9D8B030D-6E8A-4147-A177-3AD203B41FA5}">
+                      <a16:colId xmlns:a16="http://schemas.microsoft.com/office/drawing/2014/main" val="564804672"/>
+                    </a:ext>
+                  </a:extLst>
+                </a:gridCol>
+              </a:tblGrid>
+              <a:tr h="215075">
+                <a:tc>
+                  <a:txBody>
+                    <a:bodyPr/>
+                    <a:lstStyle/>
+                    <a:p>
+                      <a:pPr marL="0" marR="0" algn="just">
+                        <a:lnSpc>
+                          <a:spcPct val="107000"/>
+                        </a:lnSpc>
+                        <a:spcBef>
+                          <a:spcPts val="0"/>
+                        </a:spcBef>
+                        <a:spcAft>
+                          <a:spcPts val="0"/>
+                        </a:spcAft>
+                      </a:pPr>
+                      <a:r>
+                        <a:rPr lang="en-US" sz="1400" dirty="0">
+                          <a:effectLst/>
+                        </a:rPr>
+                        <a:t>Parameter</a:t>
+                      </a:r>
+                      <a:endParaRPr lang="en-US" sz="1400" dirty="0">
+                        <a:effectLst/>
+                        <a:latin typeface="Times New Roman" panose="02020603050405020304" pitchFamily="18" charset="0"/>
+                        <a:ea typeface="Calibri" panose="020F0502020204030204" pitchFamily="34" charset="0"/>
+                        <a:cs typeface="Times New Roman" panose="02020603050405020304" pitchFamily="18" charset="0"/>
+                      </a:endParaRPr>
+                    </a:p>
+                  </a:txBody>
+                  <a:tcPr marL="79249" marR="79249" marT="0" marB="0"/>
+                </a:tc>
+                <a:tc>
+                  <a:txBody>
+                    <a:bodyPr/>
+                    <a:lstStyle/>
+                    <a:p>
+                      <a:pPr marL="0" marR="0" algn="just">
+                        <a:lnSpc>
+                          <a:spcPct val="107000"/>
+                        </a:lnSpc>
+                        <a:spcBef>
+                          <a:spcPts val="0"/>
+                        </a:spcBef>
+                        <a:spcAft>
+                          <a:spcPts val="0"/>
+                        </a:spcAft>
+                      </a:pPr>
+                      <a:r>
+                        <a:rPr lang="en-US" sz="1400">
+                          <a:effectLst/>
+                        </a:rPr>
+                        <a:t>Value - Description</a:t>
+                      </a:r>
+                      <a:endParaRPr lang="en-US" sz="1400">
+                        <a:effectLst/>
+                        <a:latin typeface="Times New Roman" panose="02020603050405020304" pitchFamily="18" charset="0"/>
+                        <a:ea typeface="Calibri" panose="020F0502020204030204" pitchFamily="34" charset="0"/>
+                        <a:cs typeface="Times New Roman" panose="02020603050405020304" pitchFamily="18" charset="0"/>
+                      </a:endParaRPr>
+                    </a:p>
+                  </a:txBody>
+                  <a:tcPr marL="79249" marR="79249" marT="0" marB="0"/>
+                </a:tc>
+                <a:extLst>
+                  <a:ext uri="{0D108BD9-81ED-4DB2-BD59-A6C34878D82A}">
+                    <a16:rowId xmlns:a16="http://schemas.microsoft.com/office/drawing/2014/main" val="1665039419"/>
+                  </a:ext>
+                </a:extLst>
+              </a:tr>
+              <a:tr h="215075">
+                <a:tc>
+                  <a:txBody>
+                    <a:bodyPr/>
+                    <a:lstStyle/>
+                    <a:p>
+                      <a:pPr marL="0" marR="0" algn="just">
+                        <a:lnSpc>
+                          <a:spcPct val="107000"/>
+                        </a:lnSpc>
+                        <a:spcBef>
+                          <a:spcPts val="0"/>
+                        </a:spcBef>
+                        <a:spcAft>
+                          <a:spcPts val="0"/>
+                        </a:spcAft>
+                      </a:pPr>
+                      <a:r>
+                        <a:rPr lang="en-US" sz="1400">
+                          <a:effectLst/>
+                        </a:rPr>
+                        <a:t>V</a:t>
+                      </a:r>
+                      <a:r>
+                        <a:rPr lang="en-US" sz="1400" baseline="-25000">
+                          <a:effectLst/>
+                        </a:rPr>
+                        <a:t>in</a:t>
+                      </a:r>
+                      <a:endParaRPr lang="en-US" sz="1400">
+                        <a:effectLst/>
+                        <a:latin typeface="Times New Roman" panose="02020603050405020304" pitchFamily="18" charset="0"/>
+                        <a:ea typeface="Calibri" panose="020F0502020204030204" pitchFamily="34" charset="0"/>
+                        <a:cs typeface="Times New Roman" panose="02020603050405020304" pitchFamily="18" charset="0"/>
+                      </a:endParaRPr>
+                    </a:p>
+                  </a:txBody>
+                  <a:tcPr marL="79249" marR="79249" marT="0" marB="0"/>
+                </a:tc>
+                <a:tc>
+                  <a:txBody>
+                    <a:bodyPr/>
+                    <a:lstStyle/>
+                    <a:p>
+                      <a:pPr marL="0" marR="0" algn="just">
+                        <a:lnSpc>
+                          <a:spcPct val="107000"/>
+                        </a:lnSpc>
+                        <a:spcBef>
+                          <a:spcPts val="0"/>
+                        </a:spcBef>
+                        <a:spcAft>
+                          <a:spcPts val="0"/>
+                        </a:spcAft>
+                      </a:pPr>
+                      <a:r>
+                        <a:rPr lang="en-US" sz="1400" dirty="0">
+                          <a:effectLst/>
+                        </a:rPr>
+                        <a:t>16V – 600V</a:t>
+                      </a:r>
+                      <a:endParaRPr lang="en-US" sz="1400" dirty="0">
+                        <a:effectLst/>
+                        <a:latin typeface="Times New Roman" panose="02020603050405020304" pitchFamily="18" charset="0"/>
+                        <a:ea typeface="Calibri" panose="020F0502020204030204" pitchFamily="34" charset="0"/>
+                        <a:cs typeface="Times New Roman" panose="02020603050405020304" pitchFamily="18" charset="0"/>
+                      </a:endParaRPr>
+                    </a:p>
+                  </a:txBody>
+                  <a:tcPr marL="79249" marR="79249" marT="0" marB="0"/>
+                </a:tc>
+                <a:extLst>
+                  <a:ext uri="{0D108BD9-81ED-4DB2-BD59-A6C34878D82A}">
+                    <a16:rowId xmlns:a16="http://schemas.microsoft.com/office/drawing/2014/main" val="3572624395"/>
+                  </a:ext>
+                </a:extLst>
+              </a:tr>
+              <a:tr h="215075">
+                <a:tc>
+                  <a:txBody>
+                    <a:bodyPr/>
+                    <a:lstStyle/>
+                    <a:p>
+                      <a:pPr marL="0" marR="0" algn="just">
+                        <a:lnSpc>
+                          <a:spcPct val="107000"/>
+                        </a:lnSpc>
+                        <a:spcBef>
+                          <a:spcPts val="0"/>
+                        </a:spcBef>
+                        <a:spcAft>
+                          <a:spcPts val="0"/>
+                        </a:spcAft>
+                      </a:pPr>
+                      <a:r>
+                        <a:rPr lang="tr-TR" sz="1400">
+                          <a:effectLst/>
+                        </a:rPr>
+                        <a:t>F</a:t>
+                      </a:r>
+                      <a:r>
+                        <a:rPr lang="tr-TR" sz="1400" baseline="-25000">
+                          <a:effectLst/>
+                        </a:rPr>
+                        <a:t>SW(Min)</a:t>
+                      </a:r>
+                      <a:endParaRPr lang="en-US" sz="1400">
+                        <a:effectLst/>
+                        <a:latin typeface="Times New Roman" panose="02020603050405020304" pitchFamily="18" charset="0"/>
+                        <a:ea typeface="Calibri" panose="020F0502020204030204" pitchFamily="34" charset="0"/>
+                        <a:cs typeface="Times New Roman" panose="02020603050405020304" pitchFamily="18" charset="0"/>
+                      </a:endParaRPr>
+                    </a:p>
+                  </a:txBody>
+                  <a:tcPr marL="79249" marR="79249" marT="0" marB="0"/>
+                </a:tc>
+                <a:tc>
+                  <a:txBody>
+                    <a:bodyPr/>
+                    <a:lstStyle/>
+                    <a:p>
+                      <a:pPr marL="0" marR="0" algn="just">
+                        <a:lnSpc>
+                          <a:spcPct val="107000"/>
+                        </a:lnSpc>
+                        <a:spcBef>
+                          <a:spcPts val="0"/>
+                        </a:spcBef>
+                        <a:spcAft>
+                          <a:spcPts val="0"/>
+                        </a:spcAft>
+                      </a:pPr>
+                      <a:r>
+                        <a:rPr lang="en-US" sz="1400">
+                          <a:effectLst/>
+                        </a:rPr>
+                        <a:t>3 kHz </a:t>
+                      </a:r>
+                      <a:endParaRPr lang="en-US" sz="1400">
+                        <a:effectLst/>
+                        <a:latin typeface="Times New Roman" panose="02020603050405020304" pitchFamily="18" charset="0"/>
+                        <a:ea typeface="Calibri" panose="020F0502020204030204" pitchFamily="34" charset="0"/>
+                        <a:cs typeface="Times New Roman" panose="02020603050405020304" pitchFamily="18" charset="0"/>
+                      </a:endParaRPr>
+                    </a:p>
+                  </a:txBody>
+                  <a:tcPr marL="79249" marR="79249" marT="0" marB="0"/>
+                </a:tc>
+                <a:extLst>
+                  <a:ext uri="{0D108BD9-81ED-4DB2-BD59-A6C34878D82A}">
+                    <a16:rowId xmlns:a16="http://schemas.microsoft.com/office/drawing/2014/main" val="303465840"/>
+                  </a:ext>
+                </a:extLst>
+              </a:tr>
+              <a:tr h="215075">
+                <a:tc>
+                  <a:txBody>
+                    <a:bodyPr/>
+                    <a:lstStyle/>
+                    <a:p>
+                      <a:pPr marL="0" marR="0" algn="just">
+                        <a:lnSpc>
+                          <a:spcPct val="107000"/>
+                        </a:lnSpc>
+                        <a:spcBef>
+                          <a:spcPts val="0"/>
+                        </a:spcBef>
+                        <a:spcAft>
+                          <a:spcPts val="0"/>
+                        </a:spcAft>
+                      </a:pPr>
+                      <a:r>
+                        <a:rPr lang="tr-TR" sz="1400">
+                          <a:effectLst/>
+                        </a:rPr>
+                        <a:t>F</a:t>
+                      </a:r>
+                      <a:r>
+                        <a:rPr lang="tr-TR" sz="1400" baseline="-25000">
+                          <a:effectLst/>
+                        </a:rPr>
+                        <a:t>SW(Max)</a:t>
+                      </a:r>
+                      <a:endParaRPr lang="en-US" sz="1400">
+                        <a:effectLst/>
+                        <a:latin typeface="Times New Roman" panose="02020603050405020304" pitchFamily="18" charset="0"/>
+                        <a:ea typeface="Calibri" panose="020F0502020204030204" pitchFamily="34" charset="0"/>
+                        <a:cs typeface="Times New Roman" panose="02020603050405020304" pitchFamily="18" charset="0"/>
+                      </a:endParaRPr>
+                    </a:p>
+                  </a:txBody>
+                  <a:tcPr marL="79249" marR="79249" marT="0" marB="0"/>
+                </a:tc>
+                <a:tc>
+                  <a:txBody>
+                    <a:bodyPr/>
+                    <a:lstStyle/>
+                    <a:p>
+                      <a:pPr marL="0" marR="0" algn="just">
+                        <a:lnSpc>
+                          <a:spcPct val="107000"/>
+                        </a:lnSpc>
+                        <a:spcBef>
+                          <a:spcPts val="0"/>
+                        </a:spcBef>
+                        <a:spcAft>
+                          <a:spcPts val="0"/>
+                        </a:spcAft>
+                      </a:pPr>
+                      <a:r>
+                        <a:rPr lang="en-US" sz="1400">
+                          <a:effectLst/>
+                        </a:rPr>
+                        <a:t>140 kHz</a:t>
+                      </a:r>
+                      <a:endParaRPr lang="en-US" sz="1400">
+                        <a:effectLst/>
+                        <a:latin typeface="Times New Roman" panose="02020603050405020304" pitchFamily="18" charset="0"/>
+                        <a:ea typeface="Calibri" panose="020F0502020204030204" pitchFamily="34" charset="0"/>
+                        <a:cs typeface="Times New Roman" panose="02020603050405020304" pitchFamily="18" charset="0"/>
+                      </a:endParaRPr>
+                    </a:p>
+                  </a:txBody>
+                  <a:tcPr marL="79249" marR="79249" marT="0" marB="0"/>
+                </a:tc>
+                <a:extLst>
+                  <a:ext uri="{0D108BD9-81ED-4DB2-BD59-A6C34878D82A}">
+                    <a16:rowId xmlns:a16="http://schemas.microsoft.com/office/drawing/2014/main" val="1762626419"/>
+                  </a:ext>
+                </a:extLst>
+              </a:tr>
+              <a:tr h="215075">
+                <a:tc>
+                  <a:txBody>
+                    <a:bodyPr/>
+                    <a:lstStyle/>
+                    <a:p>
+                      <a:pPr marL="0" marR="0" algn="just">
+                        <a:lnSpc>
+                          <a:spcPct val="107000"/>
+                        </a:lnSpc>
+                        <a:spcBef>
+                          <a:spcPts val="0"/>
+                        </a:spcBef>
+                        <a:spcAft>
+                          <a:spcPts val="0"/>
+                        </a:spcAft>
+                      </a:pPr>
+                      <a:r>
+                        <a:rPr lang="tr-TR" sz="1400">
+                          <a:effectLst/>
+                        </a:rPr>
+                        <a:t>Operating Junction Temperature</a:t>
+                      </a:r>
+                      <a:endParaRPr lang="en-US" sz="1400">
+                        <a:effectLst/>
+                        <a:latin typeface="Times New Roman" panose="02020603050405020304" pitchFamily="18" charset="0"/>
+                        <a:ea typeface="Calibri" panose="020F0502020204030204" pitchFamily="34" charset="0"/>
+                        <a:cs typeface="Times New Roman" panose="02020603050405020304" pitchFamily="18" charset="0"/>
+                      </a:endParaRPr>
+                    </a:p>
+                  </a:txBody>
+                  <a:tcPr marL="79249" marR="79249" marT="0" marB="0"/>
+                </a:tc>
+                <a:tc>
+                  <a:txBody>
+                    <a:bodyPr/>
+                    <a:lstStyle/>
+                    <a:p>
+                      <a:pPr marL="0" marR="0" algn="just">
+                        <a:lnSpc>
+                          <a:spcPct val="107000"/>
+                        </a:lnSpc>
+                        <a:spcBef>
+                          <a:spcPts val="0"/>
+                        </a:spcBef>
+                        <a:spcAft>
+                          <a:spcPts val="0"/>
+                        </a:spcAft>
+                      </a:pPr>
+                      <a:r>
+                        <a:rPr lang="en-US" sz="1400">
+                          <a:effectLst/>
+                        </a:rPr>
+                        <a:t>-40 – 125</a:t>
+                      </a:r>
+                      <a:r>
+                        <a:rPr lang="en-US" sz="1400" baseline="30000">
+                          <a:effectLst/>
+                        </a:rPr>
+                        <a:t>o</a:t>
+                      </a:r>
+                      <a:r>
+                        <a:rPr lang="en-US" sz="1400">
+                          <a:effectLst/>
+                        </a:rPr>
+                        <a:t>C</a:t>
+                      </a:r>
+                      <a:endParaRPr lang="en-US" sz="1400">
+                        <a:effectLst/>
+                        <a:latin typeface="Times New Roman" panose="02020603050405020304" pitchFamily="18" charset="0"/>
+                        <a:ea typeface="Calibri" panose="020F0502020204030204" pitchFamily="34" charset="0"/>
+                        <a:cs typeface="Times New Roman" panose="02020603050405020304" pitchFamily="18" charset="0"/>
+                      </a:endParaRPr>
+                    </a:p>
+                  </a:txBody>
+                  <a:tcPr marL="79249" marR="79249" marT="0" marB="0"/>
+                </a:tc>
+                <a:extLst>
+                  <a:ext uri="{0D108BD9-81ED-4DB2-BD59-A6C34878D82A}">
+                    <a16:rowId xmlns:a16="http://schemas.microsoft.com/office/drawing/2014/main" val="1803669439"/>
+                  </a:ext>
+                </a:extLst>
+              </a:tr>
+              <a:tr h="215075">
+                <a:tc>
+                  <a:txBody>
+                    <a:bodyPr/>
+                    <a:lstStyle/>
+                    <a:p>
+                      <a:pPr marL="0" marR="0" algn="just">
+                        <a:lnSpc>
+                          <a:spcPct val="107000"/>
+                        </a:lnSpc>
+                        <a:spcBef>
+                          <a:spcPts val="0"/>
+                        </a:spcBef>
+                        <a:spcAft>
+                          <a:spcPts val="0"/>
+                        </a:spcAft>
+                      </a:pPr>
+                      <a:r>
+                        <a:rPr lang="en-US" sz="1400">
+                          <a:effectLst/>
+                        </a:rPr>
+                        <a:t>Price</a:t>
+                      </a:r>
+                      <a:endParaRPr lang="en-US" sz="1400">
+                        <a:effectLst/>
+                        <a:latin typeface="Times New Roman" panose="02020603050405020304" pitchFamily="18" charset="0"/>
+                        <a:ea typeface="Calibri" panose="020F0502020204030204" pitchFamily="34" charset="0"/>
+                        <a:cs typeface="Times New Roman" panose="02020603050405020304" pitchFamily="18" charset="0"/>
+                      </a:endParaRPr>
+                    </a:p>
+                  </a:txBody>
+                  <a:tcPr marL="79249" marR="79249" marT="0" marB="0"/>
+                </a:tc>
+                <a:tc>
+                  <a:txBody>
+                    <a:bodyPr/>
+                    <a:lstStyle/>
+                    <a:p>
+                      <a:pPr marL="0" marR="0" algn="just">
+                        <a:lnSpc>
+                          <a:spcPct val="107000"/>
+                        </a:lnSpc>
+                        <a:spcBef>
+                          <a:spcPts val="0"/>
+                        </a:spcBef>
+                        <a:spcAft>
+                          <a:spcPts val="0"/>
+                        </a:spcAft>
+                      </a:pPr>
+                      <a:r>
+                        <a:rPr lang="tr-TR" sz="1400" dirty="0">
+                          <a:effectLst/>
+                        </a:rPr>
+                        <a:t>$2.18</a:t>
+                      </a:r>
+                      <a:r>
+                        <a:rPr lang="en-US" sz="1400" dirty="0">
+                          <a:effectLst/>
+                        </a:rPr>
+                        <a:t> (1000+ order)</a:t>
+                      </a:r>
+                      <a:endParaRPr lang="en-US" sz="1400" dirty="0">
+                        <a:effectLst/>
+                        <a:latin typeface="Times New Roman" panose="02020603050405020304" pitchFamily="18" charset="0"/>
+                        <a:ea typeface="Calibri" panose="020F0502020204030204" pitchFamily="34" charset="0"/>
+                        <a:cs typeface="Times New Roman" panose="02020603050405020304" pitchFamily="18" charset="0"/>
+                      </a:endParaRPr>
+                    </a:p>
+                  </a:txBody>
+                  <a:tcPr marL="79249" marR="79249" marT="0" marB="0"/>
+                </a:tc>
+                <a:extLst>
+                  <a:ext uri="{0D108BD9-81ED-4DB2-BD59-A6C34878D82A}">
+                    <a16:rowId xmlns:a16="http://schemas.microsoft.com/office/drawing/2014/main" val="1303432576"/>
+                  </a:ext>
+                </a:extLst>
+              </a:tr>
+            </a:tbl>
+          </a:graphicData>
+        </a:graphic>
+      </p:graphicFrame>
+      <p:sp>
+        <p:nvSpPr>
+          <p:cNvPr id="4" name="Slayt Numarası Yer Tutucusu 3">
+            <a:extLst>
+              <a:ext uri="{FF2B5EF4-FFF2-40B4-BE49-F238E27FC236}">
+                <a16:creationId xmlns:a16="http://schemas.microsoft.com/office/drawing/2014/main" id="{5F5E7CC6-A653-49A3-A423-965EC87822C0}"/>
+              </a:ext>
+            </a:extLst>
+          </p:cNvPr>
+          <p:cNvSpPr>
+            <a:spLocks noGrp="1"/>
+          </p:cNvSpPr>
+          <p:nvPr>
+            <p:ph type="sldNum" sz="quarter" idx="12"/>
+          </p:nvPr>
+        </p:nvSpPr>
+        <p:spPr/>
+        <p:txBody>
+          <a:bodyPr/>
+          <a:lstStyle/>
+          <a:p>
+            <a:pPr>
+              <a:defRPr/>
+            </a:pPr>
+            <a:fld id="{C878F797-6006-4DDA-AFE9-456F280FE6C5}" type="slidenum">
+              <a:rPr lang="en-US" smtClean="0"/>
+              <a:pPr>
+                <a:defRPr/>
+              </a:pPr>
+              <a:t>17</a:t>
+            </a:fld>
+            <a:endParaRPr lang="en-US" dirty="0"/>
+          </a:p>
+        </p:txBody>
+      </p:sp>
+      <p:sp>
+        <p:nvSpPr>
+          <p:cNvPr id="5" name="Veri Yer Tutucusu 4">
+            <a:extLst>
+              <a:ext uri="{FF2B5EF4-FFF2-40B4-BE49-F238E27FC236}">
+                <a16:creationId xmlns:a16="http://schemas.microsoft.com/office/drawing/2014/main" id="{EFDB1BA8-DE0D-4DF1-B5E5-EEFCA2FA58E5}"/>
+              </a:ext>
+            </a:extLst>
+          </p:cNvPr>
+          <p:cNvSpPr>
+            <a:spLocks noGrp="1"/>
+          </p:cNvSpPr>
+          <p:nvPr>
+            <p:ph type="dt" sz="half" idx="2"/>
+          </p:nvPr>
+        </p:nvSpPr>
+        <p:spPr/>
+        <p:txBody>
+          <a:bodyPr/>
+          <a:lstStyle/>
+          <a:p>
+            <a:pPr>
+              <a:defRPr/>
+            </a:pPr>
+            <a:r>
+              <a:rPr lang="tr-TR"/>
+              <a:t>METU Electrical &amp; Electronics Engineering Department</a:t>
+            </a:r>
+            <a:endParaRPr lang="en-US" dirty="0"/>
+          </a:p>
+        </p:txBody>
+      </p:sp>
+    </p:spTree>
+    <p:extLst>
+      <p:ext uri="{BB962C8B-B14F-4D97-AF65-F5344CB8AC3E}">
+        <p14:creationId xmlns:p14="http://schemas.microsoft.com/office/powerpoint/2010/main" val="4235214600"/>
+      </p:ext>
+    </p:extLst>
+  </p:cSld>
+  <p:clrMapOvr>
+    <a:masterClrMapping/>
+  </p:clrMapOvr>
+</p:sld>
+</file>
+
+<file path=ppt/slides/slide18.xml><?xml version="1.0" encoding="utf-8"?>
+<p:sld xmlns:a="http://schemas.openxmlformats.org/drawingml/2006/main" xmlns:r="http://schemas.openxmlformats.org/officeDocument/2006/relationships" xmlns:p="http://schemas.openxmlformats.org/presentationml/2006/main">
+  <p:cSld>
+    <p:spTree>
+      <p:nvGrpSpPr>
+        <p:cNvPr id="1" name=""/>
+        <p:cNvGrpSpPr/>
+        <p:nvPr/>
+      </p:nvGrpSpPr>
+      <p:grpSpPr>
+        <a:xfrm>
+          <a:off x="0" y="0"/>
+          <a:ext cx="0" cy="0"/>
+          <a:chOff x="0" y="0"/>
+          <a:chExt cx="0" cy="0"/>
+        </a:xfrm>
+      </p:grpSpPr>
+      <p:pic>
+        <p:nvPicPr>
+          <p:cNvPr id="10" name="Resim 9">
+            <a:extLst>
+              <a:ext uri="{FF2B5EF4-FFF2-40B4-BE49-F238E27FC236}">
+                <a16:creationId xmlns:a16="http://schemas.microsoft.com/office/drawing/2014/main" id="{A4DD9004-7807-411D-81C3-3DD522C4E635}"/>
+              </a:ext>
+            </a:extLst>
+          </p:cNvPr>
+          <p:cNvPicPr>
+            <a:picLocks noChangeAspect="1"/>
+          </p:cNvPicPr>
+          <p:nvPr/>
+        </p:nvPicPr>
+        <p:blipFill>
+          <a:blip r:embed="rId2"/>
+          <a:stretch>
+            <a:fillRect/>
+          </a:stretch>
+        </p:blipFill>
+        <p:spPr>
+          <a:xfrm>
+            <a:off x="2933699" y="1363663"/>
+            <a:ext cx="2828925" cy="4212638"/>
+          </a:xfrm>
+          <a:prstGeom prst="rect">
+            <a:avLst/>
+          </a:prstGeom>
+          <a:effectLst/>
+        </p:spPr>
+      </p:pic>
+      <p:sp>
+        <p:nvSpPr>
+          <p:cNvPr id="2" name="Başlık 1">
+            <a:extLst>
+              <a:ext uri="{FF2B5EF4-FFF2-40B4-BE49-F238E27FC236}">
+                <a16:creationId xmlns:a16="http://schemas.microsoft.com/office/drawing/2014/main" id="{DE40FD8D-5CA0-4AF1-B278-47594B6A3484}"/>
+              </a:ext>
+            </a:extLst>
+          </p:cNvPr>
+          <p:cNvSpPr>
+            <a:spLocks noGrp="1"/>
+          </p:cNvSpPr>
+          <p:nvPr>
+            <p:ph type="title"/>
+          </p:nvPr>
+        </p:nvSpPr>
+        <p:spPr/>
+        <p:txBody>
+          <a:bodyPr/>
+          <a:lstStyle/>
+          <a:p>
+            <a:r>
+              <a:rPr lang="en-US" dirty="0" err="1"/>
+              <a:t>Mosfet</a:t>
+            </a:r>
+            <a:r>
+              <a:rPr lang="en-US" dirty="0"/>
+              <a:t> (</a:t>
+            </a:r>
+            <a:r>
+              <a:rPr lang="en-US" sz="1800" dirty="0">
+                <a:effectLst/>
+                <a:latin typeface="Times New Roman" panose="02020603050405020304" pitchFamily="18" charset="0"/>
+                <a:ea typeface="Calibri" panose="020F0502020204030204" pitchFamily="34" charset="0"/>
+              </a:rPr>
+              <a:t>IPAN70R450P7S</a:t>
+            </a:r>
+            <a:r>
+              <a:rPr lang="en-US" dirty="0"/>
+              <a:t>)</a:t>
+            </a:r>
+          </a:p>
+        </p:txBody>
+      </p:sp>
+      <p:graphicFrame>
+        <p:nvGraphicFramePr>
+          <p:cNvPr id="6" name="İçerik Yer Tutucusu 5">
+            <a:extLst>
+              <a:ext uri="{FF2B5EF4-FFF2-40B4-BE49-F238E27FC236}">
+                <a16:creationId xmlns:a16="http://schemas.microsoft.com/office/drawing/2014/main" id="{7DCD406F-D63D-4494-B146-D357D85988D0}"/>
+              </a:ext>
+            </a:extLst>
+          </p:cNvPr>
+          <p:cNvGraphicFramePr>
+            <a:graphicFrameLocks noGrp="1"/>
+          </p:cNvGraphicFramePr>
+          <p:nvPr>
+            <p:ph idx="1"/>
+          </p:nvPr>
+        </p:nvGraphicFramePr>
+        <p:xfrm>
+          <a:off x="457200" y="3697796"/>
+          <a:ext cx="5762626" cy="1979103"/>
+        </p:xfrm>
+        <a:graphic>
+          <a:graphicData uri="http://schemas.openxmlformats.org/drawingml/2006/table">
+            <a:tbl>
+              <a:tblPr firstRow="1" firstCol="1" bandRow="1">
+                <a:tableStyleId>{5C22544A-7EE6-4342-B048-85BDC9FD1C3A}</a:tableStyleId>
+              </a:tblPr>
+              <a:tblGrid>
+                <a:gridCol w="2881313">
+                  <a:extLst>
+                    <a:ext uri="{9D8B030D-6E8A-4147-A177-3AD203B41FA5}">
+                      <a16:colId xmlns:a16="http://schemas.microsoft.com/office/drawing/2014/main" val="86902463"/>
+                    </a:ext>
+                  </a:extLst>
+                </a:gridCol>
+                <a:gridCol w="2881313">
+                  <a:extLst>
+                    <a:ext uri="{9D8B030D-6E8A-4147-A177-3AD203B41FA5}">
+                      <a16:colId xmlns:a16="http://schemas.microsoft.com/office/drawing/2014/main" val="514158778"/>
+                    </a:ext>
+                  </a:extLst>
+                </a:gridCol>
+              </a:tblGrid>
+              <a:tr h="282729">
+                <a:tc>
+                  <a:txBody>
+                    <a:bodyPr/>
+                    <a:lstStyle/>
+                    <a:p>
+                      <a:pPr marL="0" marR="0" algn="just">
+                        <a:lnSpc>
+                          <a:spcPct val="107000"/>
+                        </a:lnSpc>
+                        <a:spcBef>
+                          <a:spcPts val="0"/>
+                        </a:spcBef>
+                        <a:spcAft>
+                          <a:spcPts val="0"/>
+                        </a:spcAft>
+                      </a:pPr>
+                      <a:r>
+                        <a:rPr lang="en-US" sz="1400" dirty="0">
+                          <a:effectLst/>
+                        </a:rPr>
+                        <a:t>Parameter</a:t>
+                      </a:r>
+                      <a:endParaRPr lang="en-US" sz="1400" dirty="0">
+                        <a:effectLst/>
+                        <a:latin typeface="Times New Roman" panose="02020603050405020304" pitchFamily="18" charset="0"/>
+                        <a:ea typeface="Calibri" panose="020F0502020204030204" pitchFamily="34" charset="0"/>
+                        <a:cs typeface="Times New Roman" panose="02020603050405020304" pitchFamily="18" charset="0"/>
+                      </a:endParaRPr>
+                    </a:p>
+                  </a:txBody>
+                  <a:tcPr marL="81697" marR="81697" marT="0" marB="0"/>
+                </a:tc>
+                <a:tc>
+                  <a:txBody>
+                    <a:bodyPr/>
+                    <a:lstStyle/>
+                    <a:p>
+                      <a:pPr marL="0" marR="0" algn="just">
+                        <a:lnSpc>
+                          <a:spcPct val="107000"/>
+                        </a:lnSpc>
+                        <a:spcBef>
+                          <a:spcPts val="0"/>
+                        </a:spcBef>
+                        <a:spcAft>
+                          <a:spcPts val="0"/>
+                        </a:spcAft>
+                      </a:pPr>
+                      <a:r>
+                        <a:rPr lang="en-US" sz="1400">
+                          <a:effectLst/>
+                        </a:rPr>
+                        <a:t>Value - Description</a:t>
+                      </a:r>
+                      <a:endParaRPr lang="en-US" sz="1400">
+                        <a:effectLst/>
+                        <a:latin typeface="Times New Roman" panose="02020603050405020304" pitchFamily="18" charset="0"/>
+                        <a:ea typeface="Calibri" panose="020F0502020204030204" pitchFamily="34" charset="0"/>
+                        <a:cs typeface="Times New Roman" panose="02020603050405020304" pitchFamily="18" charset="0"/>
+                      </a:endParaRPr>
+                    </a:p>
+                  </a:txBody>
+                  <a:tcPr marL="81697" marR="81697" marT="0" marB="0"/>
+                </a:tc>
+                <a:extLst>
+                  <a:ext uri="{0D108BD9-81ED-4DB2-BD59-A6C34878D82A}">
+                    <a16:rowId xmlns:a16="http://schemas.microsoft.com/office/drawing/2014/main" val="758037178"/>
+                  </a:ext>
+                </a:extLst>
+              </a:tr>
+              <a:tr h="282729">
+                <a:tc>
+                  <a:txBody>
+                    <a:bodyPr/>
+                    <a:lstStyle/>
+                    <a:p>
+                      <a:pPr marL="0" marR="0" algn="just">
+                        <a:lnSpc>
+                          <a:spcPct val="107000"/>
+                        </a:lnSpc>
+                        <a:spcBef>
+                          <a:spcPts val="0"/>
+                        </a:spcBef>
+                        <a:spcAft>
+                          <a:spcPts val="0"/>
+                        </a:spcAft>
+                      </a:pPr>
+                      <a:r>
+                        <a:rPr lang="en-US" sz="1400">
+                          <a:effectLst/>
+                        </a:rPr>
+                        <a:t>V</a:t>
+                      </a:r>
+                      <a:r>
+                        <a:rPr lang="en-US" sz="1400" baseline="-25000">
+                          <a:effectLst/>
+                        </a:rPr>
+                        <a:t>DS</a:t>
+                      </a:r>
+                      <a:r>
+                        <a:rPr lang="en-US" sz="1400">
+                          <a:effectLst/>
+                        </a:rPr>
+                        <a:t> , Breakdown voltage</a:t>
+                      </a:r>
+                      <a:endParaRPr lang="en-US" sz="1400">
+                        <a:effectLst/>
+                        <a:latin typeface="Times New Roman" panose="02020603050405020304" pitchFamily="18" charset="0"/>
+                        <a:ea typeface="Calibri" panose="020F0502020204030204" pitchFamily="34" charset="0"/>
+                        <a:cs typeface="Times New Roman" panose="02020603050405020304" pitchFamily="18" charset="0"/>
+                      </a:endParaRPr>
+                    </a:p>
+                  </a:txBody>
+                  <a:tcPr marL="81697" marR="81697" marT="0" marB="0"/>
+                </a:tc>
+                <a:tc>
+                  <a:txBody>
+                    <a:bodyPr/>
+                    <a:lstStyle/>
+                    <a:p>
+                      <a:pPr marL="0" marR="0" algn="just">
+                        <a:lnSpc>
+                          <a:spcPct val="107000"/>
+                        </a:lnSpc>
+                        <a:spcBef>
+                          <a:spcPts val="0"/>
+                        </a:spcBef>
+                        <a:spcAft>
+                          <a:spcPts val="0"/>
+                        </a:spcAft>
+                      </a:pPr>
+                      <a:r>
+                        <a:rPr lang="en-US" sz="1400">
+                          <a:effectLst/>
+                        </a:rPr>
+                        <a:t>700V</a:t>
+                      </a:r>
+                      <a:endParaRPr lang="en-US" sz="1400">
+                        <a:effectLst/>
+                        <a:latin typeface="Times New Roman" panose="02020603050405020304" pitchFamily="18" charset="0"/>
+                        <a:ea typeface="Calibri" panose="020F0502020204030204" pitchFamily="34" charset="0"/>
+                        <a:cs typeface="Times New Roman" panose="02020603050405020304" pitchFamily="18" charset="0"/>
+                      </a:endParaRPr>
+                    </a:p>
+                  </a:txBody>
+                  <a:tcPr marL="81697" marR="81697" marT="0" marB="0"/>
+                </a:tc>
+                <a:extLst>
+                  <a:ext uri="{0D108BD9-81ED-4DB2-BD59-A6C34878D82A}">
+                    <a16:rowId xmlns:a16="http://schemas.microsoft.com/office/drawing/2014/main" val="1487305928"/>
+                  </a:ext>
+                </a:extLst>
+              </a:tr>
+              <a:tr h="282729">
+                <a:tc>
+                  <a:txBody>
+                    <a:bodyPr/>
+                    <a:lstStyle/>
+                    <a:p>
+                      <a:pPr marL="0" marR="0" algn="just">
+                        <a:lnSpc>
+                          <a:spcPct val="107000"/>
+                        </a:lnSpc>
+                        <a:spcBef>
+                          <a:spcPts val="0"/>
+                        </a:spcBef>
+                        <a:spcAft>
+                          <a:spcPts val="0"/>
+                        </a:spcAft>
+                      </a:pPr>
+                      <a:r>
+                        <a:rPr lang="en-US" sz="1400">
+                          <a:effectLst/>
+                        </a:rPr>
+                        <a:t>I</a:t>
+                      </a:r>
+                      <a:r>
+                        <a:rPr lang="en-US" sz="1400" baseline="-25000">
+                          <a:effectLst/>
+                        </a:rPr>
+                        <a:t>D</a:t>
+                      </a:r>
+                      <a:r>
+                        <a:rPr lang="en-US" sz="1400">
+                          <a:effectLst/>
+                        </a:rPr>
+                        <a:t>, Continuous current</a:t>
+                      </a:r>
+                      <a:endParaRPr lang="en-US" sz="1400">
+                        <a:effectLst/>
+                        <a:latin typeface="Times New Roman" panose="02020603050405020304" pitchFamily="18" charset="0"/>
+                        <a:ea typeface="Calibri" panose="020F0502020204030204" pitchFamily="34" charset="0"/>
+                        <a:cs typeface="Times New Roman" panose="02020603050405020304" pitchFamily="18" charset="0"/>
+                      </a:endParaRPr>
+                    </a:p>
+                  </a:txBody>
+                  <a:tcPr marL="81697" marR="81697" marT="0" marB="0"/>
+                </a:tc>
+                <a:tc>
+                  <a:txBody>
+                    <a:bodyPr/>
+                    <a:lstStyle/>
+                    <a:p>
+                      <a:pPr marL="0" marR="0" algn="just">
+                        <a:lnSpc>
+                          <a:spcPct val="107000"/>
+                        </a:lnSpc>
+                        <a:spcBef>
+                          <a:spcPts val="0"/>
+                        </a:spcBef>
+                        <a:spcAft>
+                          <a:spcPts val="0"/>
+                        </a:spcAft>
+                      </a:pPr>
+                      <a:r>
+                        <a:rPr lang="en-US" sz="1400">
+                          <a:effectLst/>
+                        </a:rPr>
+                        <a:t>10A at T</a:t>
+                      </a:r>
+                      <a:r>
+                        <a:rPr lang="en-US" sz="1400" baseline="-25000">
+                          <a:effectLst/>
+                        </a:rPr>
+                        <a:t>C</a:t>
+                      </a:r>
+                      <a:r>
+                        <a:rPr lang="en-US" sz="1400">
+                          <a:effectLst/>
+                        </a:rPr>
+                        <a:t> =20 </a:t>
+                      </a:r>
+                      <a:r>
+                        <a:rPr lang="en-US" sz="1400" baseline="30000">
+                          <a:effectLst/>
+                        </a:rPr>
+                        <a:t>o</a:t>
+                      </a:r>
+                      <a:r>
+                        <a:rPr lang="en-US" sz="1400">
+                          <a:effectLst/>
+                        </a:rPr>
+                        <a:t>C</a:t>
+                      </a:r>
+                      <a:endParaRPr lang="en-US" sz="1400">
+                        <a:effectLst/>
+                        <a:latin typeface="Times New Roman" panose="02020603050405020304" pitchFamily="18" charset="0"/>
+                        <a:ea typeface="Calibri" panose="020F0502020204030204" pitchFamily="34" charset="0"/>
+                        <a:cs typeface="Times New Roman" panose="02020603050405020304" pitchFamily="18" charset="0"/>
+                      </a:endParaRPr>
+                    </a:p>
+                  </a:txBody>
+                  <a:tcPr marL="81697" marR="81697" marT="0" marB="0"/>
+                </a:tc>
+                <a:extLst>
+                  <a:ext uri="{0D108BD9-81ED-4DB2-BD59-A6C34878D82A}">
+                    <a16:rowId xmlns:a16="http://schemas.microsoft.com/office/drawing/2014/main" val="2220241553"/>
+                  </a:ext>
+                </a:extLst>
+              </a:tr>
+              <a:tr h="282729">
+                <a:tc>
+                  <a:txBody>
+                    <a:bodyPr/>
+                    <a:lstStyle/>
+                    <a:p>
+                      <a:pPr marL="0" marR="0" algn="just">
+                        <a:lnSpc>
+                          <a:spcPct val="107000"/>
+                        </a:lnSpc>
+                        <a:spcBef>
+                          <a:spcPts val="0"/>
+                        </a:spcBef>
+                        <a:spcAft>
+                          <a:spcPts val="0"/>
+                        </a:spcAft>
+                      </a:pPr>
+                      <a:r>
+                        <a:rPr lang="en-US" sz="1400" dirty="0" err="1">
+                          <a:effectLst/>
+                        </a:rPr>
+                        <a:t>I</a:t>
+                      </a:r>
+                      <a:r>
+                        <a:rPr lang="en-US" sz="1400" baseline="-25000" dirty="0" err="1">
+                          <a:effectLst/>
+                        </a:rPr>
+                        <a:t>D,pulse</a:t>
+                      </a:r>
+                      <a:r>
+                        <a:rPr lang="en-US" sz="1400" baseline="-25000" dirty="0">
+                          <a:effectLst/>
+                        </a:rPr>
+                        <a:t> </a:t>
+                      </a:r>
+                      <a:r>
+                        <a:rPr lang="en-US" sz="1400" dirty="0">
+                          <a:effectLst/>
+                        </a:rPr>
+                        <a:t>Pulsed Drain current</a:t>
+                      </a:r>
+                      <a:endParaRPr lang="en-US" sz="1400" dirty="0">
+                        <a:effectLst/>
+                        <a:latin typeface="Times New Roman" panose="02020603050405020304" pitchFamily="18" charset="0"/>
+                        <a:ea typeface="Calibri" panose="020F0502020204030204" pitchFamily="34" charset="0"/>
+                        <a:cs typeface="Times New Roman" panose="02020603050405020304" pitchFamily="18" charset="0"/>
+                      </a:endParaRPr>
+                    </a:p>
+                  </a:txBody>
+                  <a:tcPr marL="81697" marR="81697" marT="0" marB="0"/>
+                </a:tc>
+                <a:tc>
+                  <a:txBody>
+                    <a:bodyPr/>
+                    <a:lstStyle/>
+                    <a:p>
+                      <a:pPr marL="0" marR="0" algn="just">
+                        <a:lnSpc>
+                          <a:spcPct val="107000"/>
+                        </a:lnSpc>
+                        <a:spcBef>
+                          <a:spcPts val="0"/>
+                        </a:spcBef>
+                        <a:spcAft>
+                          <a:spcPts val="0"/>
+                        </a:spcAft>
+                      </a:pPr>
+                      <a:r>
+                        <a:rPr lang="en-US" sz="1400">
+                          <a:effectLst/>
+                        </a:rPr>
+                        <a:t>25.9 A</a:t>
+                      </a:r>
+                      <a:endParaRPr lang="en-US" sz="1400">
+                        <a:effectLst/>
+                        <a:latin typeface="Times New Roman" panose="02020603050405020304" pitchFamily="18" charset="0"/>
+                        <a:ea typeface="Calibri" panose="020F0502020204030204" pitchFamily="34" charset="0"/>
+                        <a:cs typeface="Times New Roman" panose="02020603050405020304" pitchFamily="18" charset="0"/>
+                      </a:endParaRPr>
+                    </a:p>
+                  </a:txBody>
+                  <a:tcPr marL="81697" marR="81697" marT="0" marB="0"/>
+                </a:tc>
+                <a:extLst>
+                  <a:ext uri="{0D108BD9-81ED-4DB2-BD59-A6C34878D82A}">
+                    <a16:rowId xmlns:a16="http://schemas.microsoft.com/office/drawing/2014/main" val="3906143085"/>
+                  </a:ext>
+                </a:extLst>
+              </a:tr>
+              <a:tr h="282729">
+                <a:tc>
+                  <a:txBody>
+                    <a:bodyPr/>
+                    <a:lstStyle/>
+                    <a:p>
+                      <a:pPr marL="0" marR="0" algn="just">
+                        <a:lnSpc>
+                          <a:spcPct val="107000"/>
+                        </a:lnSpc>
+                        <a:spcBef>
+                          <a:spcPts val="0"/>
+                        </a:spcBef>
+                        <a:spcAft>
+                          <a:spcPts val="0"/>
+                        </a:spcAft>
+                      </a:pPr>
+                      <a:r>
+                        <a:rPr lang="en-US" sz="1400">
+                          <a:effectLst/>
+                        </a:rPr>
+                        <a:t>R</a:t>
+                      </a:r>
+                      <a:r>
+                        <a:rPr lang="en-US" sz="1400" baseline="-25000">
+                          <a:effectLst/>
+                        </a:rPr>
+                        <a:t>DS,ON</a:t>
+                      </a:r>
+                      <a:endParaRPr lang="en-US" sz="1400">
+                        <a:effectLst/>
+                        <a:latin typeface="Times New Roman" panose="02020603050405020304" pitchFamily="18" charset="0"/>
+                        <a:ea typeface="Calibri" panose="020F0502020204030204" pitchFamily="34" charset="0"/>
+                        <a:cs typeface="Times New Roman" panose="02020603050405020304" pitchFamily="18" charset="0"/>
+                      </a:endParaRPr>
+                    </a:p>
+                  </a:txBody>
+                  <a:tcPr marL="81697" marR="81697" marT="0" marB="0"/>
+                </a:tc>
+                <a:tc>
+                  <a:txBody>
+                    <a:bodyPr/>
+                    <a:lstStyle/>
+                    <a:p>
+                      <a:pPr marL="0" marR="0" algn="just">
+                        <a:lnSpc>
+                          <a:spcPct val="107000"/>
+                        </a:lnSpc>
+                        <a:spcBef>
+                          <a:spcPts val="0"/>
+                        </a:spcBef>
+                        <a:spcAft>
+                          <a:spcPts val="0"/>
+                        </a:spcAft>
+                      </a:pPr>
+                      <a:r>
+                        <a:rPr lang="en-US" sz="1400" dirty="0">
+                          <a:effectLst/>
+                        </a:rPr>
+                        <a:t>450mΩ</a:t>
+                      </a:r>
+                      <a:endParaRPr lang="en-US" sz="1400" dirty="0">
+                        <a:effectLst/>
+                        <a:latin typeface="Times New Roman" panose="02020603050405020304" pitchFamily="18" charset="0"/>
+                        <a:ea typeface="Calibri" panose="020F0502020204030204" pitchFamily="34" charset="0"/>
+                        <a:cs typeface="Times New Roman" panose="02020603050405020304" pitchFamily="18" charset="0"/>
+                      </a:endParaRPr>
+                    </a:p>
+                  </a:txBody>
+                  <a:tcPr marL="81697" marR="81697" marT="0" marB="0"/>
+                </a:tc>
+                <a:extLst>
+                  <a:ext uri="{0D108BD9-81ED-4DB2-BD59-A6C34878D82A}">
+                    <a16:rowId xmlns:a16="http://schemas.microsoft.com/office/drawing/2014/main" val="3146103967"/>
+                  </a:ext>
+                </a:extLst>
+              </a:tr>
+              <a:tr h="282729">
+                <a:tc>
+                  <a:txBody>
+                    <a:bodyPr/>
+                    <a:lstStyle/>
+                    <a:p>
+                      <a:pPr marL="0" marR="0" algn="just">
+                        <a:lnSpc>
+                          <a:spcPct val="107000"/>
+                        </a:lnSpc>
+                        <a:spcBef>
+                          <a:spcPts val="0"/>
+                        </a:spcBef>
+                        <a:spcAft>
+                          <a:spcPts val="0"/>
+                        </a:spcAft>
+                      </a:pPr>
+                      <a:r>
+                        <a:rPr lang="en-US" sz="1400">
+                          <a:effectLst/>
+                        </a:rPr>
+                        <a:t>Q</a:t>
+                      </a:r>
+                      <a:r>
+                        <a:rPr lang="en-US" sz="1400" baseline="-25000">
+                          <a:effectLst/>
+                        </a:rPr>
+                        <a:t>g</a:t>
+                      </a:r>
+                      <a:endParaRPr lang="en-US" sz="1400">
+                        <a:effectLst/>
+                        <a:latin typeface="Times New Roman" panose="02020603050405020304" pitchFamily="18" charset="0"/>
+                        <a:ea typeface="Calibri" panose="020F0502020204030204" pitchFamily="34" charset="0"/>
+                        <a:cs typeface="Times New Roman" panose="02020603050405020304" pitchFamily="18" charset="0"/>
+                      </a:endParaRPr>
+                    </a:p>
+                  </a:txBody>
+                  <a:tcPr marL="81697" marR="81697" marT="0" marB="0"/>
+                </a:tc>
+                <a:tc>
+                  <a:txBody>
+                    <a:bodyPr/>
+                    <a:lstStyle/>
+                    <a:p>
+                      <a:pPr marL="0" marR="0" algn="just">
+                        <a:lnSpc>
+                          <a:spcPct val="107000"/>
+                        </a:lnSpc>
+                        <a:spcBef>
+                          <a:spcPts val="0"/>
+                        </a:spcBef>
+                        <a:spcAft>
+                          <a:spcPts val="0"/>
+                        </a:spcAft>
+                      </a:pPr>
+                      <a:r>
+                        <a:rPr lang="en-US" sz="1400">
+                          <a:effectLst/>
+                        </a:rPr>
+                        <a:t>13.1nC</a:t>
+                      </a:r>
+                      <a:endParaRPr lang="en-US" sz="1400">
+                        <a:effectLst/>
+                        <a:latin typeface="Times New Roman" panose="02020603050405020304" pitchFamily="18" charset="0"/>
+                        <a:ea typeface="Calibri" panose="020F0502020204030204" pitchFamily="34" charset="0"/>
+                        <a:cs typeface="Times New Roman" panose="02020603050405020304" pitchFamily="18" charset="0"/>
+                      </a:endParaRPr>
+                    </a:p>
+                  </a:txBody>
+                  <a:tcPr marL="81697" marR="81697" marT="0" marB="0"/>
+                </a:tc>
+                <a:extLst>
+                  <a:ext uri="{0D108BD9-81ED-4DB2-BD59-A6C34878D82A}">
+                    <a16:rowId xmlns:a16="http://schemas.microsoft.com/office/drawing/2014/main" val="698539648"/>
+                  </a:ext>
+                </a:extLst>
+              </a:tr>
+              <a:tr h="282729">
+                <a:tc>
+                  <a:txBody>
+                    <a:bodyPr/>
+                    <a:lstStyle/>
+                    <a:p>
+                      <a:pPr marL="0" marR="0" algn="just">
+                        <a:lnSpc>
+                          <a:spcPct val="107000"/>
+                        </a:lnSpc>
+                        <a:spcBef>
+                          <a:spcPts val="0"/>
+                        </a:spcBef>
+                        <a:spcAft>
+                          <a:spcPts val="0"/>
+                        </a:spcAft>
+                      </a:pPr>
+                      <a:r>
+                        <a:rPr lang="en-US" sz="1400">
+                          <a:effectLst/>
+                        </a:rPr>
+                        <a:t>Price</a:t>
+                      </a:r>
+                      <a:endParaRPr lang="en-US" sz="1400">
+                        <a:effectLst/>
+                        <a:latin typeface="Times New Roman" panose="02020603050405020304" pitchFamily="18" charset="0"/>
+                        <a:ea typeface="Calibri" panose="020F0502020204030204" pitchFamily="34" charset="0"/>
+                        <a:cs typeface="Times New Roman" panose="02020603050405020304" pitchFamily="18" charset="0"/>
+                      </a:endParaRPr>
+                    </a:p>
+                  </a:txBody>
+                  <a:tcPr marL="81697" marR="81697" marT="0" marB="0"/>
+                </a:tc>
+                <a:tc>
+                  <a:txBody>
+                    <a:bodyPr/>
+                    <a:lstStyle/>
+                    <a:p>
+                      <a:pPr marL="0" marR="0" algn="just">
+                        <a:lnSpc>
+                          <a:spcPts val="1125"/>
+                        </a:lnSpc>
+                        <a:spcBef>
+                          <a:spcPts val="0"/>
+                        </a:spcBef>
+                        <a:spcAft>
+                          <a:spcPts val="0"/>
+                        </a:spcAft>
+                      </a:pPr>
+                      <a:r>
+                        <a:rPr lang="en-US" sz="1300" dirty="0">
+                          <a:effectLst/>
+                        </a:rPr>
+                        <a:t>$1.05</a:t>
+                      </a:r>
+                      <a:endParaRPr lang="en-US" sz="1400" dirty="0">
+                        <a:effectLst/>
+                        <a:latin typeface="Times New Roman" panose="02020603050405020304" pitchFamily="18" charset="0"/>
+                        <a:ea typeface="Calibri" panose="020F0502020204030204" pitchFamily="34" charset="0"/>
+                        <a:cs typeface="Times New Roman" panose="02020603050405020304" pitchFamily="18" charset="0"/>
+                      </a:endParaRPr>
+                    </a:p>
+                  </a:txBody>
+                  <a:tcPr marL="81697" marR="81697" marT="0" marB="0"/>
+                </a:tc>
+                <a:extLst>
+                  <a:ext uri="{0D108BD9-81ED-4DB2-BD59-A6C34878D82A}">
+                    <a16:rowId xmlns:a16="http://schemas.microsoft.com/office/drawing/2014/main" val="1685652323"/>
+                  </a:ext>
+                </a:extLst>
+              </a:tr>
+            </a:tbl>
+          </a:graphicData>
+        </a:graphic>
+      </p:graphicFrame>
+      <p:sp>
+        <p:nvSpPr>
+          <p:cNvPr id="4" name="Slayt Numarası Yer Tutucusu 3">
+            <a:extLst>
+              <a:ext uri="{FF2B5EF4-FFF2-40B4-BE49-F238E27FC236}">
+                <a16:creationId xmlns:a16="http://schemas.microsoft.com/office/drawing/2014/main" id="{35C21076-E51C-4A55-8671-E9D2ABBB8276}"/>
+              </a:ext>
+            </a:extLst>
+          </p:cNvPr>
+          <p:cNvSpPr>
+            <a:spLocks noGrp="1"/>
+          </p:cNvSpPr>
+          <p:nvPr>
+            <p:ph type="sldNum" sz="quarter" idx="12"/>
+          </p:nvPr>
+        </p:nvSpPr>
+        <p:spPr/>
+        <p:txBody>
+          <a:bodyPr/>
+          <a:lstStyle/>
+          <a:p>
+            <a:pPr>
+              <a:defRPr/>
+            </a:pPr>
+            <a:fld id="{C878F797-6006-4DDA-AFE9-456F280FE6C5}" type="slidenum">
+              <a:rPr lang="en-US" smtClean="0"/>
+              <a:pPr>
+                <a:defRPr/>
+              </a:pPr>
+              <a:t>18</a:t>
+            </a:fld>
+            <a:endParaRPr lang="en-US" dirty="0"/>
+          </a:p>
+        </p:txBody>
+      </p:sp>
+      <p:sp>
+        <p:nvSpPr>
+          <p:cNvPr id="5" name="Veri Yer Tutucusu 4">
+            <a:extLst>
+              <a:ext uri="{FF2B5EF4-FFF2-40B4-BE49-F238E27FC236}">
+                <a16:creationId xmlns:a16="http://schemas.microsoft.com/office/drawing/2014/main" id="{A21C755B-1DF6-452C-BF8D-90B2EFAED68F}"/>
+              </a:ext>
+            </a:extLst>
+          </p:cNvPr>
+          <p:cNvSpPr>
+            <a:spLocks noGrp="1"/>
+          </p:cNvSpPr>
+          <p:nvPr>
+            <p:ph type="dt" sz="half" idx="2"/>
+          </p:nvPr>
+        </p:nvSpPr>
+        <p:spPr/>
+        <p:txBody>
+          <a:bodyPr/>
+          <a:lstStyle/>
+          <a:p>
+            <a:pPr>
+              <a:defRPr/>
+            </a:pPr>
+            <a:r>
+              <a:rPr lang="tr-TR"/>
+              <a:t>METU Electrical &amp; Electronics Engineering Department</a:t>
+            </a:r>
+            <a:endParaRPr lang="en-US" dirty="0"/>
+          </a:p>
+        </p:txBody>
+      </p:sp>
+    </p:spTree>
+    <p:extLst>
+      <p:ext uri="{BB962C8B-B14F-4D97-AF65-F5344CB8AC3E}">
+        <p14:creationId xmlns:p14="http://schemas.microsoft.com/office/powerpoint/2010/main" val="1077045180"/>
+      </p:ext>
+    </p:extLst>
+  </p:cSld>
+  <p:clrMapOvr>
+    <a:masterClrMapping/>
+  </p:clrMapOvr>
+</p:sld>
+</file>
+
+<file path=ppt/slides/slide19.xml><?xml version="1.0" encoding="utf-8"?>
+<p:sld xmlns:a="http://schemas.openxmlformats.org/drawingml/2006/main" xmlns:r="http://schemas.openxmlformats.org/officeDocument/2006/relationships" xmlns:p="http://schemas.openxmlformats.org/presentationml/2006/main">
+  <p:cSld>
+    <p:spTree>
+      <p:nvGrpSpPr>
+        <p:cNvPr id="1" name=""/>
+        <p:cNvGrpSpPr/>
+        <p:nvPr/>
+      </p:nvGrpSpPr>
+      <p:grpSpPr>
+        <a:xfrm>
+          <a:off x="0" y="0"/>
+          <a:ext cx="0" cy="0"/>
+          <a:chOff x="0" y="0"/>
+          <a:chExt cx="0" cy="0"/>
+        </a:xfrm>
+      </p:grpSpPr>
+      <p:sp>
+        <p:nvSpPr>
+          <p:cNvPr id="2" name="Başlık 1">
+            <a:extLst>
+              <a:ext uri="{FF2B5EF4-FFF2-40B4-BE49-F238E27FC236}">
+                <a16:creationId xmlns:a16="http://schemas.microsoft.com/office/drawing/2014/main" id="{D579D758-4FF9-425F-BBC5-C6E0A78FC5E2}"/>
+              </a:ext>
+            </a:extLst>
+          </p:cNvPr>
+          <p:cNvSpPr>
+            <a:spLocks noGrp="1"/>
+          </p:cNvSpPr>
+          <p:nvPr>
+            <p:ph type="title"/>
+          </p:nvPr>
+        </p:nvSpPr>
+        <p:spPr>
+          <a:xfrm>
+            <a:off x="457200" y="0"/>
+            <a:ext cx="8229600" cy="595313"/>
+          </a:xfrm>
+        </p:spPr>
+        <p:txBody>
+          <a:bodyPr/>
+          <a:lstStyle/>
+          <a:p>
+            <a:r>
+              <a:rPr lang="en-US" dirty="0" err="1"/>
+              <a:t>Mosfet</a:t>
+            </a:r>
+            <a:r>
+              <a:rPr lang="en-US" dirty="0"/>
+              <a:t> Voltage Waveform</a:t>
+            </a:r>
+          </a:p>
+        </p:txBody>
+      </p:sp>
+      <p:pic>
+        <p:nvPicPr>
+          <p:cNvPr id="7" name="İçerik Yer Tutucusu 6">
+            <a:extLst>
+              <a:ext uri="{FF2B5EF4-FFF2-40B4-BE49-F238E27FC236}">
+                <a16:creationId xmlns:a16="http://schemas.microsoft.com/office/drawing/2014/main" id="{F718345B-EDE7-490D-A0DF-CD51CD13ABD6}"/>
+              </a:ext>
+            </a:extLst>
+          </p:cNvPr>
+          <p:cNvPicPr>
+            <a:picLocks noGrp="1" noChangeAspect="1"/>
+          </p:cNvPicPr>
+          <p:nvPr>
+            <p:ph idx="1"/>
+          </p:nvPr>
+        </p:nvPicPr>
+        <p:blipFill>
+          <a:blip r:embed="rId2"/>
+          <a:stretch>
+            <a:fillRect/>
+          </a:stretch>
+        </p:blipFill>
+        <p:spPr>
+          <a:xfrm>
+            <a:off x="457200" y="595313"/>
+            <a:ext cx="8229600" cy="2765412"/>
+          </a:xfrm>
+        </p:spPr>
+      </p:pic>
+      <p:sp>
+        <p:nvSpPr>
+          <p:cNvPr id="4" name="Slayt Numarası Yer Tutucusu 3">
+            <a:extLst>
+              <a:ext uri="{FF2B5EF4-FFF2-40B4-BE49-F238E27FC236}">
+                <a16:creationId xmlns:a16="http://schemas.microsoft.com/office/drawing/2014/main" id="{F020EAC4-7C32-4CBB-AE2E-E2D58091A924}"/>
+              </a:ext>
+            </a:extLst>
+          </p:cNvPr>
+          <p:cNvSpPr>
+            <a:spLocks noGrp="1"/>
+          </p:cNvSpPr>
+          <p:nvPr>
+            <p:ph type="sldNum" sz="quarter" idx="12"/>
+          </p:nvPr>
+        </p:nvSpPr>
+        <p:spPr/>
+        <p:txBody>
+          <a:bodyPr/>
+          <a:lstStyle/>
+          <a:p>
+            <a:pPr>
+              <a:defRPr/>
+            </a:pPr>
+            <a:fld id="{C878F797-6006-4DDA-AFE9-456F280FE6C5}" type="slidenum">
+              <a:rPr lang="en-US" smtClean="0"/>
+              <a:pPr>
+                <a:defRPr/>
+              </a:pPr>
+              <a:t>19</a:t>
+            </a:fld>
+            <a:endParaRPr lang="en-US" dirty="0"/>
+          </a:p>
+        </p:txBody>
+      </p:sp>
+      <p:sp>
+        <p:nvSpPr>
+          <p:cNvPr id="5" name="Veri Yer Tutucusu 4">
+            <a:extLst>
+              <a:ext uri="{FF2B5EF4-FFF2-40B4-BE49-F238E27FC236}">
+                <a16:creationId xmlns:a16="http://schemas.microsoft.com/office/drawing/2014/main" id="{B78BBCAC-EF30-4F62-B16F-C6BF06C616E9}"/>
+              </a:ext>
+            </a:extLst>
+          </p:cNvPr>
+          <p:cNvSpPr>
+            <a:spLocks noGrp="1"/>
+          </p:cNvSpPr>
+          <p:nvPr>
+            <p:ph type="dt" sz="half" idx="2"/>
+          </p:nvPr>
+        </p:nvSpPr>
+        <p:spPr/>
+        <p:txBody>
+          <a:bodyPr/>
+          <a:lstStyle/>
+          <a:p>
+            <a:pPr>
+              <a:defRPr/>
+            </a:pPr>
+            <a:r>
+              <a:rPr lang="tr-TR"/>
+              <a:t>METU Electrical &amp; Electronics Engineering Department</a:t>
+            </a:r>
+            <a:endParaRPr lang="en-US" dirty="0"/>
+          </a:p>
+        </p:txBody>
+      </p:sp>
+      <p:pic>
+        <p:nvPicPr>
+          <p:cNvPr id="9" name="Resim 8">
+            <a:extLst>
+              <a:ext uri="{FF2B5EF4-FFF2-40B4-BE49-F238E27FC236}">
+                <a16:creationId xmlns:a16="http://schemas.microsoft.com/office/drawing/2014/main" id="{3F3713FA-5361-4A19-A729-624FA51BDBD6}"/>
+              </a:ext>
+            </a:extLst>
+          </p:cNvPr>
+          <p:cNvPicPr>
+            <a:picLocks noChangeAspect="1"/>
+          </p:cNvPicPr>
+          <p:nvPr/>
+        </p:nvPicPr>
+        <p:blipFill>
+          <a:blip r:embed="rId3"/>
+          <a:stretch>
+            <a:fillRect/>
+          </a:stretch>
+        </p:blipFill>
+        <p:spPr>
+          <a:xfrm>
+            <a:off x="457200" y="3497276"/>
+            <a:ext cx="8229600" cy="2782071"/>
+          </a:xfrm>
+          <a:prstGeom prst="rect">
+            <a:avLst/>
+          </a:prstGeom>
+        </p:spPr>
+      </p:pic>
+    </p:spTree>
+    <p:extLst>
+      <p:ext uri="{BB962C8B-B14F-4D97-AF65-F5344CB8AC3E}">
+        <p14:creationId xmlns:p14="http://schemas.microsoft.com/office/powerpoint/2010/main" val="4243972458"/>
       </p:ext>
     </p:extLst>
   </p:cSld>
@@ -12130,6 +13906,2701 @@
     <p:extLst>
       <p:ext uri="{BB962C8B-B14F-4D97-AF65-F5344CB8AC3E}">
         <p14:creationId xmlns:p14="http://schemas.microsoft.com/office/powerpoint/2010/main" val="1031498753"/>
+      </p:ext>
+    </p:extLst>
+  </p:cSld>
+  <p:clrMapOvr>
+    <a:masterClrMapping/>
+  </p:clrMapOvr>
+</p:sld>
+</file>
+
+<file path=ppt/slides/slide20.xml><?xml version="1.0" encoding="utf-8"?>
+<p:sld xmlns:a="http://schemas.openxmlformats.org/drawingml/2006/main" xmlns:r="http://schemas.openxmlformats.org/officeDocument/2006/relationships" xmlns:p="http://schemas.openxmlformats.org/presentationml/2006/main">
+  <p:cSld>
+    <p:spTree>
+      <p:nvGrpSpPr>
+        <p:cNvPr id="1" name=""/>
+        <p:cNvGrpSpPr/>
+        <p:nvPr/>
+      </p:nvGrpSpPr>
+      <p:grpSpPr>
+        <a:xfrm>
+          <a:off x="0" y="0"/>
+          <a:ext cx="0" cy="0"/>
+          <a:chOff x="0" y="0"/>
+          <a:chExt cx="0" cy="0"/>
+        </a:xfrm>
+      </p:grpSpPr>
+      <p:sp>
+        <p:nvSpPr>
+          <p:cNvPr id="2" name="Başlık 1">
+            <a:extLst>
+              <a:ext uri="{FF2B5EF4-FFF2-40B4-BE49-F238E27FC236}">
+                <a16:creationId xmlns:a16="http://schemas.microsoft.com/office/drawing/2014/main" id="{CEC711A5-3C61-4D14-8E75-278505F23687}"/>
+              </a:ext>
+            </a:extLst>
+          </p:cNvPr>
+          <p:cNvSpPr>
+            <a:spLocks noGrp="1"/>
+          </p:cNvSpPr>
+          <p:nvPr>
+            <p:ph type="title"/>
+          </p:nvPr>
+        </p:nvSpPr>
+        <p:spPr>
+          <a:xfrm>
+            <a:off x="457200" y="0"/>
+            <a:ext cx="8229600" cy="582613"/>
+          </a:xfrm>
+        </p:spPr>
+        <p:txBody>
+          <a:bodyPr/>
+          <a:lstStyle/>
+          <a:p>
+            <a:r>
+              <a:rPr lang="en-US" dirty="0" err="1"/>
+              <a:t>Mosfet</a:t>
+            </a:r>
+            <a:r>
+              <a:rPr lang="en-US" dirty="0"/>
+              <a:t> Current Waveform</a:t>
+            </a:r>
+          </a:p>
+        </p:txBody>
+      </p:sp>
+      <p:pic>
+        <p:nvPicPr>
+          <p:cNvPr id="7" name="İçerik Yer Tutucusu 6">
+            <a:extLst>
+              <a:ext uri="{FF2B5EF4-FFF2-40B4-BE49-F238E27FC236}">
+                <a16:creationId xmlns:a16="http://schemas.microsoft.com/office/drawing/2014/main" id="{9D4BCB7E-8BF6-410A-8302-F1ECBB9878BA}"/>
+              </a:ext>
+            </a:extLst>
+          </p:cNvPr>
+          <p:cNvPicPr>
+            <a:picLocks noGrp="1" noChangeAspect="1"/>
+          </p:cNvPicPr>
+          <p:nvPr>
+            <p:ph idx="1"/>
+          </p:nvPr>
+        </p:nvPicPr>
+        <p:blipFill>
+          <a:blip r:embed="rId2"/>
+          <a:stretch>
+            <a:fillRect/>
+          </a:stretch>
+        </p:blipFill>
+        <p:spPr>
+          <a:xfrm>
+            <a:off x="457200" y="667278"/>
+            <a:ext cx="8229600" cy="2761722"/>
+          </a:xfrm>
+        </p:spPr>
+      </p:pic>
+      <p:sp>
+        <p:nvSpPr>
+          <p:cNvPr id="4" name="Slayt Numarası Yer Tutucusu 3">
+            <a:extLst>
+              <a:ext uri="{FF2B5EF4-FFF2-40B4-BE49-F238E27FC236}">
+                <a16:creationId xmlns:a16="http://schemas.microsoft.com/office/drawing/2014/main" id="{98AE48EE-63D1-4377-BCCE-46858C193C73}"/>
+              </a:ext>
+            </a:extLst>
+          </p:cNvPr>
+          <p:cNvSpPr>
+            <a:spLocks noGrp="1"/>
+          </p:cNvSpPr>
+          <p:nvPr>
+            <p:ph type="sldNum" sz="quarter" idx="12"/>
+          </p:nvPr>
+        </p:nvSpPr>
+        <p:spPr/>
+        <p:txBody>
+          <a:bodyPr/>
+          <a:lstStyle/>
+          <a:p>
+            <a:pPr>
+              <a:defRPr/>
+            </a:pPr>
+            <a:fld id="{C878F797-6006-4DDA-AFE9-456F280FE6C5}" type="slidenum">
+              <a:rPr lang="en-US" smtClean="0"/>
+              <a:pPr>
+                <a:defRPr/>
+              </a:pPr>
+              <a:t>20</a:t>
+            </a:fld>
+            <a:endParaRPr lang="en-US" dirty="0"/>
+          </a:p>
+        </p:txBody>
+      </p:sp>
+      <p:sp>
+        <p:nvSpPr>
+          <p:cNvPr id="5" name="Veri Yer Tutucusu 4">
+            <a:extLst>
+              <a:ext uri="{FF2B5EF4-FFF2-40B4-BE49-F238E27FC236}">
+                <a16:creationId xmlns:a16="http://schemas.microsoft.com/office/drawing/2014/main" id="{BBC229A5-C2D9-4167-A72C-902572E351B3}"/>
+              </a:ext>
+            </a:extLst>
+          </p:cNvPr>
+          <p:cNvSpPr>
+            <a:spLocks noGrp="1"/>
+          </p:cNvSpPr>
+          <p:nvPr>
+            <p:ph type="dt" sz="half" idx="2"/>
+          </p:nvPr>
+        </p:nvSpPr>
+        <p:spPr/>
+        <p:txBody>
+          <a:bodyPr/>
+          <a:lstStyle/>
+          <a:p>
+            <a:pPr>
+              <a:defRPr/>
+            </a:pPr>
+            <a:r>
+              <a:rPr lang="tr-TR"/>
+              <a:t>METU Electrical &amp; Electronics Engineering Department</a:t>
+            </a:r>
+            <a:endParaRPr lang="en-US" dirty="0"/>
+          </a:p>
+        </p:txBody>
+      </p:sp>
+      <p:pic>
+        <p:nvPicPr>
+          <p:cNvPr id="9" name="Resim 8">
+            <a:extLst>
+              <a:ext uri="{FF2B5EF4-FFF2-40B4-BE49-F238E27FC236}">
+                <a16:creationId xmlns:a16="http://schemas.microsoft.com/office/drawing/2014/main" id="{92E17AD2-31E3-4EE2-90E2-089AA9CE4D81}"/>
+              </a:ext>
+            </a:extLst>
+          </p:cNvPr>
+          <p:cNvPicPr>
+            <a:picLocks noChangeAspect="1"/>
+          </p:cNvPicPr>
+          <p:nvPr/>
+        </p:nvPicPr>
+        <p:blipFill>
+          <a:blip r:embed="rId3"/>
+          <a:stretch>
+            <a:fillRect/>
+          </a:stretch>
+        </p:blipFill>
+        <p:spPr>
+          <a:xfrm>
+            <a:off x="457199" y="3448284"/>
+            <a:ext cx="8229600" cy="2767280"/>
+          </a:xfrm>
+          <a:prstGeom prst="rect">
+            <a:avLst/>
+          </a:prstGeom>
+        </p:spPr>
+      </p:pic>
+    </p:spTree>
+    <p:extLst>
+      <p:ext uri="{BB962C8B-B14F-4D97-AF65-F5344CB8AC3E}">
+        <p14:creationId xmlns:p14="http://schemas.microsoft.com/office/powerpoint/2010/main" val="2909813509"/>
+      </p:ext>
+    </p:extLst>
+  </p:cSld>
+  <p:clrMapOvr>
+    <a:masterClrMapping/>
+  </p:clrMapOvr>
+</p:sld>
+</file>
+
+<file path=ppt/slides/slide21.xml><?xml version="1.0" encoding="utf-8"?>
+<p:sld xmlns:a="http://schemas.openxmlformats.org/drawingml/2006/main" xmlns:r="http://schemas.openxmlformats.org/officeDocument/2006/relationships" xmlns:p="http://schemas.openxmlformats.org/presentationml/2006/main">
+  <p:cSld>
+    <p:spTree>
+      <p:nvGrpSpPr>
+        <p:cNvPr id="1" name=""/>
+        <p:cNvGrpSpPr/>
+        <p:nvPr/>
+      </p:nvGrpSpPr>
+      <p:grpSpPr>
+        <a:xfrm>
+          <a:off x="0" y="0"/>
+          <a:ext cx="0" cy="0"/>
+          <a:chOff x="0" y="0"/>
+          <a:chExt cx="0" cy="0"/>
+        </a:xfrm>
+      </p:grpSpPr>
+      <p:pic>
+        <p:nvPicPr>
+          <p:cNvPr id="8" name="Resim 7">
+            <a:extLst>
+              <a:ext uri="{FF2B5EF4-FFF2-40B4-BE49-F238E27FC236}">
+                <a16:creationId xmlns:a16="http://schemas.microsoft.com/office/drawing/2014/main" id="{C254CA0A-024E-407C-9999-523584F7D455}"/>
+              </a:ext>
+            </a:extLst>
+          </p:cNvPr>
+          <p:cNvPicPr>
+            <a:picLocks noChangeAspect="1"/>
+          </p:cNvPicPr>
+          <p:nvPr/>
+        </p:nvPicPr>
+        <p:blipFill>
+          <a:blip r:embed="rId2"/>
+          <a:stretch>
+            <a:fillRect/>
+          </a:stretch>
+        </p:blipFill>
+        <p:spPr>
+          <a:xfrm>
+            <a:off x="2319337" y="1290637"/>
+            <a:ext cx="4276725" cy="4276725"/>
+          </a:xfrm>
+          <a:prstGeom prst="rect">
+            <a:avLst/>
+          </a:prstGeom>
+        </p:spPr>
+      </p:pic>
+      <p:sp>
+        <p:nvSpPr>
+          <p:cNvPr id="2" name="Başlık 1">
+            <a:extLst>
+              <a:ext uri="{FF2B5EF4-FFF2-40B4-BE49-F238E27FC236}">
+                <a16:creationId xmlns:a16="http://schemas.microsoft.com/office/drawing/2014/main" id="{271CA4D0-6F31-4170-AC38-3CEBEDF5F218}"/>
+              </a:ext>
+            </a:extLst>
+          </p:cNvPr>
+          <p:cNvSpPr>
+            <a:spLocks noGrp="1"/>
+          </p:cNvSpPr>
+          <p:nvPr>
+            <p:ph type="title"/>
+          </p:nvPr>
+        </p:nvSpPr>
+        <p:spPr/>
+        <p:txBody>
+          <a:bodyPr/>
+          <a:lstStyle/>
+          <a:p>
+            <a:r>
+              <a:rPr lang="en-US" dirty="0"/>
+              <a:t>Diode(</a:t>
+            </a:r>
+            <a:r>
+              <a:rPr lang="en-US" sz="1800" dirty="0">
+                <a:effectLst/>
+                <a:latin typeface="Times New Roman" panose="02020603050405020304" pitchFamily="18" charset="0"/>
+                <a:ea typeface="Calibri" panose="020F0502020204030204" pitchFamily="34" charset="0"/>
+              </a:rPr>
+              <a:t>MBR40250G</a:t>
+            </a:r>
+            <a:r>
+              <a:rPr lang="en-US" dirty="0"/>
+              <a:t>)</a:t>
+            </a:r>
+          </a:p>
+        </p:txBody>
+      </p:sp>
+      <p:graphicFrame>
+        <p:nvGraphicFramePr>
+          <p:cNvPr id="6" name="İçerik Yer Tutucusu 5">
+            <a:extLst>
+              <a:ext uri="{FF2B5EF4-FFF2-40B4-BE49-F238E27FC236}">
+                <a16:creationId xmlns:a16="http://schemas.microsoft.com/office/drawing/2014/main" id="{FC26142C-D07E-47A6-A005-5C5FDDEA929B}"/>
+              </a:ext>
+            </a:extLst>
+          </p:cNvPr>
+          <p:cNvGraphicFramePr>
+            <a:graphicFrameLocks noGrp="1"/>
+          </p:cNvGraphicFramePr>
+          <p:nvPr>
+            <p:ph idx="1"/>
+          </p:nvPr>
+        </p:nvGraphicFramePr>
+        <p:xfrm>
+          <a:off x="457200" y="3508122"/>
+          <a:ext cx="7488560" cy="1749108"/>
+        </p:xfrm>
+        <a:graphic>
+          <a:graphicData uri="http://schemas.openxmlformats.org/drawingml/2006/table">
+            <a:tbl>
+              <a:tblPr firstRow="1" firstCol="1" bandRow="1">
+                <a:tableStyleId>{5C22544A-7EE6-4342-B048-85BDC9FD1C3A}</a:tableStyleId>
+              </a:tblPr>
+              <a:tblGrid>
+                <a:gridCol w="3744280">
+                  <a:extLst>
+                    <a:ext uri="{9D8B030D-6E8A-4147-A177-3AD203B41FA5}">
+                      <a16:colId xmlns:a16="http://schemas.microsoft.com/office/drawing/2014/main" val="3529571127"/>
+                    </a:ext>
+                  </a:extLst>
+                </a:gridCol>
+                <a:gridCol w="3744280">
+                  <a:extLst>
+                    <a:ext uri="{9D8B030D-6E8A-4147-A177-3AD203B41FA5}">
+                      <a16:colId xmlns:a16="http://schemas.microsoft.com/office/drawing/2014/main" val="1956368134"/>
+                    </a:ext>
+                  </a:extLst>
+                </a:gridCol>
+              </a:tblGrid>
+              <a:tr h="242263">
+                <a:tc>
+                  <a:txBody>
+                    <a:bodyPr/>
+                    <a:lstStyle/>
+                    <a:p>
+                      <a:pPr marL="0" marR="0" algn="just">
+                        <a:lnSpc>
+                          <a:spcPct val="107000"/>
+                        </a:lnSpc>
+                        <a:spcBef>
+                          <a:spcPts val="0"/>
+                        </a:spcBef>
+                        <a:spcAft>
+                          <a:spcPts val="0"/>
+                        </a:spcAft>
+                      </a:pPr>
+                      <a:r>
+                        <a:rPr lang="en-US" sz="1600">
+                          <a:effectLst/>
+                        </a:rPr>
+                        <a:t>Parameter</a:t>
+                      </a:r>
+                      <a:endParaRPr lang="en-US" sz="1600">
+                        <a:effectLst/>
+                        <a:latin typeface="Times New Roman" panose="02020603050405020304" pitchFamily="18" charset="0"/>
+                        <a:ea typeface="Calibri" panose="020F0502020204030204" pitchFamily="34" charset="0"/>
+                        <a:cs typeface="Times New Roman" panose="02020603050405020304" pitchFamily="18" charset="0"/>
+                      </a:endParaRPr>
+                    </a:p>
+                  </a:txBody>
+                  <a:tcPr marL="89268" marR="89268" marT="0" marB="0"/>
+                </a:tc>
+                <a:tc>
+                  <a:txBody>
+                    <a:bodyPr/>
+                    <a:lstStyle/>
+                    <a:p>
+                      <a:pPr marL="0" marR="0" algn="just">
+                        <a:lnSpc>
+                          <a:spcPct val="107000"/>
+                        </a:lnSpc>
+                        <a:spcBef>
+                          <a:spcPts val="0"/>
+                        </a:spcBef>
+                        <a:spcAft>
+                          <a:spcPts val="0"/>
+                        </a:spcAft>
+                      </a:pPr>
+                      <a:r>
+                        <a:rPr lang="en-US" sz="1600">
+                          <a:effectLst/>
+                        </a:rPr>
+                        <a:t>Value - Description</a:t>
+                      </a:r>
+                      <a:endParaRPr lang="en-US" sz="1600">
+                        <a:effectLst/>
+                        <a:latin typeface="Times New Roman" panose="02020603050405020304" pitchFamily="18" charset="0"/>
+                        <a:ea typeface="Calibri" panose="020F0502020204030204" pitchFamily="34" charset="0"/>
+                        <a:cs typeface="Times New Roman" panose="02020603050405020304" pitchFamily="18" charset="0"/>
+                      </a:endParaRPr>
+                    </a:p>
+                  </a:txBody>
+                  <a:tcPr marL="89268" marR="89268" marT="0" marB="0"/>
+                </a:tc>
+                <a:extLst>
+                  <a:ext uri="{0D108BD9-81ED-4DB2-BD59-A6C34878D82A}">
+                    <a16:rowId xmlns:a16="http://schemas.microsoft.com/office/drawing/2014/main" val="953637220"/>
+                  </a:ext>
+                </a:extLst>
+              </a:tr>
+              <a:tr h="242263">
+                <a:tc>
+                  <a:txBody>
+                    <a:bodyPr/>
+                    <a:lstStyle/>
+                    <a:p>
+                      <a:pPr marL="0" marR="0" algn="just">
+                        <a:lnSpc>
+                          <a:spcPct val="107000"/>
+                        </a:lnSpc>
+                        <a:spcBef>
+                          <a:spcPts val="0"/>
+                        </a:spcBef>
+                        <a:spcAft>
+                          <a:spcPts val="0"/>
+                        </a:spcAft>
+                      </a:pPr>
+                      <a:r>
+                        <a:rPr lang="en-US" sz="1600">
+                          <a:effectLst/>
+                        </a:rPr>
+                        <a:t>V</a:t>
+                      </a:r>
+                      <a:r>
+                        <a:rPr lang="en-US" sz="1600" baseline="-25000">
+                          <a:effectLst/>
+                        </a:rPr>
+                        <a:t>R</a:t>
+                      </a:r>
+                      <a:r>
+                        <a:rPr lang="en-US" sz="1600">
+                          <a:effectLst/>
+                        </a:rPr>
+                        <a:t> , Blocking voltage</a:t>
+                      </a:r>
+                      <a:endParaRPr lang="en-US" sz="1600">
+                        <a:effectLst/>
+                        <a:latin typeface="Times New Roman" panose="02020603050405020304" pitchFamily="18" charset="0"/>
+                        <a:ea typeface="Calibri" panose="020F0502020204030204" pitchFamily="34" charset="0"/>
+                        <a:cs typeface="Times New Roman" panose="02020603050405020304" pitchFamily="18" charset="0"/>
+                      </a:endParaRPr>
+                    </a:p>
+                  </a:txBody>
+                  <a:tcPr marL="89268" marR="89268" marT="0" marB="0"/>
+                </a:tc>
+                <a:tc>
+                  <a:txBody>
+                    <a:bodyPr/>
+                    <a:lstStyle/>
+                    <a:p>
+                      <a:pPr marL="0" marR="0" algn="just">
+                        <a:lnSpc>
+                          <a:spcPct val="107000"/>
+                        </a:lnSpc>
+                        <a:spcBef>
+                          <a:spcPts val="0"/>
+                        </a:spcBef>
+                        <a:spcAft>
+                          <a:spcPts val="0"/>
+                        </a:spcAft>
+                      </a:pPr>
+                      <a:r>
+                        <a:rPr lang="en-US" sz="1600" dirty="0">
+                          <a:effectLst/>
+                        </a:rPr>
+                        <a:t>250V</a:t>
+                      </a:r>
+                      <a:endParaRPr lang="en-US" sz="1600" dirty="0">
+                        <a:effectLst/>
+                        <a:latin typeface="Times New Roman" panose="02020603050405020304" pitchFamily="18" charset="0"/>
+                        <a:ea typeface="Calibri" panose="020F0502020204030204" pitchFamily="34" charset="0"/>
+                        <a:cs typeface="Times New Roman" panose="02020603050405020304" pitchFamily="18" charset="0"/>
+                      </a:endParaRPr>
+                    </a:p>
+                  </a:txBody>
+                  <a:tcPr marL="89268" marR="89268" marT="0" marB="0"/>
+                </a:tc>
+                <a:extLst>
+                  <a:ext uri="{0D108BD9-81ED-4DB2-BD59-A6C34878D82A}">
+                    <a16:rowId xmlns:a16="http://schemas.microsoft.com/office/drawing/2014/main" val="713205420"/>
+                  </a:ext>
+                </a:extLst>
+              </a:tr>
+              <a:tr h="242263">
+                <a:tc>
+                  <a:txBody>
+                    <a:bodyPr/>
+                    <a:lstStyle/>
+                    <a:p>
+                      <a:pPr marL="0" marR="0" algn="just">
+                        <a:lnSpc>
+                          <a:spcPct val="107000"/>
+                        </a:lnSpc>
+                        <a:spcBef>
+                          <a:spcPts val="0"/>
+                        </a:spcBef>
+                        <a:spcAft>
+                          <a:spcPts val="0"/>
+                        </a:spcAft>
+                      </a:pPr>
+                      <a:r>
+                        <a:rPr lang="en-US" sz="1600">
+                          <a:effectLst/>
+                        </a:rPr>
+                        <a:t>I</a:t>
+                      </a:r>
+                      <a:r>
+                        <a:rPr lang="en-US" sz="1600" baseline="-25000">
+                          <a:effectLst/>
+                        </a:rPr>
+                        <a:t>RMS</a:t>
+                      </a:r>
+                      <a:r>
+                        <a:rPr lang="en-US" sz="1600">
+                          <a:effectLst/>
+                        </a:rPr>
+                        <a:t>, Continuous current</a:t>
+                      </a:r>
+                      <a:endParaRPr lang="en-US" sz="1600">
+                        <a:effectLst/>
+                        <a:latin typeface="Times New Roman" panose="02020603050405020304" pitchFamily="18" charset="0"/>
+                        <a:ea typeface="Calibri" panose="020F0502020204030204" pitchFamily="34" charset="0"/>
+                        <a:cs typeface="Times New Roman" panose="02020603050405020304" pitchFamily="18" charset="0"/>
+                      </a:endParaRPr>
+                    </a:p>
+                  </a:txBody>
+                  <a:tcPr marL="89268" marR="89268" marT="0" marB="0"/>
+                </a:tc>
+                <a:tc>
+                  <a:txBody>
+                    <a:bodyPr/>
+                    <a:lstStyle/>
+                    <a:p>
+                      <a:pPr marL="0" marR="0" algn="just">
+                        <a:lnSpc>
+                          <a:spcPct val="107000"/>
+                        </a:lnSpc>
+                        <a:spcBef>
+                          <a:spcPts val="0"/>
+                        </a:spcBef>
+                        <a:spcAft>
+                          <a:spcPts val="0"/>
+                        </a:spcAft>
+                      </a:pPr>
+                      <a:r>
+                        <a:rPr lang="en-US" sz="1600">
+                          <a:effectLst/>
+                        </a:rPr>
+                        <a:t>40A </a:t>
+                      </a:r>
+                      <a:endParaRPr lang="en-US" sz="1600">
+                        <a:effectLst/>
+                        <a:latin typeface="Times New Roman" panose="02020603050405020304" pitchFamily="18" charset="0"/>
+                        <a:ea typeface="Calibri" panose="020F0502020204030204" pitchFamily="34" charset="0"/>
+                        <a:cs typeface="Times New Roman" panose="02020603050405020304" pitchFamily="18" charset="0"/>
+                      </a:endParaRPr>
+                    </a:p>
+                  </a:txBody>
+                  <a:tcPr marL="89268" marR="89268" marT="0" marB="0"/>
+                </a:tc>
+                <a:extLst>
+                  <a:ext uri="{0D108BD9-81ED-4DB2-BD59-A6C34878D82A}">
+                    <a16:rowId xmlns:a16="http://schemas.microsoft.com/office/drawing/2014/main" val="4178350979"/>
+                  </a:ext>
+                </a:extLst>
+              </a:tr>
+              <a:tr h="242263">
+                <a:tc>
+                  <a:txBody>
+                    <a:bodyPr/>
+                    <a:lstStyle/>
+                    <a:p>
+                      <a:pPr marL="0" marR="0" algn="just">
+                        <a:lnSpc>
+                          <a:spcPct val="107000"/>
+                        </a:lnSpc>
+                        <a:spcBef>
+                          <a:spcPts val="0"/>
+                        </a:spcBef>
+                        <a:spcAft>
+                          <a:spcPts val="0"/>
+                        </a:spcAft>
+                      </a:pPr>
+                      <a:r>
+                        <a:rPr lang="en-US" sz="1600">
+                          <a:effectLst/>
+                        </a:rPr>
+                        <a:t>I</a:t>
+                      </a:r>
+                      <a:r>
+                        <a:rPr lang="en-US" sz="1600" baseline="-25000">
+                          <a:effectLst/>
+                        </a:rPr>
+                        <a:t>FRM</a:t>
+                      </a:r>
+                      <a:r>
+                        <a:rPr lang="en-US" sz="1600">
+                          <a:effectLst/>
+                        </a:rPr>
+                        <a:t>, Peak Repetitive Forward Current</a:t>
+                      </a:r>
+                      <a:endParaRPr lang="en-US" sz="1600">
+                        <a:effectLst/>
+                        <a:latin typeface="Times New Roman" panose="02020603050405020304" pitchFamily="18" charset="0"/>
+                        <a:ea typeface="Calibri" panose="020F0502020204030204" pitchFamily="34" charset="0"/>
+                        <a:cs typeface="Times New Roman" panose="02020603050405020304" pitchFamily="18" charset="0"/>
+                      </a:endParaRPr>
+                    </a:p>
+                  </a:txBody>
+                  <a:tcPr marL="89268" marR="89268" marT="0" marB="0"/>
+                </a:tc>
+                <a:tc>
+                  <a:txBody>
+                    <a:bodyPr/>
+                    <a:lstStyle/>
+                    <a:p>
+                      <a:pPr marL="0" marR="0" algn="just">
+                        <a:lnSpc>
+                          <a:spcPct val="107000"/>
+                        </a:lnSpc>
+                        <a:spcBef>
+                          <a:spcPts val="0"/>
+                        </a:spcBef>
+                        <a:spcAft>
+                          <a:spcPts val="0"/>
+                        </a:spcAft>
+                      </a:pPr>
+                      <a:r>
+                        <a:rPr lang="en-US" sz="1600">
+                          <a:effectLst/>
+                        </a:rPr>
+                        <a:t>80A</a:t>
+                      </a:r>
+                      <a:endParaRPr lang="en-US" sz="1600">
+                        <a:effectLst/>
+                        <a:latin typeface="Times New Roman" panose="02020603050405020304" pitchFamily="18" charset="0"/>
+                        <a:ea typeface="Calibri" panose="020F0502020204030204" pitchFamily="34" charset="0"/>
+                        <a:cs typeface="Times New Roman" panose="02020603050405020304" pitchFamily="18" charset="0"/>
+                      </a:endParaRPr>
+                    </a:p>
+                  </a:txBody>
+                  <a:tcPr marL="89268" marR="89268" marT="0" marB="0"/>
+                </a:tc>
+                <a:extLst>
+                  <a:ext uri="{0D108BD9-81ED-4DB2-BD59-A6C34878D82A}">
+                    <a16:rowId xmlns:a16="http://schemas.microsoft.com/office/drawing/2014/main" val="3461350293"/>
+                  </a:ext>
+                </a:extLst>
+              </a:tr>
+              <a:tr h="242263">
+                <a:tc>
+                  <a:txBody>
+                    <a:bodyPr/>
+                    <a:lstStyle/>
+                    <a:p>
+                      <a:pPr marL="0" marR="0" algn="just">
+                        <a:lnSpc>
+                          <a:spcPct val="107000"/>
+                        </a:lnSpc>
+                        <a:spcBef>
+                          <a:spcPts val="0"/>
+                        </a:spcBef>
+                        <a:spcAft>
+                          <a:spcPts val="0"/>
+                        </a:spcAft>
+                      </a:pPr>
+                      <a:r>
+                        <a:rPr lang="en-US" sz="1600">
+                          <a:effectLst/>
+                        </a:rPr>
+                        <a:t>V</a:t>
+                      </a:r>
+                      <a:r>
+                        <a:rPr lang="en-US" sz="1600" baseline="-25000">
+                          <a:effectLst/>
+                        </a:rPr>
+                        <a:t>F</a:t>
+                      </a:r>
+                      <a:endParaRPr lang="en-US" sz="1600">
+                        <a:effectLst/>
+                        <a:latin typeface="Times New Roman" panose="02020603050405020304" pitchFamily="18" charset="0"/>
+                        <a:ea typeface="Calibri" panose="020F0502020204030204" pitchFamily="34" charset="0"/>
+                        <a:cs typeface="Times New Roman" panose="02020603050405020304" pitchFamily="18" charset="0"/>
+                      </a:endParaRPr>
+                    </a:p>
+                  </a:txBody>
+                  <a:tcPr marL="89268" marR="89268" marT="0" marB="0"/>
+                </a:tc>
+                <a:tc>
+                  <a:txBody>
+                    <a:bodyPr/>
+                    <a:lstStyle/>
+                    <a:p>
+                      <a:pPr marL="0" marR="0" algn="just">
+                        <a:lnSpc>
+                          <a:spcPct val="107000"/>
+                        </a:lnSpc>
+                        <a:spcBef>
+                          <a:spcPts val="0"/>
+                        </a:spcBef>
+                        <a:spcAft>
+                          <a:spcPts val="0"/>
+                        </a:spcAft>
+                      </a:pPr>
+                      <a:r>
+                        <a:rPr lang="en-US" sz="1600">
+                          <a:effectLst/>
+                        </a:rPr>
+                        <a:t>0.86V</a:t>
+                      </a:r>
+                      <a:endParaRPr lang="en-US" sz="1600">
+                        <a:effectLst/>
+                        <a:latin typeface="Times New Roman" panose="02020603050405020304" pitchFamily="18" charset="0"/>
+                        <a:ea typeface="Calibri" panose="020F0502020204030204" pitchFamily="34" charset="0"/>
+                        <a:cs typeface="Times New Roman" panose="02020603050405020304" pitchFamily="18" charset="0"/>
+                      </a:endParaRPr>
+                    </a:p>
+                  </a:txBody>
+                  <a:tcPr marL="89268" marR="89268" marT="0" marB="0"/>
+                </a:tc>
+                <a:extLst>
+                  <a:ext uri="{0D108BD9-81ED-4DB2-BD59-A6C34878D82A}">
+                    <a16:rowId xmlns:a16="http://schemas.microsoft.com/office/drawing/2014/main" val="4081763651"/>
+                  </a:ext>
+                </a:extLst>
+              </a:tr>
+              <a:tr h="242263">
+                <a:tc>
+                  <a:txBody>
+                    <a:bodyPr/>
+                    <a:lstStyle/>
+                    <a:p>
+                      <a:pPr marL="0" marR="0" algn="just">
+                        <a:lnSpc>
+                          <a:spcPct val="107000"/>
+                        </a:lnSpc>
+                        <a:spcBef>
+                          <a:spcPts val="0"/>
+                        </a:spcBef>
+                        <a:spcAft>
+                          <a:spcPts val="0"/>
+                        </a:spcAft>
+                      </a:pPr>
+                      <a:r>
+                        <a:rPr lang="en-US" sz="1600">
+                          <a:effectLst/>
+                        </a:rPr>
+                        <a:t>Price</a:t>
+                      </a:r>
+                      <a:endParaRPr lang="en-US" sz="1600">
+                        <a:effectLst/>
+                        <a:latin typeface="Times New Roman" panose="02020603050405020304" pitchFamily="18" charset="0"/>
+                        <a:ea typeface="Calibri" panose="020F0502020204030204" pitchFamily="34" charset="0"/>
+                        <a:cs typeface="Times New Roman" panose="02020603050405020304" pitchFamily="18" charset="0"/>
+                      </a:endParaRPr>
+                    </a:p>
+                  </a:txBody>
+                  <a:tcPr marL="89268" marR="89268" marT="0" marB="0"/>
+                </a:tc>
+                <a:tc>
+                  <a:txBody>
+                    <a:bodyPr/>
+                    <a:lstStyle/>
+                    <a:p>
+                      <a:pPr marL="0" marR="0" algn="just">
+                        <a:lnSpc>
+                          <a:spcPts val="1125"/>
+                        </a:lnSpc>
+                        <a:spcBef>
+                          <a:spcPts val="0"/>
+                        </a:spcBef>
+                        <a:spcAft>
+                          <a:spcPts val="0"/>
+                        </a:spcAft>
+                      </a:pPr>
+                      <a:r>
+                        <a:rPr lang="en-US" sz="1400" dirty="0">
+                          <a:effectLst/>
+                        </a:rPr>
+                        <a:t>$1.82000</a:t>
+                      </a:r>
+                      <a:endParaRPr lang="en-US" sz="1600" dirty="0">
+                        <a:effectLst/>
+                        <a:latin typeface="Times New Roman" panose="02020603050405020304" pitchFamily="18" charset="0"/>
+                        <a:ea typeface="Calibri" panose="020F0502020204030204" pitchFamily="34" charset="0"/>
+                        <a:cs typeface="Times New Roman" panose="02020603050405020304" pitchFamily="18" charset="0"/>
+                      </a:endParaRPr>
+                    </a:p>
+                  </a:txBody>
+                  <a:tcPr marL="89268" marR="89268" marT="0" marB="0"/>
+                </a:tc>
+                <a:extLst>
+                  <a:ext uri="{0D108BD9-81ED-4DB2-BD59-A6C34878D82A}">
+                    <a16:rowId xmlns:a16="http://schemas.microsoft.com/office/drawing/2014/main" val="3909529176"/>
+                  </a:ext>
+                </a:extLst>
+              </a:tr>
+            </a:tbl>
+          </a:graphicData>
+        </a:graphic>
+      </p:graphicFrame>
+      <p:sp>
+        <p:nvSpPr>
+          <p:cNvPr id="4" name="Slayt Numarası Yer Tutucusu 3">
+            <a:extLst>
+              <a:ext uri="{FF2B5EF4-FFF2-40B4-BE49-F238E27FC236}">
+                <a16:creationId xmlns:a16="http://schemas.microsoft.com/office/drawing/2014/main" id="{7C158882-1347-4ADC-92CC-FE4F88814450}"/>
+              </a:ext>
+            </a:extLst>
+          </p:cNvPr>
+          <p:cNvSpPr>
+            <a:spLocks noGrp="1"/>
+          </p:cNvSpPr>
+          <p:nvPr>
+            <p:ph type="sldNum" sz="quarter" idx="12"/>
+          </p:nvPr>
+        </p:nvSpPr>
+        <p:spPr/>
+        <p:txBody>
+          <a:bodyPr/>
+          <a:lstStyle/>
+          <a:p>
+            <a:pPr>
+              <a:defRPr/>
+            </a:pPr>
+            <a:fld id="{C878F797-6006-4DDA-AFE9-456F280FE6C5}" type="slidenum">
+              <a:rPr lang="en-US" smtClean="0"/>
+              <a:pPr>
+                <a:defRPr/>
+              </a:pPr>
+              <a:t>21</a:t>
+            </a:fld>
+            <a:endParaRPr lang="en-US" dirty="0"/>
+          </a:p>
+        </p:txBody>
+      </p:sp>
+      <p:sp>
+        <p:nvSpPr>
+          <p:cNvPr id="5" name="Veri Yer Tutucusu 4">
+            <a:extLst>
+              <a:ext uri="{FF2B5EF4-FFF2-40B4-BE49-F238E27FC236}">
+                <a16:creationId xmlns:a16="http://schemas.microsoft.com/office/drawing/2014/main" id="{6597D179-AC10-4069-86EA-AFF6D1F90B9C}"/>
+              </a:ext>
+            </a:extLst>
+          </p:cNvPr>
+          <p:cNvSpPr>
+            <a:spLocks noGrp="1"/>
+          </p:cNvSpPr>
+          <p:nvPr>
+            <p:ph type="dt" sz="half" idx="2"/>
+          </p:nvPr>
+        </p:nvSpPr>
+        <p:spPr/>
+        <p:txBody>
+          <a:bodyPr/>
+          <a:lstStyle/>
+          <a:p>
+            <a:pPr>
+              <a:defRPr/>
+            </a:pPr>
+            <a:r>
+              <a:rPr lang="tr-TR"/>
+              <a:t>METU Electrical &amp; Electronics Engineering Department</a:t>
+            </a:r>
+            <a:endParaRPr lang="en-US" dirty="0"/>
+          </a:p>
+        </p:txBody>
+      </p:sp>
+    </p:spTree>
+    <p:extLst>
+      <p:ext uri="{BB962C8B-B14F-4D97-AF65-F5344CB8AC3E}">
+        <p14:creationId xmlns:p14="http://schemas.microsoft.com/office/powerpoint/2010/main" val="1343365823"/>
+      </p:ext>
+    </p:extLst>
+  </p:cSld>
+  <p:clrMapOvr>
+    <a:masterClrMapping/>
+  </p:clrMapOvr>
+</p:sld>
+</file>
+
+<file path=ppt/slides/slide22.xml><?xml version="1.0" encoding="utf-8"?>
+<p:sld xmlns:a="http://schemas.openxmlformats.org/drawingml/2006/main" xmlns:r="http://schemas.openxmlformats.org/officeDocument/2006/relationships" xmlns:p="http://schemas.openxmlformats.org/presentationml/2006/main">
+  <p:cSld>
+    <p:spTree>
+      <p:nvGrpSpPr>
+        <p:cNvPr id="1" name=""/>
+        <p:cNvGrpSpPr/>
+        <p:nvPr/>
+      </p:nvGrpSpPr>
+      <p:grpSpPr>
+        <a:xfrm>
+          <a:off x="0" y="0"/>
+          <a:ext cx="0" cy="0"/>
+          <a:chOff x="0" y="0"/>
+          <a:chExt cx="0" cy="0"/>
+        </a:xfrm>
+      </p:grpSpPr>
+      <p:sp>
+        <p:nvSpPr>
+          <p:cNvPr id="2" name="Başlık 1">
+            <a:extLst>
+              <a:ext uri="{FF2B5EF4-FFF2-40B4-BE49-F238E27FC236}">
+                <a16:creationId xmlns:a16="http://schemas.microsoft.com/office/drawing/2014/main" id="{C639C062-AD6F-449B-A8CD-72A83DBBE3EB}"/>
+              </a:ext>
+            </a:extLst>
+          </p:cNvPr>
+          <p:cNvSpPr>
+            <a:spLocks noGrp="1"/>
+          </p:cNvSpPr>
+          <p:nvPr>
+            <p:ph type="title"/>
+          </p:nvPr>
+        </p:nvSpPr>
+        <p:spPr>
+          <a:xfrm>
+            <a:off x="457200" y="0"/>
+            <a:ext cx="8229600" cy="573088"/>
+          </a:xfrm>
+        </p:spPr>
+        <p:txBody>
+          <a:bodyPr/>
+          <a:lstStyle/>
+          <a:p>
+            <a:r>
+              <a:rPr lang="en-US" dirty="0"/>
+              <a:t>Diode Voltage Waveform</a:t>
+            </a:r>
+          </a:p>
+        </p:txBody>
+      </p:sp>
+      <p:pic>
+        <p:nvPicPr>
+          <p:cNvPr id="7" name="İçerik Yer Tutucusu 6">
+            <a:extLst>
+              <a:ext uri="{FF2B5EF4-FFF2-40B4-BE49-F238E27FC236}">
+                <a16:creationId xmlns:a16="http://schemas.microsoft.com/office/drawing/2014/main" id="{BC8259FC-6213-4859-AA08-C0F186B2428C}"/>
+              </a:ext>
+            </a:extLst>
+          </p:cNvPr>
+          <p:cNvPicPr>
+            <a:picLocks noGrp="1" noChangeAspect="1"/>
+          </p:cNvPicPr>
+          <p:nvPr>
+            <p:ph idx="1"/>
+          </p:nvPr>
+        </p:nvPicPr>
+        <p:blipFill>
+          <a:blip r:embed="rId2"/>
+          <a:stretch>
+            <a:fillRect/>
+          </a:stretch>
+        </p:blipFill>
+        <p:spPr>
+          <a:xfrm>
+            <a:off x="457200" y="573088"/>
+            <a:ext cx="8229600" cy="2765457"/>
+          </a:xfrm>
+        </p:spPr>
+      </p:pic>
+      <p:sp>
+        <p:nvSpPr>
+          <p:cNvPr id="4" name="Slayt Numarası Yer Tutucusu 3">
+            <a:extLst>
+              <a:ext uri="{FF2B5EF4-FFF2-40B4-BE49-F238E27FC236}">
+                <a16:creationId xmlns:a16="http://schemas.microsoft.com/office/drawing/2014/main" id="{76526125-9D96-424F-81FA-2A243B4F773F}"/>
+              </a:ext>
+            </a:extLst>
+          </p:cNvPr>
+          <p:cNvSpPr>
+            <a:spLocks noGrp="1"/>
+          </p:cNvSpPr>
+          <p:nvPr>
+            <p:ph type="sldNum" sz="quarter" idx="12"/>
+          </p:nvPr>
+        </p:nvSpPr>
+        <p:spPr/>
+        <p:txBody>
+          <a:bodyPr/>
+          <a:lstStyle/>
+          <a:p>
+            <a:pPr>
+              <a:defRPr/>
+            </a:pPr>
+            <a:fld id="{C878F797-6006-4DDA-AFE9-456F280FE6C5}" type="slidenum">
+              <a:rPr lang="en-US" smtClean="0"/>
+              <a:pPr>
+                <a:defRPr/>
+              </a:pPr>
+              <a:t>22</a:t>
+            </a:fld>
+            <a:endParaRPr lang="en-US" dirty="0"/>
+          </a:p>
+        </p:txBody>
+      </p:sp>
+      <p:sp>
+        <p:nvSpPr>
+          <p:cNvPr id="5" name="Veri Yer Tutucusu 4">
+            <a:extLst>
+              <a:ext uri="{FF2B5EF4-FFF2-40B4-BE49-F238E27FC236}">
+                <a16:creationId xmlns:a16="http://schemas.microsoft.com/office/drawing/2014/main" id="{6CADF872-5771-49C7-A458-ED9204D7F228}"/>
+              </a:ext>
+            </a:extLst>
+          </p:cNvPr>
+          <p:cNvSpPr>
+            <a:spLocks noGrp="1"/>
+          </p:cNvSpPr>
+          <p:nvPr>
+            <p:ph type="dt" sz="half" idx="2"/>
+          </p:nvPr>
+        </p:nvSpPr>
+        <p:spPr/>
+        <p:txBody>
+          <a:bodyPr/>
+          <a:lstStyle/>
+          <a:p>
+            <a:pPr>
+              <a:defRPr/>
+            </a:pPr>
+            <a:r>
+              <a:rPr lang="tr-TR"/>
+              <a:t>METU Electrical &amp; Electronics Engineering Department</a:t>
+            </a:r>
+            <a:endParaRPr lang="en-US" dirty="0"/>
+          </a:p>
+        </p:txBody>
+      </p:sp>
+      <p:pic>
+        <p:nvPicPr>
+          <p:cNvPr id="9" name="Resim 8">
+            <a:extLst>
+              <a:ext uri="{FF2B5EF4-FFF2-40B4-BE49-F238E27FC236}">
+                <a16:creationId xmlns:a16="http://schemas.microsoft.com/office/drawing/2014/main" id="{8EE416F4-A150-4355-B173-6B1D072B0039}"/>
+              </a:ext>
+            </a:extLst>
+          </p:cNvPr>
+          <p:cNvPicPr>
+            <a:picLocks noChangeAspect="1"/>
+          </p:cNvPicPr>
+          <p:nvPr/>
+        </p:nvPicPr>
+        <p:blipFill>
+          <a:blip r:embed="rId3"/>
+          <a:stretch>
+            <a:fillRect/>
+          </a:stretch>
+        </p:blipFill>
+        <p:spPr>
+          <a:xfrm>
+            <a:off x="457200" y="3389286"/>
+            <a:ext cx="8229600" cy="2774709"/>
+          </a:xfrm>
+          <a:prstGeom prst="rect">
+            <a:avLst/>
+          </a:prstGeom>
+        </p:spPr>
+      </p:pic>
+    </p:spTree>
+    <p:extLst>
+      <p:ext uri="{BB962C8B-B14F-4D97-AF65-F5344CB8AC3E}">
+        <p14:creationId xmlns:p14="http://schemas.microsoft.com/office/powerpoint/2010/main" val="2761567807"/>
+      </p:ext>
+    </p:extLst>
+  </p:cSld>
+  <p:clrMapOvr>
+    <a:masterClrMapping/>
+  </p:clrMapOvr>
+</p:sld>
+</file>
+
+<file path=ppt/slides/slide23.xml><?xml version="1.0" encoding="utf-8"?>
+<p:sld xmlns:a="http://schemas.openxmlformats.org/drawingml/2006/main" xmlns:r="http://schemas.openxmlformats.org/officeDocument/2006/relationships" xmlns:p="http://schemas.openxmlformats.org/presentationml/2006/main">
+  <p:cSld>
+    <p:spTree>
+      <p:nvGrpSpPr>
+        <p:cNvPr id="1" name=""/>
+        <p:cNvGrpSpPr/>
+        <p:nvPr/>
+      </p:nvGrpSpPr>
+      <p:grpSpPr>
+        <a:xfrm>
+          <a:off x="0" y="0"/>
+          <a:ext cx="0" cy="0"/>
+          <a:chOff x="0" y="0"/>
+          <a:chExt cx="0" cy="0"/>
+        </a:xfrm>
+      </p:grpSpPr>
+      <p:sp>
+        <p:nvSpPr>
+          <p:cNvPr id="2" name="Başlık 1">
+            <a:extLst>
+              <a:ext uri="{FF2B5EF4-FFF2-40B4-BE49-F238E27FC236}">
+                <a16:creationId xmlns:a16="http://schemas.microsoft.com/office/drawing/2014/main" id="{8CF175CF-56AC-4B11-882F-B75D96443BA5}"/>
+              </a:ext>
+            </a:extLst>
+          </p:cNvPr>
+          <p:cNvSpPr>
+            <a:spLocks noGrp="1"/>
+          </p:cNvSpPr>
+          <p:nvPr>
+            <p:ph type="title"/>
+          </p:nvPr>
+        </p:nvSpPr>
+        <p:spPr>
+          <a:xfrm>
+            <a:off x="457200" y="0"/>
+            <a:ext cx="8229600" cy="490537"/>
+          </a:xfrm>
+        </p:spPr>
+        <p:txBody>
+          <a:bodyPr/>
+          <a:lstStyle/>
+          <a:p>
+            <a:r>
+              <a:rPr lang="en-US" dirty="0"/>
+              <a:t>Diode Current Waveform</a:t>
+            </a:r>
+          </a:p>
+        </p:txBody>
+      </p:sp>
+      <p:pic>
+        <p:nvPicPr>
+          <p:cNvPr id="7" name="İçerik Yer Tutucusu 6">
+            <a:extLst>
+              <a:ext uri="{FF2B5EF4-FFF2-40B4-BE49-F238E27FC236}">
+                <a16:creationId xmlns:a16="http://schemas.microsoft.com/office/drawing/2014/main" id="{4AE203EE-04B9-4910-AF86-92BF49D97D69}"/>
+              </a:ext>
+            </a:extLst>
+          </p:cNvPr>
+          <p:cNvPicPr>
+            <a:picLocks noGrp="1" noChangeAspect="1"/>
+          </p:cNvPicPr>
+          <p:nvPr>
+            <p:ph idx="1"/>
+          </p:nvPr>
+        </p:nvPicPr>
+        <p:blipFill>
+          <a:blip r:embed="rId2"/>
+          <a:stretch>
+            <a:fillRect/>
+          </a:stretch>
+        </p:blipFill>
+        <p:spPr>
+          <a:xfrm>
+            <a:off x="457199" y="578511"/>
+            <a:ext cx="8229600" cy="2767279"/>
+          </a:xfrm>
+        </p:spPr>
+      </p:pic>
+      <p:sp>
+        <p:nvSpPr>
+          <p:cNvPr id="4" name="Slayt Numarası Yer Tutucusu 3">
+            <a:extLst>
+              <a:ext uri="{FF2B5EF4-FFF2-40B4-BE49-F238E27FC236}">
+                <a16:creationId xmlns:a16="http://schemas.microsoft.com/office/drawing/2014/main" id="{E9F250E9-F5B2-4AD1-BE6F-20510D33F11C}"/>
+              </a:ext>
+            </a:extLst>
+          </p:cNvPr>
+          <p:cNvSpPr>
+            <a:spLocks noGrp="1"/>
+          </p:cNvSpPr>
+          <p:nvPr>
+            <p:ph type="sldNum" sz="quarter" idx="12"/>
+          </p:nvPr>
+        </p:nvSpPr>
+        <p:spPr/>
+        <p:txBody>
+          <a:bodyPr/>
+          <a:lstStyle/>
+          <a:p>
+            <a:pPr>
+              <a:defRPr/>
+            </a:pPr>
+            <a:fld id="{C878F797-6006-4DDA-AFE9-456F280FE6C5}" type="slidenum">
+              <a:rPr lang="en-US" smtClean="0"/>
+              <a:pPr>
+                <a:defRPr/>
+              </a:pPr>
+              <a:t>23</a:t>
+            </a:fld>
+            <a:endParaRPr lang="en-US" dirty="0"/>
+          </a:p>
+        </p:txBody>
+      </p:sp>
+      <p:sp>
+        <p:nvSpPr>
+          <p:cNvPr id="5" name="Veri Yer Tutucusu 4">
+            <a:extLst>
+              <a:ext uri="{FF2B5EF4-FFF2-40B4-BE49-F238E27FC236}">
+                <a16:creationId xmlns:a16="http://schemas.microsoft.com/office/drawing/2014/main" id="{B24C02A7-862C-41D1-8DE7-7AFB2FCA97D9}"/>
+              </a:ext>
+            </a:extLst>
+          </p:cNvPr>
+          <p:cNvSpPr>
+            <a:spLocks noGrp="1"/>
+          </p:cNvSpPr>
+          <p:nvPr>
+            <p:ph type="dt" sz="half" idx="2"/>
+          </p:nvPr>
+        </p:nvSpPr>
+        <p:spPr/>
+        <p:txBody>
+          <a:bodyPr/>
+          <a:lstStyle/>
+          <a:p>
+            <a:pPr>
+              <a:defRPr/>
+            </a:pPr>
+            <a:r>
+              <a:rPr lang="tr-TR"/>
+              <a:t>METU Electrical &amp; Electronics Engineering Department</a:t>
+            </a:r>
+            <a:endParaRPr lang="en-US" dirty="0"/>
+          </a:p>
+        </p:txBody>
+      </p:sp>
+      <p:pic>
+        <p:nvPicPr>
+          <p:cNvPr id="9" name="Resim 8">
+            <a:extLst>
+              <a:ext uri="{FF2B5EF4-FFF2-40B4-BE49-F238E27FC236}">
+                <a16:creationId xmlns:a16="http://schemas.microsoft.com/office/drawing/2014/main" id="{3666990F-ED53-4E39-84C8-2EF5D9FDD9B4}"/>
+              </a:ext>
+            </a:extLst>
+          </p:cNvPr>
+          <p:cNvPicPr>
+            <a:picLocks noChangeAspect="1"/>
+          </p:cNvPicPr>
+          <p:nvPr/>
+        </p:nvPicPr>
+        <p:blipFill>
+          <a:blip r:embed="rId3"/>
+          <a:stretch>
+            <a:fillRect/>
+          </a:stretch>
+        </p:blipFill>
+        <p:spPr>
+          <a:xfrm>
+            <a:off x="457200" y="3345791"/>
+            <a:ext cx="8191149" cy="2767280"/>
+          </a:xfrm>
+          <a:prstGeom prst="rect">
+            <a:avLst/>
+          </a:prstGeom>
+        </p:spPr>
+      </p:pic>
+    </p:spTree>
+    <p:extLst>
+      <p:ext uri="{BB962C8B-B14F-4D97-AF65-F5344CB8AC3E}">
+        <p14:creationId xmlns:p14="http://schemas.microsoft.com/office/powerpoint/2010/main" val="1417895478"/>
+      </p:ext>
+    </p:extLst>
+  </p:cSld>
+  <p:clrMapOvr>
+    <a:masterClrMapping/>
+  </p:clrMapOvr>
+</p:sld>
+</file>
+
+<file path=ppt/slides/slide24.xml><?xml version="1.0" encoding="utf-8"?>
+<p:sld xmlns:a="http://schemas.openxmlformats.org/drawingml/2006/main" xmlns:r="http://schemas.openxmlformats.org/officeDocument/2006/relationships" xmlns:p="http://schemas.openxmlformats.org/presentationml/2006/main">
+  <p:cSld>
+    <p:spTree>
+      <p:nvGrpSpPr>
+        <p:cNvPr id="1" name=""/>
+        <p:cNvGrpSpPr/>
+        <p:nvPr/>
+      </p:nvGrpSpPr>
+      <p:grpSpPr>
+        <a:xfrm>
+          <a:off x="0" y="0"/>
+          <a:ext cx="0" cy="0"/>
+          <a:chOff x="0" y="0"/>
+          <a:chExt cx="0" cy="0"/>
+        </a:xfrm>
+      </p:grpSpPr>
+      <p:pic>
+        <p:nvPicPr>
+          <p:cNvPr id="8" name="Resim 7">
+            <a:extLst>
+              <a:ext uri="{FF2B5EF4-FFF2-40B4-BE49-F238E27FC236}">
+                <a16:creationId xmlns:a16="http://schemas.microsoft.com/office/drawing/2014/main" id="{DB2EA458-D49A-45C3-8625-90C95C63118A}"/>
+              </a:ext>
+            </a:extLst>
+          </p:cNvPr>
+          <p:cNvPicPr>
+            <a:picLocks noChangeAspect="1"/>
+          </p:cNvPicPr>
+          <p:nvPr/>
+        </p:nvPicPr>
+        <p:blipFill>
+          <a:blip r:embed="rId2"/>
+          <a:stretch>
+            <a:fillRect/>
+          </a:stretch>
+        </p:blipFill>
+        <p:spPr>
+          <a:xfrm rot="10800000">
+            <a:off x="1410081" y="0"/>
+            <a:ext cx="6095238" cy="6095238"/>
+          </a:xfrm>
+          <a:prstGeom prst="rect">
+            <a:avLst/>
+          </a:prstGeom>
+          <a:effectLst>
+            <a:softEdge rad="1270000"/>
+          </a:effectLst>
+        </p:spPr>
+      </p:pic>
+      <p:sp>
+        <p:nvSpPr>
+          <p:cNvPr id="2" name="Başlık 1">
+            <a:extLst>
+              <a:ext uri="{FF2B5EF4-FFF2-40B4-BE49-F238E27FC236}">
+                <a16:creationId xmlns:a16="http://schemas.microsoft.com/office/drawing/2014/main" id="{830DB9ED-9552-4BF7-8571-9A027EC9F1D1}"/>
+              </a:ext>
+            </a:extLst>
+          </p:cNvPr>
+          <p:cNvSpPr>
+            <a:spLocks noGrp="1"/>
+          </p:cNvSpPr>
+          <p:nvPr>
+            <p:ph type="title"/>
+          </p:nvPr>
+        </p:nvSpPr>
+        <p:spPr/>
+        <p:txBody>
+          <a:bodyPr/>
+          <a:lstStyle/>
+          <a:p>
+            <a:r>
+              <a:rPr lang="en-US" dirty="0"/>
+              <a:t>Output Capacitor(</a:t>
+            </a:r>
+            <a:r>
+              <a:rPr lang="en-US" sz="1800" dirty="0">
+                <a:effectLst/>
+                <a:latin typeface="Times New Roman" panose="02020603050405020304" pitchFamily="18" charset="0"/>
+                <a:ea typeface="Calibri" panose="020F0502020204030204" pitchFamily="34" charset="0"/>
+              </a:rPr>
+              <a:t>RNL1C681MDS1</a:t>
+            </a:r>
+            <a:r>
+              <a:rPr lang="en-US" dirty="0"/>
+              <a:t>)</a:t>
+            </a:r>
+          </a:p>
+        </p:txBody>
+      </p:sp>
+      <p:graphicFrame>
+        <p:nvGraphicFramePr>
+          <p:cNvPr id="6" name="İçerik Yer Tutucusu 5">
+            <a:extLst>
+              <a:ext uri="{FF2B5EF4-FFF2-40B4-BE49-F238E27FC236}">
+                <a16:creationId xmlns:a16="http://schemas.microsoft.com/office/drawing/2014/main" id="{2BA550A4-5EB9-47AC-9D06-A8F052FC8826}"/>
+              </a:ext>
+            </a:extLst>
+          </p:cNvPr>
+          <p:cNvGraphicFramePr>
+            <a:graphicFrameLocks noGrp="1"/>
+          </p:cNvGraphicFramePr>
+          <p:nvPr>
+            <p:ph idx="1"/>
+          </p:nvPr>
+        </p:nvGraphicFramePr>
+        <p:xfrm>
+          <a:off x="457198" y="4162425"/>
+          <a:ext cx="7516516" cy="1767840"/>
+        </p:xfrm>
+        <a:graphic>
+          <a:graphicData uri="http://schemas.openxmlformats.org/drawingml/2006/table">
+            <a:tbl>
+              <a:tblPr firstRow="1" firstCol="1" bandRow="1">
+                <a:tableStyleId>{5C22544A-7EE6-4342-B048-85BDC9FD1C3A}</a:tableStyleId>
+              </a:tblPr>
+              <a:tblGrid>
+                <a:gridCol w="3758258">
+                  <a:extLst>
+                    <a:ext uri="{9D8B030D-6E8A-4147-A177-3AD203B41FA5}">
+                      <a16:colId xmlns:a16="http://schemas.microsoft.com/office/drawing/2014/main" val="2485478797"/>
+                    </a:ext>
+                  </a:extLst>
+                </a:gridCol>
+                <a:gridCol w="3758258">
+                  <a:extLst>
+                    <a:ext uri="{9D8B030D-6E8A-4147-A177-3AD203B41FA5}">
+                      <a16:colId xmlns:a16="http://schemas.microsoft.com/office/drawing/2014/main" val="875073812"/>
+                    </a:ext>
+                  </a:extLst>
+                </a:gridCol>
+              </a:tblGrid>
+              <a:tr h="292100">
+                <a:tc>
+                  <a:txBody>
+                    <a:bodyPr/>
+                    <a:lstStyle/>
+                    <a:p>
+                      <a:pPr marL="0" marR="0" algn="just">
+                        <a:lnSpc>
+                          <a:spcPct val="107000"/>
+                        </a:lnSpc>
+                        <a:spcBef>
+                          <a:spcPts val="0"/>
+                        </a:spcBef>
+                        <a:spcAft>
+                          <a:spcPts val="0"/>
+                        </a:spcAft>
+                      </a:pPr>
+                      <a:r>
+                        <a:rPr lang="en-US" sz="1900">
+                          <a:effectLst/>
+                        </a:rPr>
+                        <a:t>Parameter</a:t>
+                      </a:r>
+                      <a:endParaRPr lang="en-US" sz="1900">
+                        <a:effectLst/>
+                        <a:latin typeface="Times New Roman" panose="02020603050405020304" pitchFamily="18" charset="0"/>
+                        <a:ea typeface="Calibri" panose="020F0502020204030204" pitchFamily="34" charset="0"/>
+                        <a:cs typeface="Times New Roman" panose="02020603050405020304" pitchFamily="18" charset="0"/>
+                      </a:endParaRPr>
+                    </a:p>
+                  </a:txBody>
+                  <a:tcPr marL="107632" marR="107632" marT="0" marB="0"/>
+                </a:tc>
+                <a:tc>
+                  <a:txBody>
+                    <a:bodyPr/>
+                    <a:lstStyle/>
+                    <a:p>
+                      <a:pPr marL="0" marR="0" algn="just">
+                        <a:lnSpc>
+                          <a:spcPct val="107000"/>
+                        </a:lnSpc>
+                        <a:spcBef>
+                          <a:spcPts val="0"/>
+                        </a:spcBef>
+                        <a:spcAft>
+                          <a:spcPts val="0"/>
+                        </a:spcAft>
+                      </a:pPr>
+                      <a:r>
+                        <a:rPr lang="en-US" sz="1900">
+                          <a:effectLst/>
+                        </a:rPr>
+                        <a:t>Value - Description</a:t>
+                      </a:r>
+                      <a:endParaRPr lang="en-US" sz="1900">
+                        <a:effectLst/>
+                        <a:latin typeface="Times New Roman" panose="02020603050405020304" pitchFamily="18" charset="0"/>
+                        <a:ea typeface="Calibri" panose="020F0502020204030204" pitchFamily="34" charset="0"/>
+                        <a:cs typeface="Times New Roman" panose="02020603050405020304" pitchFamily="18" charset="0"/>
+                      </a:endParaRPr>
+                    </a:p>
+                  </a:txBody>
+                  <a:tcPr marL="107632" marR="107632" marT="0" marB="0"/>
+                </a:tc>
+                <a:extLst>
+                  <a:ext uri="{0D108BD9-81ED-4DB2-BD59-A6C34878D82A}">
+                    <a16:rowId xmlns:a16="http://schemas.microsoft.com/office/drawing/2014/main" val="394555786"/>
+                  </a:ext>
+                </a:extLst>
+              </a:tr>
+              <a:tr h="292100">
+                <a:tc>
+                  <a:txBody>
+                    <a:bodyPr/>
+                    <a:lstStyle/>
+                    <a:p>
+                      <a:pPr marL="0" marR="0" algn="just">
+                        <a:lnSpc>
+                          <a:spcPct val="107000"/>
+                        </a:lnSpc>
+                        <a:spcBef>
+                          <a:spcPts val="0"/>
+                        </a:spcBef>
+                        <a:spcAft>
+                          <a:spcPts val="0"/>
+                        </a:spcAft>
+                      </a:pPr>
+                      <a:r>
+                        <a:rPr lang="en-US" sz="1900">
+                          <a:effectLst/>
+                        </a:rPr>
+                        <a:t>C, Capacitance</a:t>
+                      </a:r>
+                      <a:endParaRPr lang="en-US" sz="1900">
+                        <a:effectLst/>
+                        <a:latin typeface="Times New Roman" panose="02020603050405020304" pitchFamily="18" charset="0"/>
+                        <a:ea typeface="Calibri" panose="020F0502020204030204" pitchFamily="34" charset="0"/>
+                        <a:cs typeface="Times New Roman" panose="02020603050405020304" pitchFamily="18" charset="0"/>
+                      </a:endParaRPr>
+                    </a:p>
+                  </a:txBody>
+                  <a:tcPr marL="107632" marR="107632" marT="0" marB="0"/>
+                </a:tc>
+                <a:tc>
+                  <a:txBody>
+                    <a:bodyPr/>
+                    <a:lstStyle/>
+                    <a:p>
+                      <a:pPr marL="0" marR="0" algn="just">
+                        <a:lnSpc>
+                          <a:spcPct val="107000"/>
+                        </a:lnSpc>
+                        <a:spcBef>
+                          <a:spcPts val="0"/>
+                        </a:spcBef>
+                        <a:spcAft>
+                          <a:spcPts val="0"/>
+                        </a:spcAft>
+                      </a:pPr>
+                      <a:r>
+                        <a:rPr lang="en-US" sz="1900" dirty="0">
+                          <a:effectLst/>
+                        </a:rPr>
+                        <a:t>680 </a:t>
+                      </a:r>
+                      <a:r>
+                        <a:rPr lang="en-US" sz="1900" dirty="0" err="1">
+                          <a:effectLst/>
+                        </a:rPr>
+                        <a:t>uF</a:t>
+                      </a:r>
+                      <a:endParaRPr lang="en-US" sz="1900" dirty="0">
+                        <a:effectLst/>
+                        <a:latin typeface="Times New Roman" panose="02020603050405020304" pitchFamily="18" charset="0"/>
+                        <a:ea typeface="Calibri" panose="020F0502020204030204" pitchFamily="34" charset="0"/>
+                        <a:cs typeface="Times New Roman" panose="02020603050405020304" pitchFamily="18" charset="0"/>
+                      </a:endParaRPr>
+                    </a:p>
+                  </a:txBody>
+                  <a:tcPr marL="107632" marR="107632" marT="0" marB="0"/>
+                </a:tc>
+                <a:extLst>
+                  <a:ext uri="{0D108BD9-81ED-4DB2-BD59-A6C34878D82A}">
+                    <a16:rowId xmlns:a16="http://schemas.microsoft.com/office/drawing/2014/main" val="790112348"/>
+                  </a:ext>
+                </a:extLst>
+              </a:tr>
+              <a:tr h="292100">
+                <a:tc>
+                  <a:txBody>
+                    <a:bodyPr/>
+                    <a:lstStyle/>
+                    <a:p>
+                      <a:pPr marL="0" marR="0" algn="just">
+                        <a:lnSpc>
+                          <a:spcPct val="107000"/>
+                        </a:lnSpc>
+                        <a:spcBef>
+                          <a:spcPts val="0"/>
+                        </a:spcBef>
+                        <a:spcAft>
+                          <a:spcPts val="0"/>
+                        </a:spcAft>
+                      </a:pPr>
+                      <a:r>
+                        <a:rPr lang="en-US" sz="1900">
+                          <a:effectLst/>
+                        </a:rPr>
+                        <a:t>V</a:t>
+                      </a:r>
+                      <a:r>
+                        <a:rPr lang="en-US" sz="1900" baseline="-25000">
+                          <a:effectLst/>
+                        </a:rPr>
+                        <a:t>C,MAX</a:t>
+                      </a:r>
+                      <a:r>
+                        <a:rPr lang="en-US" sz="1900">
+                          <a:effectLst/>
+                        </a:rPr>
+                        <a:t> Rating</a:t>
+                      </a:r>
+                      <a:endParaRPr lang="en-US" sz="1900">
+                        <a:effectLst/>
+                        <a:latin typeface="Times New Roman" panose="02020603050405020304" pitchFamily="18" charset="0"/>
+                        <a:ea typeface="Calibri" panose="020F0502020204030204" pitchFamily="34" charset="0"/>
+                        <a:cs typeface="Times New Roman" panose="02020603050405020304" pitchFamily="18" charset="0"/>
+                      </a:endParaRPr>
+                    </a:p>
+                  </a:txBody>
+                  <a:tcPr marL="107632" marR="107632" marT="0" marB="0"/>
+                </a:tc>
+                <a:tc>
+                  <a:txBody>
+                    <a:bodyPr/>
+                    <a:lstStyle/>
+                    <a:p>
+                      <a:pPr marL="0" marR="0" algn="just">
+                        <a:lnSpc>
+                          <a:spcPct val="107000"/>
+                        </a:lnSpc>
+                        <a:spcBef>
+                          <a:spcPts val="0"/>
+                        </a:spcBef>
+                        <a:spcAft>
+                          <a:spcPts val="0"/>
+                        </a:spcAft>
+                      </a:pPr>
+                      <a:r>
+                        <a:rPr lang="en-US" sz="1900">
+                          <a:effectLst/>
+                        </a:rPr>
+                        <a:t>25V</a:t>
+                      </a:r>
+                      <a:endParaRPr lang="en-US" sz="1900">
+                        <a:effectLst/>
+                        <a:latin typeface="Times New Roman" panose="02020603050405020304" pitchFamily="18" charset="0"/>
+                        <a:ea typeface="Calibri" panose="020F0502020204030204" pitchFamily="34" charset="0"/>
+                        <a:cs typeface="Times New Roman" panose="02020603050405020304" pitchFamily="18" charset="0"/>
+                      </a:endParaRPr>
+                    </a:p>
+                  </a:txBody>
+                  <a:tcPr marL="107632" marR="107632" marT="0" marB="0"/>
+                </a:tc>
+                <a:extLst>
+                  <a:ext uri="{0D108BD9-81ED-4DB2-BD59-A6C34878D82A}">
+                    <a16:rowId xmlns:a16="http://schemas.microsoft.com/office/drawing/2014/main" val="710359292"/>
+                  </a:ext>
+                </a:extLst>
+              </a:tr>
+              <a:tr h="292100">
+                <a:tc>
+                  <a:txBody>
+                    <a:bodyPr/>
+                    <a:lstStyle/>
+                    <a:p>
+                      <a:pPr marL="0" marR="0" algn="just">
+                        <a:lnSpc>
+                          <a:spcPct val="107000"/>
+                        </a:lnSpc>
+                        <a:spcBef>
+                          <a:spcPts val="0"/>
+                        </a:spcBef>
+                        <a:spcAft>
+                          <a:spcPts val="0"/>
+                        </a:spcAft>
+                      </a:pPr>
+                      <a:r>
+                        <a:rPr lang="en-US" sz="1900">
+                          <a:effectLst/>
+                        </a:rPr>
+                        <a:t>I</a:t>
+                      </a:r>
+                      <a:r>
+                        <a:rPr lang="en-US" sz="1900" baseline="-25000">
+                          <a:effectLst/>
+                        </a:rPr>
+                        <a:t>C,ripple</a:t>
+                      </a:r>
+                      <a:endParaRPr lang="en-US" sz="1900">
+                        <a:effectLst/>
+                        <a:latin typeface="Times New Roman" panose="02020603050405020304" pitchFamily="18" charset="0"/>
+                        <a:ea typeface="Calibri" panose="020F0502020204030204" pitchFamily="34" charset="0"/>
+                        <a:cs typeface="Times New Roman" panose="02020603050405020304" pitchFamily="18" charset="0"/>
+                      </a:endParaRPr>
+                    </a:p>
+                  </a:txBody>
+                  <a:tcPr marL="107632" marR="107632" marT="0" marB="0"/>
+                </a:tc>
+                <a:tc>
+                  <a:txBody>
+                    <a:bodyPr/>
+                    <a:lstStyle/>
+                    <a:p>
+                      <a:pPr marL="0" marR="0" algn="just">
+                        <a:lnSpc>
+                          <a:spcPct val="107000"/>
+                        </a:lnSpc>
+                        <a:spcBef>
+                          <a:spcPts val="0"/>
+                        </a:spcBef>
+                        <a:spcAft>
+                          <a:spcPts val="0"/>
+                        </a:spcAft>
+                      </a:pPr>
+                      <a:r>
+                        <a:rPr lang="en-US" sz="1900">
+                          <a:effectLst/>
+                        </a:rPr>
+                        <a:t>7A</a:t>
+                      </a:r>
+                      <a:endParaRPr lang="en-US" sz="1900">
+                        <a:effectLst/>
+                        <a:latin typeface="Times New Roman" panose="02020603050405020304" pitchFamily="18" charset="0"/>
+                        <a:ea typeface="Calibri" panose="020F0502020204030204" pitchFamily="34" charset="0"/>
+                        <a:cs typeface="Times New Roman" panose="02020603050405020304" pitchFamily="18" charset="0"/>
+                      </a:endParaRPr>
+                    </a:p>
+                  </a:txBody>
+                  <a:tcPr marL="107632" marR="107632" marT="0" marB="0"/>
+                </a:tc>
+                <a:extLst>
+                  <a:ext uri="{0D108BD9-81ED-4DB2-BD59-A6C34878D82A}">
+                    <a16:rowId xmlns:a16="http://schemas.microsoft.com/office/drawing/2014/main" val="2624404741"/>
+                  </a:ext>
+                </a:extLst>
+              </a:tr>
+              <a:tr h="292100">
+                <a:tc>
+                  <a:txBody>
+                    <a:bodyPr/>
+                    <a:lstStyle/>
+                    <a:p>
+                      <a:pPr marL="0" marR="0" algn="just">
+                        <a:lnSpc>
+                          <a:spcPct val="107000"/>
+                        </a:lnSpc>
+                        <a:spcBef>
+                          <a:spcPts val="0"/>
+                        </a:spcBef>
+                        <a:spcAft>
+                          <a:spcPts val="0"/>
+                        </a:spcAft>
+                      </a:pPr>
+                      <a:r>
+                        <a:rPr lang="en-US" sz="1900">
+                          <a:effectLst/>
+                        </a:rPr>
+                        <a:t>ESR</a:t>
+                      </a:r>
+                      <a:endParaRPr lang="en-US" sz="1900">
+                        <a:effectLst/>
+                        <a:latin typeface="Times New Roman" panose="02020603050405020304" pitchFamily="18" charset="0"/>
+                        <a:ea typeface="Calibri" panose="020F0502020204030204" pitchFamily="34" charset="0"/>
+                        <a:cs typeface="Times New Roman" panose="02020603050405020304" pitchFamily="18" charset="0"/>
+                      </a:endParaRPr>
+                    </a:p>
+                  </a:txBody>
+                  <a:tcPr marL="107632" marR="107632" marT="0" marB="0"/>
+                </a:tc>
+                <a:tc>
+                  <a:txBody>
+                    <a:bodyPr/>
+                    <a:lstStyle/>
+                    <a:p>
+                      <a:pPr marL="0" marR="0" algn="just">
+                        <a:lnSpc>
+                          <a:spcPct val="107000"/>
+                        </a:lnSpc>
+                        <a:spcBef>
+                          <a:spcPts val="0"/>
+                        </a:spcBef>
+                        <a:spcAft>
+                          <a:spcPts val="0"/>
+                        </a:spcAft>
+                      </a:pPr>
+                      <a:r>
+                        <a:rPr lang="en-US" sz="1900" dirty="0">
+                          <a:effectLst/>
+                        </a:rPr>
+                        <a:t>8mΩ</a:t>
+                      </a:r>
+                      <a:endParaRPr lang="en-US" sz="1900" dirty="0">
+                        <a:effectLst/>
+                        <a:latin typeface="Times New Roman" panose="02020603050405020304" pitchFamily="18" charset="0"/>
+                        <a:ea typeface="Calibri" panose="020F0502020204030204" pitchFamily="34" charset="0"/>
+                        <a:cs typeface="Times New Roman" panose="02020603050405020304" pitchFamily="18" charset="0"/>
+                      </a:endParaRPr>
+                    </a:p>
+                  </a:txBody>
+                  <a:tcPr marL="107632" marR="107632" marT="0" marB="0"/>
+                </a:tc>
+                <a:extLst>
+                  <a:ext uri="{0D108BD9-81ED-4DB2-BD59-A6C34878D82A}">
+                    <a16:rowId xmlns:a16="http://schemas.microsoft.com/office/drawing/2014/main" val="2999558234"/>
+                  </a:ext>
+                </a:extLst>
+              </a:tr>
+              <a:tr h="292100">
+                <a:tc>
+                  <a:txBody>
+                    <a:bodyPr/>
+                    <a:lstStyle/>
+                    <a:p>
+                      <a:pPr marL="0" marR="0" algn="just">
+                        <a:lnSpc>
+                          <a:spcPct val="107000"/>
+                        </a:lnSpc>
+                        <a:spcBef>
+                          <a:spcPts val="0"/>
+                        </a:spcBef>
+                        <a:spcAft>
+                          <a:spcPts val="0"/>
+                        </a:spcAft>
+                      </a:pPr>
+                      <a:r>
+                        <a:rPr lang="en-US" sz="1900">
+                          <a:effectLst/>
+                        </a:rPr>
+                        <a:t>Price</a:t>
+                      </a:r>
+                      <a:endParaRPr lang="en-US" sz="1900">
+                        <a:effectLst/>
+                        <a:latin typeface="Times New Roman" panose="02020603050405020304" pitchFamily="18" charset="0"/>
+                        <a:ea typeface="Calibri" panose="020F0502020204030204" pitchFamily="34" charset="0"/>
+                        <a:cs typeface="Times New Roman" panose="02020603050405020304" pitchFamily="18" charset="0"/>
+                      </a:endParaRPr>
+                    </a:p>
+                  </a:txBody>
+                  <a:tcPr marL="107632" marR="107632" marT="0" marB="0"/>
+                </a:tc>
+                <a:tc>
+                  <a:txBody>
+                    <a:bodyPr/>
+                    <a:lstStyle/>
+                    <a:p>
+                      <a:pPr marL="0" marR="0" algn="just">
+                        <a:lnSpc>
+                          <a:spcPct val="107000"/>
+                        </a:lnSpc>
+                        <a:spcBef>
+                          <a:spcPts val="0"/>
+                        </a:spcBef>
+                        <a:spcAft>
+                          <a:spcPts val="0"/>
+                        </a:spcAft>
+                      </a:pPr>
+                      <a:r>
+                        <a:rPr lang="en-US" sz="1900" dirty="0">
+                          <a:effectLst/>
+                        </a:rPr>
+                        <a:t>1.50$</a:t>
+                      </a:r>
+                      <a:endParaRPr lang="en-US" sz="1900" dirty="0">
+                        <a:effectLst/>
+                        <a:latin typeface="Times New Roman" panose="02020603050405020304" pitchFamily="18" charset="0"/>
+                        <a:ea typeface="Calibri" panose="020F0502020204030204" pitchFamily="34" charset="0"/>
+                        <a:cs typeface="Times New Roman" panose="02020603050405020304" pitchFamily="18" charset="0"/>
+                      </a:endParaRPr>
+                    </a:p>
+                  </a:txBody>
+                  <a:tcPr marL="107632" marR="107632" marT="0" marB="0"/>
+                </a:tc>
+                <a:extLst>
+                  <a:ext uri="{0D108BD9-81ED-4DB2-BD59-A6C34878D82A}">
+                    <a16:rowId xmlns:a16="http://schemas.microsoft.com/office/drawing/2014/main" val="3757303752"/>
+                  </a:ext>
+                </a:extLst>
+              </a:tr>
+            </a:tbl>
+          </a:graphicData>
+        </a:graphic>
+      </p:graphicFrame>
+      <p:sp>
+        <p:nvSpPr>
+          <p:cNvPr id="4" name="Slayt Numarası Yer Tutucusu 3">
+            <a:extLst>
+              <a:ext uri="{FF2B5EF4-FFF2-40B4-BE49-F238E27FC236}">
+                <a16:creationId xmlns:a16="http://schemas.microsoft.com/office/drawing/2014/main" id="{7D01F210-822F-44F7-9CD5-9762363FA2BD}"/>
+              </a:ext>
+            </a:extLst>
+          </p:cNvPr>
+          <p:cNvSpPr>
+            <a:spLocks noGrp="1"/>
+          </p:cNvSpPr>
+          <p:nvPr>
+            <p:ph type="sldNum" sz="quarter" idx="12"/>
+          </p:nvPr>
+        </p:nvSpPr>
+        <p:spPr/>
+        <p:txBody>
+          <a:bodyPr/>
+          <a:lstStyle/>
+          <a:p>
+            <a:pPr>
+              <a:defRPr/>
+            </a:pPr>
+            <a:fld id="{C878F797-6006-4DDA-AFE9-456F280FE6C5}" type="slidenum">
+              <a:rPr lang="en-US" smtClean="0"/>
+              <a:pPr>
+                <a:defRPr/>
+              </a:pPr>
+              <a:t>24</a:t>
+            </a:fld>
+            <a:endParaRPr lang="en-US" dirty="0"/>
+          </a:p>
+        </p:txBody>
+      </p:sp>
+      <p:sp>
+        <p:nvSpPr>
+          <p:cNvPr id="5" name="Veri Yer Tutucusu 4">
+            <a:extLst>
+              <a:ext uri="{FF2B5EF4-FFF2-40B4-BE49-F238E27FC236}">
+                <a16:creationId xmlns:a16="http://schemas.microsoft.com/office/drawing/2014/main" id="{16BA13A9-6D75-4841-94D3-E09011881E61}"/>
+              </a:ext>
+            </a:extLst>
+          </p:cNvPr>
+          <p:cNvSpPr>
+            <a:spLocks noGrp="1"/>
+          </p:cNvSpPr>
+          <p:nvPr>
+            <p:ph type="dt" sz="half" idx="2"/>
+          </p:nvPr>
+        </p:nvSpPr>
+        <p:spPr/>
+        <p:txBody>
+          <a:bodyPr/>
+          <a:lstStyle/>
+          <a:p>
+            <a:pPr>
+              <a:defRPr/>
+            </a:pPr>
+            <a:r>
+              <a:rPr lang="tr-TR"/>
+              <a:t>METU Electrical &amp; Electronics Engineering Department</a:t>
+            </a:r>
+            <a:endParaRPr lang="en-US" dirty="0"/>
+          </a:p>
+        </p:txBody>
+      </p:sp>
+    </p:spTree>
+    <p:extLst>
+      <p:ext uri="{BB962C8B-B14F-4D97-AF65-F5344CB8AC3E}">
+        <p14:creationId xmlns:p14="http://schemas.microsoft.com/office/powerpoint/2010/main" val="190750510"/>
+      </p:ext>
+    </p:extLst>
+  </p:cSld>
+  <p:clrMapOvr>
+    <a:masterClrMapping/>
+  </p:clrMapOvr>
+</p:sld>
+</file>
+
+<file path=ppt/slides/slide25.xml><?xml version="1.0" encoding="utf-8"?>
+<p:sld xmlns:a="http://schemas.openxmlformats.org/drawingml/2006/main" xmlns:r="http://schemas.openxmlformats.org/officeDocument/2006/relationships" xmlns:p="http://schemas.openxmlformats.org/presentationml/2006/main">
+  <p:cSld>
+    <p:spTree>
+      <p:nvGrpSpPr>
+        <p:cNvPr id="1" name=""/>
+        <p:cNvGrpSpPr/>
+        <p:nvPr/>
+      </p:nvGrpSpPr>
+      <p:grpSpPr>
+        <a:xfrm>
+          <a:off x="0" y="0"/>
+          <a:ext cx="0" cy="0"/>
+          <a:chOff x="0" y="0"/>
+          <a:chExt cx="0" cy="0"/>
+        </a:xfrm>
+      </p:grpSpPr>
+      <p:sp>
+        <p:nvSpPr>
+          <p:cNvPr id="2" name="Başlık 1">
+            <a:extLst>
+              <a:ext uri="{FF2B5EF4-FFF2-40B4-BE49-F238E27FC236}">
+                <a16:creationId xmlns:a16="http://schemas.microsoft.com/office/drawing/2014/main" id="{5AFE092B-8D70-4E38-82BF-482419A46E84}"/>
+              </a:ext>
+            </a:extLst>
+          </p:cNvPr>
+          <p:cNvSpPr>
+            <a:spLocks noGrp="1"/>
+          </p:cNvSpPr>
+          <p:nvPr>
+            <p:ph type="title"/>
+          </p:nvPr>
+        </p:nvSpPr>
+        <p:spPr>
+          <a:xfrm>
+            <a:off x="457199" y="-1"/>
+            <a:ext cx="8229600" cy="439738"/>
+          </a:xfrm>
+        </p:spPr>
+        <p:txBody>
+          <a:bodyPr/>
+          <a:lstStyle/>
+          <a:p>
+            <a:r>
+              <a:rPr lang="en-US" dirty="0"/>
+              <a:t>Output Voltage Waveform</a:t>
+            </a:r>
+          </a:p>
+        </p:txBody>
+      </p:sp>
+      <p:pic>
+        <p:nvPicPr>
+          <p:cNvPr id="7" name="İçerik Yer Tutucusu 6">
+            <a:extLst>
+              <a:ext uri="{FF2B5EF4-FFF2-40B4-BE49-F238E27FC236}">
+                <a16:creationId xmlns:a16="http://schemas.microsoft.com/office/drawing/2014/main" id="{0BE6FC6B-14CE-452C-91AF-2B56F3C07568}"/>
+              </a:ext>
+            </a:extLst>
+          </p:cNvPr>
+          <p:cNvPicPr>
+            <a:picLocks noGrp="1" noChangeAspect="1"/>
+          </p:cNvPicPr>
+          <p:nvPr>
+            <p:ph idx="1"/>
+          </p:nvPr>
+        </p:nvPicPr>
+        <p:blipFill>
+          <a:blip r:embed="rId2"/>
+          <a:stretch>
+            <a:fillRect/>
+          </a:stretch>
+        </p:blipFill>
+        <p:spPr>
+          <a:xfrm>
+            <a:off x="457200" y="565271"/>
+            <a:ext cx="8229600" cy="2774709"/>
+          </a:xfrm>
+        </p:spPr>
+      </p:pic>
+      <p:sp>
+        <p:nvSpPr>
+          <p:cNvPr id="4" name="Slayt Numarası Yer Tutucusu 3">
+            <a:extLst>
+              <a:ext uri="{FF2B5EF4-FFF2-40B4-BE49-F238E27FC236}">
+                <a16:creationId xmlns:a16="http://schemas.microsoft.com/office/drawing/2014/main" id="{35379905-9030-44C3-9C41-BBD9BAA02654}"/>
+              </a:ext>
+            </a:extLst>
+          </p:cNvPr>
+          <p:cNvSpPr>
+            <a:spLocks noGrp="1"/>
+          </p:cNvSpPr>
+          <p:nvPr>
+            <p:ph type="sldNum" sz="quarter" idx="12"/>
+          </p:nvPr>
+        </p:nvSpPr>
+        <p:spPr/>
+        <p:txBody>
+          <a:bodyPr/>
+          <a:lstStyle/>
+          <a:p>
+            <a:pPr>
+              <a:defRPr/>
+            </a:pPr>
+            <a:fld id="{C878F797-6006-4DDA-AFE9-456F280FE6C5}" type="slidenum">
+              <a:rPr lang="en-US" smtClean="0"/>
+              <a:pPr>
+                <a:defRPr/>
+              </a:pPr>
+              <a:t>25</a:t>
+            </a:fld>
+            <a:endParaRPr lang="en-US" dirty="0"/>
+          </a:p>
+        </p:txBody>
+      </p:sp>
+      <p:sp>
+        <p:nvSpPr>
+          <p:cNvPr id="5" name="Veri Yer Tutucusu 4">
+            <a:extLst>
+              <a:ext uri="{FF2B5EF4-FFF2-40B4-BE49-F238E27FC236}">
+                <a16:creationId xmlns:a16="http://schemas.microsoft.com/office/drawing/2014/main" id="{FA1685E7-53A4-439C-A7A7-75B4D332213A}"/>
+              </a:ext>
+            </a:extLst>
+          </p:cNvPr>
+          <p:cNvSpPr>
+            <a:spLocks noGrp="1"/>
+          </p:cNvSpPr>
+          <p:nvPr>
+            <p:ph type="dt" sz="half" idx="2"/>
+          </p:nvPr>
+        </p:nvSpPr>
+        <p:spPr/>
+        <p:txBody>
+          <a:bodyPr/>
+          <a:lstStyle/>
+          <a:p>
+            <a:pPr>
+              <a:defRPr/>
+            </a:pPr>
+            <a:r>
+              <a:rPr lang="tr-TR"/>
+              <a:t>METU Electrical &amp; Electronics Engineering Department</a:t>
+            </a:r>
+            <a:endParaRPr lang="en-US" dirty="0"/>
+          </a:p>
+        </p:txBody>
+      </p:sp>
+      <p:pic>
+        <p:nvPicPr>
+          <p:cNvPr id="9" name="Resim 8">
+            <a:extLst>
+              <a:ext uri="{FF2B5EF4-FFF2-40B4-BE49-F238E27FC236}">
+                <a16:creationId xmlns:a16="http://schemas.microsoft.com/office/drawing/2014/main" id="{0EF7340E-382E-452A-B3CC-D29DEBF9A328}"/>
+              </a:ext>
+            </a:extLst>
+          </p:cNvPr>
+          <p:cNvPicPr>
+            <a:picLocks noChangeAspect="1"/>
+          </p:cNvPicPr>
+          <p:nvPr/>
+        </p:nvPicPr>
+        <p:blipFill>
+          <a:blip r:embed="rId3"/>
+          <a:stretch>
+            <a:fillRect/>
+          </a:stretch>
+        </p:blipFill>
+        <p:spPr>
+          <a:xfrm>
+            <a:off x="457200" y="3338395"/>
+            <a:ext cx="8235162" cy="2774710"/>
+          </a:xfrm>
+          <a:prstGeom prst="rect">
+            <a:avLst/>
+          </a:prstGeom>
+        </p:spPr>
+      </p:pic>
+    </p:spTree>
+    <p:extLst>
+      <p:ext uri="{BB962C8B-B14F-4D97-AF65-F5344CB8AC3E}">
+        <p14:creationId xmlns:p14="http://schemas.microsoft.com/office/powerpoint/2010/main" val="535837774"/>
+      </p:ext>
+    </p:extLst>
+  </p:cSld>
+  <p:clrMapOvr>
+    <a:masterClrMapping/>
+  </p:clrMapOvr>
+</p:sld>
+</file>
+
+<file path=ppt/slides/slide26.xml><?xml version="1.0" encoding="utf-8"?>
+<p:sld xmlns:a="http://schemas.openxmlformats.org/drawingml/2006/main" xmlns:r="http://schemas.openxmlformats.org/officeDocument/2006/relationships" xmlns:p="http://schemas.openxmlformats.org/presentationml/2006/main">
+  <p:cSld>
+    <p:spTree>
+      <p:nvGrpSpPr>
+        <p:cNvPr id="1" name=""/>
+        <p:cNvGrpSpPr/>
+        <p:nvPr/>
+      </p:nvGrpSpPr>
+      <p:grpSpPr>
+        <a:xfrm>
+          <a:off x="0" y="0"/>
+          <a:ext cx="0" cy="0"/>
+          <a:chOff x="0" y="0"/>
+          <a:chExt cx="0" cy="0"/>
+        </a:xfrm>
+      </p:grpSpPr>
+      <p:sp>
+        <p:nvSpPr>
+          <p:cNvPr id="2" name="Başlık 1">
+            <a:extLst>
+              <a:ext uri="{FF2B5EF4-FFF2-40B4-BE49-F238E27FC236}">
+                <a16:creationId xmlns:a16="http://schemas.microsoft.com/office/drawing/2014/main" id="{0F9C8D8A-BEBF-408C-98CC-6AC4757D8E6B}"/>
+              </a:ext>
+            </a:extLst>
+          </p:cNvPr>
+          <p:cNvSpPr>
+            <a:spLocks noGrp="1"/>
+          </p:cNvSpPr>
+          <p:nvPr>
+            <p:ph type="title"/>
+          </p:nvPr>
+        </p:nvSpPr>
+        <p:spPr>
+          <a:xfrm>
+            <a:off x="457200" y="0"/>
+            <a:ext cx="8229600" cy="449263"/>
+          </a:xfrm>
+        </p:spPr>
+        <p:txBody>
+          <a:bodyPr/>
+          <a:lstStyle/>
+          <a:p>
+            <a:r>
+              <a:rPr lang="en-US" dirty="0"/>
+              <a:t>Output Current Waveform</a:t>
+            </a:r>
+          </a:p>
+        </p:txBody>
+      </p:sp>
+      <p:pic>
+        <p:nvPicPr>
+          <p:cNvPr id="7" name="İçerik Yer Tutucusu 6">
+            <a:extLst>
+              <a:ext uri="{FF2B5EF4-FFF2-40B4-BE49-F238E27FC236}">
+                <a16:creationId xmlns:a16="http://schemas.microsoft.com/office/drawing/2014/main" id="{DE350577-A9F0-456F-AD28-B22A733C5339}"/>
+              </a:ext>
+            </a:extLst>
+          </p:cNvPr>
+          <p:cNvPicPr>
+            <a:picLocks noGrp="1" noChangeAspect="1"/>
+          </p:cNvPicPr>
+          <p:nvPr>
+            <p:ph idx="1"/>
+          </p:nvPr>
+        </p:nvPicPr>
+        <p:blipFill>
+          <a:blip r:embed="rId2"/>
+          <a:stretch>
+            <a:fillRect/>
+          </a:stretch>
+        </p:blipFill>
+        <p:spPr>
+          <a:xfrm>
+            <a:off x="457199" y="569919"/>
+            <a:ext cx="8229600" cy="2765412"/>
+          </a:xfrm>
+        </p:spPr>
+      </p:pic>
+      <p:sp>
+        <p:nvSpPr>
+          <p:cNvPr id="4" name="Slayt Numarası Yer Tutucusu 3">
+            <a:extLst>
+              <a:ext uri="{FF2B5EF4-FFF2-40B4-BE49-F238E27FC236}">
+                <a16:creationId xmlns:a16="http://schemas.microsoft.com/office/drawing/2014/main" id="{D8FFA712-70B7-499A-84B1-81CA98248E49}"/>
+              </a:ext>
+            </a:extLst>
+          </p:cNvPr>
+          <p:cNvSpPr>
+            <a:spLocks noGrp="1"/>
+          </p:cNvSpPr>
+          <p:nvPr>
+            <p:ph type="sldNum" sz="quarter" idx="12"/>
+          </p:nvPr>
+        </p:nvSpPr>
+        <p:spPr/>
+        <p:txBody>
+          <a:bodyPr/>
+          <a:lstStyle/>
+          <a:p>
+            <a:pPr>
+              <a:defRPr/>
+            </a:pPr>
+            <a:fld id="{C878F797-6006-4DDA-AFE9-456F280FE6C5}" type="slidenum">
+              <a:rPr lang="en-US" smtClean="0"/>
+              <a:pPr>
+                <a:defRPr/>
+              </a:pPr>
+              <a:t>26</a:t>
+            </a:fld>
+            <a:endParaRPr lang="en-US" dirty="0"/>
+          </a:p>
+        </p:txBody>
+      </p:sp>
+      <p:sp>
+        <p:nvSpPr>
+          <p:cNvPr id="5" name="Veri Yer Tutucusu 4">
+            <a:extLst>
+              <a:ext uri="{FF2B5EF4-FFF2-40B4-BE49-F238E27FC236}">
+                <a16:creationId xmlns:a16="http://schemas.microsoft.com/office/drawing/2014/main" id="{5A806543-78A7-4EE5-AE08-ECB8CF089960}"/>
+              </a:ext>
+            </a:extLst>
+          </p:cNvPr>
+          <p:cNvSpPr>
+            <a:spLocks noGrp="1"/>
+          </p:cNvSpPr>
+          <p:nvPr>
+            <p:ph type="dt" sz="half" idx="2"/>
+          </p:nvPr>
+        </p:nvSpPr>
+        <p:spPr/>
+        <p:txBody>
+          <a:bodyPr/>
+          <a:lstStyle/>
+          <a:p>
+            <a:pPr>
+              <a:defRPr/>
+            </a:pPr>
+            <a:r>
+              <a:rPr lang="tr-TR"/>
+              <a:t>METU Electrical &amp; Electronics Engineering Department</a:t>
+            </a:r>
+            <a:endParaRPr lang="en-US" dirty="0"/>
+          </a:p>
+        </p:txBody>
+      </p:sp>
+      <p:pic>
+        <p:nvPicPr>
+          <p:cNvPr id="9" name="Resim 8">
+            <a:extLst>
+              <a:ext uri="{FF2B5EF4-FFF2-40B4-BE49-F238E27FC236}">
+                <a16:creationId xmlns:a16="http://schemas.microsoft.com/office/drawing/2014/main" id="{53BC2D1F-4A58-493C-9518-471EC9170644}"/>
+              </a:ext>
+            </a:extLst>
+          </p:cNvPr>
+          <p:cNvPicPr>
+            <a:picLocks noChangeAspect="1"/>
+          </p:cNvPicPr>
+          <p:nvPr/>
+        </p:nvPicPr>
+        <p:blipFill>
+          <a:blip r:embed="rId3"/>
+          <a:stretch>
+            <a:fillRect/>
+          </a:stretch>
+        </p:blipFill>
+        <p:spPr>
+          <a:xfrm>
+            <a:off x="457199" y="3335331"/>
+            <a:ext cx="8235153" cy="2765412"/>
+          </a:xfrm>
+          <a:prstGeom prst="rect">
+            <a:avLst/>
+          </a:prstGeom>
+        </p:spPr>
+      </p:pic>
+    </p:spTree>
+    <p:extLst>
+      <p:ext uri="{BB962C8B-B14F-4D97-AF65-F5344CB8AC3E}">
+        <p14:creationId xmlns:p14="http://schemas.microsoft.com/office/powerpoint/2010/main" val="1958451641"/>
+      </p:ext>
+    </p:extLst>
+  </p:cSld>
+  <p:clrMapOvr>
+    <a:masterClrMapping/>
+  </p:clrMapOvr>
+</p:sld>
+</file>
+
+<file path=ppt/slides/slide27.xml><?xml version="1.0" encoding="utf-8"?>
+<p:sld xmlns:a="http://schemas.openxmlformats.org/drawingml/2006/main" xmlns:r="http://schemas.openxmlformats.org/officeDocument/2006/relationships" xmlns:p="http://schemas.openxmlformats.org/presentationml/2006/main">
+  <p:cSld>
+    <p:spTree>
+      <p:nvGrpSpPr>
+        <p:cNvPr id="1" name=""/>
+        <p:cNvGrpSpPr/>
+        <p:nvPr/>
+      </p:nvGrpSpPr>
+      <p:grpSpPr>
+        <a:xfrm>
+          <a:off x="0" y="0"/>
+          <a:ext cx="0" cy="0"/>
+          <a:chOff x="0" y="0"/>
+          <a:chExt cx="0" cy="0"/>
+        </a:xfrm>
+      </p:grpSpPr>
+      <p:sp>
+        <p:nvSpPr>
+          <p:cNvPr id="2" name="Başlık 1">
+            <a:extLst>
+              <a:ext uri="{FF2B5EF4-FFF2-40B4-BE49-F238E27FC236}">
+                <a16:creationId xmlns:a16="http://schemas.microsoft.com/office/drawing/2014/main" id="{A1322FED-B097-4B08-893C-3ADB41E42764}"/>
+              </a:ext>
+            </a:extLst>
+          </p:cNvPr>
+          <p:cNvSpPr>
+            <a:spLocks noGrp="1"/>
+          </p:cNvSpPr>
+          <p:nvPr>
+            <p:ph type="title"/>
+          </p:nvPr>
+        </p:nvSpPr>
+        <p:spPr>
+          <a:xfrm>
+            <a:off x="457200" y="-1"/>
+            <a:ext cx="8229600" cy="581026"/>
+          </a:xfrm>
+        </p:spPr>
+        <p:txBody>
+          <a:bodyPr/>
+          <a:lstStyle/>
+          <a:p>
+            <a:r>
+              <a:rPr lang="en-US" dirty="0"/>
+              <a:t>Primary Inductor Current Waveform</a:t>
+            </a:r>
+          </a:p>
+        </p:txBody>
+      </p:sp>
+      <p:sp>
+        <p:nvSpPr>
+          <p:cNvPr id="4" name="Slayt Numarası Yer Tutucusu 3">
+            <a:extLst>
+              <a:ext uri="{FF2B5EF4-FFF2-40B4-BE49-F238E27FC236}">
+                <a16:creationId xmlns:a16="http://schemas.microsoft.com/office/drawing/2014/main" id="{EC2E2BBC-F650-41F6-B5DD-317BECE57B21}"/>
+              </a:ext>
+            </a:extLst>
+          </p:cNvPr>
+          <p:cNvSpPr>
+            <a:spLocks noGrp="1"/>
+          </p:cNvSpPr>
+          <p:nvPr>
+            <p:ph type="sldNum" sz="quarter" idx="12"/>
+          </p:nvPr>
+        </p:nvSpPr>
+        <p:spPr/>
+        <p:txBody>
+          <a:bodyPr/>
+          <a:lstStyle/>
+          <a:p>
+            <a:pPr>
+              <a:defRPr/>
+            </a:pPr>
+            <a:fld id="{C878F797-6006-4DDA-AFE9-456F280FE6C5}" type="slidenum">
+              <a:rPr lang="en-US" smtClean="0"/>
+              <a:pPr>
+                <a:defRPr/>
+              </a:pPr>
+              <a:t>27</a:t>
+            </a:fld>
+            <a:endParaRPr lang="en-US" dirty="0"/>
+          </a:p>
+        </p:txBody>
+      </p:sp>
+      <p:sp>
+        <p:nvSpPr>
+          <p:cNvPr id="5" name="Veri Yer Tutucusu 4">
+            <a:extLst>
+              <a:ext uri="{FF2B5EF4-FFF2-40B4-BE49-F238E27FC236}">
+                <a16:creationId xmlns:a16="http://schemas.microsoft.com/office/drawing/2014/main" id="{444C022E-0479-4776-914C-60AEE02CE810}"/>
+              </a:ext>
+            </a:extLst>
+          </p:cNvPr>
+          <p:cNvSpPr>
+            <a:spLocks noGrp="1"/>
+          </p:cNvSpPr>
+          <p:nvPr>
+            <p:ph type="dt" sz="half" idx="2"/>
+          </p:nvPr>
+        </p:nvSpPr>
+        <p:spPr/>
+        <p:txBody>
+          <a:bodyPr/>
+          <a:lstStyle/>
+          <a:p>
+            <a:pPr>
+              <a:defRPr/>
+            </a:pPr>
+            <a:r>
+              <a:rPr lang="tr-TR"/>
+              <a:t>METU Electrical &amp; Electronics Engineering Department</a:t>
+            </a:r>
+            <a:endParaRPr lang="en-US" dirty="0"/>
+          </a:p>
+        </p:txBody>
+      </p:sp>
+      <p:pic>
+        <p:nvPicPr>
+          <p:cNvPr id="10" name="İçerik Yer Tutucusu 9">
+            <a:extLst>
+              <a:ext uri="{FF2B5EF4-FFF2-40B4-BE49-F238E27FC236}">
+                <a16:creationId xmlns:a16="http://schemas.microsoft.com/office/drawing/2014/main" id="{57C64BB9-1761-48D8-9B9E-1FB53139706F}"/>
+              </a:ext>
+            </a:extLst>
+          </p:cNvPr>
+          <p:cNvPicPr>
+            <a:picLocks noGrp="1" noChangeAspect="1"/>
+          </p:cNvPicPr>
+          <p:nvPr>
+            <p:ph idx="1"/>
+          </p:nvPr>
+        </p:nvPicPr>
+        <p:blipFill>
+          <a:blip r:embed="rId2"/>
+          <a:stretch>
+            <a:fillRect/>
+          </a:stretch>
+        </p:blipFill>
+        <p:spPr>
+          <a:xfrm>
+            <a:off x="457200" y="663588"/>
+            <a:ext cx="8229600" cy="2765412"/>
+          </a:xfrm>
+        </p:spPr>
+      </p:pic>
+      <p:pic>
+        <p:nvPicPr>
+          <p:cNvPr id="12" name="Resim 11">
+            <a:extLst>
+              <a:ext uri="{FF2B5EF4-FFF2-40B4-BE49-F238E27FC236}">
+                <a16:creationId xmlns:a16="http://schemas.microsoft.com/office/drawing/2014/main" id="{F977A326-AEC2-4915-A216-4BC1C81467DE}"/>
+              </a:ext>
+            </a:extLst>
+          </p:cNvPr>
+          <p:cNvPicPr>
+            <a:picLocks noChangeAspect="1"/>
+          </p:cNvPicPr>
+          <p:nvPr/>
+        </p:nvPicPr>
+        <p:blipFill>
+          <a:blip r:embed="rId3"/>
+          <a:stretch>
+            <a:fillRect/>
+          </a:stretch>
+        </p:blipFill>
+        <p:spPr>
+          <a:xfrm>
+            <a:off x="457199" y="3519427"/>
+            <a:ext cx="8229600" cy="2787624"/>
+          </a:xfrm>
+          <a:prstGeom prst="rect">
+            <a:avLst/>
+          </a:prstGeom>
+        </p:spPr>
+      </p:pic>
+    </p:spTree>
+    <p:extLst>
+      <p:ext uri="{BB962C8B-B14F-4D97-AF65-F5344CB8AC3E}">
+        <p14:creationId xmlns:p14="http://schemas.microsoft.com/office/powerpoint/2010/main" val="3820946608"/>
+      </p:ext>
+    </p:extLst>
+  </p:cSld>
+  <p:clrMapOvr>
+    <a:masterClrMapping/>
+  </p:clrMapOvr>
+</p:sld>
+</file>
+
+<file path=ppt/slides/slide28.xml><?xml version="1.0" encoding="utf-8"?>
+<p:sld xmlns:a="http://schemas.openxmlformats.org/drawingml/2006/main" xmlns:r="http://schemas.openxmlformats.org/officeDocument/2006/relationships" xmlns:p="http://schemas.openxmlformats.org/presentationml/2006/main">
+  <p:cSld>
+    <p:spTree>
+      <p:nvGrpSpPr>
+        <p:cNvPr id="1" name=""/>
+        <p:cNvGrpSpPr/>
+        <p:nvPr/>
+      </p:nvGrpSpPr>
+      <p:grpSpPr>
+        <a:xfrm>
+          <a:off x="0" y="0"/>
+          <a:ext cx="0" cy="0"/>
+          <a:chOff x="0" y="0"/>
+          <a:chExt cx="0" cy="0"/>
+        </a:xfrm>
+      </p:grpSpPr>
+      <p:sp>
+        <p:nvSpPr>
+          <p:cNvPr id="2" name="Title 1"/>
+          <p:cNvSpPr>
+            <a:spLocks noGrp="1"/>
+          </p:cNvSpPr>
+          <p:nvPr>
+            <p:ph type="title"/>
+          </p:nvPr>
+        </p:nvSpPr>
+        <p:spPr/>
+        <p:txBody>
+          <a:bodyPr/>
+          <a:lstStyle/>
+          <a:p>
+            <a:endParaRPr lang="tr-TR" dirty="0"/>
+          </a:p>
+        </p:txBody>
+      </p:sp>
+      <p:sp>
+        <p:nvSpPr>
+          <p:cNvPr id="3" name="Text Placeholder 2"/>
+          <p:cNvSpPr>
+            <a:spLocks noGrp="1"/>
+          </p:cNvSpPr>
+          <p:nvPr>
+            <p:ph type="body" idx="1"/>
+          </p:nvPr>
+        </p:nvSpPr>
+        <p:spPr/>
+        <p:txBody>
+          <a:bodyPr/>
+          <a:lstStyle/>
+          <a:p>
+            <a:endParaRPr lang="tr-TR"/>
+          </a:p>
+        </p:txBody>
+      </p:sp>
+      <p:sp>
+        <p:nvSpPr>
+          <p:cNvPr id="4" name="Text Placeholder 3"/>
+          <p:cNvSpPr>
+            <a:spLocks noGrp="1"/>
+          </p:cNvSpPr>
+          <p:nvPr>
+            <p:ph type="body" sz="half" idx="3"/>
+          </p:nvPr>
+        </p:nvSpPr>
+        <p:spPr/>
+        <p:txBody>
+          <a:bodyPr/>
+          <a:lstStyle/>
+          <a:p>
+            <a:endParaRPr lang="tr-TR"/>
+          </a:p>
+        </p:txBody>
+      </p:sp>
+      <p:sp>
+        <p:nvSpPr>
+          <p:cNvPr id="5" name="Content Placeholder 4"/>
+          <p:cNvSpPr>
+            <a:spLocks noGrp="1"/>
+          </p:cNvSpPr>
+          <p:nvPr>
+            <p:ph sz="quarter" idx="2"/>
+          </p:nvPr>
+        </p:nvSpPr>
+        <p:spPr/>
+        <p:txBody>
+          <a:bodyPr/>
+          <a:lstStyle/>
+          <a:p>
+            <a:endParaRPr lang="tr-TR"/>
+          </a:p>
+        </p:txBody>
+      </p:sp>
+      <p:sp>
+        <p:nvSpPr>
+          <p:cNvPr id="6" name="Content Placeholder 5"/>
+          <p:cNvSpPr>
+            <a:spLocks noGrp="1"/>
+          </p:cNvSpPr>
+          <p:nvPr>
+            <p:ph sz="quarter" idx="4"/>
+          </p:nvPr>
+        </p:nvSpPr>
+        <p:spPr/>
+        <p:txBody>
+          <a:bodyPr/>
+          <a:lstStyle/>
+          <a:p>
+            <a:endParaRPr lang="tr-TR"/>
+          </a:p>
+        </p:txBody>
+      </p:sp>
+      <p:sp>
+        <p:nvSpPr>
+          <p:cNvPr id="7" name="Slide Number Placeholder 6"/>
+          <p:cNvSpPr>
+            <a:spLocks noGrp="1"/>
+          </p:cNvSpPr>
+          <p:nvPr>
+            <p:ph type="sldNum" sz="quarter" idx="12"/>
+          </p:nvPr>
+        </p:nvSpPr>
+        <p:spPr/>
+        <p:txBody>
+          <a:bodyPr/>
+          <a:lstStyle/>
+          <a:p>
+            <a:pPr>
+              <a:defRPr/>
+            </a:pPr>
+            <a:fld id="{B5012164-718A-4733-A653-425A1A482A4D}" type="slidenum">
+              <a:rPr lang="en-US" smtClean="0"/>
+              <a:pPr>
+                <a:defRPr/>
+              </a:pPr>
+              <a:t>28</a:t>
+            </a:fld>
+            <a:endParaRPr lang="en-US"/>
+          </a:p>
+        </p:txBody>
+      </p:sp>
+      <p:sp>
+        <p:nvSpPr>
+          <p:cNvPr id="8" name="Date Placeholder 7"/>
+          <p:cNvSpPr>
+            <a:spLocks noGrp="1"/>
+          </p:cNvSpPr>
+          <p:nvPr>
+            <p:ph type="dt" sz="half" idx="13"/>
+          </p:nvPr>
+        </p:nvSpPr>
+        <p:spPr/>
+        <p:txBody>
+          <a:bodyPr/>
+          <a:lstStyle/>
+          <a:p>
+            <a:pPr>
+              <a:defRPr/>
+            </a:pPr>
+            <a:r>
+              <a:rPr lang="tr-TR"/>
+              <a:t>METU Electrical &amp; Electronics Engineering Department</a:t>
+            </a:r>
+            <a:endParaRPr lang="en-US" dirty="0"/>
+          </a:p>
+        </p:txBody>
+      </p:sp>
+    </p:spTree>
+    <p:extLst>
+      <p:ext uri="{BB962C8B-B14F-4D97-AF65-F5344CB8AC3E}">
+        <p14:creationId xmlns:p14="http://schemas.microsoft.com/office/powerpoint/2010/main" val="952323304"/>
+      </p:ext>
+    </p:extLst>
+  </p:cSld>
+  <p:clrMapOvr>
+    <a:masterClrMapping/>
+  </p:clrMapOvr>
+</p:sld>
+</file>
+
+<file path=ppt/slides/slide29.xml><?xml version="1.0" encoding="utf-8"?>
+<p:sld xmlns:a="http://schemas.openxmlformats.org/drawingml/2006/main" xmlns:r="http://schemas.openxmlformats.org/officeDocument/2006/relationships" xmlns:p="http://schemas.openxmlformats.org/presentationml/2006/main">
+  <p:cSld>
+    <p:spTree>
+      <p:nvGrpSpPr>
+        <p:cNvPr id="1" name=""/>
+        <p:cNvGrpSpPr/>
+        <p:nvPr/>
+      </p:nvGrpSpPr>
+      <p:grpSpPr>
+        <a:xfrm>
+          <a:off x="0" y="0"/>
+          <a:ext cx="0" cy="0"/>
+          <a:chOff x="0" y="0"/>
+          <a:chExt cx="0" cy="0"/>
+        </a:xfrm>
+      </p:grpSpPr>
+    </p:spTree>
+    <p:extLst>
+      <p:ext uri="{BB962C8B-B14F-4D97-AF65-F5344CB8AC3E}">
+        <p14:creationId xmlns:p14="http://schemas.microsoft.com/office/powerpoint/2010/main" val="3999664581"/>
       </p:ext>
     </p:extLst>
   </p:cSld>
